--- a/design/计分.pptx
+++ b/design/计分.pptx
@@ -260,7 +260,7 @@
           <a:p>
             <a:fld id="{E8FF63CC-E631-1646-9DFE-BE52763C3048}" type="datetimeFigureOut">
               <a:rPr kumimoji="1" lang="zh-CN" altLang="en-US" smtClean="0"/>
-              <a:t>2021/11/9</a:t>
+              <a:t>2021/11/13</a:t>
             </a:fld>
             <a:endParaRPr kumimoji="1" lang="zh-CN" altLang="en-US"/>
           </a:p>
@@ -458,7 +458,7 @@
           <a:p>
             <a:fld id="{E8FF63CC-E631-1646-9DFE-BE52763C3048}" type="datetimeFigureOut">
               <a:rPr kumimoji="1" lang="zh-CN" altLang="en-US" smtClean="0"/>
-              <a:t>2021/11/9</a:t>
+              <a:t>2021/11/13</a:t>
             </a:fld>
             <a:endParaRPr kumimoji="1" lang="zh-CN" altLang="en-US"/>
           </a:p>
@@ -666,7 +666,7 @@
           <a:p>
             <a:fld id="{E8FF63CC-E631-1646-9DFE-BE52763C3048}" type="datetimeFigureOut">
               <a:rPr kumimoji="1" lang="zh-CN" altLang="en-US" smtClean="0"/>
-              <a:t>2021/11/9</a:t>
+              <a:t>2021/11/13</a:t>
             </a:fld>
             <a:endParaRPr kumimoji="1" lang="zh-CN" altLang="en-US"/>
           </a:p>
@@ -864,7 +864,7 @@
           <a:p>
             <a:fld id="{E8FF63CC-E631-1646-9DFE-BE52763C3048}" type="datetimeFigureOut">
               <a:rPr kumimoji="1" lang="zh-CN" altLang="en-US" smtClean="0"/>
-              <a:t>2021/11/9</a:t>
+              <a:t>2021/11/13</a:t>
             </a:fld>
             <a:endParaRPr kumimoji="1" lang="zh-CN" altLang="en-US"/>
           </a:p>
@@ -1139,7 +1139,7 @@
           <a:p>
             <a:fld id="{E8FF63CC-E631-1646-9DFE-BE52763C3048}" type="datetimeFigureOut">
               <a:rPr kumimoji="1" lang="zh-CN" altLang="en-US" smtClean="0"/>
-              <a:t>2021/11/9</a:t>
+              <a:t>2021/11/13</a:t>
             </a:fld>
             <a:endParaRPr kumimoji="1" lang="zh-CN" altLang="en-US"/>
           </a:p>
@@ -1404,7 +1404,7 @@
           <a:p>
             <a:fld id="{E8FF63CC-E631-1646-9DFE-BE52763C3048}" type="datetimeFigureOut">
               <a:rPr kumimoji="1" lang="zh-CN" altLang="en-US" smtClean="0"/>
-              <a:t>2021/11/9</a:t>
+              <a:t>2021/11/13</a:t>
             </a:fld>
             <a:endParaRPr kumimoji="1" lang="zh-CN" altLang="en-US"/>
           </a:p>
@@ -1816,7 +1816,7 @@
           <a:p>
             <a:fld id="{E8FF63CC-E631-1646-9DFE-BE52763C3048}" type="datetimeFigureOut">
               <a:rPr kumimoji="1" lang="zh-CN" altLang="en-US" smtClean="0"/>
-              <a:t>2021/11/9</a:t>
+              <a:t>2021/11/13</a:t>
             </a:fld>
             <a:endParaRPr kumimoji="1" lang="zh-CN" altLang="en-US"/>
           </a:p>
@@ -1957,7 +1957,7 @@
           <a:p>
             <a:fld id="{E8FF63CC-E631-1646-9DFE-BE52763C3048}" type="datetimeFigureOut">
               <a:rPr kumimoji="1" lang="zh-CN" altLang="en-US" smtClean="0"/>
-              <a:t>2021/11/9</a:t>
+              <a:t>2021/11/13</a:t>
             </a:fld>
             <a:endParaRPr kumimoji="1" lang="zh-CN" altLang="en-US"/>
           </a:p>
@@ -2070,7 +2070,7 @@
           <a:p>
             <a:fld id="{E8FF63CC-E631-1646-9DFE-BE52763C3048}" type="datetimeFigureOut">
               <a:rPr kumimoji="1" lang="zh-CN" altLang="en-US" smtClean="0"/>
-              <a:t>2021/11/9</a:t>
+              <a:t>2021/11/13</a:t>
             </a:fld>
             <a:endParaRPr kumimoji="1" lang="zh-CN" altLang="en-US"/>
           </a:p>
@@ -2381,7 +2381,7 @@
           <a:p>
             <a:fld id="{E8FF63CC-E631-1646-9DFE-BE52763C3048}" type="datetimeFigureOut">
               <a:rPr kumimoji="1" lang="zh-CN" altLang="en-US" smtClean="0"/>
-              <a:t>2021/11/9</a:t>
+              <a:t>2021/11/13</a:t>
             </a:fld>
             <a:endParaRPr kumimoji="1" lang="zh-CN" altLang="en-US"/>
           </a:p>
@@ -2669,7 +2669,7 @@
           <a:p>
             <a:fld id="{E8FF63CC-E631-1646-9DFE-BE52763C3048}" type="datetimeFigureOut">
               <a:rPr kumimoji="1" lang="zh-CN" altLang="en-US" smtClean="0"/>
-              <a:t>2021/11/9</a:t>
+              <a:t>2021/11/13</a:t>
             </a:fld>
             <a:endParaRPr kumimoji="1" lang="zh-CN" altLang="en-US"/>
           </a:p>
@@ -2910,7 +2910,7 @@
           <a:p>
             <a:fld id="{E8FF63CC-E631-1646-9DFE-BE52763C3048}" type="datetimeFigureOut">
               <a:rPr kumimoji="1" lang="zh-CN" altLang="en-US" smtClean="0"/>
-              <a:t>2021/11/9</a:t>
+              <a:t>2021/11/13</a:t>
             </a:fld>
             <a:endParaRPr kumimoji="1" lang="zh-CN" altLang="en-US"/>
           </a:p>
@@ -3341,7 +3341,7 @@
         </p:nvSpPr>
         <p:spPr>
           <a:xfrm>
-            <a:off x="228597" y="5745365"/>
+            <a:off x="228597" y="5421805"/>
             <a:ext cx="4539346" cy="951927"/>
           </a:xfrm>
           <a:prstGeom prst="rightArrowCallout">
@@ -3391,7 +3391,7 @@
         <p:spPr>
           <a:xfrm>
             <a:off x="228597" y="4431059"/>
-            <a:ext cx="4539346" cy="1283370"/>
+            <a:ext cx="4539346" cy="960807"/>
           </a:xfrm>
           <a:prstGeom prst="rightArrowCallout">
             <a:avLst/>
@@ -4563,10 +4563,10 @@
       </p:sp>
       <p:sp>
         <p:nvSpPr>
-          <p:cNvPr id="20" name="矩形 19">
-            <a:extLst>
-              <a:ext uri="{FF2B5EF4-FFF2-40B4-BE49-F238E27FC236}">
-                <a16:creationId xmlns:a16="http://schemas.microsoft.com/office/drawing/2014/main" id="{145BDEF6-DD52-D343-88C5-729D664C0BA8}"/>
+          <p:cNvPr id="21" name="矩形 20">
+            <a:extLst>
+              <a:ext uri="{FF2B5EF4-FFF2-40B4-BE49-F238E27FC236}">
+                <a16:creationId xmlns:a16="http://schemas.microsoft.com/office/drawing/2014/main" id="{4C99D7D1-F897-9C41-8C92-863D9CAFB60C}"/>
               </a:ext>
             </a:extLst>
           </p:cNvPr>
@@ -4575,14 +4575,14 @@
         </p:nvSpPr>
         <p:spPr>
           <a:xfrm>
-            <a:off x="250369" y="5416503"/>
+            <a:off x="250369" y="5419228"/>
             <a:ext cx="2906487" cy="272143"/>
           </a:xfrm>
           <a:prstGeom prst="rect">
             <a:avLst/>
           </a:prstGeom>
           <a:solidFill>
-            <a:srgbClr val="7030A0"/>
+            <a:srgbClr val="0070C0"/>
           </a:solidFill>
         </p:spPr>
         <p:style>
@@ -4608,11 +4608,11 @@
             <a:pPr algn="ctr"/>
             <a:r>
               <a:rPr kumimoji="1" lang="zh-CN" altLang="en-US" sz="1200" dirty="0"/>
-              <a:t>运营影响</a:t>
+              <a:t>开发生命周期</a:t>
             </a:r>
             <a:r>
               <a:rPr kumimoji="1" lang="en-US" altLang="zh-CN" sz="1200" dirty="0"/>
-              <a:t>[OI]</a:t>
+              <a:t>[DLC]</a:t>
             </a:r>
             <a:endParaRPr kumimoji="1" lang="zh-CN" altLang="en-US" sz="1200" dirty="0"/>
           </a:p>
@@ -4620,10 +4620,10 @@
       </p:sp>
       <p:sp>
         <p:nvSpPr>
-          <p:cNvPr id="21" name="矩形 20">
-            <a:extLst>
-              <a:ext uri="{FF2B5EF4-FFF2-40B4-BE49-F238E27FC236}">
-                <a16:creationId xmlns:a16="http://schemas.microsoft.com/office/drawing/2014/main" id="{4C99D7D1-F897-9C41-8C92-863D9CAFB60C}"/>
+          <p:cNvPr id="22" name="矩形 21">
+            <a:extLst>
+              <a:ext uri="{FF2B5EF4-FFF2-40B4-BE49-F238E27FC236}">
+                <a16:creationId xmlns:a16="http://schemas.microsoft.com/office/drawing/2014/main" id="{374AF924-F882-8543-A932-5BF199F33255}"/>
               </a:ext>
             </a:extLst>
           </p:cNvPr>
@@ -4632,7 +4632,7 @@
         </p:nvSpPr>
         <p:spPr>
           <a:xfrm>
-            <a:off x="250369" y="5742788"/>
+            <a:off x="250369" y="5745513"/>
             <a:ext cx="2906487" cy="272143"/>
           </a:xfrm>
           <a:prstGeom prst="rect">
@@ -4665,11 +4665,11 @@
             <a:pPr algn="ctr"/>
             <a:r>
               <a:rPr kumimoji="1" lang="zh-CN" altLang="en-US" sz="1200" dirty="0"/>
-              <a:t>开发生命周期</a:t>
+              <a:t>运维生命周期</a:t>
             </a:r>
             <a:r>
               <a:rPr kumimoji="1" lang="en-US" altLang="zh-CN" sz="1200" dirty="0"/>
-              <a:t>[DLC]</a:t>
+              <a:t>[OLC]</a:t>
             </a:r>
             <a:endParaRPr kumimoji="1" lang="zh-CN" altLang="en-US" sz="1200" dirty="0"/>
           </a:p>
@@ -4677,10 +4677,10 @@
       </p:sp>
       <p:sp>
         <p:nvSpPr>
-          <p:cNvPr id="22" name="矩形 21">
-            <a:extLst>
-              <a:ext uri="{FF2B5EF4-FFF2-40B4-BE49-F238E27FC236}">
-                <a16:creationId xmlns:a16="http://schemas.microsoft.com/office/drawing/2014/main" id="{374AF924-F882-8543-A932-5BF199F33255}"/>
+          <p:cNvPr id="23" name="矩形 22">
+            <a:extLst>
+              <a:ext uri="{FF2B5EF4-FFF2-40B4-BE49-F238E27FC236}">
+                <a16:creationId xmlns:a16="http://schemas.microsoft.com/office/drawing/2014/main" id="{A0C9396B-E8FD-814B-94E1-39ECF4EF37A2}"/>
               </a:ext>
             </a:extLst>
           </p:cNvPr>
@@ -4689,7 +4689,7 @@
         </p:nvSpPr>
         <p:spPr>
           <a:xfrm>
-            <a:off x="250369" y="6069073"/>
+            <a:off x="250369" y="6071796"/>
             <a:ext cx="2906487" cy="272143"/>
           </a:xfrm>
           <a:prstGeom prst="rect">
@@ -4722,11 +4722,11 @@
             <a:pPr algn="ctr"/>
             <a:r>
               <a:rPr kumimoji="1" lang="zh-CN" altLang="en-US" sz="1200" dirty="0"/>
-              <a:t>运维生命周期</a:t>
+              <a:t>员工安全意识</a:t>
             </a:r>
             <a:r>
               <a:rPr kumimoji="1" lang="en-US" altLang="zh-CN" sz="1200" dirty="0"/>
-              <a:t>[OLC]</a:t>
+              <a:t>[ESA]</a:t>
             </a:r>
             <a:endParaRPr kumimoji="1" lang="zh-CN" altLang="en-US" sz="1200" dirty="0"/>
           </a:p>
@@ -4734,10 +4734,10 @@
       </p:sp>
       <p:sp>
         <p:nvSpPr>
-          <p:cNvPr id="23" name="矩形 22">
-            <a:extLst>
-              <a:ext uri="{FF2B5EF4-FFF2-40B4-BE49-F238E27FC236}">
-                <a16:creationId xmlns:a16="http://schemas.microsoft.com/office/drawing/2014/main" id="{A0C9396B-E8FD-814B-94E1-39ECF4EF37A2}"/>
+          <p:cNvPr id="30" name="矩形 29">
+            <a:extLst>
+              <a:ext uri="{FF2B5EF4-FFF2-40B4-BE49-F238E27FC236}">
+                <a16:creationId xmlns:a16="http://schemas.microsoft.com/office/drawing/2014/main" id="{870C6F0F-DC58-A448-BDC0-C1DFFD65D859}"/>
               </a:ext>
             </a:extLst>
           </p:cNvPr>
@@ -4746,14 +4746,16 @@
         </p:nvSpPr>
         <p:spPr>
           <a:xfrm>
-            <a:off x="250369" y="6395356"/>
-            <a:ext cx="2906487" cy="272143"/>
+            <a:off x="4788950" y="370001"/>
+            <a:ext cx="2467830" cy="589208"/>
           </a:xfrm>
           <a:prstGeom prst="rect">
             <a:avLst/>
           </a:prstGeom>
           <a:solidFill>
-            <a:srgbClr val="0070C0"/>
+            <a:schemeClr val="accent2">
+              <a:lumMod val="75000"/>
+            </a:schemeClr>
           </a:solidFill>
         </p:spPr>
         <p:style>
@@ -4778,23 +4780,23 @@
           <a:p>
             <a:pPr algn="ctr"/>
             <a:r>
-              <a:rPr kumimoji="1" lang="zh-CN" altLang="en-US" sz="1200" dirty="0"/>
-              <a:t>员工安全意识</a:t>
-            </a:r>
-            <a:r>
-              <a:rPr kumimoji="1" lang="en-US" altLang="zh-CN" sz="1200" dirty="0"/>
-              <a:t>[ESA]</a:t>
-            </a:r>
-            <a:endParaRPr kumimoji="1" lang="zh-CN" altLang="en-US" sz="1200" dirty="0"/>
-          </a:p>
-        </p:txBody>
-      </p:sp>
-      <p:sp>
-        <p:nvSpPr>
-          <p:cNvPr id="30" name="矩形 29">
-            <a:extLst>
-              <a:ext uri="{FF2B5EF4-FFF2-40B4-BE49-F238E27FC236}">
-                <a16:creationId xmlns:a16="http://schemas.microsoft.com/office/drawing/2014/main" id="{870C6F0F-DC58-A448-BDC0-C1DFFD65D859}"/>
+              <a:rPr kumimoji="1" lang="zh-CN" altLang="en-US" sz="1600"/>
+              <a:t>攻击实力</a:t>
+            </a:r>
+            <a:r>
+              <a:rPr kumimoji="1" lang="en-US" altLang="zh-CN" sz="1600" dirty="0"/>
+              <a:t>[AS]</a:t>
+            </a:r>
+            <a:endParaRPr kumimoji="1" lang="zh-CN" altLang="en-US" sz="1600" dirty="0"/>
+          </a:p>
+        </p:txBody>
+      </p:sp>
+      <p:sp>
+        <p:nvSpPr>
+          <p:cNvPr id="31" name="矩形 30">
+            <a:extLst>
+              <a:ext uri="{FF2B5EF4-FFF2-40B4-BE49-F238E27FC236}">
+                <a16:creationId xmlns:a16="http://schemas.microsoft.com/office/drawing/2014/main" id="{C54E329B-44DB-D247-B9C4-96280030AB3C}"/>
               </a:ext>
             </a:extLst>
           </p:cNvPr>
@@ -4803,14 +4805,14 @@
         </p:nvSpPr>
         <p:spPr>
           <a:xfrm>
-            <a:off x="4788950" y="370001"/>
+            <a:off x="4788950" y="1512028"/>
             <a:ext cx="2467830" cy="589208"/>
           </a:xfrm>
           <a:prstGeom prst="rect">
             <a:avLst/>
           </a:prstGeom>
           <a:solidFill>
-            <a:schemeClr val="accent2">
+            <a:schemeClr val="accent6">
               <a:lumMod val="75000"/>
             </a:schemeClr>
           </a:solidFill>
@@ -4837,12 +4839,12 @@
           <a:p>
             <a:pPr algn="ctr"/>
             <a:r>
-              <a:rPr kumimoji="1" lang="zh-CN" altLang="en-US" sz="1600"/>
-              <a:t>攻击实力</a:t>
+              <a:rPr kumimoji="1" lang="zh-CN" altLang="en-US" sz="1600" dirty="0"/>
+              <a:t>防守实力</a:t>
             </a:r>
             <a:r>
               <a:rPr kumimoji="1" lang="en-US" altLang="zh-CN" sz="1600" dirty="0"/>
-              <a:t>[AS]</a:t>
+              <a:t>[DS]</a:t>
             </a:r>
             <a:endParaRPr kumimoji="1" lang="zh-CN" altLang="en-US" sz="1600" dirty="0"/>
           </a:p>
@@ -4850,10 +4852,10 @@
       </p:sp>
       <p:sp>
         <p:nvSpPr>
-          <p:cNvPr id="31" name="矩形 30">
-            <a:extLst>
-              <a:ext uri="{FF2B5EF4-FFF2-40B4-BE49-F238E27FC236}">
-                <a16:creationId xmlns:a16="http://schemas.microsoft.com/office/drawing/2014/main" id="{C54E329B-44DB-D247-B9C4-96280030AB3C}"/>
+          <p:cNvPr id="32" name="矩形 31">
+            <a:extLst>
+              <a:ext uri="{FF2B5EF4-FFF2-40B4-BE49-F238E27FC236}">
+                <a16:creationId xmlns:a16="http://schemas.microsoft.com/office/drawing/2014/main" id="{34F16C83-4D04-D941-8A0D-FAFECE8140F3}"/>
               </a:ext>
             </a:extLst>
           </p:cNvPr>
@@ -4862,14 +4864,14 @@
         </p:nvSpPr>
         <p:spPr>
           <a:xfrm>
-            <a:off x="4788950" y="1512028"/>
+            <a:off x="4788950" y="2654055"/>
             <a:ext cx="2467830" cy="589208"/>
           </a:xfrm>
           <a:prstGeom prst="rect">
             <a:avLst/>
           </a:prstGeom>
           <a:solidFill>
-            <a:schemeClr val="accent6">
+            <a:schemeClr val="accent4">
               <a:lumMod val="75000"/>
             </a:schemeClr>
           </a:solidFill>
@@ -4897,11 +4899,11 @@
             <a:pPr algn="ctr"/>
             <a:r>
               <a:rPr kumimoji="1" lang="zh-CN" altLang="en-US" sz="1600" dirty="0"/>
-              <a:t>防守实力</a:t>
+              <a:t>漏洞风险</a:t>
             </a:r>
             <a:r>
               <a:rPr kumimoji="1" lang="en-US" altLang="zh-CN" sz="1600" dirty="0"/>
-              <a:t>[DS]</a:t>
+              <a:t>[VR]</a:t>
             </a:r>
             <a:endParaRPr kumimoji="1" lang="zh-CN" altLang="en-US" sz="1600" dirty="0"/>
           </a:p>
@@ -4909,10 +4911,10 @@
       </p:sp>
       <p:sp>
         <p:nvSpPr>
-          <p:cNvPr id="32" name="矩形 31">
-            <a:extLst>
-              <a:ext uri="{FF2B5EF4-FFF2-40B4-BE49-F238E27FC236}">
-                <a16:creationId xmlns:a16="http://schemas.microsoft.com/office/drawing/2014/main" id="{34F16C83-4D04-D941-8A0D-FAFECE8140F3}"/>
+          <p:cNvPr id="33" name="矩形 32">
+            <a:extLst>
+              <a:ext uri="{FF2B5EF4-FFF2-40B4-BE49-F238E27FC236}">
+                <a16:creationId xmlns:a16="http://schemas.microsoft.com/office/drawing/2014/main" id="{346C582C-E4B7-EC43-A5F0-6C8C38A6FF86}"/>
               </a:ext>
             </a:extLst>
           </p:cNvPr>
@@ -4921,16 +4923,14 @@
         </p:nvSpPr>
         <p:spPr>
           <a:xfrm>
-            <a:off x="4788950" y="2654055"/>
+            <a:off x="4788950" y="3654564"/>
             <a:ext cx="2467830" cy="589208"/>
           </a:xfrm>
           <a:prstGeom prst="rect">
             <a:avLst/>
           </a:prstGeom>
           <a:solidFill>
-            <a:schemeClr val="accent4">
-              <a:lumMod val="75000"/>
-            </a:schemeClr>
+            <a:srgbClr val="C00000"/>
           </a:solidFill>
         </p:spPr>
         <p:style>
@@ -4956,11 +4956,11 @@
             <a:pPr algn="ctr"/>
             <a:r>
               <a:rPr kumimoji="1" lang="zh-CN" altLang="en-US" sz="1600" dirty="0"/>
-              <a:t>漏洞风险</a:t>
+              <a:t>技术影响</a:t>
             </a:r>
             <a:r>
               <a:rPr kumimoji="1" lang="en-US" altLang="zh-CN" sz="1600" dirty="0"/>
-              <a:t>[VR]</a:t>
+              <a:t>[TI]</a:t>
             </a:r>
             <a:endParaRPr kumimoji="1" lang="zh-CN" altLang="en-US" sz="1600" dirty="0"/>
           </a:p>
@@ -4968,10 +4968,10 @@
       </p:sp>
       <p:sp>
         <p:nvSpPr>
-          <p:cNvPr id="33" name="矩形 32">
-            <a:extLst>
-              <a:ext uri="{FF2B5EF4-FFF2-40B4-BE49-F238E27FC236}">
-                <a16:creationId xmlns:a16="http://schemas.microsoft.com/office/drawing/2014/main" id="{346C582C-E4B7-EC43-A5F0-6C8C38A6FF86}"/>
+          <p:cNvPr id="34" name="矩形 33">
+            <a:extLst>
+              <a:ext uri="{FF2B5EF4-FFF2-40B4-BE49-F238E27FC236}">
+                <a16:creationId xmlns:a16="http://schemas.microsoft.com/office/drawing/2014/main" id="{BDCFF73F-2C5D-6244-89B6-8FD4562470D8}"/>
               </a:ext>
             </a:extLst>
           </p:cNvPr>
@@ -4980,14 +4980,14 @@
         </p:nvSpPr>
         <p:spPr>
           <a:xfrm>
-            <a:off x="4788950" y="3654564"/>
+            <a:off x="4788950" y="4785705"/>
             <a:ext cx="2467830" cy="589208"/>
           </a:xfrm>
           <a:prstGeom prst="rect">
             <a:avLst/>
           </a:prstGeom>
           <a:solidFill>
-            <a:srgbClr val="C00000"/>
+            <a:srgbClr val="7030A0"/>
           </a:solidFill>
         </p:spPr>
         <p:style>
@@ -5013,63 +5013,6 @@
             <a:pPr algn="ctr"/>
             <a:r>
               <a:rPr kumimoji="1" lang="zh-CN" altLang="en-US" sz="1600" dirty="0"/>
-              <a:t>技术影响</a:t>
-            </a:r>
-            <a:r>
-              <a:rPr kumimoji="1" lang="en-US" altLang="zh-CN" sz="1600" dirty="0"/>
-              <a:t>[TI]</a:t>
-            </a:r>
-            <a:endParaRPr kumimoji="1" lang="zh-CN" altLang="en-US" sz="1600" dirty="0"/>
-          </a:p>
-        </p:txBody>
-      </p:sp>
-      <p:sp>
-        <p:nvSpPr>
-          <p:cNvPr id="34" name="矩形 33">
-            <a:extLst>
-              <a:ext uri="{FF2B5EF4-FFF2-40B4-BE49-F238E27FC236}">
-                <a16:creationId xmlns:a16="http://schemas.microsoft.com/office/drawing/2014/main" id="{BDCFF73F-2C5D-6244-89B6-8FD4562470D8}"/>
-              </a:ext>
-            </a:extLst>
-          </p:cNvPr>
-          <p:cNvSpPr/>
-          <p:nvPr/>
-        </p:nvSpPr>
-        <p:spPr>
-          <a:xfrm>
-            <a:off x="4788950" y="4785705"/>
-            <a:ext cx="2467830" cy="589208"/>
-          </a:xfrm>
-          <a:prstGeom prst="rect">
-            <a:avLst/>
-          </a:prstGeom>
-          <a:solidFill>
-            <a:srgbClr val="7030A0"/>
-          </a:solidFill>
-        </p:spPr>
-        <p:style>
-          <a:lnRef idx="2">
-            <a:schemeClr val="accent1">
-              <a:shade val="50000"/>
-            </a:schemeClr>
-          </a:lnRef>
-          <a:fillRef idx="1">
-            <a:schemeClr val="accent1"/>
-          </a:fillRef>
-          <a:effectRef idx="0">
-            <a:schemeClr val="accent1"/>
-          </a:effectRef>
-          <a:fontRef idx="minor">
-            <a:schemeClr val="lt1"/>
-          </a:fontRef>
-        </p:style>
-        <p:txBody>
-          <a:bodyPr rtlCol="0" anchor="ctr"/>
-          <a:lstStyle/>
-          <a:p>
-            <a:pPr algn="ctr"/>
-            <a:r>
-              <a:rPr kumimoji="1" lang="zh-CN" altLang="en-US" sz="1600" dirty="0"/>
               <a:t>企业影响</a:t>
             </a:r>
             <a:r>
@@ -5094,7 +5037,7 @@
         </p:nvSpPr>
         <p:spPr>
           <a:xfrm>
-            <a:off x="4788950" y="5927732"/>
+            <a:off x="4788950" y="5604172"/>
             <a:ext cx="2467830" cy="589208"/>
           </a:xfrm>
           <a:prstGeom prst="rect">
@@ -5792,17 +5735,18 @@
           </p:cNvPr>
           <p:cNvCxnSpPr>
             <a:cxnSpLocks/>
+            <a:stCxn id="35" idx="3"/>
           </p:cNvCxnSpPr>
           <p:nvPr/>
         </p:nvCxnSpPr>
         <p:spPr>
           <a:xfrm flipV="1">
-            <a:off x="7256788" y="4263765"/>
-            <a:ext cx="1894117" cy="2044796"/>
+            <a:off x="7256780" y="4263766"/>
+            <a:ext cx="1894125" cy="1635010"/>
           </a:xfrm>
           <a:prstGeom prst="bentConnector3">
             <a:avLst>
-              <a:gd name="adj1" fmla="val 70398"/>
+              <a:gd name="adj1" fmla="val 70796"/>
             </a:avLst>
           </a:prstGeom>
           <a:ln w="127000" cap="flat" cmpd="sng">
@@ -6023,7 +5967,7 @@
         </p:nvSpPr>
         <p:spPr>
           <a:xfrm>
-            <a:off x="228597" y="5745365"/>
+            <a:off x="228597" y="5421807"/>
             <a:ext cx="4356282" cy="951927"/>
           </a:xfrm>
           <a:prstGeom prst="rightArrowCallout">
@@ -6073,7 +6017,7 @@
         <p:spPr>
           <a:xfrm>
             <a:off x="228597" y="4431059"/>
-            <a:ext cx="4356282" cy="1283370"/>
+            <a:ext cx="4356282" cy="960719"/>
           </a:xfrm>
           <a:prstGeom prst="rightArrowCallout">
             <a:avLst/>
@@ -7309,10 +7253,10 @@
       </p:sp>
       <p:sp>
         <p:nvSpPr>
-          <p:cNvPr id="20" name="矩形 19">
-            <a:extLst>
-              <a:ext uri="{FF2B5EF4-FFF2-40B4-BE49-F238E27FC236}">
-                <a16:creationId xmlns:a16="http://schemas.microsoft.com/office/drawing/2014/main" id="{145BDEF6-DD52-D343-88C5-729D664C0BA8}"/>
+          <p:cNvPr id="21" name="矩形 20">
+            <a:extLst>
+              <a:ext uri="{FF2B5EF4-FFF2-40B4-BE49-F238E27FC236}">
+                <a16:creationId xmlns:a16="http://schemas.microsoft.com/office/drawing/2014/main" id="{4C99D7D1-F897-9C41-8C92-863D9CAFB60C}"/>
               </a:ext>
             </a:extLst>
           </p:cNvPr>
@@ -7321,14 +7265,14 @@
         </p:nvSpPr>
         <p:spPr>
           <a:xfrm>
-            <a:off x="250370" y="5419080"/>
+            <a:off x="250370" y="5421807"/>
             <a:ext cx="2763286" cy="269566"/>
           </a:xfrm>
           <a:prstGeom prst="rect">
             <a:avLst/>
           </a:prstGeom>
           <a:solidFill>
-            <a:srgbClr val="7030A0"/>
+            <a:srgbClr val="0070C0"/>
           </a:solidFill>
         </p:spPr>
         <p:style>
@@ -7354,7 +7298,7 @@
             <a:pPr algn="ctr"/>
             <a:r>
               <a:rPr kumimoji="1" lang="en" altLang="zh-CN" sz="1200" dirty="0"/>
-              <a:t>Operation Impact</a:t>
+              <a:t>Development Life Circle</a:t>
             </a:r>
             <a:r>
               <a:rPr kumimoji="1" lang="zh-CN" altLang="en-US" sz="1200" dirty="0"/>
@@ -7362,7 +7306,7 @@
             </a:r>
             <a:r>
               <a:rPr kumimoji="1" lang="en-US" altLang="zh-CN" sz="1200" dirty="0"/>
-              <a:t>[OI]</a:t>
+              <a:t>[DLC]</a:t>
             </a:r>
             <a:endParaRPr kumimoji="1" lang="zh-CN" altLang="en-US" sz="1200" dirty="0"/>
           </a:p>
@@ -7370,10 +7314,10 @@
       </p:sp>
       <p:sp>
         <p:nvSpPr>
-          <p:cNvPr id="21" name="矩形 20">
-            <a:extLst>
-              <a:ext uri="{FF2B5EF4-FFF2-40B4-BE49-F238E27FC236}">
-                <a16:creationId xmlns:a16="http://schemas.microsoft.com/office/drawing/2014/main" id="{4C99D7D1-F897-9C41-8C92-863D9CAFB60C}"/>
+          <p:cNvPr id="22" name="矩形 21">
+            <a:extLst>
+              <a:ext uri="{FF2B5EF4-FFF2-40B4-BE49-F238E27FC236}">
+                <a16:creationId xmlns:a16="http://schemas.microsoft.com/office/drawing/2014/main" id="{374AF924-F882-8543-A932-5BF199F33255}"/>
               </a:ext>
             </a:extLst>
           </p:cNvPr>
@@ -7382,7 +7326,7 @@
         </p:nvSpPr>
         <p:spPr>
           <a:xfrm>
-            <a:off x="250370" y="5745365"/>
+            <a:off x="250370" y="5748092"/>
             <a:ext cx="2763286" cy="269566"/>
           </a:xfrm>
           <a:prstGeom prst="rect">
@@ -7415,7 +7359,7 @@
             <a:pPr algn="ctr"/>
             <a:r>
               <a:rPr kumimoji="1" lang="en" altLang="zh-CN" sz="1200" dirty="0"/>
-              <a:t>Development Life Circle</a:t>
+              <a:t>Operation Life Circle</a:t>
             </a:r>
             <a:r>
               <a:rPr kumimoji="1" lang="zh-CN" altLang="en-US" sz="1200" dirty="0"/>
@@ -7423,7 +7367,7 @@
             </a:r>
             <a:r>
               <a:rPr kumimoji="1" lang="en-US" altLang="zh-CN" sz="1200" dirty="0"/>
-              <a:t>[DLC]</a:t>
+              <a:t>[OLC]</a:t>
             </a:r>
             <a:endParaRPr kumimoji="1" lang="zh-CN" altLang="en-US" sz="1200" dirty="0"/>
           </a:p>
@@ -7431,10 +7375,10 @@
       </p:sp>
       <p:sp>
         <p:nvSpPr>
-          <p:cNvPr id="22" name="矩形 21">
-            <a:extLst>
-              <a:ext uri="{FF2B5EF4-FFF2-40B4-BE49-F238E27FC236}">
-                <a16:creationId xmlns:a16="http://schemas.microsoft.com/office/drawing/2014/main" id="{374AF924-F882-8543-A932-5BF199F33255}"/>
+          <p:cNvPr id="23" name="矩形 22">
+            <a:extLst>
+              <a:ext uri="{FF2B5EF4-FFF2-40B4-BE49-F238E27FC236}">
+                <a16:creationId xmlns:a16="http://schemas.microsoft.com/office/drawing/2014/main" id="{A0C9396B-E8FD-814B-94E1-39ECF4EF37A2}"/>
               </a:ext>
             </a:extLst>
           </p:cNvPr>
@@ -7443,7 +7387,7 @@
         </p:nvSpPr>
         <p:spPr>
           <a:xfrm>
-            <a:off x="250370" y="6071650"/>
+            <a:off x="250370" y="6074375"/>
             <a:ext cx="2763286" cy="269566"/>
           </a:xfrm>
           <a:prstGeom prst="rect">
@@ -7476,7 +7420,7 @@
             <a:pPr algn="ctr"/>
             <a:r>
               <a:rPr kumimoji="1" lang="en" altLang="zh-CN" sz="1200" dirty="0"/>
-              <a:t>Operation Life Circle</a:t>
+              <a:t>Employment Security Awareness</a:t>
             </a:r>
             <a:r>
               <a:rPr kumimoji="1" lang="zh-CN" altLang="en-US" sz="1200" dirty="0"/>
@@ -7484,7 +7428,7 @@
             </a:r>
             <a:r>
               <a:rPr kumimoji="1" lang="en-US" altLang="zh-CN" sz="1200" dirty="0"/>
-              <a:t>[OLC]</a:t>
+              <a:t>[ESA]</a:t>
             </a:r>
             <a:endParaRPr kumimoji="1" lang="zh-CN" altLang="en-US" sz="1200" dirty="0"/>
           </a:p>
@@ -7492,10 +7436,10 @@
       </p:sp>
       <p:sp>
         <p:nvSpPr>
-          <p:cNvPr id="23" name="矩形 22">
-            <a:extLst>
-              <a:ext uri="{FF2B5EF4-FFF2-40B4-BE49-F238E27FC236}">
-                <a16:creationId xmlns:a16="http://schemas.microsoft.com/office/drawing/2014/main" id="{A0C9396B-E8FD-814B-94E1-39ECF4EF37A2}"/>
+          <p:cNvPr id="30" name="矩形 29">
+            <a:extLst>
+              <a:ext uri="{FF2B5EF4-FFF2-40B4-BE49-F238E27FC236}">
+                <a16:creationId xmlns:a16="http://schemas.microsoft.com/office/drawing/2014/main" id="{870C6F0F-DC58-A448-BDC0-C1DFFD65D859}"/>
               </a:ext>
             </a:extLst>
           </p:cNvPr>
@@ -7504,14 +7448,16 @@
         </p:nvSpPr>
         <p:spPr>
           <a:xfrm>
-            <a:off x="250370" y="6397933"/>
-            <a:ext cx="2763286" cy="269566"/>
+            <a:off x="4606189" y="377874"/>
+            <a:ext cx="2609345" cy="598200"/>
           </a:xfrm>
           <a:prstGeom prst="rect">
             <a:avLst/>
           </a:prstGeom>
           <a:solidFill>
-            <a:srgbClr val="0070C0"/>
+            <a:schemeClr val="accent2">
+              <a:lumMod val="75000"/>
+            </a:schemeClr>
           </a:solidFill>
         </p:spPr>
         <p:style>
@@ -7536,27 +7482,27 @@
           <a:p>
             <a:pPr algn="ctr"/>
             <a:r>
-              <a:rPr kumimoji="1" lang="en" altLang="zh-CN" sz="1200" dirty="0"/>
-              <a:t>Employment Security Awareness</a:t>
-            </a:r>
-            <a:r>
-              <a:rPr kumimoji="1" lang="zh-CN" altLang="en-US" sz="1200" dirty="0"/>
+              <a:rPr kumimoji="1" lang="en" altLang="zh-CN" sz="1600" dirty="0"/>
+              <a:t>Attack Strength</a:t>
+            </a:r>
+            <a:r>
+              <a:rPr kumimoji="1" lang="zh-CN" altLang="en-US" sz="1600" dirty="0"/>
               <a:t> </a:t>
             </a:r>
             <a:r>
-              <a:rPr kumimoji="1" lang="en-US" altLang="zh-CN" sz="1200" dirty="0"/>
-              <a:t>[ESA]</a:t>
-            </a:r>
-            <a:endParaRPr kumimoji="1" lang="zh-CN" altLang="en-US" sz="1200" dirty="0"/>
-          </a:p>
-        </p:txBody>
-      </p:sp>
-      <p:sp>
-        <p:nvSpPr>
-          <p:cNvPr id="30" name="矩形 29">
-            <a:extLst>
-              <a:ext uri="{FF2B5EF4-FFF2-40B4-BE49-F238E27FC236}">
-                <a16:creationId xmlns:a16="http://schemas.microsoft.com/office/drawing/2014/main" id="{870C6F0F-DC58-A448-BDC0-C1DFFD65D859}"/>
+              <a:rPr kumimoji="1" lang="en-US" altLang="zh-CN" sz="1600" dirty="0"/>
+              <a:t>[AS]</a:t>
+            </a:r>
+            <a:endParaRPr kumimoji="1" lang="zh-CN" altLang="en-US" sz="1600" dirty="0"/>
+          </a:p>
+        </p:txBody>
+      </p:sp>
+      <p:sp>
+        <p:nvSpPr>
+          <p:cNvPr id="31" name="矩形 30">
+            <a:extLst>
+              <a:ext uri="{FF2B5EF4-FFF2-40B4-BE49-F238E27FC236}">
+                <a16:creationId xmlns:a16="http://schemas.microsoft.com/office/drawing/2014/main" id="{C54E329B-44DB-D247-B9C4-96280030AB3C}"/>
               </a:ext>
             </a:extLst>
           </p:cNvPr>
@@ -7565,14 +7511,14 @@
         </p:nvSpPr>
         <p:spPr>
           <a:xfrm>
-            <a:off x="4606189" y="377874"/>
+            <a:off x="4606189" y="1519901"/>
             <a:ext cx="2609345" cy="598200"/>
           </a:xfrm>
           <a:prstGeom prst="rect">
             <a:avLst/>
           </a:prstGeom>
           <a:solidFill>
-            <a:schemeClr val="accent2">
+            <a:schemeClr val="accent6">
               <a:lumMod val="75000"/>
             </a:schemeClr>
           </a:solidFill>
@@ -7600,7 +7546,7 @@
             <a:pPr algn="ctr"/>
             <a:r>
               <a:rPr kumimoji="1" lang="en" altLang="zh-CN" sz="1600" dirty="0"/>
-              <a:t>Attack Strength</a:t>
+              <a:t>Defense Strength</a:t>
             </a:r>
             <a:r>
               <a:rPr kumimoji="1" lang="zh-CN" altLang="en-US" sz="1600" dirty="0"/>
@@ -7608,7 +7554,7 @@
             </a:r>
             <a:r>
               <a:rPr kumimoji="1" lang="en-US" altLang="zh-CN" sz="1600" dirty="0"/>
-              <a:t>[AS]</a:t>
+              <a:t>[DS]</a:t>
             </a:r>
             <a:endParaRPr kumimoji="1" lang="zh-CN" altLang="en-US" sz="1600" dirty="0"/>
           </a:p>
@@ -7616,10 +7562,10 @@
       </p:sp>
       <p:sp>
         <p:nvSpPr>
-          <p:cNvPr id="31" name="矩形 30">
-            <a:extLst>
-              <a:ext uri="{FF2B5EF4-FFF2-40B4-BE49-F238E27FC236}">
-                <a16:creationId xmlns:a16="http://schemas.microsoft.com/office/drawing/2014/main" id="{C54E329B-44DB-D247-B9C4-96280030AB3C}"/>
+          <p:cNvPr id="32" name="矩形 31">
+            <a:extLst>
+              <a:ext uri="{FF2B5EF4-FFF2-40B4-BE49-F238E27FC236}">
+                <a16:creationId xmlns:a16="http://schemas.microsoft.com/office/drawing/2014/main" id="{34F16C83-4D04-D941-8A0D-FAFECE8140F3}"/>
               </a:ext>
             </a:extLst>
           </p:cNvPr>
@@ -7628,14 +7574,14 @@
         </p:nvSpPr>
         <p:spPr>
           <a:xfrm>
-            <a:off x="4606189" y="1519901"/>
+            <a:off x="4606189" y="2661928"/>
             <a:ext cx="2609345" cy="598200"/>
           </a:xfrm>
           <a:prstGeom prst="rect">
             <a:avLst/>
           </a:prstGeom>
           <a:solidFill>
-            <a:schemeClr val="accent6">
+            <a:schemeClr val="accent4">
               <a:lumMod val="75000"/>
             </a:schemeClr>
           </a:solidFill>
@@ -7663,7 +7609,7 @@
             <a:pPr algn="ctr"/>
             <a:r>
               <a:rPr kumimoji="1" lang="en" altLang="zh-CN" sz="1600" dirty="0"/>
-              <a:t>Defense Strength</a:t>
+              <a:t>Vulnerability Risk</a:t>
             </a:r>
             <a:r>
               <a:rPr kumimoji="1" lang="zh-CN" altLang="en-US" sz="1600" dirty="0"/>
@@ -7671,7 +7617,7 @@
             </a:r>
             <a:r>
               <a:rPr kumimoji="1" lang="en-US" altLang="zh-CN" sz="1600" dirty="0"/>
-              <a:t>[DS]</a:t>
+              <a:t>[VR]</a:t>
             </a:r>
             <a:endParaRPr kumimoji="1" lang="zh-CN" altLang="en-US" sz="1600" dirty="0"/>
           </a:p>
@@ -7679,10 +7625,10 @@
       </p:sp>
       <p:sp>
         <p:nvSpPr>
-          <p:cNvPr id="32" name="矩形 31">
-            <a:extLst>
-              <a:ext uri="{FF2B5EF4-FFF2-40B4-BE49-F238E27FC236}">
-                <a16:creationId xmlns:a16="http://schemas.microsoft.com/office/drawing/2014/main" id="{34F16C83-4D04-D941-8A0D-FAFECE8140F3}"/>
+          <p:cNvPr id="33" name="矩形 32">
+            <a:extLst>
+              <a:ext uri="{FF2B5EF4-FFF2-40B4-BE49-F238E27FC236}">
+                <a16:creationId xmlns:a16="http://schemas.microsoft.com/office/drawing/2014/main" id="{346C582C-E4B7-EC43-A5F0-6C8C38A6FF86}"/>
               </a:ext>
             </a:extLst>
           </p:cNvPr>
@@ -7691,16 +7637,14 @@
         </p:nvSpPr>
         <p:spPr>
           <a:xfrm>
-            <a:off x="4606189" y="2661928"/>
+            <a:off x="4606189" y="3662437"/>
             <a:ext cx="2609345" cy="598200"/>
           </a:xfrm>
           <a:prstGeom prst="rect">
             <a:avLst/>
           </a:prstGeom>
           <a:solidFill>
-            <a:schemeClr val="accent4">
-              <a:lumMod val="75000"/>
-            </a:schemeClr>
+            <a:srgbClr val="C00000"/>
           </a:solidFill>
         </p:spPr>
         <p:style>
@@ -7726,7 +7670,7 @@
             <a:pPr algn="ctr"/>
             <a:r>
               <a:rPr kumimoji="1" lang="en" altLang="zh-CN" sz="1600" dirty="0"/>
-              <a:t>Vulnerability Risk</a:t>
+              <a:t>Technique Impact</a:t>
             </a:r>
             <a:r>
               <a:rPr kumimoji="1" lang="zh-CN" altLang="en-US" sz="1600" dirty="0"/>
@@ -7734,7 +7678,7 @@
             </a:r>
             <a:r>
               <a:rPr kumimoji="1" lang="en-US" altLang="zh-CN" sz="1600" dirty="0"/>
-              <a:t>[VR]</a:t>
+              <a:t>[TI]</a:t>
             </a:r>
             <a:endParaRPr kumimoji="1" lang="zh-CN" altLang="en-US" sz="1600" dirty="0"/>
           </a:p>
@@ -7742,10 +7686,10 @@
       </p:sp>
       <p:sp>
         <p:nvSpPr>
-          <p:cNvPr id="33" name="矩形 32">
-            <a:extLst>
-              <a:ext uri="{FF2B5EF4-FFF2-40B4-BE49-F238E27FC236}">
-                <a16:creationId xmlns:a16="http://schemas.microsoft.com/office/drawing/2014/main" id="{346C582C-E4B7-EC43-A5F0-6C8C38A6FF86}"/>
+          <p:cNvPr id="34" name="矩形 33">
+            <a:extLst>
+              <a:ext uri="{FF2B5EF4-FFF2-40B4-BE49-F238E27FC236}">
+                <a16:creationId xmlns:a16="http://schemas.microsoft.com/office/drawing/2014/main" id="{BDCFF73F-2C5D-6244-89B6-8FD4562470D8}"/>
               </a:ext>
             </a:extLst>
           </p:cNvPr>
@@ -7754,14 +7698,14 @@
         </p:nvSpPr>
         <p:spPr>
           <a:xfrm>
-            <a:off x="4606189" y="3662437"/>
+            <a:off x="4606189" y="4793578"/>
             <a:ext cx="2609345" cy="598200"/>
           </a:xfrm>
           <a:prstGeom prst="rect">
             <a:avLst/>
           </a:prstGeom>
           <a:solidFill>
-            <a:srgbClr val="C00000"/>
+            <a:srgbClr val="7030A0"/>
           </a:solidFill>
         </p:spPr>
         <p:style>
@@ -7787,7 +7731,19 @@
             <a:pPr algn="ctr"/>
             <a:r>
               <a:rPr kumimoji="1" lang="en" altLang="zh-CN" sz="1600" dirty="0"/>
-              <a:t>Technique Impact</a:t>
+              <a:t>E</a:t>
+            </a:r>
+            <a:r>
+              <a:rPr kumimoji="1" lang="en-US" altLang="zh-CN" sz="1600"/>
+              <a:t>n</a:t>
+            </a:r>
+            <a:r>
+              <a:rPr kumimoji="1" lang="en" altLang="zh-CN" sz="1600"/>
+              <a:t>terprise</a:t>
+            </a:r>
+            <a:r>
+              <a:rPr kumimoji="1" lang="en" altLang="zh-CN" sz="1600" dirty="0"/>
+              <a:t> Impact</a:t>
             </a:r>
             <a:r>
               <a:rPr kumimoji="1" lang="zh-CN" altLang="en-US" sz="1600" dirty="0"/>
@@ -7795,7 +7751,7 @@
             </a:r>
             <a:r>
               <a:rPr kumimoji="1" lang="en-US" altLang="zh-CN" sz="1600" dirty="0"/>
-              <a:t>[TI]</a:t>
+              <a:t>[EI]</a:t>
             </a:r>
             <a:endParaRPr kumimoji="1" lang="zh-CN" altLang="en-US" sz="1600" dirty="0"/>
           </a:p>
@@ -7803,10 +7759,10 @@
       </p:sp>
       <p:sp>
         <p:nvSpPr>
-          <p:cNvPr id="34" name="矩形 33">
-            <a:extLst>
-              <a:ext uri="{FF2B5EF4-FFF2-40B4-BE49-F238E27FC236}">
-                <a16:creationId xmlns:a16="http://schemas.microsoft.com/office/drawing/2014/main" id="{BDCFF73F-2C5D-6244-89B6-8FD4562470D8}"/>
+          <p:cNvPr id="35" name="矩形 34">
+            <a:extLst>
+              <a:ext uri="{FF2B5EF4-FFF2-40B4-BE49-F238E27FC236}">
+                <a16:creationId xmlns:a16="http://schemas.microsoft.com/office/drawing/2014/main" id="{EB076E67-2B3E-B54F-9A59-FB34D500D993}"/>
               </a:ext>
             </a:extLst>
           </p:cNvPr>
@@ -7815,80 +7771,7 @@
         </p:nvSpPr>
         <p:spPr>
           <a:xfrm>
-            <a:off x="4606189" y="4793578"/>
-            <a:ext cx="2609345" cy="598200"/>
-          </a:xfrm>
-          <a:prstGeom prst="rect">
-            <a:avLst/>
-          </a:prstGeom>
-          <a:solidFill>
-            <a:srgbClr val="7030A0"/>
-          </a:solidFill>
-        </p:spPr>
-        <p:style>
-          <a:lnRef idx="2">
-            <a:schemeClr val="accent1">
-              <a:shade val="50000"/>
-            </a:schemeClr>
-          </a:lnRef>
-          <a:fillRef idx="1">
-            <a:schemeClr val="accent1"/>
-          </a:fillRef>
-          <a:effectRef idx="0">
-            <a:schemeClr val="accent1"/>
-          </a:effectRef>
-          <a:fontRef idx="minor">
-            <a:schemeClr val="lt1"/>
-          </a:fontRef>
-        </p:style>
-        <p:txBody>
-          <a:bodyPr rtlCol="0" anchor="ctr"/>
-          <a:lstStyle/>
-          <a:p>
-            <a:pPr algn="ctr"/>
-            <a:r>
-              <a:rPr kumimoji="1" lang="en" altLang="zh-CN" sz="1600" dirty="0"/>
-              <a:t>E</a:t>
-            </a:r>
-            <a:r>
-              <a:rPr kumimoji="1" lang="en-US" altLang="zh-CN" sz="1600"/>
-              <a:t>n</a:t>
-            </a:r>
-            <a:r>
-              <a:rPr kumimoji="1" lang="en" altLang="zh-CN" sz="1600"/>
-              <a:t>terprise</a:t>
-            </a:r>
-            <a:r>
-              <a:rPr kumimoji="1" lang="en" altLang="zh-CN" sz="1600" dirty="0"/>
-              <a:t> Impact</a:t>
-            </a:r>
-            <a:r>
-              <a:rPr kumimoji="1" lang="zh-CN" altLang="en-US" sz="1600" dirty="0"/>
-              <a:t> </a:t>
-            </a:r>
-            <a:r>
-              <a:rPr kumimoji="1" lang="en-US" altLang="zh-CN" sz="1600" dirty="0"/>
-              <a:t>[EI]</a:t>
-            </a:r>
-            <a:endParaRPr kumimoji="1" lang="zh-CN" altLang="en-US" sz="1600" dirty="0"/>
-          </a:p>
-        </p:txBody>
-      </p:sp>
-      <p:sp>
-        <p:nvSpPr>
-          <p:cNvPr id="35" name="矩形 34">
-            <a:extLst>
-              <a:ext uri="{FF2B5EF4-FFF2-40B4-BE49-F238E27FC236}">
-                <a16:creationId xmlns:a16="http://schemas.microsoft.com/office/drawing/2014/main" id="{EB076E67-2B3E-B54F-9A59-FB34D500D993}"/>
-              </a:ext>
-            </a:extLst>
-          </p:cNvPr>
-          <p:cNvSpPr/>
-          <p:nvPr/>
-        </p:nvSpPr>
-        <p:spPr>
-          <a:xfrm>
-            <a:off x="4606189" y="5935605"/>
+            <a:off x="4606189" y="5612047"/>
             <a:ext cx="2609345" cy="598200"/>
           </a:xfrm>
           <a:prstGeom prst="rect">
@@ -8606,17 +8489,18 @@
           </p:cNvPr>
           <p:cNvCxnSpPr>
             <a:cxnSpLocks/>
+            <a:stCxn id="35" idx="3"/>
           </p:cNvCxnSpPr>
           <p:nvPr/>
         </p:nvCxnSpPr>
         <p:spPr>
           <a:xfrm flipV="1">
-            <a:off x="7224130" y="4263765"/>
-            <a:ext cx="1894117" cy="2044796"/>
+            <a:off x="7215534" y="4263765"/>
+            <a:ext cx="1902713" cy="1647382"/>
           </a:xfrm>
           <a:prstGeom prst="bentConnector3">
             <a:avLst>
-              <a:gd name="adj1" fmla="val 70398"/>
+              <a:gd name="adj1" fmla="val 70702"/>
             </a:avLst>
           </a:prstGeom>
           <a:ln w="127000" cap="flat" cmpd="sng">

--- a/design/计分.pptx
+++ b/design/计分.pptx
@@ -260,7 +260,7 @@
           <a:p>
             <a:fld id="{E8FF63CC-E631-1646-9DFE-BE52763C3048}" type="datetimeFigureOut">
               <a:rPr kumimoji="1" lang="zh-CN" altLang="en-US" smtClean="0"/>
-              <a:t>2021/11/13</a:t>
+              <a:t>2021/11/15</a:t>
             </a:fld>
             <a:endParaRPr kumimoji="1" lang="zh-CN" altLang="en-US"/>
           </a:p>
@@ -458,7 +458,7 @@
           <a:p>
             <a:fld id="{E8FF63CC-E631-1646-9DFE-BE52763C3048}" type="datetimeFigureOut">
               <a:rPr kumimoji="1" lang="zh-CN" altLang="en-US" smtClean="0"/>
-              <a:t>2021/11/13</a:t>
+              <a:t>2021/11/15</a:t>
             </a:fld>
             <a:endParaRPr kumimoji="1" lang="zh-CN" altLang="en-US"/>
           </a:p>
@@ -666,7 +666,7 @@
           <a:p>
             <a:fld id="{E8FF63CC-E631-1646-9DFE-BE52763C3048}" type="datetimeFigureOut">
               <a:rPr kumimoji="1" lang="zh-CN" altLang="en-US" smtClean="0"/>
-              <a:t>2021/11/13</a:t>
+              <a:t>2021/11/15</a:t>
             </a:fld>
             <a:endParaRPr kumimoji="1" lang="zh-CN" altLang="en-US"/>
           </a:p>
@@ -864,7 +864,7 @@
           <a:p>
             <a:fld id="{E8FF63CC-E631-1646-9DFE-BE52763C3048}" type="datetimeFigureOut">
               <a:rPr kumimoji="1" lang="zh-CN" altLang="en-US" smtClean="0"/>
-              <a:t>2021/11/13</a:t>
+              <a:t>2021/11/15</a:t>
             </a:fld>
             <a:endParaRPr kumimoji="1" lang="zh-CN" altLang="en-US"/>
           </a:p>
@@ -1139,7 +1139,7 @@
           <a:p>
             <a:fld id="{E8FF63CC-E631-1646-9DFE-BE52763C3048}" type="datetimeFigureOut">
               <a:rPr kumimoji="1" lang="zh-CN" altLang="en-US" smtClean="0"/>
-              <a:t>2021/11/13</a:t>
+              <a:t>2021/11/15</a:t>
             </a:fld>
             <a:endParaRPr kumimoji="1" lang="zh-CN" altLang="en-US"/>
           </a:p>
@@ -1404,7 +1404,7 @@
           <a:p>
             <a:fld id="{E8FF63CC-E631-1646-9DFE-BE52763C3048}" type="datetimeFigureOut">
               <a:rPr kumimoji="1" lang="zh-CN" altLang="en-US" smtClean="0"/>
-              <a:t>2021/11/13</a:t>
+              <a:t>2021/11/15</a:t>
             </a:fld>
             <a:endParaRPr kumimoji="1" lang="zh-CN" altLang="en-US"/>
           </a:p>
@@ -1816,7 +1816,7 @@
           <a:p>
             <a:fld id="{E8FF63CC-E631-1646-9DFE-BE52763C3048}" type="datetimeFigureOut">
               <a:rPr kumimoji="1" lang="zh-CN" altLang="en-US" smtClean="0"/>
-              <a:t>2021/11/13</a:t>
+              <a:t>2021/11/15</a:t>
             </a:fld>
             <a:endParaRPr kumimoji="1" lang="zh-CN" altLang="en-US"/>
           </a:p>
@@ -1957,7 +1957,7 @@
           <a:p>
             <a:fld id="{E8FF63CC-E631-1646-9DFE-BE52763C3048}" type="datetimeFigureOut">
               <a:rPr kumimoji="1" lang="zh-CN" altLang="en-US" smtClean="0"/>
-              <a:t>2021/11/13</a:t>
+              <a:t>2021/11/15</a:t>
             </a:fld>
             <a:endParaRPr kumimoji="1" lang="zh-CN" altLang="en-US"/>
           </a:p>
@@ -2070,7 +2070,7 @@
           <a:p>
             <a:fld id="{E8FF63CC-E631-1646-9DFE-BE52763C3048}" type="datetimeFigureOut">
               <a:rPr kumimoji="1" lang="zh-CN" altLang="en-US" smtClean="0"/>
-              <a:t>2021/11/13</a:t>
+              <a:t>2021/11/15</a:t>
             </a:fld>
             <a:endParaRPr kumimoji="1" lang="zh-CN" altLang="en-US"/>
           </a:p>
@@ -2381,7 +2381,7 @@
           <a:p>
             <a:fld id="{E8FF63CC-E631-1646-9DFE-BE52763C3048}" type="datetimeFigureOut">
               <a:rPr kumimoji="1" lang="zh-CN" altLang="en-US" smtClean="0"/>
-              <a:t>2021/11/13</a:t>
+              <a:t>2021/11/15</a:t>
             </a:fld>
             <a:endParaRPr kumimoji="1" lang="zh-CN" altLang="en-US"/>
           </a:p>
@@ -2669,7 +2669,7 @@
           <a:p>
             <a:fld id="{E8FF63CC-E631-1646-9DFE-BE52763C3048}" type="datetimeFigureOut">
               <a:rPr kumimoji="1" lang="zh-CN" altLang="en-US" smtClean="0"/>
-              <a:t>2021/11/13</a:t>
+              <a:t>2021/11/15</a:t>
             </a:fld>
             <a:endParaRPr kumimoji="1" lang="zh-CN" altLang="en-US"/>
           </a:p>
@@ -2910,7 +2910,7 @@
           <a:p>
             <a:fld id="{E8FF63CC-E631-1646-9DFE-BE52763C3048}" type="datetimeFigureOut">
               <a:rPr kumimoji="1" lang="zh-CN" altLang="en-US" smtClean="0"/>
-              <a:t>2021/11/13</a:t>
+              <a:t>2021/11/15</a:t>
             </a:fld>
             <a:endParaRPr kumimoji="1" lang="zh-CN" altLang="en-US"/>
           </a:p>
@@ -3678,11 +3678,11 @@
             <a:pPr algn="ctr"/>
             <a:r>
               <a:rPr kumimoji="1" lang="zh-CN" altLang="en-US" sz="1200" dirty="0"/>
-              <a:t>攻击者水平</a:t>
+              <a:t>进攻水平</a:t>
             </a:r>
             <a:r>
               <a:rPr kumimoji="1" lang="en-US" altLang="zh-CN" sz="1200" dirty="0"/>
-              <a:t>[AL]</a:t>
+              <a:t>[OL]</a:t>
             </a:r>
             <a:endParaRPr kumimoji="1" lang="zh-CN" altLang="en-US" sz="1200" dirty="0"/>
           </a:p>
@@ -3737,11 +3737,11 @@
             <a:pPr algn="ctr"/>
             <a:r>
               <a:rPr kumimoji="1" lang="zh-CN" altLang="en-US" sz="1200" dirty="0"/>
-              <a:t>攻击难度</a:t>
+              <a:t>进攻难度</a:t>
             </a:r>
             <a:r>
               <a:rPr kumimoji="1" lang="en-US" altLang="zh-CN" sz="1200" dirty="0"/>
-              <a:t>[AD]</a:t>
+              <a:t>[OD]</a:t>
             </a:r>
             <a:endParaRPr kumimoji="1" lang="zh-CN" altLang="en-US" sz="1200" dirty="0"/>
           </a:p>
@@ -4780,12 +4780,12 @@
           <a:p>
             <a:pPr algn="ctr"/>
             <a:r>
-              <a:rPr kumimoji="1" lang="zh-CN" altLang="en-US" sz="1600"/>
-              <a:t>攻击实力</a:t>
+              <a:rPr kumimoji="1" lang="zh-CN" altLang="en-US" sz="1600" dirty="0"/>
+              <a:t>进攻实力</a:t>
             </a:r>
             <a:r>
               <a:rPr kumimoji="1" lang="en-US" altLang="zh-CN" sz="1600" dirty="0"/>
-              <a:t>[AS]</a:t>
+              <a:t>[OS]</a:t>
             </a:r>
             <a:endParaRPr kumimoji="1" lang="zh-CN" altLang="en-US" sz="1600" dirty="0"/>
           </a:p>
@@ -5131,11 +5131,11 @@
             <a:pPr algn="ctr"/>
             <a:r>
               <a:rPr kumimoji="1" lang="zh-CN" altLang="en-US" sz="2000" dirty="0"/>
-              <a:t>攻击能量</a:t>
+              <a:t>进攻能量</a:t>
             </a:r>
             <a:r>
               <a:rPr kumimoji="1" lang="en-US" altLang="zh-CN" sz="2000" dirty="0"/>
-              <a:t>[AE]</a:t>
+              <a:t>[OE]</a:t>
             </a:r>
             <a:endParaRPr kumimoji="1" lang="zh-CN" altLang="en-US" sz="2000" dirty="0"/>
           </a:p>
@@ -6303,8 +6303,12 @@
           <a:p>
             <a:pPr algn="ctr"/>
             <a:r>
+              <a:rPr kumimoji="1" lang="en-US" altLang="zh-CN" sz="1200" dirty="0"/>
+              <a:t>Offensive</a:t>
+            </a:r>
+            <a:r>
               <a:rPr kumimoji="1" lang="en" altLang="zh-CN" sz="1200" dirty="0"/>
-              <a:t>Attacker Level</a:t>
+              <a:t> Level</a:t>
             </a:r>
             <a:r>
               <a:rPr kumimoji="1" lang="zh-CN" altLang="en-US" sz="1200" dirty="0"/>
@@ -6312,7 +6316,7 @@
             </a:r>
             <a:r>
               <a:rPr kumimoji="1" lang="en-US" altLang="zh-CN" sz="1200" dirty="0"/>
-              <a:t>[AL]</a:t>
+              <a:t>[OL]</a:t>
             </a:r>
             <a:endParaRPr kumimoji="1" lang="zh-CN" altLang="en-US" sz="1200" dirty="0"/>
           </a:p>
@@ -6366,8 +6370,12 @@
           <a:p>
             <a:pPr algn="ctr"/>
             <a:r>
+              <a:rPr kumimoji="1" lang="en-US" altLang="zh-CN" sz="1200" dirty="0"/>
+              <a:t>Offensive</a:t>
+            </a:r>
+            <a:r>
               <a:rPr kumimoji="1" lang="en" altLang="zh-CN" sz="1200" dirty="0"/>
-              <a:t>Attack Difficulty</a:t>
+              <a:t> Difficulty</a:t>
             </a:r>
             <a:r>
               <a:rPr kumimoji="1" lang="zh-CN" altLang="en-US" sz="1200" dirty="0"/>
@@ -6375,7 +6383,7 @@
             </a:r>
             <a:r>
               <a:rPr kumimoji="1" lang="en-US" altLang="zh-CN" sz="1200" dirty="0"/>
-              <a:t>[AD]</a:t>
+              <a:t>[OD]</a:t>
             </a:r>
             <a:endParaRPr kumimoji="1" lang="zh-CN" altLang="en-US" sz="1200" dirty="0"/>
           </a:p>
@@ -7482,8 +7490,12 @@
           <a:p>
             <a:pPr algn="ctr"/>
             <a:r>
+              <a:rPr kumimoji="1" lang="en-US" altLang="zh-CN" sz="1600" dirty="0"/>
+              <a:t>Offensive</a:t>
+            </a:r>
+            <a:r>
               <a:rPr kumimoji="1" lang="en" altLang="zh-CN" sz="1600" dirty="0"/>
-              <a:t>Attack Strength</a:t>
+              <a:t> Strength</a:t>
             </a:r>
             <a:r>
               <a:rPr kumimoji="1" lang="zh-CN" altLang="en-US" sz="1600" dirty="0"/>
@@ -7491,7 +7503,7 @@
             </a:r>
             <a:r>
               <a:rPr kumimoji="1" lang="en-US" altLang="zh-CN" sz="1600" dirty="0"/>
-              <a:t>[AS]</a:t>
+              <a:t>[OS]</a:t>
             </a:r>
             <a:endParaRPr kumimoji="1" lang="zh-CN" altLang="en-US" sz="1600" dirty="0"/>
           </a:p>
@@ -7868,8 +7880,12 @@
           <a:p>
             <a:pPr algn="ctr"/>
             <a:r>
+              <a:rPr kumimoji="1" lang="en-US" altLang="zh-CN" sz="2000" dirty="0"/>
+              <a:t>Offensive</a:t>
+            </a:r>
+            <a:r>
               <a:rPr kumimoji="1" lang="en" altLang="zh-CN" sz="2000" dirty="0"/>
-              <a:t>Attack Energy</a:t>
+              <a:t> Energy</a:t>
             </a:r>
             <a:r>
               <a:rPr kumimoji="1" lang="zh-CN" altLang="en-US" sz="2000" dirty="0"/>
@@ -7877,7 +7893,7 @@
             </a:r>
             <a:r>
               <a:rPr kumimoji="1" lang="en-US" altLang="zh-CN" sz="2000" dirty="0"/>
-              <a:t>[AE]</a:t>
+              <a:t>[OE]</a:t>
             </a:r>
             <a:endParaRPr kumimoji="1" lang="zh-CN" altLang="en-US" sz="2000" dirty="0"/>
           </a:p>

--- a/design/计分.pptx
+++ b/design/计分.pptx
@@ -260,7 +260,7 @@
           <a:p>
             <a:fld id="{E8FF63CC-E631-1646-9DFE-BE52763C3048}" type="datetimeFigureOut">
               <a:rPr kumimoji="1" lang="zh-CN" altLang="en-US" smtClean="0"/>
-              <a:t>2021/11/15</a:t>
+              <a:t>2022/3/11</a:t>
             </a:fld>
             <a:endParaRPr kumimoji="1" lang="zh-CN" altLang="en-US"/>
           </a:p>
@@ -458,7 +458,7 @@
           <a:p>
             <a:fld id="{E8FF63CC-E631-1646-9DFE-BE52763C3048}" type="datetimeFigureOut">
               <a:rPr kumimoji="1" lang="zh-CN" altLang="en-US" smtClean="0"/>
-              <a:t>2021/11/15</a:t>
+              <a:t>2022/3/11</a:t>
             </a:fld>
             <a:endParaRPr kumimoji="1" lang="zh-CN" altLang="en-US"/>
           </a:p>
@@ -666,7 +666,7 @@
           <a:p>
             <a:fld id="{E8FF63CC-E631-1646-9DFE-BE52763C3048}" type="datetimeFigureOut">
               <a:rPr kumimoji="1" lang="zh-CN" altLang="en-US" smtClean="0"/>
-              <a:t>2021/11/15</a:t>
+              <a:t>2022/3/11</a:t>
             </a:fld>
             <a:endParaRPr kumimoji="1" lang="zh-CN" altLang="en-US"/>
           </a:p>
@@ -864,7 +864,7 @@
           <a:p>
             <a:fld id="{E8FF63CC-E631-1646-9DFE-BE52763C3048}" type="datetimeFigureOut">
               <a:rPr kumimoji="1" lang="zh-CN" altLang="en-US" smtClean="0"/>
-              <a:t>2021/11/15</a:t>
+              <a:t>2022/3/11</a:t>
             </a:fld>
             <a:endParaRPr kumimoji="1" lang="zh-CN" altLang="en-US"/>
           </a:p>
@@ -1139,7 +1139,7 @@
           <a:p>
             <a:fld id="{E8FF63CC-E631-1646-9DFE-BE52763C3048}" type="datetimeFigureOut">
               <a:rPr kumimoji="1" lang="zh-CN" altLang="en-US" smtClean="0"/>
-              <a:t>2021/11/15</a:t>
+              <a:t>2022/3/11</a:t>
             </a:fld>
             <a:endParaRPr kumimoji="1" lang="zh-CN" altLang="en-US"/>
           </a:p>
@@ -1404,7 +1404,7 @@
           <a:p>
             <a:fld id="{E8FF63CC-E631-1646-9DFE-BE52763C3048}" type="datetimeFigureOut">
               <a:rPr kumimoji="1" lang="zh-CN" altLang="en-US" smtClean="0"/>
-              <a:t>2021/11/15</a:t>
+              <a:t>2022/3/11</a:t>
             </a:fld>
             <a:endParaRPr kumimoji="1" lang="zh-CN" altLang="en-US"/>
           </a:p>
@@ -1816,7 +1816,7 @@
           <a:p>
             <a:fld id="{E8FF63CC-E631-1646-9DFE-BE52763C3048}" type="datetimeFigureOut">
               <a:rPr kumimoji="1" lang="zh-CN" altLang="en-US" smtClean="0"/>
-              <a:t>2021/11/15</a:t>
+              <a:t>2022/3/11</a:t>
             </a:fld>
             <a:endParaRPr kumimoji="1" lang="zh-CN" altLang="en-US"/>
           </a:p>
@@ -1957,7 +1957,7 @@
           <a:p>
             <a:fld id="{E8FF63CC-E631-1646-9DFE-BE52763C3048}" type="datetimeFigureOut">
               <a:rPr kumimoji="1" lang="zh-CN" altLang="en-US" smtClean="0"/>
-              <a:t>2021/11/15</a:t>
+              <a:t>2022/3/11</a:t>
             </a:fld>
             <a:endParaRPr kumimoji="1" lang="zh-CN" altLang="en-US"/>
           </a:p>
@@ -2070,7 +2070,7 @@
           <a:p>
             <a:fld id="{E8FF63CC-E631-1646-9DFE-BE52763C3048}" type="datetimeFigureOut">
               <a:rPr kumimoji="1" lang="zh-CN" altLang="en-US" smtClean="0"/>
-              <a:t>2021/11/15</a:t>
+              <a:t>2022/3/11</a:t>
             </a:fld>
             <a:endParaRPr kumimoji="1" lang="zh-CN" altLang="en-US"/>
           </a:p>
@@ -2381,7 +2381,7 @@
           <a:p>
             <a:fld id="{E8FF63CC-E631-1646-9DFE-BE52763C3048}" type="datetimeFigureOut">
               <a:rPr kumimoji="1" lang="zh-CN" altLang="en-US" smtClean="0"/>
-              <a:t>2021/11/15</a:t>
+              <a:t>2022/3/11</a:t>
             </a:fld>
             <a:endParaRPr kumimoji="1" lang="zh-CN" altLang="en-US"/>
           </a:p>
@@ -2669,7 +2669,7 @@
           <a:p>
             <a:fld id="{E8FF63CC-E631-1646-9DFE-BE52763C3048}" type="datetimeFigureOut">
               <a:rPr kumimoji="1" lang="zh-CN" altLang="en-US" smtClean="0"/>
-              <a:t>2021/11/15</a:t>
+              <a:t>2022/3/11</a:t>
             </a:fld>
             <a:endParaRPr kumimoji="1" lang="zh-CN" altLang="en-US"/>
           </a:p>
@@ -2910,7 +2910,7 @@
           <a:p>
             <a:fld id="{E8FF63CC-E631-1646-9DFE-BE52763C3048}" type="datetimeFigureOut">
               <a:rPr kumimoji="1" lang="zh-CN" altLang="en-US" smtClean="0"/>
-              <a:t>2021/11/15</a:t>
+              <a:t>2022/3/11</a:t>
             </a:fld>
             <a:endParaRPr kumimoji="1" lang="zh-CN" altLang="en-US"/>
           </a:p>
@@ -3327,2602 +3327,2902 @@
           <a:chExt cx="0" cy="0"/>
         </a:xfrm>
       </p:grpSpPr>
-      <p:sp>
-        <p:nvSpPr>
-          <p:cNvPr id="29" name="右箭头标注 28">
-            <a:extLst>
-              <a:ext uri="{FF2B5EF4-FFF2-40B4-BE49-F238E27FC236}">
-                <a16:creationId xmlns:a16="http://schemas.microsoft.com/office/drawing/2014/main" id="{58BFF647-FF68-3643-84E0-6E4C89011026}"/>
-              </a:ext>
-            </a:extLst>
-          </p:cNvPr>
-          <p:cNvSpPr/>
+      <p:grpSp>
+        <p:nvGrpSpPr>
+          <p:cNvPr id="2" name="组合 1">
+            <a:extLst>
+              <a:ext uri="{FF2B5EF4-FFF2-40B4-BE49-F238E27FC236}">
+                <a16:creationId xmlns:a16="http://schemas.microsoft.com/office/drawing/2014/main" id="{6720C229-19AF-5941-9740-5328EB01AA75}"/>
+              </a:ext>
+            </a:extLst>
+          </p:cNvPr>
+          <p:cNvGrpSpPr/>
           <p:nvPr/>
-        </p:nvSpPr>
-        <p:spPr>
+        </p:nvGrpSpPr>
+        <p:grpSpPr>
           <a:xfrm>
-            <a:off x="228597" y="5421805"/>
-            <a:ext cx="4539346" cy="951927"/>
+            <a:off x="228597" y="190501"/>
+            <a:ext cx="11751364" cy="6183231"/>
+            <a:chOff x="228597" y="190501"/>
+            <a:chExt cx="11751364" cy="6183231"/>
           </a:xfrm>
-          <a:prstGeom prst="rightArrowCallout">
-            <a:avLst/>
-          </a:prstGeom>
-          <a:solidFill>
-            <a:srgbClr val="7030A0"/>
-          </a:solidFill>
-        </p:spPr>
-        <p:style>
-          <a:lnRef idx="2">
-            <a:schemeClr val="accent1">
-              <a:shade val="50000"/>
-            </a:schemeClr>
-          </a:lnRef>
-          <a:fillRef idx="1">
-            <a:schemeClr val="accent1"/>
-          </a:fillRef>
-          <a:effectRef idx="0">
-            <a:schemeClr val="accent1"/>
-          </a:effectRef>
-          <a:fontRef idx="minor">
-            <a:schemeClr val="lt1"/>
-          </a:fontRef>
-        </p:style>
-        <p:txBody>
-          <a:bodyPr rtlCol="0" anchor="ctr"/>
-          <a:lstStyle/>
-          <a:p>
-            <a:pPr algn="ctr"/>
-            <a:endParaRPr kumimoji="1" lang="zh-CN" altLang="en-US"/>
-          </a:p>
-        </p:txBody>
-      </p:sp>
-      <p:sp>
-        <p:nvSpPr>
-          <p:cNvPr id="28" name="右箭头标注 27">
-            <a:extLst>
-              <a:ext uri="{FF2B5EF4-FFF2-40B4-BE49-F238E27FC236}">
-                <a16:creationId xmlns:a16="http://schemas.microsoft.com/office/drawing/2014/main" id="{D1EFD2E6-3288-9943-B07F-6E6B9416E854}"/>
-              </a:ext>
-            </a:extLst>
-          </p:cNvPr>
-          <p:cNvSpPr/>
-          <p:nvPr/>
-        </p:nvSpPr>
-        <p:spPr>
-          <a:xfrm>
-            <a:off x="228597" y="4431059"/>
-            <a:ext cx="4539346" cy="960807"/>
-          </a:xfrm>
-          <a:prstGeom prst="rightArrowCallout">
-            <a:avLst/>
-          </a:prstGeom>
-          <a:solidFill>
-            <a:srgbClr val="C00000"/>
-          </a:solidFill>
-        </p:spPr>
-        <p:style>
-          <a:lnRef idx="2">
-            <a:schemeClr val="accent1">
-              <a:shade val="50000"/>
-            </a:schemeClr>
-          </a:lnRef>
-          <a:fillRef idx="1">
-            <a:schemeClr val="accent1"/>
-          </a:fillRef>
-          <a:effectRef idx="0">
-            <a:schemeClr val="accent1"/>
-          </a:effectRef>
-          <a:fontRef idx="minor">
-            <a:schemeClr val="lt1"/>
-          </a:fontRef>
-        </p:style>
-        <p:txBody>
-          <a:bodyPr rtlCol="0" anchor="ctr"/>
-          <a:lstStyle/>
-          <a:p>
-            <a:pPr algn="ctr"/>
-            <a:endParaRPr kumimoji="1" lang="zh-CN" altLang="en-US"/>
-          </a:p>
-        </p:txBody>
-      </p:sp>
-      <p:sp>
-        <p:nvSpPr>
-          <p:cNvPr id="27" name="右箭头标注 26">
-            <a:extLst>
-              <a:ext uri="{FF2B5EF4-FFF2-40B4-BE49-F238E27FC236}">
-                <a16:creationId xmlns:a16="http://schemas.microsoft.com/office/drawing/2014/main" id="{AF945F60-2262-9A40-8644-3DBA6C78F30B}"/>
-              </a:ext>
-            </a:extLst>
-          </p:cNvPr>
-          <p:cNvSpPr/>
-          <p:nvPr/>
-        </p:nvSpPr>
-        <p:spPr>
-          <a:xfrm>
-            <a:off x="228598" y="3458793"/>
-            <a:ext cx="4539346" cy="951927"/>
-          </a:xfrm>
-          <a:prstGeom prst="rightArrowCallout">
-            <a:avLst/>
-          </a:prstGeom>
-          <a:solidFill>
-            <a:schemeClr val="accent4">
-              <a:lumMod val="75000"/>
-            </a:schemeClr>
-          </a:solidFill>
-        </p:spPr>
-        <p:style>
-          <a:lnRef idx="2">
-            <a:schemeClr val="accent1">
-              <a:shade val="50000"/>
-            </a:schemeClr>
-          </a:lnRef>
-          <a:fillRef idx="1">
-            <a:schemeClr val="accent1"/>
-          </a:fillRef>
-          <a:effectRef idx="0">
-            <a:schemeClr val="accent1"/>
-          </a:effectRef>
-          <a:fontRef idx="minor">
-            <a:schemeClr val="lt1"/>
-          </a:fontRef>
-        </p:style>
-        <p:txBody>
-          <a:bodyPr rtlCol="0" anchor="ctr"/>
-          <a:lstStyle/>
-          <a:p>
-            <a:pPr algn="ctr"/>
-            <a:endParaRPr kumimoji="1" lang="zh-CN" altLang="en-US"/>
-          </a:p>
-        </p:txBody>
-      </p:sp>
-      <p:sp>
-        <p:nvSpPr>
-          <p:cNvPr id="26" name="右箭头标注 25">
-            <a:extLst>
-              <a:ext uri="{FF2B5EF4-FFF2-40B4-BE49-F238E27FC236}">
-                <a16:creationId xmlns:a16="http://schemas.microsoft.com/office/drawing/2014/main" id="{5E4BE320-9199-5549-939C-2191BC725490}"/>
-              </a:ext>
-            </a:extLst>
-          </p:cNvPr>
-          <p:cNvSpPr/>
-          <p:nvPr/>
-        </p:nvSpPr>
-        <p:spPr>
-          <a:xfrm>
-            <a:off x="239479" y="2477073"/>
-            <a:ext cx="4539346" cy="951927"/>
-          </a:xfrm>
-          <a:prstGeom prst="rightArrowCallout">
-            <a:avLst/>
-          </a:prstGeom>
-          <a:solidFill>
-            <a:schemeClr val="accent6">
-              <a:lumMod val="75000"/>
-            </a:schemeClr>
-          </a:solidFill>
-        </p:spPr>
-        <p:style>
-          <a:lnRef idx="2">
-            <a:schemeClr val="accent1">
-              <a:shade val="50000"/>
-            </a:schemeClr>
-          </a:lnRef>
-          <a:fillRef idx="1">
-            <a:schemeClr val="accent1"/>
-          </a:fillRef>
-          <a:effectRef idx="0">
-            <a:schemeClr val="accent1"/>
-          </a:effectRef>
-          <a:fontRef idx="minor">
-            <a:schemeClr val="lt1"/>
-          </a:fontRef>
-        </p:style>
-        <p:txBody>
-          <a:bodyPr rtlCol="0" anchor="ctr"/>
-          <a:lstStyle/>
-          <a:p>
-            <a:pPr algn="ctr"/>
-            <a:endParaRPr kumimoji="1" lang="zh-CN" altLang="en-US"/>
-          </a:p>
-        </p:txBody>
-      </p:sp>
-      <p:sp>
-        <p:nvSpPr>
-          <p:cNvPr id="25" name="右箭头标注 24">
-            <a:extLst>
-              <a:ext uri="{FF2B5EF4-FFF2-40B4-BE49-F238E27FC236}">
-                <a16:creationId xmlns:a16="http://schemas.microsoft.com/office/drawing/2014/main" id="{895D2194-61D6-8847-9749-831B15C2AB8A}"/>
-              </a:ext>
-            </a:extLst>
-          </p:cNvPr>
-          <p:cNvSpPr/>
-          <p:nvPr/>
-        </p:nvSpPr>
-        <p:spPr>
-          <a:xfrm>
-            <a:off x="239480" y="1163910"/>
-            <a:ext cx="4539346" cy="1283370"/>
-          </a:xfrm>
-          <a:prstGeom prst="rightArrowCallout">
-            <a:avLst/>
-          </a:prstGeom>
-          <a:solidFill>
-            <a:schemeClr val="accent2">
-              <a:lumMod val="75000"/>
-            </a:schemeClr>
-          </a:solidFill>
-        </p:spPr>
-        <p:style>
-          <a:lnRef idx="2">
-            <a:schemeClr val="accent1">
-              <a:shade val="50000"/>
-            </a:schemeClr>
-          </a:lnRef>
-          <a:fillRef idx="1">
-            <a:schemeClr val="accent1"/>
-          </a:fillRef>
-          <a:effectRef idx="0">
-            <a:schemeClr val="accent1"/>
-          </a:effectRef>
-          <a:fontRef idx="minor">
-            <a:schemeClr val="lt1"/>
-          </a:fontRef>
-        </p:style>
-        <p:txBody>
-          <a:bodyPr rtlCol="0" anchor="ctr"/>
-          <a:lstStyle/>
-          <a:p>
-            <a:pPr algn="ctr"/>
-            <a:endParaRPr kumimoji="1" lang="zh-CN" altLang="en-US"/>
-          </a:p>
-        </p:txBody>
-      </p:sp>
-      <p:sp>
-        <p:nvSpPr>
-          <p:cNvPr id="24" name="右箭头标注 23">
-            <a:extLst>
-              <a:ext uri="{FF2B5EF4-FFF2-40B4-BE49-F238E27FC236}">
-                <a16:creationId xmlns:a16="http://schemas.microsoft.com/office/drawing/2014/main" id="{F9610588-85D8-2549-92A9-49C37C399498}"/>
-              </a:ext>
-            </a:extLst>
-          </p:cNvPr>
-          <p:cNvSpPr/>
-          <p:nvPr/>
-        </p:nvSpPr>
-        <p:spPr>
-          <a:xfrm>
-            <a:off x="239484" y="190501"/>
-            <a:ext cx="4539346" cy="951927"/>
-          </a:xfrm>
-          <a:prstGeom prst="rightArrowCallout">
-            <a:avLst/>
-          </a:prstGeom>
-          <a:solidFill>
-            <a:schemeClr val="accent5">
-              <a:lumMod val="75000"/>
-            </a:schemeClr>
-          </a:solidFill>
-        </p:spPr>
-        <p:style>
-          <a:lnRef idx="2">
-            <a:schemeClr val="accent1">
-              <a:shade val="50000"/>
-            </a:schemeClr>
-          </a:lnRef>
-          <a:fillRef idx="1">
-            <a:schemeClr val="accent1"/>
-          </a:fillRef>
-          <a:effectRef idx="0">
-            <a:schemeClr val="accent1"/>
-          </a:effectRef>
-          <a:fontRef idx="minor">
-            <a:schemeClr val="lt1"/>
-          </a:fontRef>
-        </p:style>
-        <p:txBody>
-          <a:bodyPr rtlCol="0" anchor="ctr"/>
-          <a:lstStyle/>
-          <a:p>
-            <a:pPr algn="ctr"/>
-            <a:endParaRPr kumimoji="1" lang="zh-CN" altLang="en-US" dirty="0"/>
-          </a:p>
-        </p:txBody>
-      </p:sp>
-      <p:sp>
-        <p:nvSpPr>
-          <p:cNvPr id="4" name="矩形 3">
-            <a:extLst>
-              <a:ext uri="{FF2B5EF4-FFF2-40B4-BE49-F238E27FC236}">
-                <a16:creationId xmlns:a16="http://schemas.microsoft.com/office/drawing/2014/main" id="{F89BB628-787D-B247-B88B-2DBF2B26C6DC}"/>
-              </a:ext>
-            </a:extLst>
-          </p:cNvPr>
-          <p:cNvSpPr/>
-          <p:nvPr/>
-        </p:nvSpPr>
-        <p:spPr>
-          <a:xfrm>
-            <a:off x="250369" y="195943"/>
-            <a:ext cx="2906487" cy="272143"/>
-          </a:xfrm>
-          <a:prstGeom prst="rect">
-            <a:avLst/>
-          </a:prstGeom>
-          <a:solidFill>
-            <a:schemeClr val="accent2">
-              <a:lumMod val="75000"/>
-            </a:schemeClr>
-          </a:solidFill>
-        </p:spPr>
-        <p:style>
-          <a:lnRef idx="2">
-            <a:schemeClr val="accent1">
-              <a:shade val="50000"/>
-            </a:schemeClr>
-          </a:lnRef>
-          <a:fillRef idx="1">
-            <a:schemeClr val="accent1"/>
-          </a:fillRef>
-          <a:effectRef idx="0">
-            <a:schemeClr val="accent1"/>
-          </a:effectRef>
-          <a:fontRef idx="minor">
-            <a:schemeClr val="lt1"/>
-          </a:fontRef>
-        </p:style>
-        <p:txBody>
-          <a:bodyPr rtlCol="0" anchor="ctr"/>
-          <a:lstStyle/>
-          <a:p>
-            <a:pPr algn="ctr"/>
-            <a:r>
-              <a:rPr kumimoji="1" lang="zh-CN" altLang="en-US" sz="1200" dirty="0"/>
-              <a:t>进攻水平</a:t>
-            </a:r>
-            <a:r>
-              <a:rPr kumimoji="1" lang="en-US" altLang="zh-CN" sz="1200" dirty="0"/>
-              <a:t>[OL]</a:t>
-            </a:r>
-            <a:endParaRPr kumimoji="1" lang="zh-CN" altLang="en-US" sz="1200" dirty="0"/>
-          </a:p>
-        </p:txBody>
-      </p:sp>
-      <p:sp>
-        <p:nvSpPr>
-          <p:cNvPr id="5" name="矩形 4">
-            <a:extLst>
-              <a:ext uri="{FF2B5EF4-FFF2-40B4-BE49-F238E27FC236}">
-                <a16:creationId xmlns:a16="http://schemas.microsoft.com/office/drawing/2014/main" id="{D0A8F378-9ED8-3142-9857-85803E7964CE}"/>
-              </a:ext>
-            </a:extLst>
-          </p:cNvPr>
-          <p:cNvSpPr/>
-          <p:nvPr/>
-        </p:nvSpPr>
-        <p:spPr>
-          <a:xfrm>
-            <a:off x="250369" y="522228"/>
-            <a:ext cx="2906487" cy="272143"/>
-          </a:xfrm>
-          <a:prstGeom prst="rect">
-            <a:avLst/>
-          </a:prstGeom>
-          <a:solidFill>
-            <a:schemeClr val="accent2">
-              <a:lumMod val="75000"/>
-            </a:schemeClr>
-          </a:solidFill>
-        </p:spPr>
-        <p:style>
-          <a:lnRef idx="2">
-            <a:schemeClr val="accent1">
-              <a:shade val="50000"/>
-            </a:schemeClr>
-          </a:lnRef>
-          <a:fillRef idx="1">
-            <a:schemeClr val="accent1"/>
-          </a:fillRef>
-          <a:effectRef idx="0">
-            <a:schemeClr val="accent1"/>
-          </a:effectRef>
-          <a:fontRef idx="minor">
-            <a:schemeClr val="lt1"/>
-          </a:fontRef>
-        </p:style>
-        <p:txBody>
-          <a:bodyPr rtlCol="0" anchor="ctr"/>
-          <a:lstStyle/>
-          <a:p>
-            <a:pPr algn="ctr"/>
-            <a:r>
-              <a:rPr kumimoji="1" lang="zh-CN" altLang="en-US" sz="1200" dirty="0"/>
-              <a:t>进攻难度</a:t>
-            </a:r>
-            <a:r>
-              <a:rPr kumimoji="1" lang="en-US" altLang="zh-CN" sz="1200" dirty="0"/>
-              <a:t>[OD]</a:t>
-            </a:r>
-            <a:endParaRPr kumimoji="1" lang="zh-CN" altLang="en-US" sz="1200" dirty="0"/>
-          </a:p>
-        </p:txBody>
-      </p:sp>
-      <p:sp>
-        <p:nvSpPr>
-          <p:cNvPr id="6" name="矩形 5">
-            <a:extLst>
-              <a:ext uri="{FF2B5EF4-FFF2-40B4-BE49-F238E27FC236}">
-                <a16:creationId xmlns:a16="http://schemas.microsoft.com/office/drawing/2014/main" id="{A96904F6-4B60-A042-BE64-6302CAE333EF}"/>
-              </a:ext>
-            </a:extLst>
-          </p:cNvPr>
-          <p:cNvSpPr/>
-          <p:nvPr/>
-        </p:nvSpPr>
-        <p:spPr>
-          <a:xfrm>
-            <a:off x="250369" y="848513"/>
-            <a:ext cx="2906487" cy="272143"/>
-          </a:xfrm>
-          <a:prstGeom prst="rect">
-            <a:avLst/>
-          </a:prstGeom>
-          <a:solidFill>
-            <a:schemeClr val="accent2">
-              <a:lumMod val="75000"/>
-            </a:schemeClr>
-          </a:solidFill>
-        </p:spPr>
-        <p:style>
-          <a:lnRef idx="2">
-            <a:schemeClr val="accent1">
-              <a:shade val="50000"/>
-            </a:schemeClr>
-          </a:lnRef>
-          <a:fillRef idx="1">
-            <a:schemeClr val="accent1"/>
-          </a:fillRef>
-          <a:effectRef idx="0">
-            <a:schemeClr val="accent1"/>
-          </a:effectRef>
-          <a:fontRef idx="minor">
-            <a:schemeClr val="lt1"/>
-          </a:fontRef>
-        </p:style>
-        <p:txBody>
-          <a:bodyPr rtlCol="0" anchor="ctr"/>
-          <a:lstStyle/>
-          <a:p>
-            <a:pPr algn="ctr"/>
-            <a:r>
-              <a:rPr kumimoji="1" lang="zh-CN" altLang="en-US" sz="1200" dirty="0"/>
-              <a:t>目标达成</a:t>
-            </a:r>
-            <a:r>
-              <a:rPr kumimoji="1" lang="en-US" altLang="zh-CN" sz="1200" dirty="0"/>
-              <a:t>[TR]</a:t>
-            </a:r>
-            <a:endParaRPr kumimoji="1" lang="zh-CN" altLang="en-US" sz="1200" dirty="0"/>
-          </a:p>
-        </p:txBody>
-      </p:sp>
-      <p:sp>
-        <p:nvSpPr>
-          <p:cNvPr id="7" name="矩形 6">
-            <a:extLst>
-              <a:ext uri="{FF2B5EF4-FFF2-40B4-BE49-F238E27FC236}">
-                <a16:creationId xmlns:a16="http://schemas.microsoft.com/office/drawing/2014/main" id="{7F3042AC-F4D5-BF4B-B2D0-5606E76F79A7}"/>
-              </a:ext>
-            </a:extLst>
-          </p:cNvPr>
-          <p:cNvSpPr/>
-          <p:nvPr/>
-        </p:nvSpPr>
-        <p:spPr>
-          <a:xfrm>
-            <a:off x="250369" y="1174798"/>
-            <a:ext cx="2906487" cy="272143"/>
-          </a:xfrm>
-          <a:prstGeom prst="rect">
-            <a:avLst/>
-          </a:prstGeom>
-          <a:solidFill>
-            <a:schemeClr val="accent6">
-              <a:lumMod val="75000"/>
-            </a:schemeClr>
-          </a:solidFill>
-        </p:spPr>
-        <p:style>
-          <a:lnRef idx="2">
-            <a:schemeClr val="accent1">
-              <a:shade val="50000"/>
-            </a:schemeClr>
-          </a:lnRef>
-          <a:fillRef idx="1">
-            <a:schemeClr val="accent1"/>
-          </a:fillRef>
-          <a:effectRef idx="0">
-            <a:schemeClr val="accent1"/>
-          </a:effectRef>
-          <a:fontRef idx="minor">
-            <a:schemeClr val="lt1"/>
-          </a:fontRef>
-        </p:style>
-        <p:txBody>
-          <a:bodyPr rtlCol="0" anchor="ctr"/>
-          <a:lstStyle/>
-          <a:p>
-            <a:pPr algn="ctr"/>
-            <a:r>
-              <a:rPr kumimoji="1" lang="zh-CN" altLang="en-US" sz="1200" dirty="0"/>
-              <a:t>防护水平</a:t>
-            </a:r>
-            <a:r>
-              <a:rPr kumimoji="1" lang="en-US" altLang="zh-CN" sz="1200" dirty="0"/>
-              <a:t>[PL]</a:t>
-            </a:r>
-            <a:endParaRPr kumimoji="1" lang="zh-CN" altLang="en-US" sz="1200" dirty="0"/>
-          </a:p>
-        </p:txBody>
-      </p:sp>
-      <p:sp>
-        <p:nvSpPr>
-          <p:cNvPr id="8" name="矩形 7">
-            <a:extLst>
-              <a:ext uri="{FF2B5EF4-FFF2-40B4-BE49-F238E27FC236}">
-                <a16:creationId xmlns:a16="http://schemas.microsoft.com/office/drawing/2014/main" id="{6E3ABF6B-3AF3-5B4D-A28F-66B16D136CEB}"/>
-              </a:ext>
-            </a:extLst>
-          </p:cNvPr>
-          <p:cNvSpPr/>
-          <p:nvPr/>
-        </p:nvSpPr>
-        <p:spPr>
-          <a:xfrm>
-            <a:off x="250369" y="1501083"/>
-            <a:ext cx="2906487" cy="272143"/>
-          </a:xfrm>
-          <a:prstGeom prst="rect">
-            <a:avLst/>
-          </a:prstGeom>
-          <a:solidFill>
-            <a:schemeClr val="accent6">
-              <a:lumMod val="75000"/>
-            </a:schemeClr>
-          </a:solidFill>
-        </p:spPr>
-        <p:style>
-          <a:lnRef idx="2">
-            <a:schemeClr val="accent1">
-              <a:shade val="50000"/>
-            </a:schemeClr>
-          </a:lnRef>
-          <a:fillRef idx="1">
-            <a:schemeClr val="accent1"/>
-          </a:fillRef>
-          <a:effectRef idx="0">
-            <a:schemeClr val="accent1"/>
-          </a:effectRef>
-          <a:fontRef idx="minor">
-            <a:schemeClr val="lt1"/>
-          </a:fontRef>
-        </p:style>
-        <p:txBody>
-          <a:bodyPr rtlCol="0" anchor="ctr"/>
-          <a:lstStyle/>
-          <a:p>
-            <a:pPr algn="ctr"/>
-            <a:r>
-              <a:rPr kumimoji="1" lang="zh-CN" altLang="en-US" sz="1200" dirty="0"/>
-              <a:t>检测水平</a:t>
-            </a:r>
-            <a:r>
-              <a:rPr kumimoji="1" lang="en-US" altLang="zh-CN" sz="1200" dirty="0"/>
-              <a:t>[DL]</a:t>
-            </a:r>
-            <a:endParaRPr kumimoji="1" lang="zh-CN" altLang="en-US" sz="1200" dirty="0"/>
-          </a:p>
-        </p:txBody>
-      </p:sp>
-      <p:sp>
-        <p:nvSpPr>
-          <p:cNvPr id="9" name="矩形 8">
-            <a:extLst>
-              <a:ext uri="{FF2B5EF4-FFF2-40B4-BE49-F238E27FC236}">
-                <a16:creationId xmlns:a16="http://schemas.microsoft.com/office/drawing/2014/main" id="{F2105BC8-039F-8744-B1BF-210A172F2CC9}"/>
-              </a:ext>
-            </a:extLst>
-          </p:cNvPr>
-          <p:cNvSpPr/>
-          <p:nvPr/>
-        </p:nvSpPr>
-        <p:spPr>
-          <a:xfrm>
-            <a:off x="250369" y="1827368"/>
-            <a:ext cx="2906487" cy="272143"/>
-          </a:xfrm>
-          <a:prstGeom prst="rect">
-            <a:avLst/>
-          </a:prstGeom>
-          <a:solidFill>
-            <a:schemeClr val="accent6">
-              <a:lumMod val="75000"/>
-            </a:schemeClr>
-          </a:solidFill>
-        </p:spPr>
-        <p:style>
-          <a:lnRef idx="2">
-            <a:schemeClr val="accent1">
-              <a:shade val="50000"/>
-            </a:schemeClr>
-          </a:lnRef>
-          <a:fillRef idx="1">
-            <a:schemeClr val="accent1"/>
-          </a:fillRef>
-          <a:effectRef idx="0">
-            <a:schemeClr val="accent1"/>
-          </a:effectRef>
-          <a:fontRef idx="minor">
-            <a:schemeClr val="lt1"/>
-          </a:fontRef>
-        </p:style>
-        <p:txBody>
-          <a:bodyPr rtlCol="0" anchor="ctr"/>
-          <a:lstStyle/>
-          <a:p>
-            <a:pPr algn="ctr"/>
-            <a:r>
-              <a:rPr kumimoji="1" lang="zh-CN" altLang="en-US" sz="1200" dirty="0"/>
-              <a:t>响应水平</a:t>
-            </a:r>
-            <a:r>
-              <a:rPr kumimoji="1" lang="en-US" altLang="zh-CN" sz="1200" dirty="0"/>
-              <a:t>[RL]</a:t>
-            </a:r>
-            <a:endParaRPr kumimoji="1" lang="zh-CN" altLang="en-US" sz="1200" dirty="0"/>
-          </a:p>
-        </p:txBody>
-      </p:sp>
-      <p:sp>
-        <p:nvSpPr>
-          <p:cNvPr id="10" name="矩形 9">
-            <a:extLst>
-              <a:ext uri="{FF2B5EF4-FFF2-40B4-BE49-F238E27FC236}">
-                <a16:creationId xmlns:a16="http://schemas.microsoft.com/office/drawing/2014/main" id="{C3F8434B-6388-8F4C-BDE5-CEC5532FA480}"/>
-              </a:ext>
-            </a:extLst>
-          </p:cNvPr>
-          <p:cNvSpPr/>
-          <p:nvPr/>
-        </p:nvSpPr>
-        <p:spPr>
-          <a:xfrm>
-            <a:off x="250369" y="2153653"/>
-            <a:ext cx="2906487" cy="272143"/>
-          </a:xfrm>
-          <a:prstGeom prst="rect">
-            <a:avLst/>
-          </a:prstGeom>
-          <a:solidFill>
-            <a:schemeClr val="accent6">
-              <a:lumMod val="75000"/>
-            </a:schemeClr>
-          </a:solidFill>
-        </p:spPr>
-        <p:style>
-          <a:lnRef idx="2">
-            <a:schemeClr val="accent1">
-              <a:shade val="50000"/>
-            </a:schemeClr>
-          </a:lnRef>
-          <a:fillRef idx="1">
-            <a:schemeClr val="accent1"/>
-          </a:fillRef>
-          <a:effectRef idx="0">
-            <a:schemeClr val="accent1"/>
-          </a:effectRef>
-          <a:fontRef idx="minor">
-            <a:schemeClr val="lt1"/>
-          </a:fontRef>
-        </p:style>
-        <p:txBody>
-          <a:bodyPr rtlCol="0" anchor="ctr"/>
-          <a:lstStyle/>
-          <a:p>
-            <a:pPr algn="ctr"/>
-            <a:r>
-              <a:rPr kumimoji="1" lang="zh-CN" altLang="en-US" sz="1200" dirty="0"/>
-              <a:t>溯源水平</a:t>
-            </a:r>
-            <a:r>
-              <a:rPr kumimoji="1" lang="en-US" altLang="zh-CN" sz="1200" dirty="0"/>
-              <a:t>[TL]</a:t>
-            </a:r>
-            <a:endParaRPr kumimoji="1" lang="zh-CN" altLang="en-US" sz="1200" dirty="0"/>
-          </a:p>
-        </p:txBody>
-      </p:sp>
-      <p:sp>
-        <p:nvSpPr>
-          <p:cNvPr id="11" name="矩形 10">
-            <a:extLst>
-              <a:ext uri="{FF2B5EF4-FFF2-40B4-BE49-F238E27FC236}">
-                <a16:creationId xmlns:a16="http://schemas.microsoft.com/office/drawing/2014/main" id="{E4E64F08-64BC-E446-9544-31A362469B36}"/>
-              </a:ext>
-            </a:extLst>
-          </p:cNvPr>
-          <p:cNvSpPr/>
-          <p:nvPr/>
-        </p:nvSpPr>
-        <p:spPr>
-          <a:xfrm>
-            <a:off x="250369" y="2479938"/>
-            <a:ext cx="2906487" cy="272143"/>
-          </a:xfrm>
-          <a:prstGeom prst="rect">
-            <a:avLst/>
-          </a:prstGeom>
-          <a:solidFill>
-            <a:schemeClr val="accent4">
-              <a:lumMod val="75000"/>
-            </a:schemeClr>
-          </a:solidFill>
-        </p:spPr>
-        <p:style>
-          <a:lnRef idx="2">
-            <a:schemeClr val="accent1">
-              <a:shade val="50000"/>
-            </a:schemeClr>
-          </a:lnRef>
-          <a:fillRef idx="1">
-            <a:schemeClr val="accent1"/>
-          </a:fillRef>
-          <a:effectRef idx="0">
-            <a:schemeClr val="accent1"/>
-          </a:effectRef>
-          <a:fontRef idx="minor">
-            <a:schemeClr val="lt1"/>
-          </a:fontRef>
-        </p:style>
-        <p:txBody>
-          <a:bodyPr rtlCol="0" anchor="ctr"/>
-          <a:lstStyle/>
-          <a:p>
-            <a:pPr algn="ctr"/>
-            <a:r>
-              <a:rPr kumimoji="1" lang="zh-CN" altLang="en-US" sz="1200" dirty="0"/>
-              <a:t>漏洞可发现性</a:t>
-            </a:r>
-            <a:r>
-              <a:rPr kumimoji="1" lang="en-US" altLang="zh-CN" sz="1200" dirty="0"/>
-              <a:t>[VD]</a:t>
-            </a:r>
-            <a:endParaRPr kumimoji="1" lang="zh-CN" altLang="en-US" sz="1200" dirty="0"/>
-          </a:p>
-        </p:txBody>
-      </p:sp>
-      <p:sp>
-        <p:nvSpPr>
-          <p:cNvPr id="12" name="矩形 11">
-            <a:extLst>
-              <a:ext uri="{FF2B5EF4-FFF2-40B4-BE49-F238E27FC236}">
-                <a16:creationId xmlns:a16="http://schemas.microsoft.com/office/drawing/2014/main" id="{27F78100-E237-D843-B597-F5B425817B04}"/>
-              </a:ext>
-            </a:extLst>
-          </p:cNvPr>
-          <p:cNvSpPr/>
-          <p:nvPr/>
-        </p:nvSpPr>
-        <p:spPr>
-          <a:xfrm>
-            <a:off x="250369" y="2806223"/>
-            <a:ext cx="2906487" cy="272143"/>
-          </a:xfrm>
-          <a:prstGeom prst="rect">
-            <a:avLst/>
-          </a:prstGeom>
-          <a:solidFill>
-            <a:schemeClr val="accent4">
-              <a:lumMod val="75000"/>
-            </a:schemeClr>
-          </a:solidFill>
-        </p:spPr>
-        <p:style>
-          <a:lnRef idx="2">
-            <a:schemeClr val="accent1">
-              <a:shade val="50000"/>
-            </a:schemeClr>
-          </a:lnRef>
-          <a:fillRef idx="1">
-            <a:schemeClr val="accent1"/>
-          </a:fillRef>
-          <a:effectRef idx="0">
-            <a:schemeClr val="accent1"/>
-          </a:effectRef>
-          <a:fontRef idx="minor">
-            <a:schemeClr val="lt1"/>
-          </a:fontRef>
-        </p:style>
-        <p:txBody>
-          <a:bodyPr rtlCol="0" anchor="ctr"/>
-          <a:lstStyle/>
-          <a:p>
-            <a:pPr algn="ctr"/>
-            <a:r>
-              <a:rPr kumimoji="1" lang="zh-CN" altLang="en-US" sz="1200" dirty="0"/>
-              <a:t>漏洞可利用性</a:t>
-            </a:r>
-            <a:r>
-              <a:rPr kumimoji="1" lang="en-US" altLang="zh-CN" sz="1200" dirty="0"/>
-              <a:t>[VE]</a:t>
-            </a:r>
-            <a:endParaRPr kumimoji="1" lang="zh-CN" altLang="en-US" sz="1200" dirty="0"/>
-          </a:p>
-        </p:txBody>
-      </p:sp>
-      <p:sp>
-        <p:nvSpPr>
-          <p:cNvPr id="13" name="矩形 12">
-            <a:extLst>
-              <a:ext uri="{FF2B5EF4-FFF2-40B4-BE49-F238E27FC236}">
-                <a16:creationId xmlns:a16="http://schemas.microsoft.com/office/drawing/2014/main" id="{AA0B71C0-4C29-3A49-AA3B-DFF769165784}"/>
-              </a:ext>
-            </a:extLst>
-          </p:cNvPr>
-          <p:cNvSpPr/>
-          <p:nvPr/>
-        </p:nvSpPr>
-        <p:spPr>
-          <a:xfrm>
-            <a:off x="250369" y="3132508"/>
-            <a:ext cx="2906487" cy="272143"/>
-          </a:xfrm>
-          <a:prstGeom prst="rect">
-            <a:avLst/>
-          </a:prstGeom>
-          <a:solidFill>
-            <a:schemeClr val="accent4">
-              <a:lumMod val="75000"/>
-            </a:schemeClr>
-          </a:solidFill>
-        </p:spPr>
-        <p:style>
-          <a:lnRef idx="2">
-            <a:schemeClr val="accent1">
-              <a:shade val="50000"/>
-            </a:schemeClr>
-          </a:lnRef>
-          <a:fillRef idx="1">
-            <a:schemeClr val="accent1"/>
-          </a:fillRef>
-          <a:effectRef idx="0">
-            <a:schemeClr val="accent1"/>
-          </a:effectRef>
-          <a:fontRef idx="minor">
-            <a:schemeClr val="lt1"/>
-          </a:fontRef>
-        </p:style>
-        <p:txBody>
-          <a:bodyPr rtlCol="0" anchor="ctr"/>
-          <a:lstStyle/>
-          <a:p>
-            <a:pPr algn="ctr"/>
-            <a:r>
-              <a:rPr kumimoji="1" lang="zh-CN" altLang="en-US" sz="1200" dirty="0"/>
-              <a:t>漏洞杀伤力</a:t>
-            </a:r>
-            <a:r>
-              <a:rPr kumimoji="1" lang="en-US" altLang="zh-CN" sz="1200" dirty="0"/>
-              <a:t>[VH]</a:t>
-            </a:r>
-            <a:endParaRPr kumimoji="1" lang="zh-CN" altLang="en-US" sz="1200" dirty="0"/>
-          </a:p>
-        </p:txBody>
-      </p:sp>
-      <p:sp>
-        <p:nvSpPr>
-          <p:cNvPr id="14" name="矩形 13">
-            <a:extLst>
-              <a:ext uri="{FF2B5EF4-FFF2-40B4-BE49-F238E27FC236}">
-                <a16:creationId xmlns:a16="http://schemas.microsoft.com/office/drawing/2014/main" id="{58348118-5B3F-734A-A4C4-158B9777629F}"/>
-              </a:ext>
-            </a:extLst>
-          </p:cNvPr>
-          <p:cNvSpPr/>
-          <p:nvPr/>
-        </p:nvSpPr>
-        <p:spPr>
-          <a:xfrm>
-            <a:off x="250369" y="3458793"/>
-            <a:ext cx="2906487" cy="272143"/>
-          </a:xfrm>
-          <a:prstGeom prst="rect">
-            <a:avLst/>
-          </a:prstGeom>
-          <a:solidFill>
-            <a:srgbClr val="C00000"/>
-          </a:solidFill>
-        </p:spPr>
-        <p:style>
-          <a:lnRef idx="2">
-            <a:schemeClr val="accent1">
-              <a:shade val="50000"/>
-            </a:schemeClr>
-          </a:lnRef>
-          <a:fillRef idx="1">
-            <a:schemeClr val="accent1"/>
-          </a:fillRef>
-          <a:effectRef idx="0">
-            <a:schemeClr val="accent1"/>
-          </a:effectRef>
-          <a:fontRef idx="minor">
-            <a:schemeClr val="lt1"/>
-          </a:fontRef>
-        </p:style>
-        <p:txBody>
-          <a:bodyPr rtlCol="0" anchor="ctr"/>
-          <a:lstStyle/>
-          <a:p>
-            <a:pPr algn="ctr"/>
-            <a:r>
-              <a:rPr kumimoji="1" lang="zh-CN" altLang="en-US" sz="1200" dirty="0"/>
-              <a:t>失去保密性</a:t>
-            </a:r>
-            <a:r>
-              <a:rPr kumimoji="1" lang="en-US" altLang="zh-CN" sz="1200" dirty="0"/>
-              <a:t>[LC]</a:t>
-            </a:r>
-            <a:endParaRPr kumimoji="1" lang="zh-CN" altLang="en-US" sz="1200" dirty="0"/>
-          </a:p>
-        </p:txBody>
-      </p:sp>
-      <p:sp>
-        <p:nvSpPr>
-          <p:cNvPr id="15" name="矩形 14">
-            <a:extLst>
-              <a:ext uri="{FF2B5EF4-FFF2-40B4-BE49-F238E27FC236}">
-                <a16:creationId xmlns:a16="http://schemas.microsoft.com/office/drawing/2014/main" id="{9561B805-5A61-8641-9304-1A2C0957332A}"/>
-              </a:ext>
-            </a:extLst>
-          </p:cNvPr>
-          <p:cNvSpPr/>
-          <p:nvPr/>
-        </p:nvSpPr>
-        <p:spPr>
-          <a:xfrm>
-            <a:off x="250369" y="3785078"/>
-            <a:ext cx="2906487" cy="272143"/>
-          </a:xfrm>
-          <a:prstGeom prst="rect">
-            <a:avLst/>
-          </a:prstGeom>
-          <a:solidFill>
-            <a:srgbClr val="C00000"/>
-          </a:solidFill>
-        </p:spPr>
-        <p:style>
-          <a:lnRef idx="2">
-            <a:schemeClr val="accent1">
-              <a:shade val="50000"/>
-            </a:schemeClr>
-          </a:lnRef>
-          <a:fillRef idx="1">
-            <a:schemeClr val="accent1"/>
-          </a:fillRef>
-          <a:effectRef idx="0">
-            <a:schemeClr val="accent1"/>
-          </a:effectRef>
-          <a:fontRef idx="minor">
-            <a:schemeClr val="lt1"/>
-          </a:fontRef>
-        </p:style>
-        <p:txBody>
-          <a:bodyPr rtlCol="0" anchor="ctr"/>
-          <a:lstStyle/>
-          <a:p>
-            <a:pPr algn="ctr"/>
-            <a:r>
-              <a:rPr kumimoji="1" lang="zh-CN" altLang="en-US" sz="1200" dirty="0"/>
-              <a:t>失去完整性</a:t>
-            </a:r>
-            <a:r>
-              <a:rPr kumimoji="1" lang="en-US" altLang="zh-CN" sz="1200" dirty="0"/>
-              <a:t>[LI]</a:t>
-            </a:r>
-            <a:endParaRPr kumimoji="1" lang="zh-CN" altLang="en-US" sz="1200" dirty="0"/>
-          </a:p>
-        </p:txBody>
-      </p:sp>
-      <p:sp>
-        <p:nvSpPr>
-          <p:cNvPr id="16" name="矩形 15">
-            <a:extLst>
-              <a:ext uri="{FF2B5EF4-FFF2-40B4-BE49-F238E27FC236}">
-                <a16:creationId xmlns:a16="http://schemas.microsoft.com/office/drawing/2014/main" id="{9F2C83CE-4C56-194E-AD36-E04BCCD90D6F}"/>
-              </a:ext>
-            </a:extLst>
-          </p:cNvPr>
-          <p:cNvSpPr/>
-          <p:nvPr/>
-        </p:nvSpPr>
-        <p:spPr>
-          <a:xfrm>
-            <a:off x="250369" y="4111363"/>
-            <a:ext cx="2906487" cy="272143"/>
-          </a:xfrm>
-          <a:prstGeom prst="rect">
-            <a:avLst/>
-          </a:prstGeom>
-          <a:solidFill>
-            <a:srgbClr val="C00000"/>
-          </a:solidFill>
-        </p:spPr>
-        <p:style>
-          <a:lnRef idx="2">
-            <a:schemeClr val="accent1">
-              <a:shade val="50000"/>
-            </a:schemeClr>
-          </a:lnRef>
-          <a:fillRef idx="1">
-            <a:schemeClr val="accent1"/>
-          </a:fillRef>
-          <a:effectRef idx="0">
-            <a:schemeClr val="accent1"/>
-          </a:effectRef>
-          <a:fontRef idx="minor">
-            <a:schemeClr val="lt1"/>
-          </a:fontRef>
-        </p:style>
-        <p:txBody>
-          <a:bodyPr rtlCol="0" anchor="ctr"/>
-          <a:lstStyle/>
-          <a:p>
-            <a:pPr algn="ctr"/>
-            <a:r>
-              <a:rPr kumimoji="1" lang="zh-CN" altLang="en-US" sz="1200" dirty="0"/>
-              <a:t>失去可用性</a:t>
-            </a:r>
-            <a:r>
-              <a:rPr kumimoji="1" lang="en-US" altLang="zh-CN" sz="1200" dirty="0"/>
-              <a:t>[LA]</a:t>
-            </a:r>
-            <a:endParaRPr kumimoji="1" lang="zh-CN" altLang="en-US" sz="1200" dirty="0"/>
-          </a:p>
-        </p:txBody>
-      </p:sp>
-      <p:sp>
-        <p:nvSpPr>
-          <p:cNvPr id="17" name="矩形 16">
-            <a:extLst>
-              <a:ext uri="{FF2B5EF4-FFF2-40B4-BE49-F238E27FC236}">
-                <a16:creationId xmlns:a16="http://schemas.microsoft.com/office/drawing/2014/main" id="{56560622-31B9-C947-BE71-B1CD34F86383}"/>
-              </a:ext>
-            </a:extLst>
-          </p:cNvPr>
-          <p:cNvSpPr/>
-          <p:nvPr/>
-        </p:nvSpPr>
-        <p:spPr>
-          <a:xfrm>
-            <a:off x="250369" y="4437648"/>
-            <a:ext cx="2906487" cy="272143"/>
-          </a:xfrm>
-          <a:prstGeom prst="rect">
-            <a:avLst/>
-          </a:prstGeom>
-          <a:solidFill>
-            <a:srgbClr val="7030A0"/>
-          </a:solidFill>
-        </p:spPr>
-        <p:style>
-          <a:lnRef idx="2">
-            <a:schemeClr val="accent1">
-              <a:shade val="50000"/>
-            </a:schemeClr>
-          </a:lnRef>
-          <a:fillRef idx="1">
-            <a:schemeClr val="accent1"/>
-          </a:fillRef>
-          <a:effectRef idx="0">
-            <a:schemeClr val="accent1"/>
-          </a:effectRef>
-          <a:fontRef idx="minor">
-            <a:schemeClr val="lt1"/>
-          </a:fontRef>
-        </p:style>
-        <p:txBody>
-          <a:bodyPr rtlCol="0" anchor="ctr"/>
-          <a:lstStyle/>
-          <a:p>
-            <a:pPr algn="ctr"/>
-            <a:r>
-              <a:rPr kumimoji="1" lang="zh-CN" altLang="en-US" sz="1200" dirty="0"/>
-              <a:t>经济损失</a:t>
-            </a:r>
-            <a:r>
-              <a:rPr kumimoji="1" lang="en-US" altLang="zh-CN" sz="1200" dirty="0"/>
-              <a:t>[FD]</a:t>
-            </a:r>
-            <a:endParaRPr kumimoji="1" lang="zh-CN" altLang="en-US" sz="1200" dirty="0"/>
-          </a:p>
-        </p:txBody>
-      </p:sp>
-      <p:sp>
-        <p:nvSpPr>
-          <p:cNvPr id="18" name="矩形 17">
-            <a:extLst>
-              <a:ext uri="{FF2B5EF4-FFF2-40B4-BE49-F238E27FC236}">
-                <a16:creationId xmlns:a16="http://schemas.microsoft.com/office/drawing/2014/main" id="{2429B889-7A6A-9B40-856F-71ED27B7DDFC}"/>
-              </a:ext>
-            </a:extLst>
-          </p:cNvPr>
-          <p:cNvSpPr/>
-          <p:nvPr/>
-        </p:nvSpPr>
-        <p:spPr>
-          <a:xfrm>
-            <a:off x="250369" y="4763933"/>
-            <a:ext cx="2906487" cy="272143"/>
-          </a:xfrm>
-          <a:prstGeom prst="rect">
-            <a:avLst/>
-          </a:prstGeom>
-          <a:solidFill>
-            <a:srgbClr val="7030A0"/>
-          </a:solidFill>
-        </p:spPr>
-        <p:style>
-          <a:lnRef idx="2">
-            <a:schemeClr val="accent1">
-              <a:shade val="50000"/>
-            </a:schemeClr>
-          </a:lnRef>
-          <a:fillRef idx="1">
-            <a:schemeClr val="accent1"/>
-          </a:fillRef>
-          <a:effectRef idx="0">
-            <a:schemeClr val="accent1"/>
-          </a:effectRef>
-          <a:fontRef idx="minor">
-            <a:schemeClr val="lt1"/>
-          </a:fontRef>
-        </p:style>
-        <p:txBody>
-          <a:bodyPr rtlCol="0" anchor="ctr"/>
-          <a:lstStyle/>
-          <a:p>
-            <a:pPr algn="ctr"/>
-            <a:r>
-              <a:rPr kumimoji="1" lang="zh-CN" altLang="en-US" sz="1200" dirty="0"/>
-              <a:t>商誉损失</a:t>
-            </a:r>
-            <a:r>
-              <a:rPr kumimoji="1" lang="en-US" altLang="zh-CN" sz="1200" dirty="0"/>
-              <a:t>[RD]</a:t>
-            </a:r>
-            <a:endParaRPr kumimoji="1" lang="zh-CN" altLang="en-US" sz="1200" dirty="0"/>
-          </a:p>
-        </p:txBody>
-      </p:sp>
-      <p:sp>
-        <p:nvSpPr>
-          <p:cNvPr id="19" name="矩形 18">
-            <a:extLst>
-              <a:ext uri="{FF2B5EF4-FFF2-40B4-BE49-F238E27FC236}">
-                <a16:creationId xmlns:a16="http://schemas.microsoft.com/office/drawing/2014/main" id="{C0DD9D9E-3E7C-F247-A7BB-AA5A2E304218}"/>
-              </a:ext>
-            </a:extLst>
-          </p:cNvPr>
-          <p:cNvSpPr/>
-          <p:nvPr/>
-        </p:nvSpPr>
-        <p:spPr>
-          <a:xfrm>
-            <a:off x="250369" y="5090218"/>
-            <a:ext cx="2906487" cy="272143"/>
-          </a:xfrm>
-          <a:prstGeom prst="rect">
-            <a:avLst/>
-          </a:prstGeom>
-          <a:solidFill>
-            <a:srgbClr val="7030A0"/>
-          </a:solidFill>
-        </p:spPr>
-        <p:style>
-          <a:lnRef idx="2">
-            <a:schemeClr val="accent1">
-              <a:shade val="50000"/>
-            </a:schemeClr>
-          </a:lnRef>
-          <a:fillRef idx="1">
-            <a:schemeClr val="accent1"/>
-          </a:fillRef>
-          <a:effectRef idx="0">
-            <a:schemeClr val="accent1"/>
-          </a:effectRef>
-          <a:fontRef idx="minor">
-            <a:schemeClr val="lt1"/>
-          </a:fontRef>
-        </p:style>
-        <p:txBody>
-          <a:bodyPr rtlCol="0" anchor="ctr"/>
-          <a:lstStyle/>
-          <a:p>
-            <a:pPr algn="ctr"/>
-            <a:r>
-              <a:rPr kumimoji="1" lang="zh-CN" altLang="en-US" sz="1200" dirty="0"/>
-              <a:t>合规影响</a:t>
-            </a:r>
-            <a:r>
-              <a:rPr kumimoji="1" lang="en-US" altLang="zh-CN" sz="1200" dirty="0"/>
-              <a:t>[CI]</a:t>
-            </a:r>
-            <a:endParaRPr kumimoji="1" lang="zh-CN" altLang="en-US" sz="1200" dirty="0"/>
-          </a:p>
-        </p:txBody>
-      </p:sp>
-      <p:sp>
-        <p:nvSpPr>
-          <p:cNvPr id="21" name="矩形 20">
-            <a:extLst>
-              <a:ext uri="{FF2B5EF4-FFF2-40B4-BE49-F238E27FC236}">
-                <a16:creationId xmlns:a16="http://schemas.microsoft.com/office/drawing/2014/main" id="{4C99D7D1-F897-9C41-8C92-863D9CAFB60C}"/>
-              </a:ext>
-            </a:extLst>
-          </p:cNvPr>
-          <p:cNvSpPr/>
-          <p:nvPr/>
-        </p:nvSpPr>
-        <p:spPr>
-          <a:xfrm>
-            <a:off x="250369" y="5419228"/>
-            <a:ext cx="2906487" cy="272143"/>
-          </a:xfrm>
-          <a:prstGeom prst="rect">
-            <a:avLst/>
-          </a:prstGeom>
-          <a:solidFill>
-            <a:srgbClr val="0070C0"/>
-          </a:solidFill>
-        </p:spPr>
-        <p:style>
-          <a:lnRef idx="2">
-            <a:schemeClr val="accent1">
-              <a:shade val="50000"/>
-            </a:schemeClr>
-          </a:lnRef>
-          <a:fillRef idx="1">
-            <a:schemeClr val="accent1"/>
-          </a:fillRef>
-          <a:effectRef idx="0">
-            <a:schemeClr val="accent1"/>
-          </a:effectRef>
-          <a:fontRef idx="minor">
-            <a:schemeClr val="lt1"/>
-          </a:fontRef>
-        </p:style>
-        <p:txBody>
-          <a:bodyPr rtlCol="0" anchor="ctr"/>
-          <a:lstStyle/>
-          <a:p>
-            <a:pPr algn="ctr"/>
-            <a:r>
-              <a:rPr kumimoji="1" lang="zh-CN" altLang="en-US" sz="1200" dirty="0"/>
-              <a:t>开发生命周期</a:t>
-            </a:r>
-            <a:r>
-              <a:rPr kumimoji="1" lang="en-US" altLang="zh-CN" sz="1200" dirty="0"/>
-              <a:t>[DLC]</a:t>
-            </a:r>
-            <a:endParaRPr kumimoji="1" lang="zh-CN" altLang="en-US" sz="1200" dirty="0"/>
-          </a:p>
-        </p:txBody>
-      </p:sp>
-      <p:sp>
-        <p:nvSpPr>
-          <p:cNvPr id="22" name="矩形 21">
-            <a:extLst>
-              <a:ext uri="{FF2B5EF4-FFF2-40B4-BE49-F238E27FC236}">
-                <a16:creationId xmlns:a16="http://schemas.microsoft.com/office/drawing/2014/main" id="{374AF924-F882-8543-A932-5BF199F33255}"/>
-              </a:ext>
-            </a:extLst>
-          </p:cNvPr>
-          <p:cNvSpPr/>
-          <p:nvPr/>
-        </p:nvSpPr>
-        <p:spPr>
-          <a:xfrm>
-            <a:off x="250369" y="5745513"/>
-            <a:ext cx="2906487" cy="272143"/>
-          </a:xfrm>
-          <a:prstGeom prst="rect">
-            <a:avLst/>
-          </a:prstGeom>
-          <a:solidFill>
-            <a:srgbClr val="0070C0"/>
-          </a:solidFill>
-        </p:spPr>
-        <p:style>
-          <a:lnRef idx="2">
-            <a:schemeClr val="accent1">
-              <a:shade val="50000"/>
-            </a:schemeClr>
-          </a:lnRef>
-          <a:fillRef idx="1">
-            <a:schemeClr val="accent1"/>
-          </a:fillRef>
-          <a:effectRef idx="0">
-            <a:schemeClr val="accent1"/>
-          </a:effectRef>
-          <a:fontRef idx="minor">
-            <a:schemeClr val="lt1"/>
-          </a:fontRef>
-        </p:style>
-        <p:txBody>
-          <a:bodyPr rtlCol="0" anchor="ctr"/>
-          <a:lstStyle/>
-          <a:p>
-            <a:pPr algn="ctr"/>
-            <a:r>
-              <a:rPr kumimoji="1" lang="zh-CN" altLang="en-US" sz="1200" dirty="0"/>
-              <a:t>运维生命周期</a:t>
-            </a:r>
-            <a:r>
-              <a:rPr kumimoji="1" lang="en-US" altLang="zh-CN" sz="1200" dirty="0"/>
-              <a:t>[OLC]</a:t>
-            </a:r>
-            <a:endParaRPr kumimoji="1" lang="zh-CN" altLang="en-US" sz="1200" dirty="0"/>
-          </a:p>
-        </p:txBody>
-      </p:sp>
-      <p:sp>
-        <p:nvSpPr>
-          <p:cNvPr id="23" name="矩形 22">
-            <a:extLst>
-              <a:ext uri="{FF2B5EF4-FFF2-40B4-BE49-F238E27FC236}">
-                <a16:creationId xmlns:a16="http://schemas.microsoft.com/office/drawing/2014/main" id="{A0C9396B-E8FD-814B-94E1-39ECF4EF37A2}"/>
-              </a:ext>
-            </a:extLst>
-          </p:cNvPr>
-          <p:cNvSpPr/>
-          <p:nvPr/>
-        </p:nvSpPr>
-        <p:spPr>
-          <a:xfrm>
-            <a:off x="250369" y="6071796"/>
-            <a:ext cx="2906487" cy="272143"/>
-          </a:xfrm>
-          <a:prstGeom prst="rect">
-            <a:avLst/>
-          </a:prstGeom>
-          <a:solidFill>
-            <a:srgbClr val="0070C0"/>
-          </a:solidFill>
-        </p:spPr>
-        <p:style>
-          <a:lnRef idx="2">
-            <a:schemeClr val="accent1">
-              <a:shade val="50000"/>
-            </a:schemeClr>
-          </a:lnRef>
-          <a:fillRef idx="1">
-            <a:schemeClr val="accent1"/>
-          </a:fillRef>
-          <a:effectRef idx="0">
-            <a:schemeClr val="accent1"/>
-          </a:effectRef>
-          <a:fontRef idx="minor">
-            <a:schemeClr val="lt1"/>
-          </a:fontRef>
-        </p:style>
-        <p:txBody>
-          <a:bodyPr rtlCol="0" anchor="ctr"/>
-          <a:lstStyle/>
-          <a:p>
-            <a:pPr algn="ctr"/>
-            <a:r>
-              <a:rPr kumimoji="1" lang="zh-CN" altLang="en-US" sz="1200" dirty="0"/>
-              <a:t>员工安全意识</a:t>
-            </a:r>
-            <a:r>
-              <a:rPr kumimoji="1" lang="en-US" altLang="zh-CN" sz="1200" dirty="0"/>
-              <a:t>[ESA]</a:t>
-            </a:r>
-            <a:endParaRPr kumimoji="1" lang="zh-CN" altLang="en-US" sz="1200" dirty="0"/>
-          </a:p>
-        </p:txBody>
-      </p:sp>
-      <p:sp>
-        <p:nvSpPr>
-          <p:cNvPr id="30" name="矩形 29">
-            <a:extLst>
-              <a:ext uri="{FF2B5EF4-FFF2-40B4-BE49-F238E27FC236}">
-                <a16:creationId xmlns:a16="http://schemas.microsoft.com/office/drawing/2014/main" id="{870C6F0F-DC58-A448-BDC0-C1DFFD65D859}"/>
-              </a:ext>
-            </a:extLst>
-          </p:cNvPr>
-          <p:cNvSpPr/>
-          <p:nvPr/>
-        </p:nvSpPr>
-        <p:spPr>
-          <a:xfrm>
-            <a:off x="4788950" y="370001"/>
-            <a:ext cx="2467830" cy="589208"/>
-          </a:xfrm>
-          <a:prstGeom prst="rect">
-            <a:avLst/>
-          </a:prstGeom>
-          <a:solidFill>
-            <a:schemeClr val="accent2">
-              <a:lumMod val="75000"/>
-            </a:schemeClr>
-          </a:solidFill>
-        </p:spPr>
-        <p:style>
-          <a:lnRef idx="2">
-            <a:schemeClr val="accent1">
-              <a:shade val="50000"/>
-            </a:schemeClr>
-          </a:lnRef>
-          <a:fillRef idx="1">
-            <a:schemeClr val="accent1"/>
-          </a:fillRef>
-          <a:effectRef idx="0">
-            <a:schemeClr val="accent1"/>
-          </a:effectRef>
-          <a:fontRef idx="minor">
-            <a:schemeClr val="lt1"/>
-          </a:fontRef>
-        </p:style>
-        <p:txBody>
-          <a:bodyPr rtlCol="0" anchor="ctr"/>
-          <a:lstStyle/>
-          <a:p>
-            <a:pPr algn="ctr"/>
-            <a:r>
-              <a:rPr kumimoji="1" lang="zh-CN" altLang="en-US" sz="1600" dirty="0"/>
-              <a:t>进攻实力</a:t>
-            </a:r>
-            <a:r>
-              <a:rPr kumimoji="1" lang="en-US" altLang="zh-CN" sz="1600" dirty="0"/>
-              <a:t>[OS]</a:t>
-            </a:r>
-            <a:endParaRPr kumimoji="1" lang="zh-CN" altLang="en-US" sz="1600" dirty="0"/>
-          </a:p>
-        </p:txBody>
-      </p:sp>
-      <p:sp>
-        <p:nvSpPr>
-          <p:cNvPr id="31" name="矩形 30">
-            <a:extLst>
-              <a:ext uri="{FF2B5EF4-FFF2-40B4-BE49-F238E27FC236}">
-                <a16:creationId xmlns:a16="http://schemas.microsoft.com/office/drawing/2014/main" id="{C54E329B-44DB-D247-B9C4-96280030AB3C}"/>
-              </a:ext>
-            </a:extLst>
-          </p:cNvPr>
-          <p:cNvSpPr/>
-          <p:nvPr/>
-        </p:nvSpPr>
-        <p:spPr>
-          <a:xfrm>
-            <a:off x="4788950" y="1512028"/>
-            <a:ext cx="2467830" cy="589208"/>
-          </a:xfrm>
-          <a:prstGeom prst="rect">
-            <a:avLst/>
-          </a:prstGeom>
-          <a:solidFill>
-            <a:schemeClr val="accent6">
-              <a:lumMod val="75000"/>
-            </a:schemeClr>
-          </a:solidFill>
-        </p:spPr>
-        <p:style>
-          <a:lnRef idx="2">
-            <a:schemeClr val="accent1">
-              <a:shade val="50000"/>
-            </a:schemeClr>
-          </a:lnRef>
-          <a:fillRef idx="1">
-            <a:schemeClr val="accent1"/>
-          </a:fillRef>
-          <a:effectRef idx="0">
-            <a:schemeClr val="accent1"/>
-          </a:effectRef>
-          <a:fontRef idx="minor">
-            <a:schemeClr val="lt1"/>
-          </a:fontRef>
-        </p:style>
-        <p:txBody>
-          <a:bodyPr rtlCol="0" anchor="ctr"/>
-          <a:lstStyle/>
-          <a:p>
-            <a:pPr algn="ctr"/>
-            <a:r>
-              <a:rPr kumimoji="1" lang="zh-CN" altLang="en-US" sz="1600" dirty="0"/>
-              <a:t>防守实力</a:t>
-            </a:r>
-            <a:r>
-              <a:rPr kumimoji="1" lang="en-US" altLang="zh-CN" sz="1600" dirty="0"/>
-              <a:t>[DS]</a:t>
-            </a:r>
-            <a:endParaRPr kumimoji="1" lang="zh-CN" altLang="en-US" sz="1600" dirty="0"/>
-          </a:p>
-        </p:txBody>
-      </p:sp>
-      <p:sp>
-        <p:nvSpPr>
-          <p:cNvPr id="32" name="矩形 31">
-            <a:extLst>
-              <a:ext uri="{FF2B5EF4-FFF2-40B4-BE49-F238E27FC236}">
-                <a16:creationId xmlns:a16="http://schemas.microsoft.com/office/drawing/2014/main" id="{34F16C83-4D04-D941-8A0D-FAFECE8140F3}"/>
-              </a:ext>
-            </a:extLst>
-          </p:cNvPr>
-          <p:cNvSpPr/>
-          <p:nvPr/>
-        </p:nvSpPr>
-        <p:spPr>
-          <a:xfrm>
-            <a:off x="4788950" y="2654055"/>
-            <a:ext cx="2467830" cy="589208"/>
-          </a:xfrm>
-          <a:prstGeom prst="rect">
-            <a:avLst/>
-          </a:prstGeom>
-          <a:solidFill>
-            <a:schemeClr val="accent4">
-              <a:lumMod val="75000"/>
-            </a:schemeClr>
-          </a:solidFill>
-        </p:spPr>
-        <p:style>
-          <a:lnRef idx="2">
-            <a:schemeClr val="accent1">
-              <a:shade val="50000"/>
-            </a:schemeClr>
-          </a:lnRef>
-          <a:fillRef idx="1">
-            <a:schemeClr val="accent1"/>
-          </a:fillRef>
-          <a:effectRef idx="0">
-            <a:schemeClr val="accent1"/>
-          </a:effectRef>
-          <a:fontRef idx="minor">
-            <a:schemeClr val="lt1"/>
-          </a:fontRef>
-        </p:style>
-        <p:txBody>
-          <a:bodyPr rtlCol="0" anchor="ctr"/>
-          <a:lstStyle/>
-          <a:p>
-            <a:pPr algn="ctr"/>
-            <a:r>
-              <a:rPr kumimoji="1" lang="zh-CN" altLang="en-US" sz="1600" dirty="0"/>
-              <a:t>漏洞风险</a:t>
-            </a:r>
-            <a:r>
-              <a:rPr kumimoji="1" lang="en-US" altLang="zh-CN" sz="1600" dirty="0"/>
-              <a:t>[VR]</a:t>
-            </a:r>
-            <a:endParaRPr kumimoji="1" lang="zh-CN" altLang="en-US" sz="1600" dirty="0"/>
-          </a:p>
-        </p:txBody>
-      </p:sp>
-      <p:sp>
-        <p:nvSpPr>
-          <p:cNvPr id="33" name="矩形 32">
-            <a:extLst>
-              <a:ext uri="{FF2B5EF4-FFF2-40B4-BE49-F238E27FC236}">
-                <a16:creationId xmlns:a16="http://schemas.microsoft.com/office/drawing/2014/main" id="{346C582C-E4B7-EC43-A5F0-6C8C38A6FF86}"/>
-              </a:ext>
-            </a:extLst>
-          </p:cNvPr>
-          <p:cNvSpPr/>
-          <p:nvPr/>
-        </p:nvSpPr>
-        <p:spPr>
-          <a:xfrm>
-            <a:off x="4788950" y="3654564"/>
-            <a:ext cx="2467830" cy="589208"/>
-          </a:xfrm>
-          <a:prstGeom prst="rect">
-            <a:avLst/>
-          </a:prstGeom>
-          <a:solidFill>
-            <a:srgbClr val="C00000"/>
-          </a:solidFill>
-        </p:spPr>
-        <p:style>
-          <a:lnRef idx="2">
-            <a:schemeClr val="accent1">
-              <a:shade val="50000"/>
-            </a:schemeClr>
-          </a:lnRef>
-          <a:fillRef idx="1">
-            <a:schemeClr val="accent1"/>
-          </a:fillRef>
-          <a:effectRef idx="0">
-            <a:schemeClr val="accent1"/>
-          </a:effectRef>
-          <a:fontRef idx="minor">
-            <a:schemeClr val="lt1"/>
-          </a:fontRef>
-        </p:style>
-        <p:txBody>
-          <a:bodyPr rtlCol="0" anchor="ctr"/>
-          <a:lstStyle/>
-          <a:p>
-            <a:pPr algn="ctr"/>
-            <a:r>
-              <a:rPr kumimoji="1" lang="zh-CN" altLang="en-US" sz="1600" dirty="0"/>
-              <a:t>技术影响</a:t>
-            </a:r>
-            <a:r>
-              <a:rPr kumimoji="1" lang="en-US" altLang="zh-CN" sz="1600" dirty="0"/>
-              <a:t>[TI]</a:t>
-            </a:r>
-            <a:endParaRPr kumimoji="1" lang="zh-CN" altLang="en-US" sz="1600" dirty="0"/>
-          </a:p>
-        </p:txBody>
-      </p:sp>
-      <p:sp>
-        <p:nvSpPr>
-          <p:cNvPr id="34" name="矩形 33">
-            <a:extLst>
-              <a:ext uri="{FF2B5EF4-FFF2-40B4-BE49-F238E27FC236}">
-                <a16:creationId xmlns:a16="http://schemas.microsoft.com/office/drawing/2014/main" id="{BDCFF73F-2C5D-6244-89B6-8FD4562470D8}"/>
-              </a:ext>
-            </a:extLst>
-          </p:cNvPr>
-          <p:cNvSpPr/>
-          <p:nvPr/>
-        </p:nvSpPr>
-        <p:spPr>
-          <a:xfrm>
-            <a:off x="4788950" y="4785705"/>
-            <a:ext cx="2467830" cy="589208"/>
-          </a:xfrm>
-          <a:prstGeom prst="rect">
-            <a:avLst/>
-          </a:prstGeom>
-          <a:solidFill>
-            <a:srgbClr val="7030A0"/>
-          </a:solidFill>
-        </p:spPr>
-        <p:style>
-          <a:lnRef idx="2">
-            <a:schemeClr val="accent1">
-              <a:shade val="50000"/>
-            </a:schemeClr>
-          </a:lnRef>
-          <a:fillRef idx="1">
-            <a:schemeClr val="accent1"/>
-          </a:fillRef>
-          <a:effectRef idx="0">
-            <a:schemeClr val="accent1"/>
-          </a:effectRef>
-          <a:fontRef idx="minor">
-            <a:schemeClr val="lt1"/>
-          </a:fontRef>
-        </p:style>
-        <p:txBody>
-          <a:bodyPr rtlCol="0" anchor="ctr"/>
-          <a:lstStyle/>
-          <a:p>
-            <a:pPr algn="ctr"/>
-            <a:r>
-              <a:rPr kumimoji="1" lang="zh-CN" altLang="en-US" sz="1600" dirty="0"/>
-              <a:t>企业影响</a:t>
-            </a:r>
-            <a:r>
-              <a:rPr kumimoji="1" lang="en-US" altLang="zh-CN" sz="1600" dirty="0"/>
-              <a:t>[EI]</a:t>
-            </a:r>
-            <a:endParaRPr kumimoji="1" lang="zh-CN" altLang="en-US" sz="1600" dirty="0"/>
-          </a:p>
-        </p:txBody>
-      </p:sp>
-      <p:sp>
-        <p:nvSpPr>
-          <p:cNvPr id="35" name="矩形 34">
-            <a:extLst>
-              <a:ext uri="{FF2B5EF4-FFF2-40B4-BE49-F238E27FC236}">
-                <a16:creationId xmlns:a16="http://schemas.microsoft.com/office/drawing/2014/main" id="{EB076E67-2B3E-B54F-9A59-FB34D500D993}"/>
-              </a:ext>
-            </a:extLst>
-          </p:cNvPr>
-          <p:cNvSpPr/>
-          <p:nvPr/>
-        </p:nvSpPr>
-        <p:spPr>
-          <a:xfrm>
-            <a:off x="4788950" y="5604172"/>
-            <a:ext cx="2467830" cy="589208"/>
-          </a:xfrm>
-          <a:prstGeom prst="rect">
-            <a:avLst/>
-          </a:prstGeom>
-          <a:solidFill>
-            <a:schemeClr val="accent5">
-              <a:lumMod val="75000"/>
-            </a:schemeClr>
-          </a:solidFill>
-        </p:spPr>
-        <p:style>
-          <a:lnRef idx="2">
-            <a:schemeClr val="accent1">
-              <a:shade val="50000"/>
-            </a:schemeClr>
-          </a:lnRef>
-          <a:fillRef idx="1">
-            <a:schemeClr val="accent1"/>
-          </a:fillRef>
-          <a:effectRef idx="0">
-            <a:schemeClr val="accent1"/>
-          </a:effectRef>
-          <a:fontRef idx="minor">
-            <a:schemeClr val="lt1"/>
-          </a:fontRef>
-        </p:style>
-        <p:txBody>
-          <a:bodyPr rtlCol="0" anchor="ctr"/>
-          <a:lstStyle/>
-          <a:p>
-            <a:pPr algn="ctr"/>
-            <a:r>
-              <a:rPr kumimoji="1" lang="zh-CN" altLang="en-US" sz="1600" dirty="0"/>
-              <a:t>业务实力</a:t>
-            </a:r>
-            <a:r>
-              <a:rPr kumimoji="1" lang="en-US" altLang="zh-CN" sz="1600" dirty="0"/>
-              <a:t>[BS]</a:t>
-            </a:r>
-            <a:endParaRPr kumimoji="1" lang="zh-CN" altLang="en-US" sz="1600" dirty="0"/>
-          </a:p>
-        </p:txBody>
-      </p:sp>
-      <p:sp>
-        <p:nvSpPr>
-          <p:cNvPr id="36" name="矩形 35">
-            <a:extLst>
-              <a:ext uri="{FF2B5EF4-FFF2-40B4-BE49-F238E27FC236}">
-                <a16:creationId xmlns:a16="http://schemas.microsoft.com/office/drawing/2014/main" id="{71030679-B0AD-344D-A335-F5E90ABB18A0}"/>
-              </a:ext>
-            </a:extLst>
-          </p:cNvPr>
-          <p:cNvSpPr/>
-          <p:nvPr/>
-        </p:nvSpPr>
-        <p:spPr>
-          <a:xfrm>
-            <a:off x="9150905" y="664837"/>
-            <a:ext cx="2829056" cy="804971"/>
-          </a:xfrm>
-          <a:prstGeom prst="rect">
-            <a:avLst/>
-          </a:prstGeom>
-          <a:solidFill>
-            <a:schemeClr val="accent2">
-              <a:lumMod val="75000"/>
-            </a:schemeClr>
-          </a:solidFill>
-        </p:spPr>
-        <p:style>
-          <a:lnRef idx="2">
-            <a:schemeClr val="accent1">
-              <a:shade val="50000"/>
-            </a:schemeClr>
-          </a:lnRef>
-          <a:fillRef idx="1">
-            <a:schemeClr val="accent1"/>
-          </a:fillRef>
-          <a:effectRef idx="0">
-            <a:schemeClr val="accent1"/>
-          </a:effectRef>
-          <a:fontRef idx="minor">
-            <a:schemeClr val="lt1"/>
-          </a:fontRef>
-        </p:style>
-        <p:txBody>
-          <a:bodyPr rtlCol="0" anchor="ctr"/>
-          <a:lstStyle/>
-          <a:p>
-            <a:pPr algn="ctr"/>
-            <a:r>
-              <a:rPr kumimoji="1" lang="zh-CN" altLang="en-US" sz="2000" dirty="0"/>
-              <a:t>进攻能量</a:t>
-            </a:r>
-            <a:r>
-              <a:rPr kumimoji="1" lang="en-US" altLang="zh-CN" sz="2000" dirty="0"/>
-              <a:t>[OE]</a:t>
-            </a:r>
-            <a:endParaRPr kumimoji="1" lang="zh-CN" altLang="en-US" sz="2000" dirty="0"/>
-          </a:p>
-        </p:txBody>
-      </p:sp>
-      <p:sp>
-        <p:nvSpPr>
-          <p:cNvPr id="37" name="矩形 36">
-            <a:extLst>
-              <a:ext uri="{FF2B5EF4-FFF2-40B4-BE49-F238E27FC236}">
-                <a16:creationId xmlns:a16="http://schemas.microsoft.com/office/drawing/2014/main" id="{18CEBAA9-9465-FD4D-86A1-04E55EAE7CF6}"/>
-              </a:ext>
-            </a:extLst>
-          </p:cNvPr>
-          <p:cNvSpPr/>
-          <p:nvPr/>
-        </p:nvSpPr>
-        <p:spPr>
-          <a:xfrm>
-            <a:off x="9150905" y="2167462"/>
-            <a:ext cx="2829056" cy="804971"/>
-          </a:xfrm>
-          <a:prstGeom prst="rect">
-            <a:avLst/>
-          </a:prstGeom>
-          <a:solidFill>
-            <a:schemeClr val="accent6">
-              <a:lumMod val="75000"/>
-            </a:schemeClr>
-          </a:solidFill>
-        </p:spPr>
-        <p:style>
-          <a:lnRef idx="2">
-            <a:schemeClr val="accent1">
-              <a:shade val="50000"/>
-            </a:schemeClr>
-          </a:lnRef>
-          <a:fillRef idx="1">
-            <a:schemeClr val="accent1"/>
-          </a:fillRef>
-          <a:effectRef idx="0">
-            <a:schemeClr val="accent1"/>
-          </a:effectRef>
-          <a:fontRef idx="minor">
-            <a:schemeClr val="lt1"/>
-          </a:fontRef>
-        </p:style>
-        <p:txBody>
-          <a:bodyPr rtlCol="0" anchor="ctr"/>
-          <a:lstStyle/>
-          <a:p>
-            <a:pPr algn="ctr"/>
-            <a:r>
-              <a:rPr kumimoji="1" lang="zh-CN" altLang="en-US" sz="2000" dirty="0"/>
-              <a:t>防守能量</a:t>
-            </a:r>
-            <a:r>
-              <a:rPr kumimoji="1" lang="en-US" altLang="zh-CN" sz="2000" dirty="0"/>
-              <a:t>[DE]</a:t>
-            </a:r>
-            <a:endParaRPr kumimoji="1" lang="zh-CN" altLang="en-US" sz="2000" dirty="0"/>
-          </a:p>
-        </p:txBody>
-      </p:sp>
-      <p:sp>
-        <p:nvSpPr>
-          <p:cNvPr id="38" name="矩形 37">
-            <a:extLst>
-              <a:ext uri="{FF2B5EF4-FFF2-40B4-BE49-F238E27FC236}">
-                <a16:creationId xmlns:a16="http://schemas.microsoft.com/office/drawing/2014/main" id="{1B3B4671-EE42-8E41-9E7F-3D2F1324B04D}"/>
-              </a:ext>
-            </a:extLst>
-          </p:cNvPr>
-          <p:cNvSpPr/>
-          <p:nvPr/>
-        </p:nvSpPr>
-        <p:spPr>
-          <a:xfrm>
-            <a:off x="9150905" y="3861277"/>
-            <a:ext cx="2829056" cy="804971"/>
-          </a:xfrm>
-          <a:prstGeom prst="rect">
-            <a:avLst/>
-          </a:prstGeom>
-          <a:solidFill>
-            <a:schemeClr val="accent4">
-              <a:lumMod val="75000"/>
-            </a:schemeClr>
-          </a:solidFill>
-        </p:spPr>
-        <p:style>
-          <a:lnRef idx="2">
-            <a:schemeClr val="accent1">
-              <a:shade val="50000"/>
-            </a:schemeClr>
-          </a:lnRef>
-          <a:fillRef idx="1">
-            <a:schemeClr val="accent1"/>
-          </a:fillRef>
-          <a:effectRef idx="0">
-            <a:schemeClr val="accent1"/>
-          </a:effectRef>
-          <a:fontRef idx="minor">
-            <a:schemeClr val="lt1"/>
-          </a:fontRef>
-        </p:style>
-        <p:txBody>
-          <a:bodyPr rtlCol="0" anchor="ctr"/>
-          <a:lstStyle/>
-          <a:p>
-            <a:pPr algn="ctr"/>
-            <a:r>
-              <a:rPr kumimoji="1" lang="zh-CN" altLang="en-US" sz="2000" dirty="0"/>
-              <a:t>业务风险</a:t>
-            </a:r>
-            <a:r>
-              <a:rPr kumimoji="1" lang="en-US" altLang="zh-CN" sz="2000" dirty="0"/>
-              <a:t>[BR]</a:t>
-            </a:r>
-            <a:endParaRPr kumimoji="1" lang="zh-CN" altLang="en-US" sz="2000" dirty="0"/>
-          </a:p>
-        </p:txBody>
-      </p:sp>
-      <p:sp>
-        <p:nvSpPr>
-          <p:cNvPr id="39" name="矩形 38">
-            <a:extLst>
-              <a:ext uri="{FF2B5EF4-FFF2-40B4-BE49-F238E27FC236}">
-                <a16:creationId xmlns:a16="http://schemas.microsoft.com/office/drawing/2014/main" id="{1432A028-2604-EF40-A20C-3D24367BA21E}"/>
-              </a:ext>
-            </a:extLst>
-          </p:cNvPr>
-          <p:cNvSpPr/>
-          <p:nvPr/>
-        </p:nvSpPr>
-        <p:spPr>
-          <a:xfrm>
-            <a:off x="9150905" y="5413577"/>
-            <a:ext cx="2829056" cy="804971"/>
-          </a:xfrm>
-          <a:prstGeom prst="rect">
-            <a:avLst/>
-          </a:prstGeom>
-          <a:solidFill>
-            <a:srgbClr val="7030A0"/>
-          </a:solidFill>
-        </p:spPr>
-        <p:style>
-          <a:lnRef idx="2">
-            <a:schemeClr val="accent1">
-              <a:shade val="50000"/>
-            </a:schemeClr>
-          </a:lnRef>
-          <a:fillRef idx="1">
-            <a:schemeClr val="accent1"/>
-          </a:fillRef>
-          <a:effectRef idx="0">
-            <a:schemeClr val="accent1"/>
-          </a:effectRef>
-          <a:fontRef idx="minor">
-            <a:schemeClr val="lt1"/>
-          </a:fontRef>
-        </p:style>
-        <p:txBody>
-          <a:bodyPr rtlCol="0" anchor="ctr"/>
-          <a:lstStyle/>
-          <a:p>
-            <a:pPr algn="ctr"/>
-            <a:r>
-              <a:rPr kumimoji="1" lang="zh-CN" altLang="en-US" sz="2000" dirty="0"/>
-              <a:t>企业风险</a:t>
-            </a:r>
-            <a:r>
-              <a:rPr kumimoji="1" lang="en-US" altLang="zh-CN" sz="2000" dirty="0"/>
-              <a:t>[ER]</a:t>
-            </a:r>
-            <a:endParaRPr kumimoji="1" lang="zh-CN" altLang="en-US" sz="2000" dirty="0"/>
-          </a:p>
-        </p:txBody>
-      </p:sp>
-      <p:cxnSp>
-        <p:nvCxnSpPr>
-          <p:cNvPr id="42" name="肘形连接符 41">
-            <a:extLst>
-              <a:ext uri="{FF2B5EF4-FFF2-40B4-BE49-F238E27FC236}">
-                <a16:creationId xmlns:a16="http://schemas.microsoft.com/office/drawing/2014/main" id="{D4532ACB-AC2F-E041-8D09-BF8AD25D4A76}"/>
-              </a:ext>
-            </a:extLst>
-          </p:cNvPr>
-          <p:cNvCxnSpPr>
-            <a:cxnSpLocks/>
-          </p:cNvCxnSpPr>
-          <p:nvPr/>
-        </p:nvCxnSpPr>
-        <p:spPr>
-          <a:xfrm>
-            <a:off x="7256780" y="645278"/>
-            <a:ext cx="1894120" cy="411860"/>
-          </a:xfrm>
-          <a:prstGeom prst="bentConnector3">
-            <a:avLst>
-              <a:gd name="adj1" fmla="val 50000"/>
-            </a:avLst>
-          </a:prstGeom>
-          <a:ln w="127000" cap="flat" cmpd="sng">
+        </p:grpSpPr>
+        <p:sp>
+          <p:nvSpPr>
+            <p:cNvPr id="29" name="右箭头标注 28">
+              <a:extLst>
+                <a:ext uri="{FF2B5EF4-FFF2-40B4-BE49-F238E27FC236}">
+                  <a16:creationId xmlns:a16="http://schemas.microsoft.com/office/drawing/2014/main" id="{58BFF647-FF68-3643-84E0-6E4C89011026}"/>
+                </a:ext>
+              </a:extLst>
+            </p:cNvPr>
+            <p:cNvSpPr/>
+            <p:nvPr/>
+          </p:nvSpPr>
+          <p:spPr>
+            <a:xfrm>
+              <a:off x="228597" y="5421805"/>
+              <a:ext cx="4539346" cy="951927"/>
+            </a:xfrm>
+            <a:prstGeom prst="rightArrowCallout">
+              <a:avLst/>
+            </a:prstGeom>
+            <a:solidFill>
+              <a:srgbClr val="7030A0"/>
+            </a:solidFill>
+          </p:spPr>
+          <p:style>
+            <a:lnRef idx="2">
+              <a:schemeClr val="accent1">
+                <a:shade val="50000"/>
+              </a:schemeClr>
+            </a:lnRef>
+            <a:fillRef idx="1">
+              <a:schemeClr val="accent1"/>
+            </a:fillRef>
+            <a:effectRef idx="0">
+              <a:schemeClr val="accent1"/>
+            </a:effectRef>
+            <a:fontRef idx="minor">
+              <a:schemeClr val="lt1"/>
+            </a:fontRef>
+          </p:style>
+          <p:txBody>
+            <a:bodyPr rtlCol="0" anchor="ctr"/>
+            <a:lstStyle/>
+            <a:p>
+              <a:pPr algn="ctr"/>
+              <a:endParaRPr kumimoji="1" lang="zh-CN" altLang="en-US">
+                <a:latin typeface="JingDongLangZhengTi" panose="02000500000000000000" pitchFamily="2" charset="-122"/>
+                <a:ea typeface="JingDongLangZhengTi" panose="02000500000000000000" pitchFamily="2" charset="-122"/>
+              </a:endParaRPr>
+            </a:p>
+          </p:txBody>
+        </p:sp>
+        <p:sp>
+          <p:nvSpPr>
+            <p:cNvPr id="28" name="右箭头标注 27">
+              <a:extLst>
+                <a:ext uri="{FF2B5EF4-FFF2-40B4-BE49-F238E27FC236}">
+                  <a16:creationId xmlns:a16="http://schemas.microsoft.com/office/drawing/2014/main" id="{D1EFD2E6-3288-9943-B07F-6E6B9416E854}"/>
+                </a:ext>
+              </a:extLst>
+            </p:cNvPr>
+            <p:cNvSpPr/>
+            <p:nvPr/>
+          </p:nvSpPr>
+          <p:spPr>
+            <a:xfrm>
+              <a:off x="228597" y="4431059"/>
+              <a:ext cx="4539346" cy="960807"/>
+            </a:xfrm>
+            <a:prstGeom prst="rightArrowCallout">
+              <a:avLst/>
+            </a:prstGeom>
+            <a:solidFill>
+              <a:srgbClr val="C00000"/>
+            </a:solidFill>
+          </p:spPr>
+          <p:style>
+            <a:lnRef idx="2">
+              <a:schemeClr val="accent1">
+                <a:shade val="50000"/>
+              </a:schemeClr>
+            </a:lnRef>
+            <a:fillRef idx="1">
+              <a:schemeClr val="accent1"/>
+            </a:fillRef>
+            <a:effectRef idx="0">
+              <a:schemeClr val="accent1"/>
+            </a:effectRef>
+            <a:fontRef idx="minor">
+              <a:schemeClr val="lt1"/>
+            </a:fontRef>
+          </p:style>
+          <p:txBody>
+            <a:bodyPr rtlCol="0" anchor="ctr"/>
+            <a:lstStyle/>
+            <a:p>
+              <a:pPr algn="ctr"/>
+              <a:endParaRPr kumimoji="1" lang="zh-CN" altLang="en-US">
+                <a:latin typeface="JingDongLangZhengTi" panose="02000500000000000000" pitchFamily="2" charset="-122"/>
+                <a:ea typeface="JingDongLangZhengTi" panose="02000500000000000000" pitchFamily="2" charset="-122"/>
+              </a:endParaRPr>
+            </a:p>
+          </p:txBody>
+        </p:sp>
+        <p:sp>
+          <p:nvSpPr>
+            <p:cNvPr id="27" name="右箭头标注 26">
+              <a:extLst>
+                <a:ext uri="{FF2B5EF4-FFF2-40B4-BE49-F238E27FC236}">
+                  <a16:creationId xmlns:a16="http://schemas.microsoft.com/office/drawing/2014/main" id="{AF945F60-2262-9A40-8644-3DBA6C78F30B}"/>
+                </a:ext>
+              </a:extLst>
+            </p:cNvPr>
+            <p:cNvSpPr/>
+            <p:nvPr/>
+          </p:nvSpPr>
+          <p:spPr>
+            <a:xfrm>
+              <a:off x="228598" y="3458793"/>
+              <a:ext cx="4539346" cy="951927"/>
+            </a:xfrm>
+            <a:prstGeom prst="rightArrowCallout">
+              <a:avLst/>
+            </a:prstGeom>
+            <a:solidFill>
+              <a:schemeClr val="accent4">
+                <a:lumMod val="75000"/>
+              </a:schemeClr>
+            </a:solidFill>
+          </p:spPr>
+          <p:style>
+            <a:lnRef idx="2">
+              <a:schemeClr val="accent1">
+                <a:shade val="50000"/>
+              </a:schemeClr>
+            </a:lnRef>
+            <a:fillRef idx="1">
+              <a:schemeClr val="accent1"/>
+            </a:fillRef>
+            <a:effectRef idx="0">
+              <a:schemeClr val="accent1"/>
+            </a:effectRef>
+            <a:fontRef idx="minor">
+              <a:schemeClr val="lt1"/>
+            </a:fontRef>
+          </p:style>
+          <p:txBody>
+            <a:bodyPr rtlCol="0" anchor="ctr"/>
+            <a:lstStyle/>
+            <a:p>
+              <a:pPr algn="ctr"/>
+              <a:endParaRPr kumimoji="1" lang="zh-CN" altLang="en-US">
+                <a:latin typeface="JingDongLangZhengTi" panose="02000500000000000000" pitchFamily="2" charset="-122"/>
+                <a:ea typeface="JingDongLangZhengTi" panose="02000500000000000000" pitchFamily="2" charset="-122"/>
+              </a:endParaRPr>
+            </a:p>
+          </p:txBody>
+        </p:sp>
+        <p:sp>
+          <p:nvSpPr>
+            <p:cNvPr id="26" name="右箭头标注 25">
+              <a:extLst>
+                <a:ext uri="{FF2B5EF4-FFF2-40B4-BE49-F238E27FC236}">
+                  <a16:creationId xmlns:a16="http://schemas.microsoft.com/office/drawing/2014/main" id="{5E4BE320-9199-5549-939C-2191BC725490}"/>
+                </a:ext>
+              </a:extLst>
+            </p:cNvPr>
+            <p:cNvSpPr/>
+            <p:nvPr/>
+          </p:nvSpPr>
+          <p:spPr>
+            <a:xfrm>
+              <a:off x="239479" y="2477073"/>
+              <a:ext cx="4539346" cy="951927"/>
+            </a:xfrm>
+            <a:prstGeom prst="rightArrowCallout">
+              <a:avLst/>
+            </a:prstGeom>
+            <a:solidFill>
+              <a:schemeClr val="accent6">
+                <a:lumMod val="75000"/>
+              </a:schemeClr>
+            </a:solidFill>
+          </p:spPr>
+          <p:style>
+            <a:lnRef idx="2">
+              <a:schemeClr val="accent1">
+                <a:shade val="50000"/>
+              </a:schemeClr>
+            </a:lnRef>
+            <a:fillRef idx="1">
+              <a:schemeClr val="accent1"/>
+            </a:fillRef>
+            <a:effectRef idx="0">
+              <a:schemeClr val="accent1"/>
+            </a:effectRef>
+            <a:fontRef idx="minor">
+              <a:schemeClr val="lt1"/>
+            </a:fontRef>
+          </p:style>
+          <p:txBody>
+            <a:bodyPr rtlCol="0" anchor="ctr"/>
+            <a:lstStyle/>
+            <a:p>
+              <a:pPr algn="ctr"/>
+              <a:endParaRPr kumimoji="1" lang="zh-CN" altLang="en-US">
+                <a:latin typeface="JingDongLangZhengTi" panose="02000500000000000000" pitchFamily="2" charset="-122"/>
+                <a:ea typeface="JingDongLangZhengTi" panose="02000500000000000000" pitchFamily="2" charset="-122"/>
+              </a:endParaRPr>
+            </a:p>
+          </p:txBody>
+        </p:sp>
+        <p:sp>
+          <p:nvSpPr>
+            <p:cNvPr id="25" name="右箭头标注 24">
+              <a:extLst>
+                <a:ext uri="{FF2B5EF4-FFF2-40B4-BE49-F238E27FC236}">
+                  <a16:creationId xmlns:a16="http://schemas.microsoft.com/office/drawing/2014/main" id="{895D2194-61D6-8847-9749-831B15C2AB8A}"/>
+                </a:ext>
+              </a:extLst>
+            </p:cNvPr>
+            <p:cNvSpPr/>
+            <p:nvPr/>
+          </p:nvSpPr>
+          <p:spPr>
+            <a:xfrm>
+              <a:off x="239480" y="1163910"/>
+              <a:ext cx="4539346" cy="1283370"/>
+            </a:xfrm>
+            <a:prstGeom prst="rightArrowCallout">
+              <a:avLst/>
+            </a:prstGeom>
             <a:solidFill>
               <a:schemeClr val="accent2">
                 <a:lumMod val="75000"/>
               </a:schemeClr>
             </a:solidFill>
-            <a:prstDash val="solid"/>
-            <a:bevel/>
-            <a:headEnd w="sm" len="sm"/>
-            <a:tailEnd type="triangle"/>
-          </a:ln>
-        </p:spPr>
-        <p:style>
-          <a:lnRef idx="1">
-            <a:schemeClr val="accent1"/>
-          </a:lnRef>
-          <a:fillRef idx="0">
-            <a:schemeClr val="accent1"/>
-          </a:fillRef>
-          <a:effectRef idx="0">
-            <a:schemeClr val="accent1"/>
-          </a:effectRef>
-          <a:fontRef idx="minor">
-            <a:schemeClr val="tx1"/>
-          </a:fontRef>
-        </p:style>
-      </p:cxnSp>
-      <p:cxnSp>
-        <p:nvCxnSpPr>
-          <p:cNvPr id="47" name="肘形连接符 46">
-            <a:extLst>
-              <a:ext uri="{FF2B5EF4-FFF2-40B4-BE49-F238E27FC236}">
-                <a16:creationId xmlns:a16="http://schemas.microsoft.com/office/drawing/2014/main" id="{B7DE0095-10D5-8044-B220-0D22A9F19BB6}"/>
-              </a:ext>
-            </a:extLst>
-          </p:cNvPr>
-          <p:cNvCxnSpPr>
-            <a:cxnSpLocks/>
-          </p:cNvCxnSpPr>
-          <p:nvPr/>
-        </p:nvCxnSpPr>
-        <p:spPr>
-          <a:xfrm flipV="1">
-            <a:off x="7256780" y="1052029"/>
-            <a:ext cx="1894120" cy="615532"/>
-          </a:xfrm>
-          <a:prstGeom prst="bentConnector3">
-            <a:avLst>
-              <a:gd name="adj1" fmla="val 50000"/>
-            </a:avLst>
-          </a:prstGeom>
-          <a:ln w="127000" cap="flat" cmpd="sng">
+          </p:spPr>
+          <p:style>
+            <a:lnRef idx="2">
+              <a:schemeClr val="accent1">
+                <a:shade val="50000"/>
+              </a:schemeClr>
+            </a:lnRef>
+            <a:fillRef idx="1">
+              <a:schemeClr val="accent1"/>
+            </a:fillRef>
+            <a:effectRef idx="0">
+              <a:schemeClr val="accent1"/>
+            </a:effectRef>
+            <a:fontRef idx="minor">
+              <a:schemeClr val="lt1"/>
+            </a:fontRef>
+          </p:style>
+          <p:txBody>
+            <a:bodyPr rtlCol="0" anchor="ctr"/>
+            <a:lstStyle/>
+            <a:p>
+              <a:pPr algn="ctr"/>
+              <a:endParaRPr kumimoji="1" lang="zh-CN" altLang="en-US">
+                <a:latin typeface="JingDongLangZhengTi" panose="02000500000000000000" pitchFamily="2" charset="-122"/>
+                <a:ea typeface="JingDongLangZhengTi" panose="02000500000000000000" pitchFamily="2" charset="-122"/>
+              </a:endParaRPr>
+            </a:p>
+          </p:txBody>
+        </p:sp>
+        <p:sp>
+          <p:nvSpPr>
+            <p:cNvPr id="24" name="右箭头标注 23">
+              <a:extLst>
+                <a:ext uri="{FF2B5EF4-FFF2-40B4-BE49-F238E27FC236}">
+                  <a16:creationId xmlns:a16="http://schemas.microsoft.com/office/drawing/2014/main" id="{F9610588-85D8-2549-92A9-49C37C399498}"/>
+                </a:ext>
+              </a:extLst>
+            </p:cNvPr>
+            <p:cNvSpPr/>
+            <p:nvPr/>
+          </p:nvSpPr>
+          <p:spPr>
+            <a:xfrm>
+              <a:off x="239484" y="190501"/>
+              <a:ext cx="4539346" cy="951927"/>
+            </a:xfrm>
+            <a:prstGeom prst="rightArrowCallout">
+              <a:avLst/>
+            </a:prstGeom>
+            <a:solidFill>
+              <a:schemeClr val="accent5">
+                <a:lumMod val="75000"/>
+              </a:schemeClr>
+            </a:solidFill>
+          </p:spPr>
+          <p:style>
+            <a:lnRef idx="2">
+              <a:schemeClr val="accent1">
+                <a:shade val="50000"/>
+              </a:schemeClr>
+            </a:lnRef>
+            <a:fillRef idx="1">
+              <a:schemeClr val="accent1"/>
+            </a:fillRef>
+            <a:effectRef idx="0">
+              <a:schemeClr val="accent1"/>
+            </a:effectRef>
+            <a:fontRef idx="minor">
+              <a:schemeClr val="lt1"/>
+            </a:fontRef>
+          </p:style>
+          <p:txBody>
+            <a:bodyPr rtlCol="0" anchor="ctr"/>
+            <a:lstStyle/>
+            <a:p>
+              <a:pPr algn="ctr"/>
+              <a:endParaRPr kumimoji="1" lang="zh-CN" altLang="en-US" dirty="0">
+                <a:latin typeface="JingDongLangZhengTi" panose="02000500000000000000" pitchFamily="2" charset="-122"/>
+                <a:ea typeface="JingDongLangZhengTi" panose="02000500000000000000" pitchFamily="2" charset="-122"/>
+              </a:endParaRPr>
+            </a:p>
+          </p:txBody>
+        </p:sp>
+        <p:sp>
+          <p:nvSpPr>
+            <p:cNvPr id="4" name="矩形 3">
+              <a:extLst>
+                <a:ext uri="{FF2B5EF4-FFF2-40B4-BE49-F238E27FC236}">
+                  <a16:creationId xmlns:a16="http://schemas.microsoft.com/office/drawing/2014/main" id="{F89BB628-787D-B247-B88B-2DBF2B26C6DC}"/>
+                </a:ext>
+              </a:extLst>
+            </p:cNvPr>
+            <p:cNvSpPr/>
+            <p:nvPr/>
+          </p:nvSpPr>
+          <p:spPr>
+            <a:xfrm>
+              <a:off x="250369" y="195943"/>
+              <a:ext cx="2906487" cy="272143"/>
+            </a:xfrm>
+            <a:prstGeom prst="rect">
+              <a:avLst/>
+            </a:prstGeom>
             <a:solidFill>
               <a:schemeClr val="accent2">
                 <a:lumMod val="75000"/>
               </a:schemeClr>
             </a:solidFill>
-            <a:prstDash val="solid"/>
-            <a:bevel/>
-            <a:headEnd w="sm" len="sm"/>
-            <a:tailEnd type="triangle"/>
-          </a:ln>
-        </p:spPr>
-        <p:style>
-          <a:lnRef idx="1">
-            <a:schemeClr val="accent1"/>
-          </a:lnRef>
-          <a:fillRef idx="0">
-            <a:schemeClr val="accent1"/>
-          </a:fillRef>
-          <a:effectRef idx="0">
-            <a:schemeClr val="accent1"/>
-          </a:effectRef>
-          <a:fontRef idx="minor">
-            <a:schemeClr val="tx1"/>
-          </a:fontRef>
-        </p:style>
-      </p:cxnSp>
-      <p:cxnSp>
-        <p:nvCxnSpPr>
-          <p:cNvPr id="49" name="肘形连接符 48">
-            <a:extLst>
-              <a:ext uri="{FF2B5EF4-FFF2-40B4-BE49-F238E27FC236}">
-                <a16:creationId xmlns:a16="http://schemas.microsoft.com/office/drawing/2014/main" id="{CC44CDE8-C7C4-6944-A6E7-113DBEC0EDDC}"/>
-              </a:ext>
-            </a:extLst>
-          </p:cNvPr>
-          <p:cNvCxnSpPr>
-            <a:cxnSpLocks/>
-          </p:cNvCxnSpPr>
-          <p:nvPr/>
-        </p:nvCxnSpPr>
-        <p:spPr>
-          <a:xfrm flipV="1">
-            <a:off x="7256780" y="1067323"/>
-            <a:ext cx="1894125" cy="3961001"/>
-          </a:xfrm>
-          <a:prstGeom prst="bentConnector3">
-            <a:avLst>
-              <a:gd name="adj1" fmla="val 50000"/>
-            </a:avLst>
-          </a:prstGeom>
-          <a:ln w="127000" cap="flat" cmpd="sng">
+          </p:spPr>
+          <p:style>
+            <a:lnRef idx="2">
+              <a:schemeClr val="accent1">
+                <a:shade val="50000"/>
+              </a:schemeClr>
+            </a:lnRef>
+            <a:fillRef idx="1">
+              <a:schemeClr val="accent1"/>
+            </a:fillRef>
+            <a:effectRef idx="0">
+              <a:schemeClr val="accent1"/>
+            </a:effectRef>
+            <a:fontRef idx="minor">
+              <a:schemeClr val="lt1"/>
+            </a:fontRef>
+          </p:style>
+          <p:txBody>
+            <a:bodyPr rtlCol="0" anchor="ctr"/>
+            <a:lstStyle/>
+            <a:p>
+              <a:pPr algn="ctr"/>
+              <a:r>
+                <a:rPr kumimoji="1" lang="zh-CN" altLang="en-US" sz="1200" dirty="0">
+                  <a:latin typeface="JingDongLangZhengTi" panose="02000500000000000000" pitchFamily="2" charset="-122"/>
+                  <a:ea typeface="JingDongLangZhengTi" panose="02000500000000000000" pitchFamily="2" charset="-122"/>
+                </a:rPr>
+                <a:t>进攻水平</a:t>
+              </a:r>
+              <a:r>
+                <a:rPr kumimoji="1" lang="en-US" altLang="zh-CN" sz="1200" dirty="0">
+                  <a:latin typeface="JingDongLangZhengTi" panose="02000500000000000000" pitchFamily="2" charset="-122"/>
+                  <a:ea typeface="JingDongLangZhengTi" panose="02000500000000000000" pitchFamily="2" charset="-122"/>
+                </a:rPr>
+                <a:t>[OL]</a:t>
+              </a:r>
+              <a:endParaRPr kumimoji="1" lang="zh-CN" altLang="en-US" sz="1200" dirty="0">
+                <a:latin typeface="JingDongLangZhengTi" panose="02000500000000000000" pitchFamily="2" charset="-122"/>
+                <a:ea typeface="JingDongLangZhengTi" panose="02000500000000000000" pitchFamily="2" charset="-122"/>
+              </a:endParaRPr>
+            </a:p>
+          </p:txBody>
+        </p:sp>
+        <p:sp>
+          <p:nvSpPr>
+            <p:cNvPr id="5" name="矩形 4">
+              <a:extLst>
+                <a:ext uri="{FF2B5EF4-FFF2-40B4-BE49-F238E27FC236}">
+                  <a16:creationId xmlns:a16="http://schemas.microsoft.com/office/drawing/2014/main" id="{D0A8F378-9ED8-3142-9857-85803E7964CE}"/>
+                </a:ext>
+              </a:extLst>
+            </p:cNvPr>
+            <p:cNvSpPr/>
+            <p:nvPr/>
+          </p:nvSpPr>
+          <p:spPr>
+            <a:xfrm>
+              <a:off x="250369" y="522228"/>
+              <a:ext cx="2906487" cy="272143"/>
+            </a:xfrm>
+            <a:prstGeom prst="rect">
+              <a:avLst/>
+            </a:prstGeom>
             <a:solidFill>
               <a:schemeClr val="accent2">
                 <a:lumMod val="75000"/>
               </a:schemeClr>
             </a:solidFill>
-            <a:prstDash val="solid"/>
-            <a:bevel/>
-            <a:headEnd w="sm" len="sm"/>
-            <a:tailEnd type="triangle"/>
-          </a:ln>
-        </p:spPr>
-        <p:style>
-          <a:lnRef idx="1">
-            <a:schemeClr val="accent1"/>
-          </a:lnRef>
-          <a:fillRef idx="0">
-            <a:schemeClr val="accent1"/>
-          </a:fillRef>
-          <a:effectRef idx="0">
-            <a:schemeClr val="accent1"/>
-          </a:effectRef>
-          <a:fontRef idx="minor">
-            <a:schemeClr val="tx1"/>
-          </a:fontRef>
-        </p:style>
-      </p:cxnSp>
-      <p:cxnSp>
-        <p:nvCxnSpPr>
-          <p:cNvPr id="52" name="肘形连接符 51">
-            <a:extLst>
-              <a:ext uri="{FF2B5EF4-FFF2-40B4-BE49-F238E27FC236}">
-                <a16:creationId xmlns:a16="http://schemas.microsoft.com/office/drawing/2014/main" id="{DF2E91CB-7BD0-344F-9D4E-AA4439AE2607}"/>
-              </a:ext>
-            </a:extLst>
-          </p:cNvPr>
-          <p:cNvCxnSpPr>
-            <a:cxnSpLocks/>
-          </p:cNvCxnSpPr>
-          <p:nvPr/>
-        </p:nvCxnSpPr>
-        <p:spPr>
-          <a:xfrm>
-            <a:off x="7256786" y="1799577"/>
-            <a:ext cx="1894119" cy="757492"/>
-          </a:xfrm>
-          <a:prstGeom prst="bentConnector3">
-            <a:avLst>
-              <a:gd name="adj1" fmla="val 37761"/>
-            </a:avLst>
-          </a:prstGeom>
-          <a:ln w="127000" cap="flat" cmpd="sng">
+          </p:spPr>
+          <p:style>
+            <a:lnRef idx="2">
+              <a:schemeClr val="accent1">
+                <a:shade val="50000"/>
+              </a:schemeClr>
+            </a:lnRef>
+            <a:fillRef idx="1">
+              <a:schemeClr val="accent1"/>
+            </a:fillRef>
+            <a:effectRef idx="0">
+              <a:schemeClr val="accent1"/>
+            </a:effectRef>
+            <a:fontRef idx="minor">
+              <a:schemeClr val="lt1"/>
+            </a:fontRef>
+          </p:style>
+          <p:txBody>
+            <a:bodyPr rtlCol="0" anchor="ctr"/>
+            <a:lstStyle/>
+            <a:p>
+              <a:pPr algn="ctr"/>
+              <a:r>
+                <a:rPr kumimoji="1" lang="zh-CN" altLang="en-US" sz="1200" dirty="0">
+                  <a:latin typeface="JingDongLangZhengTi" panose="02000500000000000000" pitchFamily="2" charset="-122"/>
+                  <a:ea typeface="JingDongLangZhengTi" panose="02000500000000000000" pitchFamily="2" charset="-122"/>
+                </a:rPr>
+                <a:t>进攻难度</a:t>
+              </a:r>
+              <a:r>
+                <a:rPr kumimoji="1" lang="en-US" altLang="zh-CN" sz="1200" dirty="0">
+                  <a:latin typeface="JingDongLangZhengTi" panose="02000500000000000000" pitchFamily="2" charset="-122"/>
+                  <a:ea typeface="JingDongLangZhengTi" panose="02000500000000000000" pitchFamily="2" charset="-122"/>
+                </a:rPr>
+                <a:t>[OD]</a:t>
+              </a:r>
+              <a:endParaRPr kumimoji="1" lang="zh-CN" altLang="en-US" sz="1200" dirty="0">
+                <a:latin typeface="JingDongLangZhengTi" panose="02000500000000000000" pitchFamily="2" charset="-122"/>
+                <a:ea typeface="JingDongLangZhengTi" panose="02000500000000000000" pitchFamily="2" charset="-122"/>
+              </a:endParaRPr>
+            </a:p>
+          </p:txBody>
+        </p:sp>
+        <p:sp>
+          <p:nvSpPr>
+            <p:cNvPr id="6" name="矩形 5">
+              <a:extLst>
+                <a:ext uri="{FF2B5EF4-FFF2-40B4-BE49-F238E27FC236}">
+                  <a16:creationId xmlns:a16="http://schemas.microsoft.com/office/drawing/2014/main" id="{A96904F6-4B60-A042-BE64-6302CAE333EF}"/>
+                </a:ext>
+              </a:extLst>
+            </p:cNvPr>
+            <p:cNvSpPr/>
+            <p:nvPr/>
+          </p:nvSpPr>
+          <p:spPr>
+            <a:xfrm>
+              <a:off x="250369" y="848513"/>
+              <a:ext cx="2906487" cy="272143"/>
+            </a:xfrm>
+            <a:prstGeom prst="rect">
+              <a:avLst/>
+            </a:prstGeom>
+            <a:solidFill>
+              <a:schemeClr val="accent2">
+                <a:lumMod val="75000"/>
+              </a:schemeClr>
+            </a:solidFill>
+          </p:spPr>
+          <p:style>
+            <a:lnRef idx="2">
+              <a:schemeClr val="accent1">
+                <a:shade val="50000"/>
+              </a:schemeClr>
+            </a:lnRef>
+            <a:fillRef idx="1">
+              <a:schemeClr val="accent1"/>
+            </a:fillRef>
+            <a:effectRef idx="0">
+              <a:schemeClr val="accent1"/>
+            </a:effectRef>
+            <a:fontRef idx="minor">
+              <a:schemeClr val="lt1"/>
+            </a:fontRef>
+          </p:style>
+          <p:txBody>
+            <a:bodyPr rtlCol="0" anchor="ctr"/>
+            <a:lstStyle/>
+            <a:p>
+              <a:pPr algn="ctr"/>
+              <a:r>
+                <a:rPr kumimoji="1" lang="zh-CN" altLang="en-US" sz="1200" dirty="0">
+                  <a:latin typeface="JingDongLangZhengTi" panose="02000500000000000000" pitchFamily="2" charset="-122"/>
+                  <a:ea typeface="JingDongLangZhengTi" panose="02000500000000000000" pitchFamily="2" charset="-122"/>
+                </a:rPr>
+                <a:t>目标达成</a:t>
+              </a:r>
+              <a:r>
+                <a:rPr kumimoji="1" lang="en-US" altLang="zh-CN" sz="1200" dirty="0">
+                  <a:latin typeface="JingDongLangZhengTi" panose="02000500000000000000" pitchFamily="2" charset="-122"/>
+                  <a:ea typeface="JingDongLangZhengTi" panose="02000500000000000000" pitchFamily="2" charset="-122"/>
+                </a:rPr>
+                <a:t>[TR]</a:t>
+              </a:r>
+              <a:endParaRPr kumimoji="1" lang="zh-CN" altLang="en-US" sz="1200" dirty="0">
+                <a:latin typeface="JingDongLangZhengTi" panose="02000500000000000000" pitchFamily="2" charset="-122"/>
+                <a:ea typeface="JingDongLangZhengTi" panose="02000500000000000000" pitchFamily="2" charset="-122"/>
+              </a:endParaRPr>
+            </a:p>
+          </p:txBody>
+        </p:sp>
+        <p:sp>
+          <p:nvSpPr>
+            <p:cNvPr id="7" name="矩形 6">
+              <a:extLst>
+                <a:ext uri="{FF2B5EF4-FFF2-40B4-BE49-F238E27FC236}">
+                  <a16:creationId xmlns:a16="http://schemas.microsoft.com/office/drawing/2014/main" id="{7F3042AC-F4D5-BF4B-B2D0-5606E76F79A7}"/>
+                </a:ext>
+              </a:extLst>
+            </p:cNvPr>
+            <p:cNvSpPr/>
+            <p:nvPr/>
+          </p:nvSpPr>
+          <p:spPr>
+            <a:xfrm>
+              <a:off x="250369" y="1174798"/>
+              <a:ext cx="2906487" cy="272143"/>
+            </a:xfrm>
+            <a:prstGeom prst="rect">
+              <a:avLst/>
+            </a:prstGeom>
             <a:solidFill>
               <a:schemeClr val="accent6">
                 <a:lumMod val="75000"/>
               </a:schemeClr>
             </a:solidFill>
-            <a:prstDash val="solid"/>
-            <a:bevel/>
-            <a:headEnd w="sm" len="sm"/>
-            <a:tailEnd type="triangle"/>
-          </a:ln>
-        </p:spPr>
-        <p:style>
-          <a:lnRef idx="1">
-            <a:schemeClr val="accent1"/>
-          </a:lnRef>
-          <a:fillRef idx="0">
-            <a:schemeClr val="accent1"/>
-          </a:fillRef>
-          <a:effectRef idx="0">
-            <a:schemeClr val="accent1"/>
-          </a:effectRef>
-          <a:fontRef idx="minor">
-            <a:schemeClr val="tx1"/>
-          </a:fontRef>
-        </p:style>
-      </p:cxnSp>
-      <p:cxnSp>
-        <p:nvCxnSpPr>
-          <p:cNvPr id="57" name="肘形连接符 56">
-            <a:extLst>
-              <a:ext uri="{FF2B5EF4-FFF2-40B4-BE49-F238E27FC236}">
-                <a16:creationId xmlns:a16="http://schemas.microsoft.com/office/drawing/2014/main" id="{2A87AE7D-8161-7244-B9A6-893892547786}"/>
-              </a:ext>
-            </a:extLst>
-          </p:cNvPr>
-          <p:cNvCxnSpPr>
-            <a:cxnSpLocks/>
-          </p:cNvCxnSpPr>
-          <p:nvPr/>
-        </p:nvCxnSpPr>
-        <p:spPr>
-          <a:xfrm flipV="1">
-            <a:off x="7256788" y="2557069"/>
-            <a:ext cx="1894117" cy="210421"/>
-          </a:xfrm>
-          <a:prstGeom prst="bentConnector3">
-            <a:avLst>
-              <a:gd name="adj1" fmla="val 37761"/>
-            </a:avLst>
-          </a:prstGeom>
-          <a:ln w="127000" cap="flat" cmpd="sng">
+          </p:spPr>
+          <p:style>
+            <a:lnRef idx="2">
+              <a:schemeClr val="accent1">
+                <a:shade val="50000"/>
+              </a:schemeClr>
+            </a:lnRef>
+            <a:fillRef idx="1">
+              <a:schemeClr val="accent1"/>
+            </a:fillRef>
+            <a:effectRef idx="0">
+              <a:schemeClr val="accent1"/>
+            </a:effectRef>
+            <a:fontRef idx="minor">
+              <a:schemeClr val="lt1"/>
+            </a:fontRef>
+          </p:style>
+          <p:txBody>
+            <a:bodyPr rtlCol="0" anchor="ctr"/>
+            <a:lstStyle/>
+            <a:p>
+              <a:pPr algn="ctr"/>
+              <a:r>
+                <a:rPr kumimoji="1" lang="zh-CN" altLang="en-US" sz="1200" dirty="0">
+                  <a:latin typeface="JingDongLangZhengTi" panose="02000500000000000000" pitchFamily="2" charset="-122"/>
+                  <a:ea typeface="JingDongLangZhengTi" panose="02000500000000000000" pitchFamily="2" charset="-122"/>
+                </a:rPr>
+                <a:t>防护水平</a:t>
+              </a:r>
+              <a:r>
+                <a:rPr kumimoji="1" lang="en-US" altLang="zh-CN" sz="1200" dirty="0">
+                  <a:latin typeface="JingDongLangZhengTi" panose="02000500000000000000" pitchFamily="2" charset="-122"/>
+                  <a:ea typeface="JingDongLangZhengTi" panose="02000500000000000000" pitchFamily="2" charset="-122"/>
+                </a:rPr>
+                <a:t>[PL]</a:t>
+              </a:r>
+              <a:endParaRPr kumimoji="1" lang="zh-CN" altLang="en-US" sz="1200" dirty="0">
+                <a:latin typeface="JingDongLangZhengTi" panose="02000500000000000000" pitchFamily="2" charset="-122"/>
+                <a:ea typeface="JingDongLangZhengTi" panose="02000500000000000000" pitchFamily="2" charset="-122"/>
+              </a:endParaRPr>
+            </a:p>
+          </p:txBody>
+        </p:sp>
+        <p:sp>
+          <p:nvSpPr>
+            <p:cNvPr id="8" name="矩形 7">
+              <a:extLst>
+                <a:ext uri="{FF2B5EF4-FFF2-40B4-BE49-F238E27FC236}">
+                  <a16:creationId xmlns:a16="http://schemas.microsoft.com/office/drawing/2014/main" id="{6E3ABF6B-3AF3-5B4D-A28F-66B16D136CEB}"/>
+                </a:ext>
+              </a:extLst>
+            </p:cNvPr>
+            <p:cNvSpPr/>
+            <p:nvPr/>
+          </p:nvSpPr>
+          <p:spPr>
+            <a:xfrm>
+              <a:off x="250369" y="1501083"/>
+              <a:ext cx="2906487" cy="272143"/>
+            </a:xfrm>
+            <a:prstGeom prst="rect">
+              <a:avLst/>
+            </a:prstGeom>
             <a:solidFill>
               <a:schemeClr val="accent6">
                 <a:lumMod val="75000"/>
               </a:schemeClr>
             </a:solidFill>
-            <a:prstDash val="solid"/>
-            <a:bevel/>
-            <a:headEnd w="sm" len="sm"/>
-            <a:tailEnd type="triangle"/>
-          </a:ln>
-        </p:spPr>
-        <p:style>
-          <a:lnRef idx="1">
-            <a:schemeClr val="accent1"/>
-          </a:lnRef>
-          <a:fillRef idx="0">
-            <a:schemeClr val="accent1"/>
-          </a:fillRef>
-          <a:effectRef idx="0">
-            <a:schemeClr val="accent1"/>
-          </a:effectRef>
-          <a:fontRef idx="minor">
-            <a:schemeClr val="tx1"/>
-          </a:fontRef>
-        </p:style>
-      </p:cxnSp>
-      <p:cxnSp>
-        <p:nvCxnSpPr>
-          <p:cNvPr id="62" name="肘形连接符 61">
-            <a:extLst>
-              <a:ext uri="{FF2B5EF4-FFF2-40B4-BE49-F238E27FC236}">
-                <a16:creationId xmlns:a16="http://schemas.microsoft.com/office/drawing/2014/main" id="{01C7E009-F09E-3241-B4B6-D22DAF382848}"/>
-              </a:ext>
-            </a:extLst>
-          </p:cNvPr>
-          <p:cNvCxnSpPr>
-            <a:cxnSpLocks/>
-          </p:cNvCxnSpPr>
-          <p:nvPr/>
-        </p:nvCxnSpPr>
-        <p:spPr>
-          <a:xfrm flipV="1">
-            <a:off x="7256788" y="2557069"/>
-            <a:ext cx="1894117" cy="2342071"/>
-          </a:xfrm>
-          <a:prstGeom prst="bentConnector3">
-            <a:avLst>
-              <a:gd name="adj1" fmla="val 37761"/>
-            </a:avLst>
-          </a:prstGeom>
-          <a:ln w="127000" cap="flat" cmpd="sng">
+          </p:spPr>
+          <p:style>
+            <a:lnRef idx="2">
+              <a:schemeClr val="accent1">
+                <a:shade val="50000"/>
+              </a:schemeClr>
+            </a:lnRef>
+            <a:fillRef idx="1">
+              <a:schemeClr val="accent1"/>
+            </a:fillRef>
+            <a:effectRef idx="0">
+              <a:schemeClr val="accent1"/>
+            </a:effectRef>
+            <a:fontRef idx="minor">
+              <a:schemeClr val="lt1"/>
+            </a:fontRef>
+          </p:style>
+          <p:txBody>
+            <a:bodyPr rtlCol="0" anchor="ctr"/>
+            <a:lstStyle/>
+            <a:p>
+              <a:pPr algn="ctr"/>
+              <a:r>
+                <a:rPr kumimoji="1" lang="zh-CN" altLang="en-US" sz="1200" dirty="0">
+                  <a:latin typeface="JingDongLangZhengTi" panose="02000500000000000000" pitchFamily="2" charset="-122"/>
+                  <a:ea typeface="JingDongLangZhengTi" panose="02000500000000000000" pitchFamily="2" charset="-122"/>
+                </a:rPr>
+                <a:t>检测水平</a:t>
+              </a:r>
+              <a:r>
+                <a:rPr kumimoji="1" lang="en-US" altLang="zh-CN" sz="1200" dirty="0">
+                  <a:latin typeface="JingDongLangZhengTi" panose="02000500000000000000" pitchFamily="2" charset="-122"/>
+                  <a:ea typeface="JingDongLangZhengTi" panose="02000500000000000000" pitchFamily="2" charset="-122"/>
+                </a:rPr>
+                <a:t>[DL]</a:t>
+              </a:r>
+              <a:endParaRPr kumimoji="1" lang="zh-CN" altLang="en-US" sz="1200" dirty="0">
+                <a:latin typeface="JingDongLangZhengTi" panose="02000500000000000000" pitchFamily="2" charset="-122"/>
+                <a:ea typeface="JingDongLangZhengTi" panose="02000500000000000000" pitchFamily="2" charset="-122"/>
+              </a:endParaRPr>
+            </a:p>
+          </p:txBody>
+        </p:sp>
+        <p:sp>
+          <p:nvSpPr>
+            <p:cNvPr id="9" name="矩形 8">
+              <a:extLst>
+                <a:ext uri="{FF2B5EF4-FFF2-40B4-BE49-F238E27FC236}">
+                  <a16:creationId xmlns:a16="http://schemas.microsoft.com/office/drawing/2014/main" id="{F2105BC8-039F-8744-B1BF-210A172F2CC9}"/>
+                </a:ext>
+              </a:extLst>
+            </p:cNvPr>
+            <p:cNvSpPr/>
+            <p:nvPr/>
+          </p:nvSpPr>
+          <p:spPr>
+            <a:xfrm>
+              <a:off x="250369" y="1827368"/>
+              <a:ext cx="2906487" cy="272143"/>
+            </a:xfrm>
+            <a:prstGeom prst="rect">
+              <a:avLst/>
+            </a:prstGeom>
             <a:solidFill>
               <a:schemeClr val="accent6">
                 <a:lumMod val="75000"/>
               </a:schemeClr>
             </a:solidFill>
-            <a:prstDash val="solid"/>
-            <a:bevel/>
-            <a:headEnd w="sm" len="sm"/>
-            <a:tailEnd type="triangle"/>
-          </a:ln>
-        </p:spPr>
-        <p:style>
-          <a:lnRef idx="1">
-            <a:schemeClr val="accent1"/>
-          </a:lnRef>
-          <a:fillRef idx="0">
-            <a:schemeClr val="accent1"/>
-          </a:fillRef>
-          <a:effectRef idx="0">
-            <a:schemeClr val="accent1"/>
-          </a:effectRef>
-          <a:fontRef idx="minor">
-            <a:schemeClr val="tx1"/>
-          </a:fontRef>
-        </p:style>
-      </p:cxnSp>
-      <p:cxnSp>
-        <p:nvCxnSpPr>
-          <p:cNvPr id="66" name="肘形连接符 65">
-            <a:extLst>
-              <a:ext uri="{FF2B5EF4-FFF2-40B4-BE49-F238E27FC236}">
-                <a16:creationId xmlns:a16="http://schemas.microsoft.com/office/drawing/2014/main" id="{D19E0DB7-AB16-994E-829C-51FD1E38D3B0}"/>
-              </a:ext>
-            </a:extLst>
-          </p:cNvPr>
-          <p:cNvCxnSpPr>
-            <a:cxnSpLocks/>
-          </p:cNvCxnSpPr>
-          <p:nvPr/>
-        </p:nvCxnSpPr>
-        <p:spPr>
-          <a:xfrm>
-            <a:off x="7256788" y="4035393"/>
-            <a:ext cx="1894117" cy="228372"/>
-          </a:xfrm>
-          <a:prstGeom prst="bentConnector3">
-            <a:avLst>
-              <a:gd name="adj1" fmla="val 50000"/>
-            </a:avLst>
-          </a:prstGeom>
-          <a:ln w="127000" cap="flat" cmpd="sng">
+          </p:spPr>
+          <p:style>
+            <a:lnRef idx="2">
+              <a:schemeClr val="accent1">
+                <a:shade val="50000"/>
+              </a:schemeClr>
+            </a:lnRef>
+            <a:fillRef idx="1">
+              <a:schemeClr val="accent1"/>
+            </a:fillRef>
+            <a:effectRef idx="0">
+              <a:schemeClr val="accent1"/>
+            </a:effectRef>
+            <a:fontRef idx="minor">
+              <a:schemeClr val="lt1"/>
+            </a:fontRef>
+          </p:style>
+          <p:txBody>
+            <a:bodyPr rtlCol="0" anchor="ctr"/>
+            <a:lstStyle/>
+            <a:p>
+              <a:pPr algn="ctr"/>
+              <a:r>
+                <a:rPr kumimoji="1" lang="zh-CN" altLang="en-US" sz="1200" dirty="0">
+                  <a:latin typeface="JingDongLangZhengTi" panose="02000500000000000000" pitchFamily="2" charset="-122"/>
+                  <a:ea typeface="JingDongLangZhengTi" panose="02000500000000000000" pitchFamily="2" charset="-122"/>
+                </a:rPr>
+                <a:t>响应水平</a:t>
+              </a:r>
+              <a:r>
+                <a:rPr kumimoji="1" lang="en-US" altLang="zh-CN" sz="1200" dirty="0">
+                  <a:latin typeface="JingDongLangZhengTi" panose="02000500000000000000" pitchFamily="2" charset="-122"/>
+                  <a:ea typeface="JingDongLangZhengTi" panose="02000500000000000000" pitchFamily="2" charset="-122"/>
+                </a:rPr>
+                <a:t>[RL]</a:t>
+              </a:r>
+              <a:endParaRPr kumimoji="1" lang="zh-CN" altLang="en-US" sz="1200" dirty="0">
+                <a:latin typeface="JingDongLangZhengTi" panose="02000500000000000000" pitchFamily="2" charset="-122"/>
+                <a:ea typeface="JingDongLangZhengTi" panose="02000500000000000000" pitchFamily="2" charset="-122"/>
+              </a:endParaRPr>
+            </a:p>
+          </p:txBody>
+        </p:sp>
+        <p:sp>
+          <p:nvSpPr>
+            <p:cNvPr id="10" name="矩形 9">
+              <a:extLst>
+                <a:ext uri="{FF2B5EF4-FFF2-40B4-BE49-F238E27FC236}">
+                  <a16:creationId xmlns:a16="http://schemas.microsoft.com/office/drawing/2014/main" id="{C3F8434B-6388-8F4C-BDE5-CEC5532FA480}"/>
+                </a:ext>
+              </a:extLst>
+            </p:cNvPr>
+            <p:cNvSpPr/>
+            <p:nvPr/>
+          </p:nvSpPr>
+          <p:spPr>
+            <a:xfrm>
+              <a:off x="250369" y="2153653"/>
+              <a:ext cx="2906487" cy="272143"/>
+            </a:xfrm>
+            <a:prstGeom prst="rect">
+              <a:avLst/>
+            </a:prstGeom>
+            <a:solidFill>
+              <a:schemeClr val="accent6">
+                <a:lumMod val="75000"/>
+              </a:schemeClr>
+            </a:solidFill>
+          </p:spPr>
+          <p:style>
+            <a:lnRef idx="2">
+              <a:schemeClr val="accent1">
+                <a:shade val="50000"/>
+              </a:schemeClr>
+            </a:lnRef>
+            <a:fillRef idx="1">
+              <a:schemeClr val="accent1"/>
+            </a:fillRef>
+            <a:effectRef idx="0">
+              <a:schemeClr val="accent1"/>
+            </a:effectRef>
+            <a:fontRef idx="minor">
+              <a:schemeClr val="lt1"/>
+            </a:fontRef>
+          </p:style>
+          <p:txBody>
+            <a:bodyPr rtlCol="0" anchor="ctr"/>
+            <a:lstStyle/>
+            <a:p>
+              <a:pPr algn="ctr"/>
+              <a:r>
+                <a:rPr kumimoji="1" lang="zh-CN" altLang="en-US" sz="1200" dirty="0">
+                  <a:latin typeface="JingDongLangZhengTi" panose="02000500000000000000" pitchFamily="2" charset="-122"/>
+                  <a:ea typeface="JingDongLangZhengTi" panose="02000500000000000000" pitchFamily="2" charset="-122"/>
+                </a:rPr>
+                <a:t>溯源水平</a:t>
+              </a:r>
+              <a:r>
+                <a:rPr kumimoji="1" lang="en-US" altLang="zh-CN" sz="1200" dirty="0">
+                  <a:latin typeface="JingDongLangZhengTi" panose="02000500000000000000" pitchFamily="2" charset="-122"/>
+                  <a:ea typeface="JingDongLangZhengTi" panose="02000500000000000000" pitchFamily="2" charset="-122"/>
+                </a:rPr>
+                <a:t>[TL]</a:t>
+              </a:r>
+              <a:endParaRPr kumimoji="1" lang="zh-CN" altLang="en-US" sz="1200" dirty="0">
+                <a:latin typeface="JingDongLangZhengTi" panose="02000500000000000000" pitchFamily="2" charset="-122"/>
+                <a:ea typeface="JingDongLangZhengTi" panose="02000500000000000000" pitchFamily="2" charset="-122"/>
+              </a:endParaRPr>
+            </a:p>
+          </p:txBody>
+        </p:sp>
+        <p:sp>
+          <p:nvSpPr>
+            <p:cNvPr id="11" name="矩形 10">
+              <a:extLst>
+                <a:ext uri="{FF2B5EF4-FFF2-40B4-BE49-F238E27FC236}">
+                  <a16:creationId xmlns:a16="http://schemas.microsoft.com/office/drawing/2014/main" id="{E4E64F08-64BC-E446-9544-31A362469B36}"/>
+                </a:ext>
+              </a:extLst>
+            </p:cNvPr>
+            <p:cNvSpPr/>
+            <p:nvPr/>
+          </p:nvSpPr>
+          <p:spPr>
+            <a:xfrm>
+              <a:off x="250369" y="2479938"/>
+              <a:ext cx="2906487" cy="272143"/>
+            </a:xfrm>
+            <a:prstGeom prst="rect">
+              <a:avLst/>
+            </a:prstGeom>
             <a:solidFill>
               <a:schemeClr val="accent4">
                 <a:lumMod val="75000"/>
               </a:schemeClr>
             </a:solidFill>
-            <a:prstDash val="solid"/>
-            <a:bevel/>
-            <a:headEnd w="sm" len="sm"/>
-            <a:tailEnd type="triangle"/>
-          </a:ln>
-        </p:spPr>
-        <p:style>
-          <a:lnRef idx="1">
-            <a:schemeClr val="accent1"/>
-          </a:lnRef>
-          <a:fillRef idx="0">
-            <a:schemeClr val="accent1"/>
-          </a:fillRef>
-          <a:effectRef idx="0">
-            <a:schemeClr val="accent1"/>
-          </a:effectRef>
-          <a:fontRef idx="minor">
-            <a:schemeClr val="tx1"/>
-          </a:fontRef>
-        </p:style>
-      </p:cxnSp>
-      <p:cxnSp>
-        <p:nvCxnSpPr>
-          <p:cNvPr id="71" name="肘形连接符 70">
-            <a:extLst>
-              <a:ext uri="{FF2B5EF4-FFF2-40B4-BE49-F238E27FC236}">
-                <a16:creationId xmlns:a16="http://schemas.microsoft.com/office/drawing/2014/main" id="{328A6A8D-B3A7-E54B-A5E6-BF8CEC1BF67F}"/>
-              </a:ext>
-            </a:extLst>
-          </p:cNvPr>
-          <p:cNvCxnSpPr>
-            <a:cxnSpLocks/>
-          </p:cNvCxnSpPr>
-          <p:nvPr/>
-        </p:nvCxnSpPr>
-        <p:spPr>
-          <a:xfrm flipV="1">
-            <a:off x="7256788" y="4261772"/>
-            <a:ext cx="1894117" cy="902769"/>
-          </a:xfrm>
-          <a:prstGeom prst="bentConnector3">
-            <a:avLst>
-              <a:gd name="adj1" fmla="val 70398"/>
-            </a:avLst>
-          </a:prstGeom>
-          <a:ln w="127000" cap="flat" cmpd="sng">
+          </p:spPr>
+          <p:style>
+            <a:lnRef idx="2">
+              <a:schemeClr val="accent1">
+                <a:shade val="50000"/>
+              </a:schemeClr>
+            </a:lnRef>
+            <a:fillRef idx="1">
+              <a:schemeClr val="accent1"/>
+            </a:fillRef>
+            <a:effectRef idx="0">
+              <a:schemeClr val="accent1"/>
+            </a:effectRef>
+            <a:fontRef idx="minor">
+              <a:schemeClr val="lt1"/>
+            </a:fontRef>
+          </p:style>
+          <p:txBody>
+            <a:bodyPr rtlCol="0" anchor="ctr"/>
+            <a:lstStyle/>
+            <a:p>
+              <a:pPr algn="ctr"/>
+              <a:r>
+                <a:rPr kumimoji="1" lang="zh-CN" altLang="en-US" sz="1200" dirty="0">
+                  <a:latin typeface="JingDongLangZhengTi" panose="02000500000000000000" pitchFamily="2" charset="-122"/>
+                  <a:ea typeface="JingDongLangZhengTi" panose="02000500000000000000" pitchFamily="2" charset="-122"/>
+                </a:rPr>
+                <a:t>漏洞可发现性</a:t>
+              </a:r>
+              <a:r>
+                <a:rPr kumimoji="1" lang="en-US" altLang="zh-CN" sz="1200" dirty="0">
+                  <a:latin typeface="JingDongLangZhengTi" panose="02000500000000000000" pitchFamily="2" charset="-122"/>
+                  <a:ea typeface="JingDongLangZhengTi" panose="02000500000000000000" pitchFamily="2" charset="-122"/>
+                </a:rPr>
+                <a:t>[VD]</a:t>
+              </a:r>
+              <a:endParaRPr kumimoji="1" lang="zh-CN" altLang="en-US" sz="1200" dirty="0">
+                <a:latin typeface="JingDongLangZhengTi" panose="02000500000000000000" pitchFamily="2" charset="-122"/>
+                <a:ea typeface="JingDongLangZhengTi" panose="02000500000000000000" pitchFamily="2" charset="-122"/>
+              </a:endParaRPr>
+            </a:p>
+          </p:txBody>
+        </p:sp>
+        <p:sp>
+          <p:nvSpPr>
+            <p:cNvPr id="12" name="矩形 11">
+              <a:extLst>
+                <a:ext uri="{FF2B5EF4-FFF2-40B4-BE49-F238E27FC236}">
+                  <a16:creationId xmlns:a16="http://schemas.microsoft.com/office/drawing/2014/main" id="{27F78100-E237-D843-B597-F5B425817B04}"/>
+                </a:ext>
+              </a:extLst>
+            </p:cNvPr>
+            <p:cNvSpPr/>
+            <p:nvPr/>
+          </p:nvSpPr>
+          <p:spPr>
+            <a:xfrm>
+              <a:off x="250369" y="2806223"/>
+              <a:ext cx="2906487" cy="272143"/>
+            </a:xfrm>
+            <a:prstGeom prst="rect">
+              <a:avLst/>
+            </a:prstGeom>
             <a:solidFill>
               <a:schemeClr val="accent4">
                 <a:lumMod val="75000"/>
               </a:schemeClr>
             </a:solidFill>
-            <a:prstDash val="solid"/>
-            <a:bevel/>
-            <a:headEnd w="sm" len="sm"/>
-            <a:tailEnd type="triangle"/>
-          </a:ln>
-        </p:spPr>
-        <p:style>
-          <a:lnRef idx="1">
-            <a:schemeClr val="accent1"/>
-          </a:lnRef>
-          <a:fillRef idx="0">
-            <a:schemeClr val="accent1"/>
-          </a:fillRef>
-          <a:effectRef idx="0">
-            <a:schemeClr val="accent1"/>
-          </a:effectRef>
-          <a:fontRef idx="minor">
-            <a:schemeClr val="tx1"/>
-          </a:fontRef>
-        </p:style>
-      </p:cxnSp>
-      <p:cxnSp>
-        <p:nvCxnSpPr>
-          <p:cNvPr id="75" name="肘形连接符 74">
-            <a:extLst>
-              <a:ext uri="{FF2B5EF4-FFF2-40B4-BE49-F238E27FC236}">
-                <a16:creationId xmlns:a16="http://schemas.microsoft.com/office/drawing/2014/main" id="{3B305B2E-988D-C342-9855-71E3B1B3A472}"/>
-              </a:ext>
-            </a:extLst>
-          </p:cNvPr>
-          <p:cNvCxnSpPr>
-            <a:cxnSpLocks/>
-            <a:stCxn id="35" idx="3"/>
-          </p:cNvCxnSpPr>
-          <p:nvPr/>
-        </p:nvCxnSpPr>
-        <p:spPr>
-          <a:xfrm flipV="1">
-            <a:off x="7256780" y="4263766"/>
-            <a:ext cx="1894125" cy="1635010"/>
-          </a:xfrm>
-          <a:prstGeom prst="bentConnector3">
-            <a:avLst>
-              <a:gd name="adj1" fmla="val 70796"/>
-            </a:avLst>
-          </a:prstGeom>
-          <a:ln w="127000" cap="flat" cmpd="sng">
+          </p:spPr>
+          <p:style>
+            <a:lnRef idx="2">
+              <a:schemeClr val="accent1">
+                <a:shade val="50000"/>
+              </a:schemeClr>
+            </a:lnRef>
+            <a:fillRef idx="1">
+              <a:schemeClr val="accent1"/>
+            </a:fillRef>
+            <a:effectRef idx="0">
+              <a:schemeClr val="accent1"/>
+            </a:effectRef>
+            <a:fontRef idx="minor">
+              <a:schemeClr val="lt1"/>
+            </a:fontRef>
+          </p:style>
+          <p:txBody>
+            <a:bodyPr rtlCol="0" anchor="ctr"/>
+            <a:lstStyle/>
+            <a:p>
+              <a:pPr algn="ctr"/>
+              <a:r>
+                <a:rPr kumimoji="1" lang="zh-CN" altLang="en-US" sz="1200" dirty="0">
+                  <a:latin typeface="JingDongLangZhengTi" panose="02000500000000000000" pitchFamily="2" charset="-122"/>
+                  <a:ea typeface="JingDongLangZhengTi" panose="02000500000000000000" pitchFamily="2" charset="-122"/>
+                </a:rPr>
+                <a:t>漏洞可利用性</a:t>
+              </a:r>
+              <a:r>
+                <a:rPr kumimoji="1" lang="en-US" altLang="zh-CN" sz="1200" dirty="0">
+                  <a:latin typeface="JingDongLangZhengTi" panose="02000500000000000000" pitchFamily="2" charset="-122"/>
+                  <a:ea typeface="JingDongLangZhengTi" panose="02000500000000000000" pitchFamily="2" charset="-122"/>
+                </a:rPr>
+                <a:t>[VE]</a:t>
+              </a:r>
+              <a:endParaRPr kumimoji="1" lang="zh-CN" altLang="en-US" sz="1200" dirty="0">
+                <a:latin typeface="JingDongLangZhengTi" panose="02000500000000000000" pitchFamily="2" charset="-122"/>
+                <a:ea typeface="JingDongLangZhengTi" panose="02000500000000000000" pitchFamily="2" charset="-122"/>
+              </a:endParaRPr>
+            </a:p>
+          </p:txBody>
+        </p:sp>
+        <p:sp>
+          <p:nvSpPr>
+            <p:cNvPr id="13" name="矩形 12">
+              <a:extLst>
+                <a:ext uri="{FF2B5EF4-FFF2-40B4-BE49-F238E27FC236}">
+                  <a16:creationId xmlns:a16="http://schemas.microsoft.com/office/drawing/2014/main" id="{AA0B71C0-4C29-3A49-AA3B-DFF769165784}"/>
+                </a:ext>
+              </a:extLst>
+            </p:cNvPr>
+            <p:cNvSpPr/>
+            <p:nvPr/>
+          </p:nvSpPr>
+          <p:spPr>
+            <a:xfrm>
+              <a:off x="250369" y="3132508"/>
+              <a:ext cx="2906487" cy="272143"/>
+            </a:xfrm>
+            <a:prstGeom prst="rect">
+              <a:avLst/>
+            </a:prstGeom>
             <a:solidFill>
               <a:schemeClr val="accent4">
                 <a:lumMod val="75000"/>
               </a:schemeClr>
             </a:solidFill>
-            <a:prstDash val="solid"/>
-            <a:bevel/>
-            <a:headEnd w="sm" len="sm"/>
-            <a:tailEnd type="triangle"/>
-          </a:ln>
-        </p:spPr>
-        <p:style>
-          <a:lnRef idx="1">
-            <a:schemeClr val="accent1"/>
-          </a:lnRef>
-          <a:fillRef idx="0">
-            <a:schemeClr val="accent1"/>
-          </a:fillRef>
-          <a:effectRef idx="0">
-            <a:schemeClr val="accent1"/>
-          </a:effectRef>
-          <a:fontRef idx="minor">
-            <a:schemeClr val="tx1"/>
-          </a:fontRef>
-        </p:style>
-      </p:cxnSp>
-      <p:cxnSp>
-        <p:nvCxnSpPr>
-          <p:cNvPr id="90" name="肘形连接符 89">
-            <a:extLst>
-              <a:ext uri="{FF2B5EF4-FFF2-40B4-BE49-F238E27FC236}">
-                <a16:creationId xmlns:a16="http://schemas.microsoft.com/office/drawing/2014/main" id="{51A61A84-1D2C-0948-9066-B54E69ECB188}"/>
-              </a:ext>
-            </a:extLst>
-          </p:cNvPr>
-          <p:cNvCxnSpPr>
-            <a:cxnSpLocks/>
-          </p:cNvCxnSpPr>
-          <p:nvPr/>
-        </p:nvCxnSpPr>
-        <p:spPr>
-          <a:xfrm>
-            <a:off x="7256788" y="2027626"/>
-            <a:ext cx="1894117" cy="3810209"/>
-          </a:xfrm>
-          <a:prstGeom prst="bentConnector3">
-            <a:avLst>
-              <a:gd name="adj1" fmla="val 59519"/>
-            </a:avLst>
-          </a:prstGeom>
-          <a:ln w="127000" cap="flat" cmpd="sng">
+          </p:spPr>
+          <p:style>
+            <a:lnRef idx="2">
+              <a:schemeClr val="accent1">
+                <a:shade val="50000"/>
+              </a:schemeClr>
+            </a:lnRef>
+            <a:fillRef idx="1">
+              <a:schemeClr val="accent1"/>
+            </a:fillRef>
+            <a:effectRef idx="0">
+              <a:schemeClr val="accent1"/>
+            </a:effectRef>
+            <a:fontRef idx="minor">
+              <a:schemeClr val="lt1"/>
+            </a:fontRef>
+          </p:style>
+          <p:txBody>
+            <a:bodyPr rtlCol="0" anchor="ctr"/>
+            <a:lstStyle/>
+            <a:p>
+              <a:pPr algn="ctr"/>
+              <a:r>
+                <a:rPr kumimoji="1" lang="zh-CN" altLang="en-US" sz="1200" dirty="0">
+                  <a:latin typeface="JingDongLangZhengTi" panose="02000500000000000000" pitchFamily="2" charset="-122"/>
+                  <a:ea typeface="JingDongLangZhengTi" panose="02000500000000000000" pitchFamily="2" charset="-122"/>
+                </a:rPr>
+                <a:t>漏洞杀伤力</a:t>
+              </a:r>
+              <a:r>
+                <a:rPr kumimoji="1" lang="en-US" altLang="zh-CN" sz="1200" dirty="0">
+                  <a:latin typeface="JingDongLangZhengTi" panose="02000500000000000000" pitchFamily="2" charset="-122"/>
+                  <a:ea typeface="JingDongLangZhengTi" panose="02000500000000000000" pitchFamily="2" charset="-122"/>
+                </a:rPr>
+                <a:t>[VH]</a:t>
+              </a:r>
+              <a:endParaRPr kumimoji="1" lang="zh-CN" altLang="en-US" sz="1200" dirty="0">
+                <a:latin typeface="JingDongLangZhengTi" panose="02000500000000000000" pitchFamily="2" charset="-122"/>
+                <a:ea typeface="JingDongLangZhengTi" panose="02000500000000000000" pitchFamily="2" charset="-122"/>
+              </a:endParaRPr>
+            </a:p>
+          </p:txBody>
+        </p:sp>
+        <p:sp>
+          <p:nvSpPr>
+            <p:cNvPr id="14" name="矩形 13">
+              <a:extLst>
+                <a:ext uri="{FF2B5EF4-FFF2-40B4-BE49-F238E27FC236}">
+                  <a16:creationId xmlns:a16="http://schemas.microsoft.com/office/drawing/2014/main" id="{58348118-5B3F-734A-A4C4-158B9777629F}"/>
+                </a:ext>
+              </a:extLst>
+            </p:cNvPr>
+            <p:cNvSpPr/>
+            <p:nvPr/>
+          </p:nvSpPr>
+          <p:spPr>
+            <a:xfrm>
+              <a:off x="250369" y="3458793"/>
+              <a:ext cx="2906487" cy="272143"/>
+            </a:xfrm>
+            <a:prstGeom prst="rect">
+              <a:avLst/>
+            </a:prstGeom>
+            <a:solidFill>
+              <a:srgbClr val="C00000"/>
+            </a:solidFill>
+          </p:spPr>
+          <p:style>
+            <a:lnRef idx="2">
+              <a:schemeClr val="accent1">
+                <a:shade val="50000"/>
+              </a:schemeClr>
+            </a:lnRef>
+            <a:fillRef idx="1">
+              <a:schemeClr val="accent1"/>
+            </a:fillRef>
+            <a:effectRef idx="0">
+              <a:schemeClr val="accent1"/>
+            </a:effectRef>
+            <a:fontRef idx="minor">
+              <a:schemeClr val="lt1"/>
+            </a:fontRef>
+          </p:style>
+          <p:txBody>
+            <a:bodyPr rtlCol="0" anchor="ctr"/>
+            <a:lstStyle/>
+            <a:p>
+              <a:pPr algn="ctr"/>
+              <a:r>
+                <a:rPr kumimoji="1" lang="zh-CN" altLang="en-US" sz="1200" dirty="0">
+                  <a:latin typeface="JingDongLangZhengTi" panose="02000500000000000000" pitchFamily="2" charset="-122"/>
+                  <a:ea typeface="JingDongLangZhengTi" panose="02000500000000000000" pitchFamily="2" charset="-122"/>
+                </a:rPr>
+                <a:t>失去保密性</a:t>
+              </a:r>
+              <a:r>
+                <a:rPr kumimoji="1" lang="en-US" altLang="zh-CN" sz="1200" dirty="0">
+                  <a:latin typeface="JingDongLangZhengTi" panose="02000500000000000000" pitchFamily="2" charset="-122"/>
+                  <a:ea typeface="JingDongLangZhengTi" panose="02000500000000000000" pitchFamily="2" charset="-122"/>
+                </a:rPr>
+                <a:t>[LC]</a:t>
+              </a:r>
+              <a:endParaRPr kumimoji="1" lang="zh-CN" altLang="en-US" sz="1200" dirty="0">
+                <a:latin typeface="JingDongLangZhengTi" panose="02000500000000000000" pitchFamily="2" charset="-122"/>
+                <a:ea typeface="JingDongLangZhengTi" panose="02000500000000000000" pitchFamily="2" charset="-122"/>
+              </a:endParaRPr>
+            </a:p>
+          </p:txBody>
+        </p:sp>
+        <p:sp>
+          <p:nvSpPr>
+            <p:cNvPr id="15" name="矩形 14">
+              <a:extLst>
+                <a:ext uri="{FF2B5EF4-FFF2-40B4-BE49-F238E27FC236}">
+                  <a16:creationId xmlns:a16="http://schemas.microsoft.com/office/drawing/2014/main" id="{9561B805-5A61-8641-9304-1A2C0957332A}"/>
+                </a:ext>
+              </a:extLst>
+            </p:cNvPr>
+            <p:cNvSpPr/>
+            <p:nvPr/>
+          </p:nvSpPr>
+          <p:spPr>
+            <a:xfrm>
+              <a:off x="250369" y="3785078"/>
+              <a:ext cx="2906487" cy="272143"/>
+            </a:xfrm>
+            <a:prstGeom prst="rect">
+              <a:avLst/>
+            </a:prstGeom>
+            <a:solidFill>
+              <a:srgbClr val="C00000"/>
+            </a:solidFill>
+          </p:spPr>
+          <p:style>
+            <a:lnRef idx="2">
+              <a:schemeClr val="accent1">
+                <a:shade val="50000"/>
+              </a:schemeClr>
+            </a:lnRef>
+            <a:fillRef idx="1">
+              <a:schemeClr val="accent1"/>
+            </a:fillRef>
+            <a:effectRef idx="0">
+              <a:schemeClr val="accent1"/>
+            </a:effectRef>
+            <a:fontRef idx="minor">
+              <a:schemeClr val="lt1"/>
+            </a:fontRef>
+          </p:style>
+          <p:txBody>
+            <a:bodyPr rtlCol="0" anchor="ctr"/>
+            <a:lstStyle/>
+            <a:p>
+              <a:pPr algn="ctr"/>
+              <a:r>
+                <a:rPr kumimoji="1" lang="zh-CN" altLang="en-US" sz="1200" dirty="0">
+                  <a:latin typeface="JingDongLangZhengTi" panose="02000500000000000000" pitchFamily="2" charset="-122"/>
+                  <a:ea typeface="JingDongLangZhengTi" panose="02000500000000000000" pitchFamily="2" charset="-122"/>
+                </a:rPr>
+                <a:t>失去完整性</a:t>
+              </a:r>
+              <a:r>
+                <a:rPr kumimoji="1" lang="en-US" altLang="zh-CN" sz="1200" dirty="0">
+                  <a:latin typeface="JingDongLangZhengTi" panose="02000500000000000000" pitchFamily="2" charset="-122"/>
+                  <a:ea typeface="JingDongLangZhengTi" panose="02000500000000000000" pitchFamily="2" charset="-122"/>
+                </a:rPr>
+                <a:t>[LI]</a:t>
+              </a:r>
+              <a:endParaRPr kumimoji="1" lang="zh-CN" altLang="en-US" sz="1200" dirty="0">
+                <a:latin typeface="JingDongLangZhengTi" panose="02000500000000000000" pitchFamily="2" charset="-122"/>
+                <a:ea typeface="JingDongLangZhengTi" panose="02000500000000000000" pitchFamily="2" charset="-122"/>
+              </a:endParaRPr>
+            </a:p>
+          </p:txBody>
+        </p:sp>
+        <p:sp>
+          <p:nvSpPr>
+            <p:cNvPr id="16" name="矩形 15">
+              <a:extLst>
+                <a:ext uri="{FF2B5EF4-FFF2-40B4-BE49-F238E27FC236}">
+                  <a16:creationId xmlns:a16="http://schemas.microsoft.com/office/drawing/2014/main" id="{9F2C83CE-4C56-194E-AD36-E04BCCD90D6F}"/>
+                </a:ext>
+              </a:extLst>
+            </p:cNvPr>
+            <p:cNvSpPr/>
+            <p:nvPr/>
+          </p:nvSpPr>
+          <p:spPr>
+            <a:xfrm>
+              <a:off x="250369" y="4111363"/>
+              <a:ext cx="2906487" cy="272143"/>
+            </a:xfrm>
+            <a:prstGeom prst="rect">
+              <a:avLst/>
+            </a:prstGeom>
+            <a:solidFill>
+              <a:srgbClr val="C00000"/>
+            </a:solidFill>
+          </p:spPr>
+          <p:style>
+            <a:lnRef idx="2">
+              <a:schemeClr val="accent1">
+                <a:shade val="50000"/>
+              </a:schemeClr>
+            </a:lnRef>
+            <a:fillRef idx="1">
+              <a:schemeClr val="accent1"/>
+            </a:fillRef>
+            <a:effectRef idx="0">
+              <a:schemeClr val="accent1"/>
+            </a:effectRef>
+            <a:fontRef idx="minor">
+              <a:schemeClr val="lt1"/>
+            </a:fontRef>
+          </p:style>
+          <p:txBody>
+            <a:bodyPr rtlCol="0" anchor="ctr"/>
+            <a:lstStyle/>
+            <a:p>
+              <a:pPr algn="ctr"/>
+              <a:r>
+                <a:rPr kumimoji="1" lang="zh-CN" altLang="en-US" sz="1200" dirty="0">
+                  <a:latin typeface="JingDongLangZhengTi" panose="02000500000000000000" pitchFamily="2" charset="-122"/>
+                  <a:ea typeface="JingDongLangZhengTi" panose="02000500000000000000" pitchFamily="2" charset="-122"/>
+                </a:rPr>
+                <a:t>失去可用性</a:t>
+              </a:r>
+              <a:r>
+                <a:rPr kumimoji="1" lang="en-US" altLang="zh-CN" sz="1200" dirty="0">
+                  <a:latin typeface="JingDongLangZhengTi" panose="02000500000000000000" pitchFamily="2" charset="-122"/>
+                  <a:ea typeface="JingDongLangZhengTi" panose="02000500000000000000" pitchFamily="2" charset="-122"/>
+                </a:rPr>
+                <a:t>[LA]</a:t>
+              </a:r>
+              <a:endParaRPr kumimoji="1" lang="zh-CN" altLang="en-US" sz="1200" dirty="0">
+                <a:latin typeface="JingDongLangZhengTi" panose="02000500000000000000" pitchFamily="2" charset="-122"/>
+                <a:ea typeface="JingDongLangZhengTi" panose="02000500000000000000" pitchFamily="2" charset="-122"/>
+              </a:endParaRPr>
+            </a:p>
+          </p:txBody>
+        </p:sp>
+        <p:sp>
+          <p:nvSpPr>
+            <p:cNvPr id="17" name="矩形 16">
+              <a:extLst>
+                <a:ext uri="{FF2B5EF4-FFF2-40B4-BE49-F238E27FC236}">
+                  <a16:creationId xmlns:a16="http://schemas.microsoft.com/office/drawing/2014/main" id="{56560622-31B9-C947-BE71-B1CD34F86383}"/>
+                </a:ext>
+              </a:extLst>
+            </p:cNvPr>
+            <p:cNvSpPr/>
+            <p:nvPr/>
+          </p:nvSpPr>
+          <p:spPr>
+            <a:xfrm>
+              <a:off x="250369" y="4437648"/>
+              <a:ext cx="2906487" cy="272143"/>
+            </a:xfrm>
+            <a:prstGeom prst="rect">
+              <a:avLst/>
+            </a:prstGeom>
             <a:solidFill>
               <a:srgbClr val="7030A0"/>
             </a:solidFill>
-            <a:prstDash val="solid"/>
-            <a:bevel/>
-            <a:headEnd w="sm" len="sm"/>
-            <a:tailEnd type="triangle"/>
-          </a:ln>
-        </p:spPr>
-        <p:style>
-          <a:lnRef idx="1">
-            <a:schemeClr val="accent1"/>
-          </a:lnRef>
-          <a:fillRef idx="0">
-            <a:schemeClr val="accent1"/>
-          </a:fillRef>
-          <a:effectRef idx="0">
-            <a:schemeClr val="accent1"/>
-          </a:effectRef>
-          <a:fontRef idx="minor">
-            <a:schemeClr val="tx1"/>
-          </a:fontRef>
-        </p:style>
-      </p:cxnSp>
-      <p:cxnSp>
-        <p:nvCxnSpPr>
-          <p:cNvPr id="93" name="肘形连接符 92">
-            <a:extLst>
-              <a:ext uri="{FF2B5EF4-FFF2-40B4-BE49-F238E27FC236}">
-                <a16:creationId xmlns:a16="http://schemas.microsoft.com/office/drawing/2014/main" id="{D5CAA9CB-C121-B546-9E1F-9B68E1EF7A20}"/>
-              </a:ext>
-            </a:extLst>
-          </p:cNvPr>
-          <p:cNvCxnSpPr>
-            <a:cxnSpLocks/>
-          </p:cNvCxnSpPr>
-          <p:nvPr/>
-        </p:nvCxnSpPr>
-        <p:spPr>
-          <a:xfrm>
-            <a:off x="7256788" y="3169653"/>
-            <a:ext cx="1894117" cy="2668182"/>
-          </a:xfrm>
-          <a:prstGeom prst="bentConnector3">
-            <a:avLst>
-              <a:gd name="adj1" fmla="val 59519"/>
-            </a:avLst>
-          </a:prstGeom>
-          <a:ln w="127000" cap="flat" cmpd="sng">
+          </p:spPr>
+          <p:style>
+            <a:lnRef idx="2">
+              <a:schemeClr val="accent1">
+                <a:shade val="50000"/>
+              </a:schemeClr>
+            </a:lnRef>
+            <a:fillRef idx="1">
+              <a:schemeClr val="accent1"/>
+            </a:fillRef>
+            <a:effectRef idx="0">
+              <a:schemeClr val="accent1"/>
+            </a:effectRef>
+            <a:fontRef idx="minor">
+              <a:schemeClr val="lt1"/>
+            </a:fontRef>
+          </p:style>
+          <p:txBody>
+            <a:bodyPr rtlCol="0" anchor="ctr"/>
+            <a:lstStyle/>
+            <a:p>
+              <a:pPr algn="ctr"/>
+              <a:r>
+                <a:rPr kumimoji="1" lang="zh-CN" altLang="en-US" sz="1200" dirty="0">
+                  <a:latin typeface="JingDongLangZhengTi" panose="02000500000000000000" pitchFamily="2" charset="-122"/>
+                  <a:ea typeface="JingDongLangZhengTi" panose="02000500000000000000" pitchFamily="2" charset="-122"/>
+                </a:rPr>
+                <a:t>经济损失</a:t>
+              </a:r>
+              <a:r>
+                <a:rPr kumimoji="1" lang="en-US" altLang="zh-CN" sz="1200" dirty="0">
+                  <a:latin typeface="JingDongLangZhengTi" panose="02000500000000000000" pitchFamily="2" charset="-122"/>
+                  <a:ea typeface="JingDongLangZhengTi" panose="02000500000000000000" pitchFamily="2" charset="-122"/>
+                </a:rPr>
+                <a:t>[FD]</a:t>
+              </a:r>
+              <a:endParaRPr kumimoji="1" lang="zh-CN" altLang="en-US" sz="1200" dirty="0">
+                <a:latin typeface="JingDongLangZhengTi" panose="02000500000000000000" pitchFamily="2" charset="-122"/>
+                <a:ea typeface="JingDongLangZhengTi" panose="02000500000000000000" pitchFamily="2" charset="-122"/>
+              </a:endParaRPr>
+            </a:p>
+          </p:txBody>
+        </p:sp>
+        <p:sp>
+          <p:nvSpPr>
+            <p:cNvPr id="18" name="矩形 17">
+              <a:extLst>
+                <a:ext uri="{FF2B5EF4-FFF2-40B4-BE49-F238E27FC236}">
+                  <a16:creationId xmlns:a16="http://schemas.microsoft.com/office/drawing/2014/main" id="{2429B889-7A6A-9B40-856F-71ED27B7DDFC}"/>
+                </a:ext>
+              </a:extLst>
+            </p:cNvPr>
+            <p:cNvSpPr/>
+            <p:nvPr/>
+          </p:nvSpPr>
+          <p:spPr>
+            <a:xfrm>
+              <a:off x="250369" y="4763933"/>
+              <a:ext cx="2906487" cy="272143"/>
+            </a:xfrm>
+            <a:prstGeom prst="rect">
+              <a:avLst/>
+            </a:prstGeom>
             <a:solidFill>
               <a:srgbClr val="7030A0"/>
             </a:solidFill>
-            <a:prstDash val="solid"/>
-            <a:bevel/>
-            <a:headEnd w="sm" len="sm"/>
-            <a:tailEnd type="triangle"/>
-          </a:ln>
-        </p:spPr>
-        <p:style>
-          <a:lnRef idx="1">
-            <a:schemeClr val="accent1"/>
-          </a:lnRef>
-          <a:fillRef idx="0">
-            <a:schemeClr val="accent1"/>
-          </a:fillRef>
-          <a:effectRef idx="0">
-            <a:schemeClr val="accent1"/>
-          </a:effectRef>
-          <a:fontRef idx="minor">
-            <a:schemeClr val="tx1"/>
-          </a:fontRef>
-        </p:style>
-      </p:cxnSp>
-      <p:cxnSp>
-        <p:nvCxnSpPr>
-          <p:cNvPr id="96" name="肘形连接符 95">
-            <a:extLst>
-              <a:ext uri="{FF2B5EF4-FFF2-40B4-BE49-F238E27FC236}">
-                <a16:creationId xmlns:a16="http://schemas.microsoft.com/office/drawing/2014/main" id="{822008E9-7670-4540-996D-04480C709E3E}"/>
-              </a:ext>
-            </a:extLst>
-          </p:cNvPr>
-          <p:cNvCxnSpPr>
-            <a:cxnSpLocks/>
-          </p:cNvCxnSpPr>
-          <p:nvPr/>
-        </p:nvCxnSpPr>
-        <p:spPr>
-          <a:xfrm>
-            <a:off x="7256788" y="5301303"/>
-            <a:ext cx="1894117" cy="536532"/>
-          </a:xfrm>
-          <a:prstGeom prst="bentConnector3">
-            <a:avLst>
-              <a:gd name="adj1" fmla="val 59519"/>
-            </a:avLst>
-          </a:prstGeom>
-          <a:ln w="127000" cap="flat" cmpd="sng">
+          </p:spPr>
+          <p:style>
+            <a:lnRef idx="2">
+              <a:schemeClr val="accent1">
+                <a:shade val="50000"/>
+              </a:schemeClr>
+            </a:lnRef>
+            <a:fillRef idx="1">
+              <a:schemeClr val="accent1"/>
+            </a:fillRef>
+            <a:effectRef idx="0">
+              <a:schemeClr val="accent1"/>
+            </a:effectRef>
+            <a:fontRef idx="minor">
+              <a:schemeClr val="lt1"/>
+            </a:fontRef>
+          </p:style>
+          <p:txBody>
+            <a:bodyPr rtlCol="0" anchor="ctr"/>
+            <a:lstStyle/>
+            <a:p>
+              <a:pPr algn="ctr"/>
+              <a:r>
+                <a:rPr kumimoji="1" lang="zh-CN" altLang="en-US" sz="1200" dirty="0">
+                  <a:latin typeface="JingDongLangZhengTi" panose="02000500000000000000" pitchFamily="2" charset="-122"/>
+                  <a:ea typeface="JingDongLangZhengTi" panose="02000500000000000000" pitchFamily="2" charset="-122"/>
+                </a:rPr>
+                <a:t>商誉损失</a:t>
+              </a:r>
+              <a:r>
+                <a:rPr kumimoji="1" lang="en-US" altLang="zh-CN" sz="1200" dirty="0">
+                  <a:latin typeface="JingDongLangZhengTi" panose="02000500000000000000" pitchFamily="2" charset="-122"/>
+                  <a:ea typeface="JingDongLangZhengTi" panose="02000500000000000000" pitchFamily="2" charset="-122"/>
+                </a:rPr>
+                <a:t>[RD]</a:t>
+              </a:r>
+              <a:endParaRPr kumimoji="1" lang="zh-CN" altLang="en-US" sz="1200" dirty="0">
+                <a:latin typeface="JingDongLangZhengTi" panose="02000500000000000000" pitchFamily="2" charset="-122"/>
+                <a:ea typeface="JingDongLangZhengTi" panose="02000500000000000000" pitchFamily="2" charset="-122"/>
+              </a:endParaRPr>
+            </a:p>
+          </p:txBody>
+        </p:sp>
+        <p:sp>
+          <p:nvSpPr>
+            <p:cNvPr id="19" name="矩形 18">
+              <a:extLst>
+                <a:ext uri="{FF2B5EF4-FFF2-40B4-BE49-F238E27FC236}">
+                  <a16:creationId xmlns:a16="http://schemas.microsoft.com/office/drawing/2014/main" id="{C0DD9D9E-3E7C-F247-A7BB-AA5A2E304218}"/>
+                </a:ext>
+              </a:extLst>
+            </p:cNvPr>
+            <p:cNvSpPr/>
+            <p:nvPr/>
+          </p:nvSpPr>
+          <p:spPr>
+            <a:xfrm>
+              <a:off x="250369" y="5090218"/>
+              <a:ext cx="2906487" cy="272143"/>
+            </a:xfrm>
+            <a:prstGeom prst="rect">
+              <a:avLst/>
+            </a:prstGeom>
             <a:solidFill>
               <a:srgbClr val="7030A0"/>
             </a:solidFill>
-            <a:prstDash val="solid"/>
-            <a:bevel/>
-            <a:headEnd w="sm" len="sm"/>
-            <a:tailEnd type="triangle"/>
-          </a:ln>
-        </p:spPr>
-        <p:style>
-          <a:lnRef idx="1">
-            <a:schemeClr val="accent1"/>
-          </a:lnRef>
-          <a:fillRef idx="0">
-            <a:schemeClr val="accent1"/>
-          </a:fillRef>
-          <a:effectRef idx="0">
-            <a:schemeClr val="accent1"/>
-          </a:effectRef>
-          <a:fontRef idx="minor">
-            <a:schemeClr val="tx1"/>
-          </a:fontRef>
-        </p:style>
-      </p:cxnSp>
+          </p:spPr>
+          <p:style>
+            <a:lnRef idx="2">
+              <a:schemeClr val="accent1">
+                <a:shade val="50000"/>
+              </a:schemeClr>
+            </a:lnRef>
+            <a:fillRef idx="1">
+              <a:schemeClr val="accent1"/>
+            </a:fillRef>
+            <a:effectRef idx="0">
+              <a:schemeClr val="accent1"/>
+            </a:effectRef>
+            <a:fontRef idx="minor">
+              <a:schemeClr val="lt1"/>
+            </a:fontRef>
+          </p:style>
+          <p:txBody>
+            <a:bodyPr rtlCol="0" anchor="ctr"/>
+            <a:lstStyle/>
+            <a:p>
+              <a:pPr algn="ctr"/>
+              <a:r>
+                <a:rPr kumimoji="1" lang="zh-CN" altLang="en-US" sz="1200" dirty="0">
+                  <a:latin typeface="JingDongLangZhengTi" panose="02000500000000000000" pitchFamily="2" charset="-122"/>
+                  <a:ea typeface="JingDongLangZhengTi" panose="02000500000000000000" pitchFamily="2" charset="-122"/>
+                </a:rPr>
+                <a:t>合规影响</a:t>
+              </a:r>
+              <a:r>
+                <a:rPr kumimoji="1" lang="en-US" altLang="zh-CN" sz="1200" dirty="0">
+                  <a:latin typeface="JingDongLangZhengTi" panose="02000500000000000000" pitchFamily="2" charset="-122"/>
+                  <a:ea typeface="JingDongLangZhengTi" panose="02000500000000000000" pitchFamily="2" charset="-122"/>
+                </a:rPr>
+                <a:t>[CI]</a:t>
+              </a:r>
+              <a:endParaRPr kumimoji="1" lang="zh-CN" altLang="en-US" sz="1200" dirty="0">
+                <a:latin typeface="JingDongLangZhengTi" panose="02000500000000000000" pitchFamily="2" charset="-122"/>
+                <a:ea typeface="JingDongLangZhengTi" panose="02000500000000000000" pitchFamily="2" charset="-122"/>
+              </a:endParaRPr>
+            </a:p>
+          </p:txBody>
+        </p:sp>
+        <p:sp>
+          <p:nvSpPr>
+            <p:cNvPr id="21" name="矩形 20">
+              <a:extLst>
+                <a:ext uri="{FF2B5EF4-FFF2-40B4-BE49-F238E27FC236}">
+                  <a16:creationId xmlns:a16="http://schemas.microsoft.com/office/drawing/2014/main" id="{4C99D7D1-F897-9C41-8C92-863D9CAFB60C}"/>
+                </a:ext>
+              </a:extLst>
+            </p:cNvPr>
+            <p:cNvSpPr/>
+            <p:nvPr/>
+          </p:nvSpPr>
+          <p:spPr>
+            <a:xfrm>
+              <a:off x="250369" y="5419228"/>
+              <a:ext cx="2906487" cy="272143"/>
+            </a:xfrm>
+            <a:prstGeom prst="rect">
+              <a:avLst/>
+            </a:prstGeom>
+            <a:solidFill>
+              <a:srgbClr val="0070C0"/>
+            </a:solidFill>
+          </p:spPr>
+          <p:style>
+            <a:lnRef idx="2">
+              <a:schemeClr val="accent1">
+                <a:shade val="50000"/>
+              </a:schemeClr>
+            </a:lnRef>
+            <a:fillRef idx="1">
+              <a:schemeClr val="accent1"/>
+            </a:fillRef>
+            <a:effectRef idx="0">
+              <a:schemeClr val="accent1"/>
+            </a:effectRef>
+            <a:fontRef idx="minor">
+              <a:schemeClr val="lt1"/>
+            </a:fontRef>
+          </p:style>
+          <p:txBody>
+            <a:bodyPr rtlCol="0" anchor="ctr"/>
+            <a:lstStyle/>
+            <a:p>
+              <a:pPr algn="ctr"/>
+              <a:r>
+                <a:rPr kumimoji="1" lang="zh-CN" altLang="en-US" sz="1200" dirty="0">
+                  <a:latin typeface="JingDongLangZhengTi" panose="02000500000000000000" pitchFamily="2" charset="-122"/>
+                  <a:ea typeface="JingDongLangZhengTi" panose="02000500000000000000" pitchFamily="2" charset="-122"/>
+                </a:rPr>
+                <a:t>开发生命周期</a:t>
+              </a:r>
+              <a:r>
+                <a:rPr kumimoji="1" lang="en-US" altLang="zh-CN" sz="1200" dirty="0">
+                  <a:latin typeface="JingDongLangZhengTi" panose="02000500000000000000" pitchFamily="2" charset="-122"/>
+                  <a:ea typeface="JingDongLangZhengTi" panose="02000500000000000000" pitchFamily="2" charset="-122"/>
+                </a:rPr>
+                <a:t>[DLC]</a:t>
+              </a:r>
+              <a:endParaRPr kumimoji="1" lang="zh-CN" altLang="en-US" sz="1200" dirty="0">
+                <a:latin typeface="JingDongLangZhengTi" panose="02000500000000000000" pitchFamily="2" charset="-122"/>
+                <a:ea typeface="JingDongLangZhengTi" panose="02000500000000000000" pitchFamily="2" charset="-122"/>
+              </a:endParaRPr>
+            </a:p>
+          </p:txBody>
+        </p:sp>
+        <p:sp>
+          <p:nvSpPr>
+            <p:cNvPr id="22" name="矩形 21">
+              <a:extLst>
+                <a:ext uri="{FF2B5EF4-FFF2-40B4-BE49-F238E27FC236}">
+                  <a16:creationId xmlns:a16="http://schemas.microsoft.com/office/drawing/2014/main" id="{374AF924-F882-8543-A932-5BF199F33255}"/>
+                </a:ext>
+              </a:extLst>
+            </p:cNvPr>
+            <p:cNvSpPr/>
+            <p:nvPr/>
+          </p:nvSpPr>
+          <p:spPr>
+            <a:xfrm>
+              <a:off x="250369" y="5745513"/>
+              <a:ext cx="2906487" cy="272143"/>
+            </a:xfrm>
+            <a:prstGeom prst="rect">
+              <a:avLst/>
+            </a:prstGeom>
+            <a:solidFill>
+              <a:srgbClr val="0070C0"/>
+            </a:solidFill>
+          </p:spPr>
+          <p:style>
+            <a:lnRef idx="2">
+              <a:schemeClr val="accent1">
+                <a:shade val="50000"/>
+              </a:schemeClr>
+            </a:lnRef>
+            <a:fillRef idx="1">
+              <a:schemeClr val="accent1"/>
+            </a:fillRef>
+            <a:effectRef idx="0">
+              <a:schemeClr val="accent1"/>
+            </a:effectRef>
+            <a:fontRef idx="minor">
+              <a:schemeClr val="lt1"/>
+            </a:fontRef>
+          </p:style>
+          <p:txBody>
+            <a:bodyPr rtlCol="0" anchor="ctr"/>
+            <a:lstStyle/>
+            <a:p>
+              <a:pPr algn="ctr"/>
+              <a:r>
+                <a:rPr kumimoji="1" lang="zh-CN" altLang="en-US" sz="1200" dirty="0">
+                  <a:latin typeface="JingDongLangZhengTi" panose="02000500000000000000" pitchFamily="2" charset="-122"/>
+                  <a:ea typeface="JingDongLangZhengTi" panose="02000500000000000000" pitchFamily="2" charset="-122"/>
+                </a:rPr>
+                <a:t>运维生命周期</a:t>
+              </a:r>
+              <a:r>
+                <a:rPr kumimoji="1" lang="en-US" altLang="zh-CN" sz="1200" dirty="0">
+                  <a:latin typeface="JingDongLangZhengTi" panose="02000500000000000000" pitchFamily="2" charset="-122"/>
+                  <a:ea typeface="JingDongLangZhengTi" panose="02000500000000000000" pitchFamily="2" charset="-122"/>
+                </a:rPr>
+                <a:t>[OLC]</a:t>
+              </a:r>
+              <a:endParaRPr kumimoji="1" lang="zh-CN" altLang="en-US" sz="1200" dirty="0">
+                <a:latin typeface="JingDongLangZhengTi" panose="02000500000000000000" pitchFamily="2" charset="-122"/>
+                <a:ea typeface="JingDongLangZhengTi" panose="02000500000000000000" pitchFamily="2" charset="-122"/>
+              </a:endParaRPr>
+            </a:p>
+          </p:txBody>
+        </p:sp>
+        <p:sp>
+          <p:nvSpPr>
+            <p:cNvPr id="23" name="矩形 22">
+              <a:extLst>
+                <a:ext uri="{FF2B5EF4-FFF2-40B4-BE49-F238E27FC236}">
+                  <a16:creationId xmlns:a16="http://schemas.microsoft.com/office/drawing/2014/main" id="{A0C9396B-E8FD-814B-94E1-39ECF4EF37A2}"/>
+                </a:ext>
+              </a:extLst>
+            </p:cNvPr>
+            <p:cNvSpPr/>
+            <p:nvPr/>
+          </p:nvSpPr>
+          <p:spPr>
+            <a:xfrm>
+              <a:off x="250369" y="6071796"/>
+              <a:ext cx="2906487" cy="272143"/>
+            </a:xfrm>
+            <a:prstGeom prst="rect">
+              <a:avLst/>
+            </a:prstGeom>
+            <a:solidFill>
+              <a:srgbClr val="0070C0"/>
+            </a:solidFill>
+          </p:spPr>
+          <p:style>
+            <a:lnRef idx="2">
+              <a:schemeClr val="accent1">
+                <a:shade val="50000"/>
+              </a:schemeClr>
+            </a:lnRef>
+            <a:fillRef idx="1">
+              <a:schemeClr val="accent1"/>
+            </a:fillRef>
+            <a:effectRef idx="0">
+              <a:schemeClr val="accent1"/>
+            </a:effectRef>
+            <a:fontRef idx="minor">
+              <a:schemeClr val="lt1"/>
+            </a:fontRef>
+          </p:style>
+          <p:txBody>
+            <a:bodyPr rtlCol="0" anchor="ctr"/>
+            <a:lstStyle/>
+            <a:p>
+              <a:pPr algn="ctr"/>
+              <a:r>
+                <a:rPr kumimoji="1" lang="zh-CN" altLang="en-US" sz="1200" dirty="0">
+                  <a:latin typeface="JingDongLangZhengTi" panose="02000500000000000000" pitchFamily="2" charset="-122"/>
+                  <a:ea typeface="JingDongLangZhengTi" panose="02000500000000000000" pitchFamily="2" charset="-122"/>
+                </a:rPr>
+                <a:t>员工安全意识</a:t>
+              </a:r>
+              <a:r>
+                <a:rPr kumimoji="1" lang="en-US" altLang="zh-CN" sz="1200" dirty="0">
+                  <a:latin typeface="JingDongLangZhengTi" panose="02000500000000000000" pitchFamily="2" charset="-122"/>
+                  <a:ea typeface="JingDongLangZhengTi" panose="02000500000000000000" pitchFamily="2" charset="-122"/>
+                </a:rPr>
+                <a:t>[ESA]</a:t>
+              </a:r>
+              <a:endParaRPr kumimoji="1" lang="zh-CN" altLang="en-US" sz="1200" dirty="0">
+                <a:latin typeface="JingDongLangZhengTi" panose="02000500000000000000" pitchFamily="2" charset="-122"/>
+                <a:ea typeface="JingDongLangZhengTi" panose="02000500000000000000" pitchFamily="2" charset="-122"/>
+              </a:endParaRPr>
+            </a:p>
+          </p:txBody>
+        </p:sp>
+        <p:sp>
+          <p:nvSpPr>
+            <p:cNvPr id="30" name="矩形 29">
+              <a:extLst>
+                <a:ext uri="{FF2B5EF4-FFF2-40B4-BE49-F238E27FC236}">
+                  <a16:creationId xmlns:a16="http://schemas.microsoft.com/office/drawing/2014/main" id="{870C6F0F-DC58-A448-BDC0-C1DFFD65D859}"/>
+                </a:ext>
+              </a:extLst>
+            </p:cNvPr>
+            <p:cNvSpPr/>
+            <p:nvPr/>
+          </p:nvSpPr>
+          <p:spPr>
+            <a:xfrm>
+              <a:off x="4788950" y="370001"/>
+              <a:ext cx="2467830" cy="589208"/>
+            </a:xfrm>
+            <a:prstGeom prst="rect">
+              <a:avLst/>
+            </a:prstGeom>
+            <a:solidFill>
+              <a:schemeClr val="accent2">
+                <a:lumMod val="75000"/>
+              </a:schemeClr>
+            </a:solidFill>
+          </p:spPr>
+          <p:style>
+            <a:lnRef idx="2">
+              <a:schemeClr val="accent1">
+                <a:shade val="50000"/>
+              </a:schemeClr>
+            </a:lnRef>
+            <a:fillRef idx="1">
+              <a:schemeClr val="accent1"/>
+            </a:fillRef>
+            <a:effectRef idx="0">
+              <a:schemeClr val="accent1"/>
+            </a:effectRef>
+            <a:fontRef idx="minor">
+              <a:schemeClr val="lt1"/>
+            </a:fontRef>
+          </p:style>
+          <p:txBody>
+            <a:bodyPr rtlCol="0" anchor="ctr"/>
+            <a:lstStyle/>
+            <a:p>
+              <a:pPr algn="ctr"/>
+              <a:r>
+                <a:rPr kumimoji="1" lang="zh-CN" altLang="en-US" sz="1600" dirty="0">
+                  <a:latin typeface="JingDongLangZhengTi" panose="02000500000000000000" pitchFamily="2" charset="-122"/>
+                  <a:ea typeface="JingDongLangZhengTi" panose="02000500000000000000" pitchFamily="2" charset="-122"/>
+                </a:rPr>
+                <a:t>进攻实力</a:t>
+              </a:r>
+              <a:r>
+                <a:rPr kumimoji="1" lang="en-US" altLang="zh-CN" sz="1600" dirty="0">
+                  <a:latin typeface="JingDongLangZhengTi" panose="02000500000000000000" pitchFamily="2" charset="-122"/>
+                  <a:ea typeface="JingDongLangZhengTi" panose="02000500000000000000" pitchFamily="2" charset="-122"/>
+                </a:rPr>
+                <a:t>[OS]</a:t>
+              </a:r>
+              <a:endParaRPr kumimoji="1" lang="zh-CN" altLang="en-US" sz="1600" dirty="0">
+                <a:latin typeface="JingDongLangZhengTi" panose="02000500000000000000" pitchFamily="2" charset="-122"/>
+                <a:ea typeface="JingDongLangZhengTi" panose="02000500000000000000" pitchFamily="2" charset="-122"/>
+              </a:endParaRPr>
+            </a:p>
+          </p:txBody>
+        </p:sp>
+        <p:sp>
+          <p:nvSpPr>
+            <p:cNvPr id="31" name="矩形 30">
+              <a:extLst>
+                <a:ext uri="{FF2B5EF4-FFF2-40B4-BE49-F238E27FC236}">
+                  <a16:creationId xmlns:a16="http://schemas.microsoft.com/office/drawing/2014/main" id="{C54E329B-44DB-D247-B9C4-96280030AB3C}"/>
+                </a:ext>
+              </a:extLst>
+            </p:cNvPr>
+            <p:cNvSpPr/>
+            <p:nvPr/>
+          </p:nvSpPr>
+          <p:spPr>
+            <a:xfrm>
+              <a:off x="4788950" y="1512028"/>
+              <a:ext cx="2467830" cy="589208"/>
+            </a:xfrm>
+            <a:prstGeom prst="rect">
+              <a:avLst/>
+            </a:prstGeom>
+            <a:solidFill>
+              <a:schemeClr val="accent6">
+                <a:lumMod val="75000"/>
+              </a:schemeClr>
+            </a:solidFill>
+          </p:spPr>
+          <p:style>
+            <a:lnRef idx="2">
+              <a:schemeClr val="accent1">
+                <a:shade val="50000"/>
+              </a:schemeClr>
+            </a:lnRef>
+            <a:fillRef idx="1">
+              <a:schemeClr val="accent1"/>
+            </a:fillRef>
+            <a:effectRef idx="0">
+              <a:schemeClr val="accent1"/>
+            </a:effectRef>
+            <a:fontRef idx="minor">
+              <a:schemeClr val="lt1"/>
+            </a:fontRef>
+          </p:style>
+          <p:txBody>
+            <a:bodyPr rtlCol="0" anchor="ctr"/>
+            <a:lstStyle/>
+            <a:p>
+              <a:pPr algn="ctr"/>
+              <a:r>
+                <a:rPr kumimoji="1" lang="zh-CN" altLang="en-US" sz="1600" dirty="0">
+                  <a:latin typeface="JingDongLangZhengTi" panose="02000500000000000000" pitchFamily="2" charset="-122"/>
+                  <a:ea typeface="JingDongLangZhengTi" panose="02000500000000000000" pitchFamily="2" charset="-122"/>
+                </a:rPr>
+                <a:t>防守实力</a:t>
+              </a:r>
+              <a:r>
+                <a:rPr kumimoji="1" lang="en-US" altLang="zh-CN" sz="1600" dirty="0">
+                  <a:latin typeface="JingDongLangZhengTi" panose="02000500000000000000" pitchFamily="2" charset="-122"/>
+                  <a:ea typeface="JingDongLangZhengTi" panose="02000500000000000000" pitchFamily="2" charset="-122"/>
+                </a:rPr>
+                <a:t>[DS]</a:t>
+              </a:r>
+              <a:endParaRPr kumimoji="1" lang="zh-CN" altLang="en-US" sz="1600" dirty="0">
+                <a:latin typeface="JingDongLangZhengTi" panose="02000500000000000000" pitchFamily="2" charset="-122"/>
+                <a:ea typeface="JingDongLangZhengTi" panose="02000500000000000000" pitchFamily="2" charset="-122"/>
+              </a:endParaRPr>
+            </a:p>
+          </p:txBody>
+        </p:sp>
+        <p:sp>
+          <p:nvSpPr>
+            <p:cNvPr id="32" name="矩形 31">
+              <a:extLst>
+                <a:ext uri="{FF2B5EF4-FFF2-40B4-BE49-F238E27FC236}">
+                  <a16:creationId xmlns:a16="http://schemas.microsoft.com/office/drawing/2014/main" id="{34F16C83-4D04-D941-8A0D-FAFECE8140F3}"/>
+                </a:ext>
+              </a:extLst>
+            </p:cNvPr>
+            <p:cNvSpPr/>
+            <p:nvPr/>
+          </p:nvSpPr>
+          <p:spPr>
+            <a:xfrm>
+              <a:off x="4788950" y="2654055"/>
+              <a:ext cx="2467830" cy="589208"/>
+            </a:xfrm>
+            <a:prstGeom prst="rect">
+              <a:avLst/>
+            </a:prstGeom>
+            <a:solidFill>
+              <a:schemeClr val="accent4">
+                <a:lumMod val="75000"/>
+              </a:schemeClr>
+            </a:solidFill>
+          </p:spPr>
+          <p:style>
+            <a:lnRef idx="2">
+              <a:schemeClr val="accent1">
+                <a:shade val="50000"/>
+              </a:schemeClr>
+            </a:lnRef>
+            <a:fillRef idx="1">
+              <a:schemeClr val="accent1"/>
+            </a:fillRef>
+            <a:effectRef idx="0">
+              <a:schemeClr val="accent1"/>
+            </a:effectRef>
+            <a:fontRef idx="minor">
+              <a:schemeClr val="lt1"/>
+            </a:fontRef>
+          </p:style>
+          <p:txBody>
+            <a:bodyPr rtlCol="0" anchor="ctr"/>
+            <a:lstStyle/>
+            <a:p>
+              <a:pPr algn="ctr"/>
+              <a:r>
+                <a:rPr kumimoji="1" lang="zh-CN" altLang="en-US" sz="1600" dirty="0">
+                  <a:latin typeface="JingDongLangZhengTi" panose="02000500000000000000" pitchFamily="2" charset="-122"/>
+                  <a:ea typeface="JingDongLangZhengTi" panose="02000500000000000000" pitchFamily="2" charset="-122"/>
+                </a:rPr>
+                <a:t>漏洞风险</a:t>
+              </a:r>
+              <a:r>
+                <a:rPr kumimoji="1" lang="en-US" altLang="zh-CN" sz="1600" dirty="0">
+                  <a:latin typeface="JingDongLangZhengTi" panose="02000500000000000000" pitchFamily="2" charset="-122"/>
+                  <a:ea typeface="JingDongLangZhengTi" panose="02000500000000000000" pitchFamily="2" charset="-122"/>
+                </a:rPr>
+                <a:t>[VR]</a:t>
+              </a:r>
+              <a:endParaRPr kumimoji="1" lang="zh-CN" altLang="en-US" sz="1600" dirty="0">
+                <a:latin typeface="JingDongLangZhengTi" panose="02000500000000000000" pitchFamily="2" charset="-122"/>
+                <a:ea typeface="JingDongLangZhengTi" panose="02000500000000000000" pitchFamily="2" charset="-122"/>
+              </a:endParaRPr>
+            </a:p>
+          </p:txBody>
+        </p:sp>
+        <p:sp>
+          <p:nvSpPr>
+            <p:cNvPr id="33" name="矩形 32">
+              <a:extLst>
+                <a:ext uri="{FF2B5EF4-FFF2-40B4-BE49-F238E27FC236}">
+                  <a16:creationId xmlns:a16="http://schemas.microsoft.com/office/drawing/2014/main" id="{346C582C-E4B7-EC43-A5F0-6C8C38A6FF86}"/>
+                </a:ext>
+              </a:extLst>
+            </p:cNvPr>
+            <p:cNvSpPr/>
+            <p:nvPr/>
+          </p:nvSpPr>
+          <p:spPr>
+            <a:xfrm>
+              <a:off x="4788950" y="3654564"/>
+              <a:ext cx="2467830" cy="589208"/>
+            </a:xfrm>
+            <a:prstGeom prst="rect">
+              <a:avLst/>
+            </a:prstGeom>
+            <a:solidFill>
+              <a:srgbClr val="C00000"/>
+            </a:solidFill>
+          </p:spPr>
+          <p:style>
+            <a:lnRef idx="2">
+              <a:schemeClr val="accent1">
+                <a:shade val="50000"/>
+              </a:schemeClr>
+            </a:lnRef>
+            <a:fillRef idx="1">
+              <a:schemeClr val="accent1"/>
+            </a:fillRef>
+            <a:effectRef idx="0">
+              <a:schemeClr val="accent1"/>
+            </a:effectRef>
+            <a:fontRef idx="minor">
+              <a:schemeClr val="lt1"/>
+            </a:fontRef>
+          </p:style>
+          <p:txBody>
+            <a:bodyPr rtlCol="0" anchor="ctr"/>
+            <a:lstStyle/>
+            <a:p>
+              <a:pPr algn="ctr"/>
+              <a:r>
+                <a:rPr kumimoji="1" lang="zh-CN" altLang="en-US" sz="1600" dirty="0">
+                  <a:latin typeface="JingDongLangZhengTi" panose="02000500000000000000" pitchFamily="2" charset="-122"/>
+                  <a:ea typeface="JingDongLangZhengTi" panose="02000500000000000000" pitchFamily="2" charset="-122"/>
+                </a:rPr>
+                <a:t>技术影响</a:t>
+              </a:r>
+              <a:r>
+                <a:rPr kumimoji="1" lang="en-US" altLang="zh-CN" sz="1600" dirty="0">
+                  <a:latin typeface="JingDongLangZhengTi" panose="02000500000000000000" pitchFamily="2" charset="-122"/>
+                  <a:ea typeface="JingDongLangZhengTi" panose="02000500000000000000" pitchFamily="2" charset="-122"/>
+                </a:rPr>
+                <a:t>[TI]</a:t>
+              </a:r>
+              <a:endParaRPr kumimoji="1" lang="zh-CN" altLang="en-US" sz="1600" dirty="0">
+                <a:latin typeface="JingDongLangZhengTi" panose="02000500000000000000" pitchFamily="2" charset="-122"/>
+                <a:ea typeface="JingDongLangZhengTi" panose="02000500000000000000" pitchFamily="2" charset="-122"/>
+              </a:endParaRPr>
+            </a:p>
+          </p:txBody>
+        </p:sp>
+        <p:sp>
+          <p:nvSpPr>
+            <p:cNvPr id="34" name="矩形 33">
+              <a:extLst>
+                <a:ext uri="{FF2B5EF4-FFF2-40B4-BE49-F238E27FC236}">
+                  <a16:creationId xmlns:a16="http://schemas.microsoft.com/office/drawing/2014/main" id="{BDCFF73F-2C5D-6244-89B6-8FD4562470D8}"/>
+                </a:ext>
+              </a:extLst>
+            </p:cNvPr>
+            <p:cNvSpPr/>
+            <p:nvPr/>
+          </p:nvSpPr>
+          <p:spPr>
+            <a:xfrm>
+              <a:off x="4788950" y="4785705"/>
+              <a:ext cx="2467830" cy="589208"/>
+            </a:xfrm>
+            <a:prstGeom prst="rect">
+              <a:avLst/>
+            </a:prstGeom>
+            <a:solidFill>
+              <a:srgbClr val="7030A0"/>
+            </a:solidFill>
+          </p:spPr>
+          <p:style>
+            <a:lnRef idx="2">
+              <a:schemeClr val="accent1">
+                <a:shade val="50000"/>
+              </a:schemeClr>
+            </a:lnRef>
+            <a:fillRef idx="1">
+              <a:schemeClr val="accent1"/>
+            </a:fillRef>
+            <a:effectRef idx="0">
+              <a:schemeClr val="accent1"/>
+            </a:effectRef>
+            <a:fontRef idx="minor">
+              <a:schemeClr val="lt1"/>
+            </a:fontRef>
+          </p:style>
+          <p:txBody>
+            <a:bodyPr rtlCol="0" anchor="ctr"/>
+            <a:lstStyle/>
+            <a:p>
+              <a:pPr algn="ctr"/>
+              <a:r>
+                <a:rPr kumimoji="1" lang="zh-CN" altLang="en-US" sz="1600" dirty="0">
+                  <a:latin typeface="JingDongLangZhengTi" panose="02000500000000000000" pitchFamily="2" charset="-122"/>
+                  <a:ea typeface="JingDongLangZhengTi" panose="02000500000000000000" pitchFamily="2" charset="-122"/>
+                </a:rPr>
+                <a:t>企业影响</a:t>
+              </a:r>
+              <a:r>
+                <a:rPr kumimoji="1" lang="en-US" altLang="zh-CN" sz="1600" dirty="0">
+                  <a:latin typeface="JingDongLangZhengTi" panose="02000500000000000000" pitchFamily="2" charset="-122"/>
+                  <a:ea typeface="JingDongLangZhengTi" panose="02000500000000000000" pitchFamily="2" charset="-122"/>
+                </a:rPr>
+                <a:t>[EI]</a:t>
+              </a:r>
+              <a:endParaRPr kumimoji="1" lang="zh-CN" altLang="en-US" sz="1600" dirty="0">
+                <a:latin typeface="JingDongLangZhengTi" panose="02000500000000000000" pitchFamily="2" charset="-122"/>
+                <a:ea typeface="JingDongLangZhengTi" panose="02000500000000000000" pitchFamily="2" charset="-122"/>
+              </a:endParaRPr>
+            </a:p>
+          </p:txBody>
+        </p:sp>
+        <p:sp>
+          <p:nvSpPr>
+            <p:cNvPr id="35" name="矩形 34">
+              <a:extLst>
+                <a:ext uri="{FF2B5EF4-FFF2-40B4-BE49-F238E27FC236}">
+                  <a16:creationId xmlns:a16="http://schemas.microsoft.com/office/drawing/2014/main" id="{EB076E67-2B3E-B54F-9A59-FB34D500D993}"/>
+                </a:ext>
+              </a:extLst>
+            </p:cNvPr>
+            <p:cNvSpPr/>
+            <p:nvPr/>
+          </p:nvSpPr>
+          <p:spPr>
+            <a:xfrm>
+              <a:off x="4788950" y="5604172"/>
+              <a:ext cx="2467830" cy="589208"/>
+            </a:xfrm>
+            <a:prstGeom prst="rect">
+              <a:avLst/>
+            </a:prstGeom>
+            <a:solidFill>
+              <a:schemeClr val="accent5">
+                <a:lumMod val="75000"/>
+              </a:schemeClr>
+            </a:solidFill>
+          </p:spPr>
+          <p:style>
+            <a:lnRef idx="2">
+              <a:schemeClr val="accent1">
+                <a:shade val="50000"/>
+              </a:schemeClr>
+            </a:lnRef>
+            <a:fillRef idx="1">
+              <a:schemeClr val="accent1"/>
+            </a:fillRef>
+            <a:effectRef idx="0">
+              <a:schemeClr val="accent1"/>
+            </a:effectRef>
+            <a:fontRef idx="minor">
+              <a:schemeClr val="lt1"/>
+            </a:fontRef>
+          </p:style>
+          <p:txBody>
+            <a:bodyPr rtlCol="0" anchor="ctr"/>
+            <a:lstStyle/>
+            <a:p>
+              <a:pPr algn="ctr"/>
+              <a:r>
+                <a:rPr kumimoji="1" lang="zh-CN" altLang="en-US" sz="1600" dirty="0">
+                  <a:latin typeface="JingDongLangZhengTi" panose="02000500000000000000" pitchFamily="2" charset="-122"/>
+                  <a:ea typeface="JingDongLangZhengTi" panose="02000500000000000000" pitchFamily="2" charset="-122"/>
+                </a:rPr>
+                <a:t>业务实力</a:t>
+              </a:r>
+              <a:r>
+                <a:rPr kumimoji="1" lang="en-US" altLang="zh-CN" sz="1600" dirty="0">
+                  <a:latin typeface="JingDongLangZhengTi" panose="02000500000000000000" pitchFamily="2" charset="-122"/>
+                  <a:ea typeface="JingDongLangZhengTi" panose="02000500000000000000" pitchFamily="2" charset="-122"/>
+                </a:rPr>
+                <a:t>[BS]</a:t>
+              </a:r>
+              <a:endParaRPr kumimoji="1" lang="zh-CN" altLang="en-US" sz="1600" dirty="0">
+                <a:latin typeface="JingDongLangZhengTi" panose="02000500000000000000" pitchFamily="2" charset="-122"/>
+                <a:ea typeface="JingDongLangZhengTi" panose="02000500000000000000" pitchFamily="2" charset="-122"/>
+              </a:endParaRPr>
+            </a:p>
+          </p:txBody>
+        </p:sp>
+        <p:sp>
+          <p:nvSpPr>
+            <p:cNvPr id="36" name="矩形 35">
+              <a:extLst>
+                <a:ext uri="{FF2B5EF4-FFF2-40B4-BE49-F238E27FC236}">
+                  <a16:creationId xmlns:a16="http://schemas.microsoft.com/office/drawing/2014/main" id="{71030679-B0AD-344D-A335-F5E90ABB18A0}"/>
+                </a:ext>
+              </a:extLst>
+            </p:cNvPr>
+            <p:cNvSpPr/>
+            <p:nvPr/>
+          </p:nvSpPr>
+          <p:spPr>
+            <a:xfrm>
+              <a:off x="9150905" y="664837"/>
+              <a:ext cx="2829056" cy="804971"/>
+            </a:xfrm>
+            <a:prstGeom prst="rect">
+              <a:avLst/>
+            </a:prstGeom>
+            <a:solidFill>
+              <a:schemeClr val="accent2">
+                <a:lumMod val="75000"/>
+              </a:schemeClr>
+            </a:solidFill>
+          </p:spPr>
+          <p:style>
+            <a:lnRef idx="2">
+              <a:schemeClr val="accent1">
+                <a:shade val="50000"/>
+              </a:schemeClr>
+            </a:lnRef>
+            <a:fillRef idx="1">
+              <a:schemeClr val="accent1"/>
+            </a:fillRef>
+            <a:effectRef idx="0">
+              <a:schemeClr val="accent1"/>
+            </a:effectRef>
+            <a:fontRef idx="minor">
+              <a:schemeClr val="lt1"/>
+            </a:fontRef>
+          </p:style>
+          <p:txBody>
+            <a:bodyPr rtlCol="0" anchor="ctr"/>
+            <a:lstStyle/>
+            <a:p>
+              <a:pPr algn="ctr"/>
+              <a:r>
+                <a:rPr kumimoji="1" lang="zh-CN" altLang="en-US" sz="2000" dirty="0">
+                  <a:latin typeface="JingDongLangZhengTi" panose="02000500000000000000" pitchFamily="2" charset="-122"/>
+                  <a:ea typeface="JingDongLangZhengTi" panose="02000500000000000000" pitchFamily="2" charset="-122"/>
+                </a:rPr>
+                <a:t>进攻能量</a:t>
+              </a:r>
+              <a:r>
+                <a:rPr kumimoji="1" lang="en-US" altLang="zh-CN" sz="2000" dirty="0">
+                  <a:latin typeface="JingDongLangZhengTi" panose="02000500000000000000" pitchFamily="2" charset="-122"/>
+                  <a:ea typeface="JingDongLangZhengTi" panose="02000500000000000000" pitchFamily="2" charset="-122"/>
+                </a:rPr>
+                <a:t>[OE]</a:t>
+              </a:r>
+              <a:endParaRPr kumimoji="1" lang="zh-CN" altLang="en-US" sz="2000" dirty="0">
+                <a:latin typeface="JingDongLangZhengTi" panose="02000500000000000000" pitchFamily="2" charset="-122"/>
+                <a:ea typeface="JingDongLangZhengTi" panose="02000500000000000000" pitchFamily="2" charset="-122"/>
+              </a:endParaRPr>
+            </a:p>
+          </p:txBody>
+        </p:sp>
+        <p:sp>
+          <p:nvSpPr>
+            <p:cNvPr id="37" name="矩形 36">
+              <a:extLst>
+                <a:ext uri="{FF2B5EF4-FFF2-40B4-BE49-F238E27FC236}">
+                  <a16:creationId xmlns:a16="http://schemas.microsoft.com/office/drawing/2014/main" id="{18CEBAA9-9465-FD4D-86A1-04E55EAE7CF6}"/>
+                </a:ext>
+              </a:extLst>
+            </p:cNvPr>
+            <p:cNvSpPr/>
+            <p:nvPr/>
+          </p:nvSpPr>
+          <p:spPr>
+            <a:xfrm>
+              <a:off x="9150905" y="2167462"/>
+              <a:ext cx="2829056" cy="804971"/>
+            </a:xfrm>
+            <a:prstGeom prst="rect">
+              <a:avLst/>
+            </a:prstGeom>
+            <a:solidFill>
+              <a:schemeClr val="accent6">
+                <a:lumMod val="75000"/>
+              </a:schemeClr>
+            </a:solidFill>
+          </p:spPr>
+          <p:style>
+            <a:lnRef idx="2">
+              <a:schemeClr val="accent1">
+                <a:shade val="50000"/>
+              </a:schemeClr>
+            </a:lnRef>
+            <a:fillRef idx="1">
+              <a:schemeClr val="accent1"/>
+            </a:fillRef>
+            <a:effectRef idx="0">
+              <a:schemeClr val="accent1"/>
+            </a:effectRef>
+            <a:fontRef idx="minor">
+              <a:schemeClr val="lt1"/>
+            </a:fontRef>
+          </p:style>
+          <p:txBody>
+            <a:bodyPr rtlCol="0" anchor="ctr"/>
+            <a:lstStyle/>
+            <a:p>
+              <a:pPr algn="ctr"/>
+              <a:r>
+                <a:rPr kumimoji="1" lang="zh-CN" altLang="en-US" sz="2000" dirty="0">
+                  <a:latin typeface="JingDongLangZhengTi" panose="02000500000000000000" pitchFamily="2" charset="-122"/>
+                  <a:ea typeface="JingDongLangZhengTi" panose="02000500000000000000" pitchFamily="2" charset="-122"/>
+                </a:rPr>
+                <a:t>防守能量</a:t>
+              </a:r>
+              <a:r>
+                <a:rPr kumimoji="1" lang="en-US" altLang="zh-CN" sz="2000" dirty="0">
+                  <a:latin typeface="JingDongLangZhengTi" panose="02000500000000000000" pitchFamily="2" charset="-122"/>
+                  <a:ea typeface="JingDongLangZhengTi" panose="02000500000000000000" pitchFamily="2" charset="-122"/>
+                </a:rPr>
+                <a:t>[DE]</a:t>
+              </a:r>
+              <a:endParaRPr kumimoji="1" lang="zh-CN" altLang="en-US" sz="2000" dirty="0">
+                <a:latin typeface="JingDongLangZhengTi" panose="02000500000000000000" pitchFamily="2" charset="-122"/>
+                <a:ea typeface="JingDongLangZhengTi" panose="02000500000000000000" pitchFamily="2" charset="-122"/>
+              </a:endParaRPr>
+            </a:p>
+          </p:txBody>
+        </p:sp>
+        <p:sp>
+          <p:nvSpPr>
+            <p:cNvPr id="38" name="矩形 37">
+              <a:extLst>
+                <a:ext uri="{FF2B5EF4-FFF2-40B4-BE49-F238E27FC236}">
+                  <a16:creationId xmlns:a16="http://schemas.microsoft.com/office/drawing/2014/main" id="{1B3B4671-EE42-8E41-9E7F-3D2F1324B04D}"/>
+                </a:ext>
+              </a:extLst>
+            </p:cNvPr>
+            <p:cNvSpPr/>
+            <p:nvPr/>
+          </p:nvSpPr>
+          <p:spPr>
+            <a:xfrm>
+              <a:off x="9150905" y="3861277"/>
+              <a:ext cx="2829056" cy="804971"/>
+            </a:xfrm>
+            <a:prstGeom prst="rect">
+              <a:avLst/>
+            </a:prstGeom>
+            <a:solidFill>
+              <a:schemeClr val="accent4">
+                <a:lumMod val="75000"/>
+              </a:schemeClr>
+            </a:solidFill>
+          </p:spPr>
+          <p:style>
+            <a:lnRef idx="2">
+              <a:schemeClr val="accent1">
+                <a:shade val="50000"/>
+              </a:schemeClr>
+            </a:lnRef>
+            <a:fillRef idx="1">
+              <a:schemeClr val="accent1"/>
+            </a:fillRef>
+            <a:effectRef idx="0">
+              <a:schemeClr val="accent1"/>
+            </a:effectRef>
+            <a:fontRef idx="minor">
+              <a:schemeClr val="lt1"/>
+            </a:fontRef>
+          </p:style>
+          <p:txBody>
+            <a:bodyPr rtlCol="0" anchor="ctr"/>
+            <a:lstStyle/>
+            <a:p>
+              <a:pPr algn="ctr"/>
+              <a:r>
+                <a:rPr kumimoji="1" lang="zh-CN" altLang="en-US" sz="2000" dirty="0">
+                  <a:latin typeface="JingDongLangZhengTi" panose="02000500000000000000" pitchFamily="2" charset="-122"/>
+                  <a:ea typeface="JingDongLangZhengTi" panose="02000500000000000000" pitchFamily="2" charset="-122"/>
+                </a:rPr>
+                <a:t>业务风险</a:t>
+              </a:r>
+              <a:r>
+                <a:rPr kumimoji="1" lang="en-US" altLang="zh-CN" sz="2000" dirty="0">
+                  <a:latin typeface="JingDongLangZhengTi" panose="02000500000000000000" pitchFamily="2" charset="-122"/>
+                  <a:ea typeface="JingDongLangZhengTi" panose="02000500000000000000" pitchFamily="2" charset="-122"/>
+                </a:rPr>
+                <a:t>[BR]</a:t>
+              </a:r>
+              <a:endParaRPr kumimoji="1" lang="zh-CN" altLang="en-US" sz="2000" dirty="0">
+                <a:latin typeface="JingDongLangZhengTi" panose="02000500000000000000" pitchFamily="2" charset="-122"/>
+                <a:ea typeface="JingDongLangZhengTi" panose="02000500000000000000" pitchFamily="2" charset="-122"/>
+              </a:endParaRPr>
+            </a:p>
+          </p:txBody>
+        </p:sp>
+        <p:sp>
+          <p:nvSpPr>
+            <p:cNvPr id="39" name="矩形 38">
+              <a:extLst>
+                <a:ext uri="{FF2B5EF4-FFF2-40B4-BE49-F238E27FC236}">
+                  <a16:creationId xmlns:a16="http://schemas.microsoft.com/office/drawing/2014/main" id="{1432A028-2604-EF40-A20C-3D24367BA21E}"/>
+                </a:ext>
+              </a:extLst>
+            </p:cNvPr>
+            <p:cNvSpPr/>
+            <p:nvPr/>
+          </p:nvSpPr>
+          <p:spPr>
+            <a:xfrm>
+              <a:off x="9150905" y="5413577"/>
+              <a:ext cx="2829056" cy="804971"/>
+            </a:xfrm>
+            <a:prstGeom prst="rect">
+              <a:avLst/>
+            </a:prstGeom>
+            <a:solidFill>
+              <a:srgbClr val="7030A0"/>
+            </a:solidFill>
+          </p:spPr>
+          <p:style>
+            <a:lnRef idx="2">
+              <a:schemeClr val="accent1">
+                <a:shade val="50000"/>
+              </a:schemeClr>
+            </a:lnRef>
+            <a:fillRef idx="1">
+              <a:schemeClr val="accent1"/>
+            </a:fillRef>
+            <a:effectRef idx="0">
+              <a:schemeClr val="accent1"/>
+            </a:effectRef>
+            <a:fontRef idx="minor">
+              <a:schemeClr val="lt1"/>
+            </a:fontRef>
+          </p:style>
+          <p:txBody>
+            <a:bodyPr rtlCol="0" anchor="ctr"/>
+            <a:lstStyle/>
+            <a:p>
+              <a:pPr algn="ctr"/>
+              <a:r>
+                <a:rPr kumimoji="1" lang="zh-CN" altLang="en-US" sz="2000" dirty="0">
+                  <a:latin typeface="JingDongLangZhengTi" panose="02000500000000000000" pitchFamily="2" charset="-122"/>
+                  <a:ea typeface="JingDongLangZhengTi" panose="02000500000000000000" pitchFamily="2" charset="-122"/>
+                </a:rPr>
+                <a:t>企业风险</a:t>
+              </a:r>
+              <a:r>
+                <a:rPr kumimoji="1" lang="en-US" altLang="zh-CN" sz="2000" dirty="0">
+                  <a:latin typeface="JingDongLangZhengTi" panose="02000500000000000000" pitchFamily="2" charset="-122"/>
+                  <a:ea typeface="JingDongLangZhengTi" panose="02000500000000000000" pitchFamily="2" charset="-122"/>
+                </a:rPr>
+                <a:t>[ER]</a:t>
+              </a:r>
+              <a:endParaRPr kumimoji="1" lang="zh-CN" altLang="en-US" sz="2000" dirty="0">
+                <a:latin typeface="JingDongLangZhengTi" panose="02000500000000000000" pitchFamily="2" charset="-122"/>
+                <a:ea typeface="JingDongLangZhengTi" panose="02000500000000000000" pitchFamily="2" charset="-122"/>
+              </a:endParaRPr>
+            </a:p>
+          </p:txBody>
+        </p:sp>
+        <p:cxnSp>
+          <p:nvCxnSpPr>
+            <p:cNvPr id="42" name="肘形连接符 41">
+              <a:extLst>
+                <a:ext uri="{FF2B5EF4-FFF2-40B4-BE49-F238E27FC236}">
+                  <a16:creationId xmlns:a16="http://schemas.microsoft.com/office/drawing/2014/main" id="{D4532ACB-AC2F-E041-8D09-BF8AD25D4A76}"/>
+                </a:ext>
+              </a:extLst>
+            </p:cNvPr>
+            <p:cNvCxnSpPr>
+              <a:cxnSpLocks/>
+            </p:cNvCxnSpPr>
+            <p:nvPr/>
+          </p:nvCxnSpPr>
+          <p:spPr>
+            <a:xfrm>
+              <a:off x="7256780" y="645278"/>
+              <a:ext cx="1894120" cy="411860"/>
+            </a:xfrm>
+            <a:prstGeom prst="bentConnector3">
+              <a:avLst>
+                <a:gd name="adj1" fmla="val 50000"/>
+              </a:avLst>
+            </a:prstGeom>
+            <a:ln w="127000" cap="flat" cmpd="sng">
+              <a:solidFill>
+                <a:schemeClr val="accent2">
+                  <a:lumMod val="75000"/>
+                </a:schemeClr>
+              </a:solidFill>
+              <a:prstDash val="solid"/>
+              <a:bevel/>
+              <a:headEnd w="sm" len="sm"/>
+              <a:tailEnd type="triangle"/>
+            </a:ln>
+          </p:spPr>
+          <p:style>
+            <a:lnRef idx="1">
+              <a:schemeClr val="accent1"/>
+            </a:lnRef>
+            <a:fillRef idx="0">
+              <a:schemeClr val="accent1"/>
+            </a:fillRef>
+            <a:effectRef idx="0">
+              <a:schemeClr val="accent1"/>
+            </a:effectRef>
+            <a:fontRef idx="minor">
+              <a:schemeClr val="tx1"/>
+            </a:fontRef>
+          </p:style>
+        </p:cxnSp>
+        <p:cxnSp>
+          <p:nvCxnSpPr>
+            <p:cNvPr id="47" name="肘形连接符 46">
+              <a:extLst>
+                <a:ext uri="{FF2B5EF4-FFF2-40B4-BE49-F238E27FC236}">
+                  <a16:creationId xmlns:a16="http://schemas.microsoft.com/office/drawing/2014/main" id="{B7DE0095-10D5-8044-B220-0D22A9F19BB6}"/>
+                </a:ext>
+              </a:extLst>
+            </p:cNvPr>
+            <p:cNvCxnSpPr>
+              <a:cxnSpLocks/>
+            </p:cNvCxnSpPr>
+            <p:nvPr/>
+          </p:nvCxnSpPr>
+          <p:spPr>
+            <a:xfrm flipV="1">
+              <a:off x="7256780" y="1052029"/>
+              <a:ext cx="1894120" cy="615532"/>
+            </a:xfrm>
+            <a:prstGeom prst="bentConnector3">
+              <a:avLst>
+                <a:gd name="adj1" fmla="val 50000"/>
+              </a:avLst>
+            </a:prstGeom>
+            <a:ln w="127000" cap="flat" cmpd="sng">
+              <a:solidFill>
+                <a:schemeClr val="accent2">
+                  <a:lumMod val="75000"/>
+                </a:schemeClr>
+              </a:solidFill>
+              <a:prstDash val="solid"/>
+              <a:bevel/>
+              <a:headEnd w="sm" len="sm"/>
+              <a:tailEnd type="triangle"/>
+            </a:ln>
+          </p:spPr>
+          <p:style>
+            <a:lnRef idx="1">
+              <a:schemeClr val="accent1"/>
+            </a:lnRef>
+            <a:fillRef idx="0">
+              <a:schemeClr val="accent1"/>
+            </a:fillRef>
+            <a:effectRef idx="0">
+              <a:schemeClr val="accent1"/>
+            </a:effectRef>
+            <a:fontRef idx="minor">
+              <a:schemeClr val="tx1"/>
+            </a:fontRef>
+          </p:style>
+        </p:cxnSp>
+        <p:cxnSp>
+          <p:nvCxnSpPr>
+            <p:cNvPr id="49" name="肘形连接符 48">
+              <a:extLst>
+                <a:ext uri="{FF2B5EF4-FFF2-40B4-BE49-F238E27FC236}">
+                  <a16:creationId xmlns:a16="http://schemas.microsoft.com/office/drawing/2014/main" id="{CC44CDE8-C7C4-6944-A6E7-113DBEC0EDDC}"/>
+                </a:ext>
+              </a:extLst>
+            </p:cNvPr>
+            <p:cNvCxnSpPr>
+              <a:cxnSpLocks/>
+            </p:cNvCxnSpPr>
+            <p:nvPr/>
+          </p:nvCxnSpPr>
+          <p:spPr>
+            <a:xfrm flipV="1">
+              <a:off x="7256780" y="1067323"/>
+              <a:ext cx="1894125" cy="3961001"/>
+            </a:xfrm>
+            <a:prstGeom prst="bentConnector3">
+              <a:avLst>
+                <a:gd name="adj1" fmla="val 50000"/>
+              </a:avLst>
+            </a:prstGeom>
+            <a:ln w="127000" cap="flat" cmpd="sng">
+              <a:solidFill>
+                <a:schemeClr val="accent2">
+                  <a:lumMod val="75000"/>
+                </a:schemeClr>
+              </a:solidFill>
+              <a:prstDash val="solid"/>
+              <a:bevel/>
+              <a:headEnd w="sm" len="sm"/>
+              <a:tailEnd type="triangle"/>
+            </a:ln>
+          </p:spPr>
+          <p:style>
+            <a:lnRef idx="1">
+              <a:schemeClr val="accent1"/>
+            </a:lnRef>
+            <a:fillRef idx="0">
+              <a:schemeClr val="accent1"/>
+            </a:fillRef>
+            <a:effectRef idx="0">
+              <a:schemeClr val="accent1"/>
+            </a:effectRef>
+            <a:fontRef idx="minor">
+              <a:schemeClr val="tx1"/>
+            </a:fontRef>
+          </p:style>
+        </p:cxnSp>
+        <p:cxnSp>
+          <p:nvCxnSpPr>
+            <p:cNvPr id="52" name="肘形连接符 51">
+              <a:extLst>
+                <a:ext uri="{FF2B5EF4-FFF2-40B4-BE49-F238E27FC236}">
+                  <a16:creationId xmlns:a16="http://schemas.microsoft.com/office/drawing/2014/main" id="{DF2E91CB-7BD0-344F-9D4E-AA4439AE2607}"/>
+                </a:ext>
+              </a:extLst>
+            </p:cNvPr>
+            <p:cNvCxnSpPr>
+              <a:cxnSpLocks/>
+            </p:cNvCxnSpPr>
+            <p:nvPr/>
+          </p:nvCxnSpPr>
+          <p:spPr>
+            <a:xfrm>
+              <a:off x="7256786" y="1799577"/>
+              <a:ext cx="1894119" cy="757492"/>
+            </a:xfrm>
+            <a:prstGeom prst="bentConnector3">
+              <a:avLst>
+                <a:gd name="adj1" fmla="val 37761"/>
+              </a:avLst>
+            </a:prstGeom>
+            <a:ln w="127000" cap="flat" cmpd="sng">
+              <a:solidFill>
+                <a:schemeClr val="accent6">
+                  <a:lumMod val="75000"/>
+                </a:schemeClr>
+              </a:solidFill>
+              <a:prstDash val="solid"/>
+              <a:bevel/>
+              <a:headEnd w="sm" len="sm"/>
+              <a:tailEnd type="triangle"/>
+            </a:ln>
+          </p:spPr>
+          <p:style>
+            <a:lnRef idx="1">
+              <a:schemeClr val="accent1"/>
+            </a:lnRef>
+            <a:fillRef idx="0">
+              <a:schemeClr val="accent1"/>
+            </a:fillRef>
+            <a:effectRef idx="0">
+              <a:schemeClr val="accent1"/>
+            </a:effectRef>
+            <a:fontRef idx="minor">
+              <a:schemeClr val="tx1"/>
+            </a:fontRef>
+          </p:style>
+        </p:cxnSp>
+        <p:cxnSp>
+          <p:nvCxnSpPr>
+            <p:cNvPr id="57" name="肘形连接符 56">
+              <a:extLst>
+                <a:ext uri="{FF2B5EF4-FFF2-40B4-BE49-F238E27FC236}">
+                  <a16:creationId xmlns:a16="http://schemas.microsoft.com/office/drawing/2014/main" id="{2A87AE7D-8161-7244-B9A6-893892547786}"/>
+                </a:ext>
+              </a:extLst>
+            </p:cNvPr>
+            <p:cNvCxnSpPr>
+              <a:cxnSpLocks/>
+            </p:cNvCxnSpPr>
+            <p:nvPr/>
+          </p:nvCxnSpPr>
+          <p:spPr>
+            <a:xfrm flipV="1">
+              <a:off x="7256788" y="2557069"/>
+              <a:ext cx="1894117" cy="210421"/>
+            </a:xfrm>
+            <a:prstGeom prst="bentConnector3">
+              <a:avLst>
+                <a:gd name="adj1" fmla="val 37761"/>
+              </a:avLst>
+            </a:prstGeom>
+            <a:ln w="127000" cap="flat" cmpd="sng">
+              <a:solidFill>
+                <a:schemeClr val="accent6">
+                  <a:lumMod val="75000"/>
+                </a:schemeClr>
+              </a:solidFill>
+              <a:prstDash val="solid"/>
+              <a:bevel/>
+              <a:headEnd w="sm" len="sm"/>
+              <a:tailEnd type="triangle"/>
+            </a:ln>
+          </p:spPr>
+          <p:style>
+            <a:lnRef idx="1">
+              <a:schemeClr val="accent1"/>
+            </a:lnRef>
+            <a:fillRef idx="0">
+              <a:schemeClr val="accent1"/>
+            </a:fillRef>
+            <a:effectRef idx="0">
+              <a:schemeClr val="accent1"/>
+            </a:effectRef>
+            <a:fontRef idx="minor">
+              <a:schemeClr val="tx1"/>
+            </a:fontRef>
+          </p:style>
+        </p:cxnSp>
+        <p:cxnSp>
+          <p:nvCxnSpPr>
+            <p:cNvPr id="62" name="肘形连接符 61">
+              <a:extLst>
+                <a:ext uri="{FF2B5EF4-FFF2-40B4-BE49-F238E27FC236}">
+                  <a16:creationId xmlns:a16="http://schemas.microsoft.com/office/drawing/2014/main" id="{01C7E009-F09E-3241-B4B6-D22DAF382848}"/>
+                </a:ext>
+              </a:extLst>
+            </p:cNvPr>
+            <p:cNvCxnSpPr>
+              <a:cxnSpLocks/>
+            </p:cNvCxnSpPr>
+            <p:nvPr/>
+          </p:nvCxnSpPr>
+          <p:spPr>
+            <a:xfrm flipV="1">
+              <a:off x="7256788" y="2557069"/>
+              <a:ext cx="1894117" cy="2342071"/>
+            </a:xfrm>
+            <a:prstGeom prst="bentConnector3">
+              <a:avLst>
+                <a:gd name="adj1" fmla="val 37761"/>
+              </a:avLst>
+            </a:prstGeom>
+            <a:ln w="127000" cap="flat" cmpd="sng">
+              <a:solidFill>
+                <a:schemeClr val="accent6">
+                  <a:lumMod val="75000"/>
+                </a:schemeClr>
+              </a:solidFill>
+              <a:prstDash val="solid"/>
+              <a:bevel/>
+              <a:headEnd w="sm" len="sm"/>
+              <a:tailEnd type="triangle"/>
+            </a:ln>
+          </p:spPr>
+          <p:style>
+            <a:lnRef idx="1">
+              <a:schemeClr val="accent1"/>
+            </a:lnRef>
+            <a:fillRef idx="0">
+              <a:schemeClr val="accent1"/>
+            </a:fillRef>
+            <a:effectRef idx="0">
+              <a:schemeClr val="accent1"/>
+            </a:effectRef>
+            <a:fontRef idx="minor">
+              <a:schemeClr val="tx1"/>
+            </a:fontRef>
+          </p:style>
+        </p:cxnSp>
+        <p:cxnSp>
+          <p:nvCxnSpPr>
+            <p:cNvPr id="66" name="肘形连接符 65">
+              <a:extLst>
+                <a:ext uri="{FF2B5EF4-FFF2-40B4-BE49-F238E27FC236}">
+                  <a16:creationId xmlns:a16="http://schemas.microsoft.com/office/drawing/2014/main" id="{D19E0DB7-AB16-994E-829C-51FD1E38D3B0}"/>
+                </a:ext>
+              </a:extLst>
+            </p:cNvPr>
+            <p:cNvCxnSpPr>
+              <a:cxnSpLocks/>
+            </p:cNvCxnSpPr>
+            <p:nvPr/>
+          </p:nvCxnSpPr>
+          <p:spPr>
+            <a:xfrm>
+              <a:off x="7256788" y="4035393"/>
+              <a:ext cx="1894117" cy="228372"/>
+            </a:xfrm>
+            <a:prstGeom prst="bentConnector3">
+              <a:avLst>
+                <a:gd name="adj1" fmla="val 50000"/>
+              </a:avLst>
+            </a:prstGeom>
+            <a:ln w="127000" cap="flat" cmpd="sng">
+              <a:solidFill>
+                <a:schemeClr val="accent4">
+                  <a:lumMod val="75000"/>
+                </a:schemeClr>
+              </a:solidFill>
+              <a:prstDash val="solid"/>
+              <a:bevel/>
+              <a:headEnd w="sm" len="sm"/>
+              <a:tailEnd type="triangle"/>
+            </a:ln>
+          </p:spPr>
+          <p:style>
+            <a:lnRef idx="1">
+              <a:schemeClr val="accent1"/>
+            </a:lnRef>
+            <a:fillRef idx="0">
+              <a:schemeClr val="accent1"/>
+            </a:fillRef>
+            <a:effectRef idx="0">
+              <a:schemeClr val="accent1"/>
+            </a:effectRef>
+            <a:fontRef idx="minor">
+              <a:schemeClr val="tx1"/>
+            </a:fontRef>
+          </p:style>
+        </p:cxnSp>
+        <p:cxnSp>
+          <p:nvCxnSpPr>
+            <p:cNvPr id="71" name="肘形连接符 70">
+              <a:extLst>
+                <a:ext uri="{FF2B5EF4-FFF2-40B4-BE49-F238E27FC236}">
+                  <a16:creationId xmlns:a16="http://schemas.microsoft.com/office/drawing/2014/main" id="{328A6A8D-B3A7-E54B-A5E6-BF8CEC1BF67F}"/>
+                </a:ext>
+              </a:extLst>
+            </p:cNvPr>
+            <p:cNvCxnSpPr>
+              <a:cxnSpLocks/>
+            </p:cNvCxnSpPr>
+            <p:nvPr/>
+          </p:nvCxnSpPr>
+          <p:spPr>
+            <a:xfrm flipV="1">
+              <a:off x="7256788" y="4261772"/>
+              <a:ext cx="1894117" cy="902769"/>
+            </a:xfrm>
+            <a:prstGeom prst="bentConnector3">
+              <a:avLst>
+                <a:gd name="adj1" fmla="val 70398"/>
+              </a:avLst>
+            </a:prstGeom>
+            <a:ln w="127000" cap="flat" cmpd="sng">
+              <a:solidFill>
+                <a:schemeClr val="accent4">
+                  <a:lumMod val="75000"/>
+                </a:schemeClr>
+              </a:solidFill>
+              <a:prstDash val="solid"/>
+              <a:bevel/>
+              <a:headEnd w="sm" len="sm"/>
+              <a:tailEnd type="triangle"/>
+            </a:ln>
+          </p:spPr>
+          <p:style>
+            <a:lnRef idx="1">
+              <a:schemeClr val="accent1"/>
+            </a:lnRef>
+            <a:fillRef idx="0">
+              <a:schemeClr val="accent1"/>
+            </a:fillRef>
+            <a:effectRef idx="0">
+              <a:schemeClr val="accent1"/>
+            </a:effectRef>
+            <a:fontRef idx="minor">
+              <a:schemeClr val="tx1"/>
+            </a:fontRef>
+          </p:style>
+        </p:cxnSp>
+        <p:cxnSp>
+          <p:nvCxnSpPr>
+            <p:cNvPr id="75" name="肘形连接符 74">
+              <a:extLst>
+                <a:ext uri="{FF2B5EF4-FFF2-40B4-BE49-F238E27FC236}">
+                  <a16:creationId xmlns:a16="http://schemas.microsoft.com/office/drawing/2014/main" id="{3B305B2E-988D-C342-9855-71E3B1B3A472}"/>
+                </a:ext>
+              </a:extLst>
+            </p:cNvPr>
+            <p:cNvCxnSpPr>
+              <a:cxnSpLocks/>
+              <a:stCxn id="35" idx="3"/>
+            </p:cNvCxnSpPr>
+            <p:nvPr/>
+          </p:nvCxnSpPr>
+          <p:spPr>
+            <a:xfrm flipV="1">
+              <a:off x="7256780" y="4263766"/>
+              <a:ext cx="1894125" cy="1635010"/>
+            </a:xfrm>
+            <a:prstGeom prst="bentConnector3">
+              <a:avLst>
+                <a:gd name="adj1" fmla="val 70796"/>
+              </a:avLst>
+            </a:prstGeom>
+            <a:ln w="127000" cap="flat" cmpd="sng">
+              <a:solidFill>
+                <a:schemeClr val="accent4">
+                  <a:lumMod val="75000"/>
+                </a:schemeClr>
+              </a:solidFill>
+              <a:prstDash val="solid"/>
+              <a:bevel/>
+              <a:headEnd w="sm" len="sm"/>
+              <a:tailEnd type="triangle"/>
+            </a:ln>
+          </p:spPr>
+          <p:style>
+            <a:lnRef idx="1">
+              <a:schemeClr val="accent1"/>
+            </a:lnRef>
+            <a:fillRef idx="0">
+              <a:schemeClr val="accent1"/>
+            </a:fillRef>
+            <a:effectRef idx="0">
+              <a:schemeClr val="accent1"/>
+            </a:effectRef>
+            <a:fontRef idx="minor">
+              <a:schemeClr val="tx1"/>
+            </a:fontRef>
+          </p:style>
+        </p:cxnSp>
+        <p:cxnSp>
+          <p:nvCxnSpPr>
+            <p:cNvPr id="90" name="肘形连接符 89">
+              <a:extLst>
+                <a:ext uri="{FF2B5EF4-FFF2-40B4-BE49-F238E27FC236}">
+                  <a16:creationId xmlns:a16="http://schemas.microsoft.com/office/drawing/2014/main" id="{51A61A84-1D2C-0948-9066-B54E69ECB188}"/>
+                </a:ext>
+              </a:extLst>
+            </p:cNvPr>
+            <p:cNvCxnSpPr>
+              <a:cxnSpLocks/>
+            </p:cNvCxnSpPr>
+            <p:nvPr/>
+          </p:nvCxnSpPr>
+          <p:spPr>
+            <a:xfrm>
+              <a:off x="7256788" y="2027626"/>
+              <a:ext cx="1894117" cy="3810209"/>
+            </a:xfrm>
+            <a:prstGeom prst="bentConnector3">
+              <a:avLst>
+                <a:gd name="adj1" fmla="val 59519"/>
+              </a:avLst>
+            </a:prstGeom>
+            <a:ln w="127000" cap="flat" cmpd="sng">
+              <a:solidFill>
+                <a:srgbClr val="7030A0"/>
+              </a:solidFill>
+              <a:prstDash val="solid"/>
+              <a:bevel/>
+              <a:headEnd w="sm" len="sm"/>
+              <a:tailEnd type="triangle"/>
+            </a:ln>
+          </p:spPr>
+          <p:style>
+            <a:lnRef idx="1">
+              <a:schemeClr val="accent1"/>
+            </a:lnRef>
+            <a:fillRef idx="0">
+              <a:schemeClr val="accent1"/>
+            </a:fillRef>
+            <a:effectRef idx="0">
+              <a:schemeClr val="accent1"/>
+            </a:effectRef>
+            <a:fontRef idx="minor">
+              <a:schemeClr val="tx1"/>
+            </a:fontRef>
+          </p:style>
+        </p:cxnSp>
+        <p:cxnSp>
+          <p:nvCxnSpPr>
+            <p:cNvPr id="93" name="肘形连接符 92">
+              <a:extLst>
+                <a:ext uri="{FF2B5EF4-FFF2-40B4-BE49-F238E27FC236}">
+                  <a16:creationId xmlns:a16="http://schemas.microsoft.com/office/drawing/2014/main" id="{D5CAA9CB-C121-B546-9E1F-9B68E1EF7A20}"/>
+                </a:ext>
+              </a:extLst>
+            </p:cNvPr>
+            <p:cNvCxnSpPr>
+              <a:cxnSpLocks/>
+            </p:cNvCxnSpPr>
+            <p:nvPr/>
+          </p:nvCxnSpPr>
+          <p:spPr>
+            <a:xfrm>
+              <a:off x="7256788" y="3169653"/>
+              <a:ext cx="1894117" cy="2668182"/>
+            </a:xfrm>
+            <a:prstGeom prst="bentConnector3">
+              <a:avLst>
+                <a:gd name="adj1" fmla="val 59519"/>
+              </a:avLst>
+            </a:prstGeom>
+            <a:ln w="127000" cap="flat" cmpd="sng">
+              <a:solidFill>
+                <a:srgbClr val="7030A0"/>
+              </a:solidFill>
+              <a:prstDash val="solid"/>
+              <a:bevel/>
+              <a:headEnd w="sm" len="sm"/>
+              <a:tailEnd type="triangle"/>
+            </a:ln>
+          </p:spPr>
+          <p:style>
+            <a:lnRef idx="1">
+              <a:schemeClr val="accent1"/>
+            </a:lnRef>
+            <a:fillRef idx="0">
+              <a:schemeClr val="accent1"/>
+            </a:fillRef>
+            <a:effectRef idx="0">
+              <a:schemeClr val="accent1"/>
+            </a:effectRef>
+            <a:fontRef idx="minor">
+              <a:schemeClr val="tx1"/>
+            </a:fontRef>
+          </p:style>
+        </p:cxnSp>
+        <p:cxnSp>
+          <p:nvCxnSpPr>
+            <p:cNvPr id="96" name="肘形连接符 95">
+              <a:extLst>
+                <a:ext uri="{FF2B5EF4-FFF2-40B4-BE49-F238E27FC236}">
+                  <a16:creationId xmlns:a16="http://schemas.microsoft.com/office/drawing/2014/main" id="{822008E9-7670-4540-996D-04480C709E3E}"/>
+                </a:ext>
+              </a:extLst>
+            </p:cNvPr>
+            <p:cNvCxnSpPr>
+              <a:cxnSpLocks/>
+            </p:cNvCxnSpPr>
+            <p:nvPr/>
+          </p:nvCxnSpPr>
+          <p:spPr>
+            <a:xfrm>
+              <a:off x="7256788" y="5301303"/>
+              <a:ext cx="1894117" cy="536532"/>
+            </a:xfrm>
+            <a:prstGeom prst="bentConnector3">
+              <a:avLst>
+                <a:gd name="adj1" fmla="val 59519"/>
+              </a:avLst>
+            </a:prstGeom>
+            <a:ln w="127000" cap="flat" cmpd="sng">
+              <a:solidFill>
+                <a:srgbClr val="7030A0"/>
+              </a:solidFill>
+              <a:prstDash val="solid"/>
+              <a:bevel/>
+              <a:headEnd w="sm" len="sm"/>
+              <a:tailEnd type="triangle"/>
+            </a:ln>
+          </p:spPr>
+          <p:style>
+            <a:lnRef idx="1">
+              <a:schemeClr val="accent1"/>
+            </a:lnRef>
+            <a:fillRef idx="0">
+              <a:schemeClr val="accent1"/>
+            </a:fillRef>
+            <a:effectRef idx="0">
+              <a:schemeClr val="accent1"/>
+            </a:effectRef>
+            <a:fontRef idx="minor">
+              <a:schemeClr val="tx1"/>
+            </a:fontRef>
+          </p:style>
+        </p:cxnSp>
+      </p:grpSp>
     </p:spTree>
     <p:extLst>
       <p:ext uri="{BB962C8B-B14F-4D97-AF65-F5344CB8AC3E}">

--- a/design/计分.pptx
+++ b/design/计分.pptx
@@ -260,7 +260,7 @@
           <a:p>
             <a:fld id="{E8FF63CC-E631-1646-9DFE-BE52763C3048}" type="datetimeFigureOut">
               <a:rPr kumimoji="1" lang="zh-CN" altLang="en-US" smtClean="0"/>
-              <a:t>2022/3/11</a:t>
+              <a:t>2022/11/7</a:t>
             </a:fld>
             <a:endParaRPr kumimoji="1" lang="zh-CN" altLang="en-US"/>
           </a:p>
@@ -458,7 +458,7 @@
           <a:p>
             <a:fld id="{E8FF63CC-E631-1646-9DFE-BE52763C3048}" type="datetimeFigureOut">
               <a:rPr kumimoji="1" lang="zh-CN" altLang="en-US" smtClean="0"/>
-              <a:t>2022/3/11</a:t>
+              <a:t>2022/11/7</a:t>
             </a:fld>
             <a:endParaRPr kumimoji="1" lang="zh-CN" altLang="en-US"/>
           </a:p>
@@ -666,7 +666,7 @@
           <a:p>
             <a:fld id="{E8FF63CC-E631-1646-9DFE-BE52763C3048}" type="datetimeFigureOut">
               <a:rPr kumimoji="1" lang="zh-CN" altLang="en-US" smtClean="0"/>
-              <a:t>2022/3/11</a:t>
+              <a:t>2022/11/7</a:t>
             </a:fld>
             <a:endParaRPr kumimoji="1" lang="zh-CN" altLang="en-US"/>
           </a:p>
@@ -864,7 +864,7 @@
           <a:p>
             <a:fld id="{E8FF63CC-E631-1646-9DFE-BE52763C3048}" type="datetimeFigureOut">
               <a:rPr kumimoji="1" lang="zh-CN" altLang="en-US" smtClean="0"/>
-              <a:t>2022/3/11</a:t>
+              <a:t>2022/11/7</a:t>
             </a:fld>
             <a:endParaRPr kumimoji="1" lang="zh-CN" altLang="en-US"/>
           </a:p>
@@ -1139,7 +1139,7 @@
           <a:p>
             <a:fld id="{E8FF63CC-E631-1646-9DFE-BE52763C3048}" type="datetimeFigureOut">
               <a:rPr kumimoji="1" lang="zh-CN" altLang="en-US" smtClean="0"/>
-              <a:t>2022/3/11</a:t>
+              <a:t>2022/11/7</a:t>
             </a:fld>
             <a:endParaRPr kumimoji="1" lang="zh-CN" altLang="en-US"/>
           </a:p>
@@ -1404,7 +1404,7 @@
           <a:p>
             <a:fld id="{E8FF63CC-E631-1646-9DFE-BE52763C3048}" type="datetimeFigureOut">
               <a:rPr kumimoji="1" lang="zh-CN" altLang="en-US" smtClean="0"/>
-              <a:t>2022/3/11</a:t>
+              <a:t>2022/11/7</a:t>
             </a:fld>
             <a:endParaRPr kumimoji="1" lang="zh-CN" altLang="en-US"/>
           </a:p>
@@ -1816,7 +1816,7 @@
           <a:p>
             <a:fld id="{E8FF63CC-E631-1646-9DFE-BE52763C3048}" type="datetimeFigureOut">
               <a:rPr kumimoji="1" lang="zh-CN" altLang="en-US" smtClean="0"/>
-              <a:t>2022/3/11</a:t>
+              <a:t>2022/11/7</a:t>
             </a:fld>
             <a:endParaRPr kumimoji="1" lang="zh-CN" altLang="en-US"/>
           </a:p>
@@ -1957,7 +1957,7 @@
           <a:p>
             <a:fld id="{E8FF63CC-E631-1646-9DFE-BE52763C3048}" type="datetimeFigureOut">
               <a:rPr kumimoji="1" lang="zh-CN" altLang="en-US" smtClean="0"/>
-              <a:t>2022/3/11</a:t>
+              <a:t>2022/11/7</a:t>
             </a:fld>
             <a:endParaRPr kumimoji="1" lang="zh-CN" altLang="en-US"/>
           </a:p>
@@ -2070,7 +2070,7 @@
           <a:p>
             <a:fld id="{E8FF63CC-E631-1646-9DFE-BE52763C3048}" type="datetimeFigureOut">
               <a:rPr kumimoji="1" lang="zh-CN" altLang="en-US" smtClean="0"/>
-              <a:t>2022/3/11</a:t>
+              <a:t>2022/11/7</a:t>
             </a:fld>
             <a:endParaRPr kumimoji="1" lang="zh-CN" altLang="en-US"/>
           </a:p>
@@ -2381,7 +2381,7 @@
           <a:p>
             <a:fld id="{E8FF63CC-E631-1646-9DFE-BE52763C3048}" type="datetimeFigureOut">
               <a:rPr kumimoji="1" lang="zh-CN" altLang="en-US" smtClean="0"/>
-              <a:t>2022/3/11</a:t>
+              <a:t>2022/11/7</a:t>
             </a:fld>
             <a:endParaRPr kumimoji="1" lang="zh-CN" altLang="en-US"/>
           </a:p>
@@ -2669,7 +2669,7 @@
           <a:p>
             <a:fld id="{E8FF63CC-E631-1646-9DFE-BE52763C3048}" type="datetimeFigureOut">
               <a:rPr kumimoji="1" lang="zh-CN" altLang="en-US" smtClean="0"/>
-              <a:t>2022/3/11</a:t>
+              <a:t>2022/11/7</a:t>
             </a:fld>
             <a:endParaRPr kumimoji="1" lang="zh-CN" altLang="en-US"/>
           </a:p>
@@ -2910,7 +2910,7 @@
           <a:p>
             <a:fld id="{E8FF63CC-E631-1646-9DFE-BE52763C3048}" type="datetimeFigureOut">
               <a:rPr kumimoji="1" lang="zh-CN" altLang="en-US" smtClean="0"/>
-              <a:t>2022/3/11</a:t>
+              <a:t>2022/11/7</a:t>
             </a:fld>
             <a:endParaRPr kumimoji="1" lang="zh-CN" altLang="en-US"/>
           </a:p>
@@ -3329,10 +3329,10 @@
       </p:grpSpPr>
       <p:grpSp>
         <p:nvGrpSpPr>
-          <p:cNvPr id="2" name="组合 1">
-            <a:extLst>
-              <a:ext uri="{FF2B5EF4-FFF2-40B4-BE49-F238E27FC236}">
-                <a16:creationId xmlns:a16="http://schemas.microsoft.com/office/drawing/2014/main" id="{6720C229-19AF-5941-9740-5328EB01AA75}"/>
+          <p:cNvPr id="102" name="组合 101">
+            <a:extLst>
+              <a:ext uri="{FF2B5EF4-FFF2-40B4-BE49-F238E27FC236}">
+                <a16:creationId xmlns:a16="http://schemas.microsoft.com/office/drawing/2014/main" id="{C1366C7B-A3FF-125D-D581-9C68B8E8F2D4}"/>
               </a:ext>
             </a:extLst>
           </p:cNvPr>
@@ -3341,10 +3341,10 @@
         </p:nvGrpSpPr>
         <p:grpSpPr>
           <a:xfrm>
-            <a:off x="228597" y="190501"/>
-            <a:ext cx="11751364" cy="6183231"/>
-            <a:chOff x="228597" y="190501"/>
-            <a:chExt cx="11751364" cy="6183231"/>
+            <a:off x="228597" y="23357"/>
+            <a:ext cx="11751364" cy="6959970"/>
+            <a:chOff x="228597" y="23357"/>
+            <a:chExt cx="11751364" cy="6959970"/>
           </a:xfrm>
         </p:grpSpPr>
         <p:sp>
@@ -3361,7 +3361,7 @@
           </p:nvSpPr>
           <p:spPr>
             <a:xfrm>
-              <a:off x="228597" y="5421805"/>
+              <a:off x="228597" y="6031400"/>
               <a:ext cx="4539346" cy="951927"/>
             </a:xfrm>
             <a:prstGeom prst="rightArrowCallout">
@@ -3393,8 +3393,8 @@
             <a:p>
               <a:pPr algn="ctr"/>
               <a:endParaRPr kumimoji="1" lang="zh-CN" altLang="en-US">
-                <a:latin typeface="JingDongLangZhengTi" panose="02000500000000000000" pitchFamily="2" charset="-122"/>
-                <a:ea typeface="JingDongLangZhengTi" panose="02000500000000000000" pitchFamily="2" charset="-122"/>
+                <a:latin typeface="JingDongLangZhengTi Regular" panose="02000500000000000000" pitchFamily="2" charset="-122"/>
+                <a:ea typeface="JingDongLangZhengTi Regular" panose="02000500000000000000" pitchFamily="2" charset="-122"/>
               </a:endParaRPr>
             </a:p>
           </p:txBody>
@@ -3413,7 +3413,7 @@
           </p:nvSpPr>
           <p:spPr>
             <a:xfrm>
-              <a:off x="228597" y="4431059"/>
+              <a:off x="228597" y="5040654"/>
               <a:ext cx="4539346" cy="960807"/>
             </a:xfrm>
             <a:prstGeom prst="rightArrowCallout">
@@ -3445,8 +3445,8 @@
             <a:p>
               <a:pPr algn="ctr"/>
               <a:endParaRPr kumimoji="1" lang="zh-CN" altLang="en-US">
-                <a:latin typeface="JingDongLangZhengTi" panose="02000500000000000000" pitchFamily="2" charset="-122"/>
-                <a:ea typeface="JingDongLangZhengTi" panose="02000500000000000000" pitchFamily="2" charset="-122"/>
+                <a:latin typeface="JingDongLangZhengTi Regular" panose="02000500000000000000" pitchFamily="2" charset="-122"/>
+                <a:ea typeface="JingDongLangZhengTi Regular" panose="02000500000000000000" pitchFamily="2" charset="-122"/>
               </a:endParaRPr>
             </a:p>
           </p:txBody>
@@ -3465,8 +3465,8 @@
           </p:nvSpPr>
           <p:spPr>
             <a:xfrm>
-              <a:off x="228598" y="3458793"/>
-              <a:ext cx="4539346" cy="951927"/>
+              <a:off x="228598" y="4034868"/>
+              <a:ext cx="4539346" cy="985447"/>
             </a:xfrm>
             <a:prstGeom prst="rightArrowCallout">
               <a:avLst/>
@@ -3499,8 +3499,8 @@
             <a:p>
               <a:pPr algn="ctr"/>
               <a:endParaRPr kumimoji="1" lang="zh-CN" altLang="en-US">
-                <a:latin typeface="JingDongLangZhengTi" panose="02000500000000000000" pitchFamily="2" charset="-122"/>
-                <a:ea typeface="JingDongLangZhengTi" panose="02000500000000000000" pitchFamily="2" charset="-122"/>
+                <a:latin typeface="JingDongLangZhengTi Regular" panose="02000500000000000000" pitchFamily="2" charset="-122"/>
+                <a:ea typeface="JingDongLangZhengTi Regular" panose="02000500000000000000" pitchFamily="2" charset="-122"/>
               </a:endParaRPr>
             </a:p>
           </p:txBody>
@@ -3519,8 +3519,8 @@
           </p:nvSpPr>
           <p:spPr>
             <a:xfrm>
-              <a:off x="239479" y="2477073"/>
-              <a:ext cx="4539346" cy="951927"/>
+              <a:off x="239479" y="2683545"/>
+              <a:ext cx="4539346" cy="1303771"/>
             </a:xfrm>
             <a:prstGeom prst="rightArrowCallout">
               <a:avLst/>
@@ -3553,8 +3553,8 @@
             <a:p>
               <a:pPr algn="ctr"/>
               <a:endParaRPr kumimoji="1" lang="zh-CN" altLang="en-US">
-                <a:latin typeface="JingDongLangZhengTi" panose="02000500000000000000" pitchFamily="2" charset="-122"/>
-                <a:ea typeface="JingDongLangZhengTi" panose="02000500000000000000" pitchFamily="2" charset="-122"/>
+                <a:latin typeface="JingDongLangZhengTi Regular" panose="02000500000000000000" pitchFamily="2" charset="-122"/>
+                <a:ea typeface="JingDongLangZhengTi Regular" panose="02000500000000000000" pitchFamily="2" charset="-122"/>
               </a:endParaRPr>
             </a:p>
           </p:txBody>
@@ -3573,7 +3573,7 @@
           </p:nvSpPr>
           <p:spPr>
             <a:xfrm>
-              <a:off x="239480" y="1163910"/>
+              <a:off x="239480" y="1370382"/>
               <a:ext cx="4539346" cy="1283370"/>
             </a:xfrm>
             <a:prstGeom prst="rightArrowCallout">
@@ -3607,8 +3607,8 @@
             <a:p>
               <a:pPr algn="ctr"/>
               <a:endParaRPr kumimoji="1" lang="zh-CN" altLang="en-US">
-                <a:latin typeface="JingDongLangZhengTi" panose="02000500000000000000" pitchFamily="2" charset="-122"/>
-                <a:ea typeface="JingDongLangZhengTi" panose="02000500000000000000" pitchFamily="2" charset="-122"/>
+                <a:latin typeface="JingDongLangZhengTi Regular" panose="02000500000000000000" pitchFamily="2" charset="-122"/>
+                <a:ea typeface="JingDongLangZhengTi Regular" panose="02000500000000000000" pitchFamily="2" charset="-122"/>
               </a:endParaRPr>
             </a:p>
           </p:txBody>
@@ -3627,8 +3627,8 @@
           </p:nvSpPr>
           <p:spPr>
             <a:xfrm>
-              <a:off x="239484" y="190501"/>
-              <a:ext cx="4539346" cy="951927"/>
+              <a:off x="239484" y="23357"/>
+              <a:ext cx="4539346" cy="1303771"/>
             </a:xfrm>
             <a:prstGeom prst="rightArrowCallout">
               <a:avLst/>
@@ -3661,8 +3661,8 @@
             <a:p>
               <a:pPr algn="ctr"/>
               <a:endParaRPr kumimoji="1" lang="zh-CN" altLang="en-US" dirty="0">
-                <a:latin typeface="JingDongLangZhengTi" panose="02000500000000000000" pitchFamily="2" charset="-122"/>
-                <a:ea typeface="JingDongLangZhengTi" panose="02000500000000000000" pitchFamily="2" charset="-122"/>
+                <a:latin typeface="JingDongLangZhengTi Regular" panose="02000500000000000000" pitchFamily="2" charset="-122"/>
+                <a:ea typeface="JingDongLangZhengTi Regular" panose="02000500000000000000" pitchFamily="2" charset="-122"/>
               </a:endParaRPr>
             </a:p>
           </p:txBody>
@@ -3681,7 +3681,7 @@
           </p:nvSpPr>
           <p:spPr>
             <a:xfrm>
-              <a:off x="250369" y="195943"/>
+              <a:off x="250369" y="28799"/>
               <a:ext cx="2906487" cy="272143"/>
             </a:xfrm>
             <a:prstGeom prst="rect">
@@ -3716,21 +3716,21 @@
               <a:pPr algn="ctr"/>
               <a:r>
                 <a:rPr kumimoji="1" lang="zh-CN" altLang="en-US" sz="1200" dirty="0">
-                  <a:latin typeface="JingDongLangZhengTi" panose="02000500000000000000" pitchFamily="2" charset="-122"/>
-                  <a:ea typeface="JingDongLangZhengTi" panose="02000500000000000000" pitchFamily="2" charset="-122"/>
+                  <a:latin typeface="JingDongLangZhengTi Regular" panose="02000500000000000000" pitchFamily="2" charset="-122"/>
+                  <a:ea typeface="JingDongLangZhengTi Regular" panose="02000500000000000000" pitchFamily="2" charset="-122"/>
                 </a:rPr>
                 <a:t>进攻水平</a:t>
               </a:r>
               <a:r>
                 <a:rPr kumimoji="1" lang="en-US" altLang="zh-CN" sz="1200" dirty="0">
-                  <a:latin typeface="JingDongLangZhengTi" panose="02000500000000000000" pitchFamily="2" charset="-122"/>
-                  <a:ea typeface="JingDongLangZhengTi" panose="02000500000000000000" pitchFamily="2" charset="-122"/>
+                  <a:latin typeface="JingDongLangZhengTi Regular" panose="02000500000000000000" pitchFamily="2" charset="-122"/>
+                  <a:ea typeface="JingDongLangZhengTi Regular" panose="02000500000000000000" pitchFamily="2" charset="-122"/>
                 </a:rPr>
                 <a:t>[OL]</a:t>
               </a:r>
               <a:endParaRPr kumimoji="1" lang="zh-CN" altLang="en-US" sz="1200" dirty="0">
-                <a:latin typeface="JingDongLangZhengTi" panose="02000500000000000000" pitchFamily="2" charset="-122"/>
-                <a:ea typeface="JingDongLangZhengTi" panose="02000500000000000000" pitchFamily="2" charset="-122"/>
+                <a:latin typeface="JingDongLangZhengTi Regular" panose="02000500000000000000" pitchFamily="2" charset="-122"/>
+                <a:ea typeface="JingDongLangZhengTi Regular" panose="02000500000000000000" pitchFamily="2" charset="-122"/>
               </a:endParaRPr>
             </a:p>
           </p:txBody>
@@ -3749,7 +3749,7 @@
           </p:nvSpPr>
           <p:spPr>
             <a:xfrm>
-              <a:off x="250369" y="522228"/>
+              <a:off x="250369" y="355084"/>
               <a:ext cx="2906487" cy="272143"/>
             </a:xfrm>
             <a:prstGeom prst="rect">
@@ -3784,21 +3784,21 @@
               <a:pPr algn="ctr"/>
               <a:r>
                 <a:rPr kumimoji="1" lang="zh-CN" altLang="en-US" sz="1200" dirty="0">
-                  <a:latin typeface="JingDongLangZhengTi" panose="02000500000000000000" pitchFamily="2" charset="-122"/>
-                  <a:ea typeface="JingDongLangZhengTi" panose="02000500000000000000" pitchFamily="2" charset="-122"/>
+                  <a:latin typeface="JingDongLangZhengTi Regular" panose="02000500000000000000" pitchFamily="2" charset="-122"/>
+                  <a:ea typeface="JingDongLangZhengTi Regular" panose="02000500000000000000" pitchFamily="2" charset="-122"/>
                 </a:rPr>
                 <a:t>进攻难度</a:t>
               </a:r>
               <a:r>
                 <a:rPr kumimoji="1" lang="en-US" altLang="zh-CN" sz="1200" dirty="0">
-                  <a:latin typeface="JingDongLangZhengTi" panose="02000500000000000000" pitchFamily="2" charset="-122"/>
-                  <a:ea typeface="JingDongLangZhengTi" panose="02000500000000000000" pitchFamily="2" charset="-122"/>
+                  <a:latin typeface="JingDongLangZhengTi Regular" panose="02000500000000000000" pitchFamily="2" charset="-122"/>
+                  <a:ea typeface="JingDongLangZhengTi Regular" panose="02000500000000000000" pitchFamily="2" charset="-122"/>
                 </a:rPr>
                 <a:t>[OD]</a:t>
               </a:r>
               <a:endParaRPr kumimoji="1" lang="zh-CN" altLang="en-US" sz="1200" dirty="0">
-                <a:latin typeface="JingDongLangZhengTi" panose="02000500000000000000" pitchFamily="2" charset="-122"/>
-                <a:ea typeface="JingDongLangZhengTi" panose="02000500000000000000" pitchFamily="2" charset="-122"/>
+                <a:latin typeface="JingDongLangZhengTi Regular" panose="02000500000000000000" pitchFamily="2" charset="-122"/>
+                <a:ea typeface="JingDongLangZhengTi Regular" panose="02000500000000000000" pitchFamily="2" charset="-122"/>
               </a:endParaRPr>
             </a:p>
           </p:txBody>
@@ -3817,7 +3817,7 @@
           </p:nvSpPr>
           <p:spPr>
             <a:xfrm>
-              <a:off x="250369" y="848513"/>
+              <a:off x="250369" y="681369"/>
               <a:ext cx="2906487" cy="272143"/>
             </a:xfrm>
             <a:prstGeom prst="rect">
@@ -3852,21 +3852,21 @@
               <a:pPr algn="ctr"/>
               <a:r>
                 <a:rPr kumimoji="1" lang="zh-CN" altLang="en-US" sz="1200" dirty="0">
-                  <a:latin typeface="JingDongLangZhengTi" panose="02000500000000000000" pitchFamily="2" charset="-122"/>
-                  <a:ea typeface="JingDongLangZhengTi" panose="02000500000000000000" pitchFamily="2" charset="-122"/>
+                  <a:latin typeface="JingDongLangZhengTi Regular" panose="02000500000000000000" pitchFamily="2" charset="-122"/>
+                  <a:ea typeface="JingDongLangZhengTi Regular" panose="02000500000000000000" pitchFamily="2" charset="-122"/>
                 </a:rPr>
                 <a:t>目标达成</a:t>
               </a:r>
               <a:r>
                 <a:rPr kumimoji="1" lang="en-US" altLang="zh-CN" sz="1200" dirty="0">
-                  <a:latin typeface="JingDongLangZhengTi" panose="02000500000000000000" pitchFamily="2" charset="-122"/>
-                  <a:ea typeface="JingDongLangZhengTi" panose="02000500000000000000" pitchFamily="2" charset="-122"/>
+                  <a:latin typeface="JingDongLangZhengTi Regular" panose="02000500000000000000" pitchFamily="2" charset="-122"/>
+                  <a:ea typeface="JingDongLangZhengTi Regular" panose="02000500000000000000" pitchFamily="2" charset="-122"/>
                 </a:rPr>
                 <a:t>[TR]</a:t>
               </a:r>
               <a:endParaRPr kumimoji="1" lang="zh-CN" altLang="en-US" sz="1200" dirty="0">
-                <a:latin typeface="JingDongLangZhengTi" panose="02000500000000000000" pitchFamily="2" charset="-122"/>
-                <a:ea typeface="JingDongLangZhengTi" panose="02000500000000000000" pitchFamily="2" charset="-122"/>
+                <a:latin typeface="JingDongLangZhengTi Regular" panose="02000500000000000000" pitchFamily="2" charset="-122"/>
+                <a:ea typeface="JingDongLangZhengTi Regular" panose="02000500000000000000" pitchFamily="2" charset="-122"/>
               </a:endParaRPr>
             </a:p>
           </p:txBody>
@@ -3885,7 +3885,7 @@
           </p:nvSpPr>
           <p:spPr>
             <a:xfrm>
-              <a:off x="250369" y="1174798"/>
+              <a:off x="250369" y="1381270"/>
               <a:ext cx="2906487" cy="272143"/>
             </a:xfrm>
             <a:prstGeom prst="rect">
@@ -3920,21 +3920,21 @@
               <a:pPr algn="ctr"/>
               <a:r>
                 <a:rPr kumimoji="1" lang="zh-CN" altLang="en-US" sz="1200" dirty="0">
-                  <a:latin typeface="JingDongLangZhengTi" panose="02000500000000000000" pitchFamily="2" charset="-122"/>
-                  <a:ea typeface="JingDongLangZhengTi" panose="02000500000000000000" pitchFamily="2" charset="-122"/>
+                  <a:latin typeface="JingDongLangZhengTi Regular" panose="02000500000000000000" pitchFamily="2" charset="-122"/>
+                  <a:ea typeface="JingDongLangZhengTi Regular" panose="02000500000000000000" pitchFamily="2" charset="-122"/>
                 </a:rPr>
                 <a:t>防护水平</a:t>
               </a:r>
               <a:r>
                 <a:rPr kumimoji="1" lang="en-US" altLang="zh-CN" sz="1200" dirty="0">
-                  <a:latin typeface="JingDongLangZhengTi" panose="02000500000000000000" pitchFamily="2" charset="-122"/>
-                  <a:ea typeface="JingDongLangZhengTi" panose="02000500000000000000" pitchFamily="2" charset="-122"/>
+                  <a:latin typeface="JingDongLangZhengTi Regular" panose="02000500000000000000" pitchFamily="2" charset="-122"/>
+                  <a:ea typeface="JingDongLangZhengTi Regular" panose="02000500000000000000" pitchFamily="2" charset="-122"/>
                 </a:rPr>
                 <a:t>[PL]</a:t>
               </a:r>
               <a:endParaRPr kumimoji="1" lang="zh-CN" altLang="en-US" sz="1200" dirty="0">
-                <a:latin typeface="JingDongLangZhengTi" panose="02000500000000000000" pitchFamily="2" charset="-122"/>
-                <a:ea typeface="JingDongLangZhengTi" panose="02000500000000000000" pitchFamily="2" charset="-122"/>
+                <a:latin typeface="JingDongLangZhengTi Regular" panose="02000500000000000000" pitchFamily="2" charset="-122"/>
+                <a:ea typeface="JingDongLangZhengTi Regular" panose="02000500000000000000" pitchFamily="2" charset="-122"/>
               </a:endParaRPr>
             </a:p>
           </p:txBody>
@@ -3953,7 +3953,7 @@
           </p:nvSpPr>
           <p:spPr>
             <a:xfrm>
-              <a:off x="250369" y="1501083"/>
+              <a:off x="250369" y="1707555"/>
               <a:ext cx="2906487" cy="272143"/>
             </a:xfrm>
             <a:prstGeom prst="rect">
@@ -3988,21 +3988,21 @@
               <a:pPr algn="ctr"/>
               <a:r>
                 <a:rPr kumimoji="1" lang="zh-CN" altLang="en-US" sz="1200" dirty="0">
-                  <a:latin typeface="JingDongLangZhengTi" panose="02000500000000000000" pitchFamily="2" charset="-122"/>
-                  <a:ea typeface="JingDongLangZhengTi" panose="02000500000000000000" pitchFamily="2" charset="-122"/>
+                  <a:latin typeface="JingDongLangZhengTi Regular" panose="02000500000000000000" pitchFamily="2" charset="-122"/>
+                  <a:ea typeface="JingDongLangZhengTi Regular" panose="02000500000000000000" pitchFamily="2" charset="-122"/>
                 </a:rPr>
                 <a:t>检测水平</a:t>
               </a:r>
               <a:r>
                 <a:rPr kumimoji="1" lang="en-US" altLang="zh-CN" sz="1200" dirty="0">
-                  <a:latin typeface="JingDongLangZhengTi" panose="02000500000000000000" pitchFamily="2" charset="-122"/>
-                  <a:ea typeface="JingDongLangZhengTi" panose="02000500000000000000" pitchFamily="2" charset="-122"/>
+                  <a:latin typeface="JingDongLangZhengTi Regular" panose="02000500000000000000" pitchFamily="2" charset="-122"/>
+                  <a:ea typeface="JingDongLangZhengTi Regular" panose="02000500000000000000" pitchFamily="2" charset="-122"/>
                 </a:rPr>
                 <a:t>[DL]</a:t>
               </a:r>
               <a:endParaRPr kumimoji="1" lang="zh-CN" altLang="en-US" sz="1200" dirty="0">
-                <a:latin typeface="JingDongLangZhengTi" panose="02000500000000000000" pitchFamily="2" charset="-122"/>
-                <a:ea typeface="JingDongLangZhengTi" panose="02000500000000000000" pitchFamily="2" charset="-122"/>
+                <a:latin typeface="JingDongLangZhengTi Regular" panose="02000500000000000000" pitchFamily="2" charset="-122"/>
+                <a:ea typeface="JingDongLangZhengTi Regular" panose="02000500000000000000" pitchFamily="2" charset="-122"/>
               </a:endParaRPr>
             </a:p>
           </p:txBody>
@@ -4021,7 +4021,7 @@
           </p:nvSpPr>
           <p:spPr>
             <a:xfrm>
-              <a:off x="250369" y="1827368"/>
+              <a:off x="250369" y="2033840"/>
               <a:ext cx="2906487" cy="272143"/>
             </a:xfrm>
             <a:prstGeom prst="rect">
@@ -4056,21 +4056,21 @@
               <a:pPr algn="ctr"/>
               <a:r>
                 <a:rPr kumimoji="1" lang="zh-CN" altLang="en-US" sz="1200" dirty="0">
-                  <a:latin typeface="JingDongLangZhengTi" panose="02000500000000000000" pitchFamily="2" charset="-122"/>
-                  <a:ea typeface="JingDongLangZhengTi" panose="02000500000000000000" pitchFamily="2" charset="-122"/>
+                  <a:latin typeface="JingDongLangZhengTi Regular" panose="02000500000000000000" pitchFamily="2" charset="-122"/>
+                  <a:ea typeface="JingDongLangZhengTi Regular" panose="02000500000000000000" pitchFamily="2" charset="-122"/>
                 </a:rPr>
                 <a:t>响应水平</a:t>
               </a:r>
               <a:r>
                 <a:rPr kumimoji="1" lang="en-US" altLang="zh-CN" sz="1200" dirty="0">
-                  <a:latin typeface="JingDongLangZhengTi" panose="02000500000000000000" pitchFamily="2" charset="-122"/>
-                  <a:ea typeface="JingDongLangZhengTi" panose="02000500000000000000" pitchFamily="2" charset="-122"/>
+                  <a:latin typeface="JingDongLangZhengTi Regular" panose="02000500000000000000" pitchFamily="2" charset="-122"/>
+                  <a:ea typeface="JingDongLangZhengTi Regular" panose="02000500000000000000" pitchFamily="2" charset="-122"/>
                 </a:rPr>
                 <a:t>[RL]</a:t>
               </a:r>
               <a:endParaRPr kumimoji="1" lang="zh-CN" altLang="en-US" sz="1200" dirty="0">
-                <a:latin typeface="JingDongLangZhengTi" panose="02000500000000000000" pitchFamily="2" charset="-122"/>
-                <a:ea typeface="JingDongLangZhengTi" panose="02000500000000000000" pitchFamily="2" charset="-122"/>
+                <a:latin typeface="JingDongLangZhengTi Regular" panose="02000500000000000000" pitchFamily="2" charset="-122"/>
+                <a:ea typeface="JingDongLangZhengTi Regular" panose="02000500000000000000" pitchFamily="2" charset="-122"/>
               </a:endParaRPr>
             </a:p>
           </p:txBody>
@@ -4089,7 +4089,7 @@
           </p:nvSpPr>
           <p:spPr>
             <a:xfrm>
-              <a:off x="250369" y="2153653"/>
+              <a:off x="250369" y="2360125"/>
               <a:ext cx="2906487" cy="272143"/>
             </a:xfrm>
             <a:prstGeom prst="rect">
@@ -4124,21 +4124,21 @@
               <a:pPr algn="ctr"/>
               <a:r>
                 <a:rPr kumimoji="1" lang="zh-CN" altLang="en-US" sz="1200" dirty="0">
-                  <a:latin typeface="JingDongLangZhengTi" panose="02000500000000000000" pitchFamily="2" charset="-122"/>
-                  <a:ea typeface="JingDongLangZhengTi" panose="02000500000000000000" pitchFamily="2" charset="-122"/>
+                  <a:latin typeface="JingDongLangZhengTi Regular" panose="02000500000000000000" pitchFamily="2" charset="-122"/>
+                  <a:ea typeface="JingDongLangZhengTi Regular" panose="02000500000000000000" pitchFamily="2" charset="-122"/>
                 </a:rPr>
                 <a:t>溯源水平</a:t>
               </a:r>
               <a:r>
                 <a:rPr kumimoji="1" lang="en-US" altLang="zh-CN" sz="1200" dirty="0">
-                  <a:latin typeface="JingDongLangZhengTi" panose="02000500000000000000" pitchFamily="2" charset="-122"/>
-                  <a:ea typeface="JingDongLangZhengTi" panose="02000500000000000000" pitchFamily="2" charset="-122"/>
+                  <a:latin typeface="JingDongLangZhengTi Regular" panose="02000500000000000000" pitchFamily="2" charset="-122"/>
+                  <a:ea typeface="JingDongLangZhengTi Regular" panose="02000500000000000000" pitchFamily="2" charset="-122"/>
                 </a:rPr>
                 <a:t>[TL]</a:t>
               </a:r>
               <a:endParaRPr kumimoji="1" lang="zh-CN" altLang="en-US" sz="1200" dirty="0">
-                <a:latin typeface="JingDongLangZhengTi" panose="02000500000000000000" pitchFamily="2" charset="-122"/>
-                <a:ea typeface="JingDongLangZhengTi" panose="02000500000000000000" pitchFamily="2" charset="-122"/>
+                <a:latin typeface="JingDongLangZhengTi Regular" panose="02000500000000000000" pitchFamily="2" charset="-122"/>
+                <a:ea typeface="JingDongLangZhengTi Regular" panose="02000500000000000000" pitchFamily="2" charset="-122"/>
               </a:endParaRPr>
             </a:p>
           </p:txBody>
@@ -4157,7 +4157,7 @@
           </p:nvSpPr>
           <p:spPr>
             <a:xfrm>
-              <a:off x="250369" y="2479938"/>
+              <a:off x="250369" y="2686410"/>
               <a:ext cx="2906487" cy="272143"/>
             </a:xfrm>
             <a:prstGeom prst="rect">
@@ -4192,21 +4192,21 @@
               <a:pPr algn="ctr"/>
               <a:r>
                 <a:rPr kumimoji="1" lang="zh-CN" altLang="en-US" sz="1200" dirty="0">
-                  <a:latin typeface="JingDongLangZhengTi" panose="02000500000000000000" pitchFamily="2" charset="-122"/>
-                  <a:ea typeface="JingDongLangZhengTi" panose="02000500000000000000" pitchFamily="2" charset="-122"/>
+                  <a:latin typeface="JingDongLangZhengTi Regular" panose="02000500000000000000" pitchFamily="2" charset="-122"/>
+                  <a:ea typeface="JingDongLangZhengTi Regular" panose="02000500000000000000" pitchFamily="2" charset="-122"/>
                 </a:rPr>
                 <a:t>漏洞可发现性</a:t>
               </a:r>
               <a:r>
                 <a:rPr kumimoji="1" lang="en-US" altLang="zh-CN" sz="1200" dirty="0">
-                  <a:latin typeface="JingDongLangZhengTi" panose="02000500000000000000" pitchFamily="2" charset="-122"/>
-                  <a:ea typeface="JingDongLangZhengTi" panose="02000500000000000000" pitchFamily="2" charset="-122"/>
+                  <a:latin typeface="JingDongLangZhengTi Regular" panose="02000500000000000000" pitchFamily="2" charset="-122"/>
+                  <a:ea typeface="JingDongLangZhengTi Regular" panose="02000500000000000000" pitchFamily="2" charset="-122"/>
                 </a:rPr>
                 <a:t>[VD]</a:t>
               </a:r>
               <a:endParaRPr kumimoji="1" lang="zh-CN" altLang="en-US" sz="1200" dirty="0">
-                <a:latin typeface="JingDongLangZhengTi" panose="02000500000000000000" pitchFamily="2" charset="-122"/>
-                <a:ea typeface="JingDongLangZhengTi" panose="02000500000000000000" pitchFamily="2" charset="-122"/>
+                <a:latin typeface="JingDongLangZhengTi Regular" panose="02000500000000000000" pitchFamily="2" charset="-122"/>
+                <a:ea typeface="JingDongLangZhengTi Regular" panose="02000500000000000000" pitchFamily="2" charset="-122"/>
               </a:endParaRPr>
             </a:p>
           </p:txBody>
@@ -4225,7 +4225,7 @@
           </p:nvSpPr>
           <p:spPr>
             <a:xfrm>
-              <a:off x="250369" y="2806223"/>
+              <a:off x="250369" y="3012695"/>
               <a:ext cx="2906487" cy="272143"/>
             </a:xfrm>
             <a:prstGeom prst="rect">
@@ -4260,21 +4260,21 @@
               <a:pPr algn="ctr"/>
               <a:r>
                 <a:rPr kumimoji="1" lang="zh-CN" altLang="en-US" sz="1200" dirty="0">
-                  <a:latin typeface="JingDongLangZhengTi" panose="02000500000000000000" pitchFamily="2" charset="-122"/>
-                  <a:ea typeface="JingDongLangZhengTi" panose="02000500000000000000" pitchFamily="2" charset="-122"/>
+                  <a:latin typeface="JingDongLangZhengTi Regular" panose="02000500000000000000" pitchFamily="2" charset="-122"/>
+                  <a:ea typeface="JingDongLangZhengTi Regular" panose="02000500000000000000" pitchFamily="2" charset="-122"/>
                 </a:rPr>
                 <a:t>漏洞可利用性</a:t>
               </a:r>
               <a:r>
                 <a:rPr kumimoji="1" lang="en-US" altLang="zh-CN" sz="1200" dirty="0">
-                  <a:latin typeface="JingDongLangZhengTi" panose="02000500000000000000" pitchFamily="2" charset="-122"/>
-                  <a:ea typeface="JingDongLangZhengTi" panose="02000500000000000000" pitchFamily="2" charset="-122"/>
+                  <a:latin typeface="JingDongLangZhengTi Regular" panose="02000500000000000000" pitchFamily="2" charset="-122"/>
+                  <a:ea typeface="JingDongLangZhengTi Regular" panose="02000500000000000000" pitchFamily="2" charset="-122"/>
                 </a:rPr>
                 <a:t>[VE]</a:t>
               </a:r>
               <a:endParaRPr kumimoji="1" lang="zh-CN" altLang="en-US" sz="1200" dirty="0">
-                <a:latin typeface="JingDongLangZhengTi" panose="02000500000000000000" pitchFamily="2" charset="-122"/>
-                <a:ea typeface="JingDongLangZhengTi" panose="02000500000000000000" pitchFamily="2" charset="-122"/>
+                <a:latin typeface="JingDongLangZhengTi Regular" panose="02000500000000000000" pitchFamily="2" charset="-122"/>
+                <a:ea typeface="JingDongLangZhengTi Regular" panose="02000500000000000000" pitchFamily="2" charset="-122"/>
               </a:endParaRPr>
             </a:p>
           </p:txBody>
@@ -4293,7 +4293,7 @@
           </p:nvSpPr>
           <p:spPr>
             <a:xfrm>
-              <a:off x="250369" y="3132508"/>
+              <a:off x="250369" y="3338980"/>
               <a:ext cx="2906487" cy="272143"/>
             </a:xfrm>
             <a:prstGeom prst="rect">
@@ -4328,21 +4328,21 @@
               <a:pPr algn="ctr"/>
               <a:r>
                 <a:rPr kumimoji="1" lang="zh-CN" altLang="en-US" sz="1200" dirty="0">
-                  <a:latin typeface="JingDongLangZhengTi" panose="02000500000000000000" pitchFamily="2" charset="-122"/>
-                  <a:ea typeface="JingDongLangZhengTi" panose="02000500000000000000" pitchFamily="2" charset="-122"/>
+                  <a:latin typeface="JingDongLangZhengTi Regular" panose="02000500000000000000" pitchFamily="2" charset="-122"/>
+                  <a:ea typeface="JingDongLangZhengTi Regular" panose="02000500000000000000" pitchFamily="2" charset="-122"/>
                 </a:rPr>
                 <a:t>漏洞杀伤力</a:t>
               </a:r>
               <a:r>
                 <a:rPr kumimoji="1" lang="en-US" altLang="zh-CN" sz="1200" dirty="0">
-                  <a:latin typeface="JingDongLangZhengTi" panose="02000500000000000000" pitchFamily="2" charset="-122"/>
-                  <a:ea typeface="JingDongLangZhengTi" panose="02000500000000000000" pitchFamily="2" charset="-122"/>
+                  <a:latin typeface="JingDongLangZhengTi Regular" panose="02000500000000000000" pitchFamily="2" charset="-122"/>
+                  <a:ea typeface="JingDongLangZhengTi Regular" panose="02000500000000000000" pitchFamily="2" charset="-122"/>
                 </a:rPr>
                 <a:t>[VH]</a:t>
               </a:r>
               <a:endParaRPr kumimoji="1" lang="zh-CN" altLang="en-US" sz="1200" dirty="0">
-                <a:latin typeface="JingDongLangZhengTi" panose="02000500000000000000" pitchFamily="2" charset="-122"/>
-                <a:ea typeface="JingDongLangZhengTi" panose="02000500000000000000" pitchFamily="2" charset="-122"/>
+                <a:latin typeface="JingDongLangZhengTi Regular" panose="02000500000000000000" pitchFamily="2" charset="-122"/>
+                <a:ea typeface="JingDongLangZhengTi Regular" panose="02000500000000000000" pitchFamily="2" charset="-122"/>
               </a:endParaRPr>
             </a:p>
           </p:txBody>
@@ -4361,7 +4361,7 @@
           </p:nvSpPr>
           <p:spPr>
             <a:xfrm>
-              <a:off x="250369" y="3458793"/>
+              <a:off x="250369" y="4068388"/>
               <a:ext cx="2906487" cy="272143"/>
             </a:xfrm>
             <a:prstGeom prst="rect">
@@ -4394,21 +4394,21 @@
               <a:pPr algn="ctr"/>
               <a:r>
                 <a:rPr kumimoji="1" lang="zh-CN" altLang="en-US" sz="1200" dirty="0">
-                  <a:latin typeface="JingDongLangZhengTi" panose="02000500000000000000" pitchFamily="2" charset="-122"/>
-                  <a:ea typeface="JingDongLangZhengTi" panose="02000500000000000000" pitchFamily="2" charset="-122"/>
+                  <a:latin typeface="JingDongLangZhengTi Regular" panose="02000500000000000000" pitchFamily="2" charset="-122"/>
+                  <a:ea typeface="JingDongLangZhengTi Regular" panose="02000500000000000000" pitchFamily="2" charset="-122"/>
                 </a:rPr>
                 <a:t>失去保密性</a:t>
               </a:r>
               <a:r>
                 <a:rPr kumimoji="1" lang="en-US" altLang="zh-CN" sz="1200" dirty="0">
-                  <a:latin typeface="JingDongLangZhengTi" panose="02000500000000000000" pitchFamily="2" charset="-122"/>
-                  <a:ea typeface="JingDongLangZhengTi" panose="02000500000000000000" pitchFamily="2" charset="-122"/>
+                  <a:latin typeface="JingDongLangZhengTi Regular" panose="02000500000000000000" pitchFamily="2" charset="-122"/>
+                  <a:ea typeface="JingDongLangZhengTi Regular" panose="02000500000000000000" pitchFamily="2" charset="-122"/>
                 </a:rPr>
                 <a:t>[LC]</a:t>
               </a:r>
               <a:endParaRPr kumimoji="1" lang="zh-CN" altLang="en-US" sz="1200" dirty="0">
-                <a:latin typeface="JingDongLangZhengTi" panose="02000500000000000000" pitchFamily="2" charset="-122"/>
-                <a:ea typeface="JingDongLangZhengTi" panose="02000500000000000000" pitchFamily="2" charset="-122"/>
+                <a:latin typeface="JingDongLangZhengTi Regular" panose="02000500000000000000" pitchFamily="2" charset="-122"/>
+                <a:ea typeface="JingDongLangZhengTi Regular" panose="02000500000000000000" pitchFamily="2" charset="-122"/>
               </a:endParaRPr>
             </a:p>
           </p:txBody>
@@ -4427,7 +4427,7 @@
           </p:nvSpPr>
           <p:spPr>
             <a:xfrm>
-              <a:off x="250369" y="3785078"/>
+              <a:off x="250369" y="4394673"/>
               <a:ext cx="2906487" cy="272143"/>
             </a:xfrm>
             <a:prstGeom prst="rect">
@@ -4460,21 +4460,21 @@
               <a:pPr algn="ctr"/>
               <a:r>
                 <a:rPr kumimoji="1" lang="zh-CN" altLang="en-US" sz="1200" dirty="0">
-                  <a:latin typeface="JingDongLangZhengTi" panose="02000500000000000000" pitchFamily="2" charset="-122"/>
-                  <a:ea typeface="JingDongLangZhengTi" panose="02000500000000000000" pitchFamily="2" charset="-122"/>
+                  <a:latin typeface="JingDongLangZhengTi Regular" panose="02000500000000000000" pitchFamily="2" charset="-122"/>
+                  <a:ea typeface="JingDongLangZhengTi Regular" panose="02000500000000000000" pitchFamily="2" charset="-122"/>
                 </a:rPr>
                 <a:t>失去完整性</a:t>
               </a:r>
               <a:r>
                 <a:rPr kumimoji="1" lang="en-US" altLang="zh-CN" sz="1200" dirty="0">
-                  <a:latin typeface="JingDongLangZhengTi" panose="02000500000000000000" pitchFamily="2" charset="-122"/>
-                  <a:ea typeface="JingDongLangZhengTi" panose="02000500000000000000" pitchFamily="2" charset="-122"/>
+                  <a:latin typeface="JingDongLangZhengTi Regular" panose="02000500000000000000" pitchFamily="2" charset="-122"/>
+                  <a:ea typeface="JingDongLangZhengTi Regular" panose="02000500000000000000" pitchFamily="2" charset="-122"/>
                 </a:rPr>
                 <a:t>[LI]</a:t>
               </a:r>
               <a:endParaRPr kumimoji="1" lang="zh-CN" altLang="en-US" sz="1200" dirty="0">
-                <a:latin typeface="JingDongLangZhengTi" panose="02000500000000000000" pitchFamily="2" charset="-122"/>
-                <a:ea typeface="JingDongLangZhengTi" panose="02000500000000000000" pitchFamily="2" charset="-122"/>
+                <a:latin typeface="JingDongLangZhengTi Regular" panose="02000500000000000000" pitchFamily="2" charset="-122"/>
+                <a:ea typeface="JingDongLangZhengTi Regular" panose="02000500000000000000" pitchFamily="2" charset="-122"/>
               </a:endParaRPr>
             </a:p>
           </p:txBody>
@@ -4493,7 +4493,7 @@
           </p:nvSpPr>
           <p:spPr>
             <a:xfrm>
-              <a:off x="250369" y="4111363"/>
+              <a:off x="250369" y="4720958"/>
               <a:ext cx="2906487" cy="272143"/>
             </a:xfrm>
             <a:prstGeom prst="rect">
@@ -4526,21 +4526,21 @@
               <a:pPr algn="ctr"/>
               <a:r>
                 <a:rPr kumimoji="1" lang="zh-CN" altLang="en-US" sz="1200" dirty="0">
-                  <a:latin typeface="JingDongLangZhengTi" panose="02000500000000000000" pitchFamily="2" charset="-122"/>
-                  <a:ea typeface="JingDongLangZhengTi" panose="02000500000000000000" pitchFamily="2" charset="-122"/>
+                  <a:latin typeface="JingDongLangZhengTi Regular" panose="02000500000000000000" pitchFamily="2" charset="-122"/>
+                  <a:ea typeface="JingDongLangZhengTi Regular" panose="02000500000000000000" pitchFamily="2" charset="-122"/>
                 </a:rPr>
                 <a:t>失去可用性</a:t>
               </a:r>
               <a:r>
                 <a:rPr kumimoji="1" lang="en-US" altLang="zh-CN" sz="1200" dirty="0">
-                  <a:latin typeface="JingDongLangZhengTi" panose="02000500000000000000" pitchFamily="2" charset="-122"/>
-                  <a:ea typeface="JingDongLangZhengTi" panose="02000500000000000000" pitchFamily="2" charset="-122"/>
+                  <a:latin typeface="JingDongLangZhengTi Regular" panose="02000500000000000000" pitchFamily="2" charset="-122"/>
+                  <a:ea typeface="JingDongLangZhengTi Regular" panose="02000500000000000000" pitchFamily="2" charset="-122"/>
                 </a:rPr>
                 <a:t>[LA]</a:t>
               </a:r>
               <a:endParaRPr kumimoji="1" lang="zh-CN" altLang="en-US" sz="1200" dirty="0">
-                <a:latin typeface="JingDongLangZhengTi" panose="02000500000000000000" pitchFamily="2" charset="-122"/>
-                <a:ea typeface="JingDongLangZhengTi" panose="02000500000000000000" pitchFamily="2" charset="-122"/>
+                <a:latin typeface="JingDongLangZhengTi Regular" panose="02000500000000000000" pitchFamily="2" charset="-122"/>
+                <a:ea typeface="JingDongLangZhengTi Regular" panose="02000500000000000000" pitchFamily="2" charset="-122"/>
               </a:endParaRPr>
             </a:p>
           </p:txBody>
@@ -4559,7 +4559,7 @@
           </p:nvSpPr>
           <p:spPr>
             <a:xfrm>
-              <a:off x="250369" y="4437648"/>
+              <a:off x="250369" y="5047243"/>
               <a:ext cx="2906487" cy="272143"/>
             </a:xfrm>
             <a:prstGeom prst="rect">
@@ -4592,21 +4592,21 @@
               <a:pPr algn="ctr"/>
               <a:r>
                 <a:rPr kumimoji="1" lang="zh-CN" altLang="en-US" sz="1200" dirty="0">
-                  <a:latin typeface="JingDongLangZhengTi" panose="02000500000000000000" pitchFamily="2" charset="-122"/>
-                  <a:ea typeface="JingDongLangZhengTi" panose="02000500000000000000" pitchFamily="2" charset="-122"/>
+                  <a:latin typeface="JingDongLangZhengTi Regular" panose="02000500000000000000" pitchFamily="2" charset="-122"/>
+                  <a:ea typeface="JingDongLangZhengTi Regular" panose="02000500000000000000" pitchFamily="2" charset="-122"/>
                 </a:rPr>
                 <a:t>经济损失</a:t>
               </a:r>
               <a:r>
                 <a:rPr kumimoji="1" lang="en-US" altLang="zh-CN" sz="1200" dirty="0">
-                  <a:latin typeface="JingDongLangZhengTi" panose="02000500000000000000" pitchFamily="2" charset="-122"/>
-                  <a:ea typeface="JingDongLangZhengTi" panose="02000500000000000000" pitchFamily="2" charset="-122"/>
+                  <a:latin typeface="JingDongLangZhengTi Regular" panose="02000500000000000000" pitchFamily="2" charset="-122"/>
+                  <a:ea typeface="JingDongLangZhengTi Regular" panose="02000500000000000000" pitchFamily="2" charset="-122"/>
                 </a:rPr>
                 <a:t>[FD]</a:t>
               </a:r>
               <a:endParaRPr kumimoji="1" lang="zh-CN" altLang="en-US" sz="1200" dirty="0">
-                <a:latin typeface="JingDongLangZhengTi" panose="02000500000000000000" pitchFamily="2" charset="-122"/>
-                <a:ea typeface="JingDongLangZhengTi" panose="02000500000000000000" pitchFamily="2" charset="-122"/>
+                <a:latin typeface="JingDongLangZhengTi Regular" panose="02000500000000000000" pitchFamily="2" charset="-122"/>
+                <a:ea typeface="JingDongLangZhengTi Regular" panose="02000500000000000000" pitchFamily="2" charset="-122"/>
               </a:endParaRPr>
             </a:p>
           </p:txBody>
@@ -4625,7 +4625,7 @@
           </p:nvSpPr>
           <p:spPr>
             <a:xfrm>
-              <a:off x="250369" y="4763933"/>
+              <a:off x="250369" y="5373528"/>
               <a:ext cx="2906487" cy="272143"/>
             </a:xfrm>
             <a:prstGeom prst="rect">
@@ -4658,21 +4658,21 @@
               <a:pPr algn="ctr"/>
               <a:r>
                 <a:rPr kumimoji="1" lang="zh-CN" altLang="en-US" sz="1200" dirty="0">
-                  <a:latin typeface="JingDongLangZhengTi" panose="02000500000000000000" pitchFamily="2" charset="-122"/>
-                  <a:ea typeface="JingDongLangZhengTi" panose="02000500000000000000" pitchFamily="2" charset="-122"/>
+                  <a:latin typeface="JingDongLangZhengTi Regular" panose="02000500000000000000" pitchFamily="2" charset="-122"/>
+                  <a:ea typeface="JingDongLangZhengTi Regular" panose="02000500000000000000" pitchFamily="2" charset="-122"/>
                 </a:rPr>
                 <a:t>商誉损失</a:t>
               </a:r>
               <a:r>
                 <a:rPr kumimoji="1" lang="en-US" altLang="zh-CN" sz="1200" dirty="0">
-                  <a:latin typeface="JingDongLangZhengTi" panose="02000500000000000000" pitchFamily="2" charset="-122"/>
-                  <a:ea typeface="JingDongLangZhengTi" panose="02000500000000000000" pitchFamily="2" charset="-122"/>
+                  <a:latin typeface="JingDongLangZhengTi Regular" panose="02000500000000000000" pitchFamily="2" charset="-122"/>
+                  <a:ea typeface="JingDongLangZhengTi Regular" panose="02000500000000000000" pitchFamily="2" charset="-122"/>
                 </a:rPr>
                 <a:t>[RD]</a:t>
               </a:r>
               <a:endParaRPr kumimoji="1" lang="zh-CN" altLang="en-US" sz="1200" dirty="0">
-                <a:latin typeface="JingDongLangZhengTi" panose="02000500000000000000" pitchFamily="2" charset="-122"/>
-                <a:ea typeface="JingDongLangZhengTi" panose="02000500000000000000" pitchFamily="2" charset="-122"/>
+                <a:latin typeface="JingDongLangZhengTi Regular" panose="02000500000000000000" pitchFamily="2" charset="-122"/>
+                <a:ea typeface="JingDongLangZhengTi Regular" panose="02000500000000000000" pitchFamily="2" charset="-122"/>
               </a:endParaRPr>
             </a:p>
           </p:txBody>
@@ -4691,7 +4691,7 @@
           </p:nvSpPr>
           <p:spPr>
             <a:xfrm>
-              <a:off x="250369" y="5090218"/>
+              <a:off x="250369" y="5699813"/>
               <a:ext cx="2906487" cy="272143"/>
             </a:xfrm>
             <a:prstGeom prst="rect">
@@ -4724,21 +4724,21 @@
               <a:pPr algn="ctr"/>
               <a:r>
                 <a:rPr kumimoji="1" lang="zh-CN" altLang="en-US" sz="1200" dirty="0">
-                  <a:latin typeface="JingDongLangZhengTi" panose="02000500000000000000" pitchFamily="2" charset="-122"/>
-                  <a:ea typeface="JingDongLangZhengTi" panose="02000500000000000000" pitchFamily="2" charset="-122"/>
+                  <a:latin typeface="JingDongLangZhengTi Regular" panose="02000500000000000000" pitchFamily="2" charset="-122"/>
+                  <a:ea typeface="JingDongLangZhengTi Regular" panose="02000500000000000000" pitchFamily="2" charset="-122"/>
                 </a:rPr>
                 <a:t>合规影响</a:t>
               </a:r>
               <a:r>
                 <a:rPr kumimoji="1" lang="en-US" altLang="zh-CN" sz="1200" dirty="0">
-                  <a:latin typeface="JingDongLangZhengTi" panose="02000500000000000000" pitchFamily="2" charset="-122"/>
-                  <a:ea typeface="JingDongLangZhengTi" panose="02000500000000000000" pitchFamily="2" charset="-122"/>
+                  <a:latin typeface="JingDongLangZhengTi Regular" panose="02000500000000000000" pitchFamily="2" charset="-122"/>
+                  <a:ea typeface="JingDongLangZhengTi Regular" panose="02000500000000000000" pitchFamily="2" charset="-122"/>
                 </a:rPr>
                 <a:t>[CI]</a:t>
               </a:r>
               <a:endParaRPr kumimoji="1" lang="zh-CN" altLang="en-US" sz="1200" dirty="0">
-                <a:latin typeface="JingDongLangZhengTi" panose="02000500000000000000" pitchFamily="2" charset="-122"/>
-                <a:ea typeface="JingDongLangZhengTi" panose="02000500000000000000" pitchFamily="2" charset="-122"/>
+                <a:latin typeface="JingDongLangZhengTi Regular" panose="02000500000000000000" pitchFamily="2" charset="-122"/>
+                <a:ea typeface="JingDongLangZhengTi Regular" panose="02000500000000000000" pitchFamily="2" charset="-122"/>
               </a:endParaRPr>
             </a:p>
           </p:txBody>
@@ -4757,7 +4757,7 @@
           </p:nvSpPr>
           <p:spPr>
             <a:xfrm>
-              <a:off x="250369" y="5419228"/>
+              <a:off x="250369" y="6028823"/>
               <a:ext cx="2906487" cy="272143"/>
             </a:xfrm>
             <a:prstGeom prst="rect">
@@ -4790,21 +4790,21 @@
               <a:pPr algn="ctr"/>
               <a:r>
                 <a:rPr kumimoji="1" lang="zh-CN" altLang="en-US" sz="1200" dirty="0">
-                  <a:latin typeface="JingDongLangZhengTi" panose="02000500000000000000" pitchFamily="2" charset="-122"/>
-                  <a:ea typeface="JingDongLangZhengTi" panose="02000500000000000000" pitchFamily="2" charset="-122"/>
+                  <a:latin typeface="JingDongLangZhengTi Regular" panose="02000500000000000000" pitchFamily="2" charset="-122"/>
+                  <a:ea typeface="JingDongLangZhengTi Regular" panose="02000500000000000000" pitchFamily="2" charset="-122"/>
                 </a:rPr>
                 <a:t>开发生命周期</a:t>
               </a:r>
               <a:r>
                 <a:rPr kumimoji="1" lang="en-US" altLang="zh-CN" sz="1200" dirty="0">
-                  <a:latin typeface="JingDongLangZhengTi" panose="02000500000000000000" pitchFamily="2" charset="-122"/>
-                  <a:ea typeface="JingDongLangZhengTi" panose="02000500000000000000" pitchFamily="2" charset="-122"/>
+                  <a:latin typeface="JingDongLangZhengTi Regular" panose="02000500000000000000" pitchFamily="2" charset="-122"/>
+                  <a:ea typeface="JingDongLangZhengTi Regular" panose="02000500000000000000" pitchFamily="2" charset="-122"/>
                 </a:rPr>
                 <a:t>[DLC]</a:t>
               </a:r>
               <a:endParaRPr kumimoji="1" lang="zh-CN" altLang="en-US" sz="1200" dirty="0">
-                <a:latin typeface="JingDongLangZhengTi" panose="02000500000000000000" pitchFamily="2" charset="-122"/>
-                <a:ea typeface="JingDongLangZhengTi" panose="02000500000000000000" pitchFamily="2" charset="-122"/>
+                <a:latin typeface="JingDongLangZhengTi Regular" panose="02000500000000000000" pitchFamily="2" charset="-122"/>
+                <a:ea typeface="JingDongLangZhengTi Regular" panose="02000500000000000000" pitchFamily="2" charset="-122"/>
               </a:endParaRPr>
             </a:p>
           </p:txBody>
@@ -4823,7 +4823,7 @@
           </p:nvSpPr>
           <p:spPr>
             <a:xfrm>
-              <a:off x="250369" y="5745513"/>
+              <a:off x="250369" y="6355108"/>
               <a:ext cx="2906487" cy="272143"/>
             </a:xfrm>
             <a:prstGeom prst="rect">
@@ -4856,21 +4856,21 @@
               <a:pPr algn="ctr"/>
               <a:r>
                 <a:rPr kumimoji="1" lang="zh-CN" altLang="en-US" sz="1200" dirty="0">
-                  <a:latin typeface="JingDongLangZhengTi" panose="02000500000000000000" pitchFamily="2" charset="-122"/>
-                  <a:ea typeface="JingDongLangZhengTi" panose="02000500000000000000" pitchFamily="2" charset="-122"/>
+                  <a:latin typeface="JingDongLangZhengTi Regular" panose="02000500000000000000" pitchFamily="2" charset="-122"/>
+                  <a:ea typeface="JingDongLangZhengTi Regular" panose="02000500000000000000" pitchFamily="2" charset="-122"/>
                 </a:rPr>
                 <a:t>运维生命周期</a:t>
               </a:r>
               <a:r>
                 <a:rPr kumimoji="1" lang="en-US" altLang="zh-CN" sz="1200" dirty="0">
-                  <a:latin typeface="JingDongLangZhengTi" panose="02000500000000000000" pitchFamily="2" charset="-122"/>
-                  <a:ea typeface="JingDongLangZhengTi" panose="02000500000000000000" pitchFamily="2" charset="-122"/>
+                  <a:latin typeface="JingDongLangZhengTi Regular" panose="02000500000000000000" pitchFamily="2" charset="-122"/>
+                  <a:ea typeface="JingDongLangZhengTi Regular" panose="02000500000000000000" pitchFamily="2" charset="-122"/>
                 </a:rPr>
                 <a:t>[OLC]</a:t>
               </a:r>
               <a:endParaRPr kumimoji="1" lang="zh-CN" altLang="en-US" sz="1200" dirty="0">
-                <a:latin typeface="JingDongLangZhengTi" panose="02000500000000000000" pitchFamily="2" charset="-122"/>
-                <a:ea typeface="JingDongLangZhengTi" panose="02000500000000000000" pitchFamily="2" charset="-122"/>
+                <a:latin typeface="JingDongLangZhengTi Regular" panose="02000500000000000000" pitchFamily="2" charset="-122"/>
+                <a:ea typeface="JingDongLangZhengTi Regular" panose="02000500000000000000" pitchFamily="2" charset="-122"/>
               </a:endParaRPr>
             </a:p>
           </p:txBody>
@@ -4889,7 +4889,7 @@
           </p:nvSpPr>
           <p:spPr>
             <a:xfrm>
-              <a:off x="250369" y="6071796"/>
+              <a:off x="250369" y="6681391"/>
               <a:ext cx="2906487" cy="272143"/>
             </a:xfrm>
             <a:prstGeom prst="rect">
@@ -4922,21 +4922,21 @@
               <a:pPr algn="ctr"/>
               <a:r>
                 <a:rPr kumimoji="1" lang="zh-CN" altLang="en-US" sz="1200" dirty="0">
-                  <a:latin typeface="JingDongLangZhengTi" panose="02000500000000000000" pitchFamily="2" charset="-122"/>
-                  <a:ea typeface="JingDongLangZhengTi" panose="02000500000000000000" pitchFamily="2" charset="-122"/>
+                  <a:latin typeface="JingDongLangZhengTi Regular" panose="02000500000000000000" pitchFamily="2" charset="-122"/>
+                  <a:ea typeface="JingDongLangZhengTi Regular" panose="02000500000000000000" pitchFamily="2" charset="-122"/>
                 </a:rPr>
                 <a:t>员工安全意识</a:t>
               </a:r>
               <a:r>
                 <a:rPr kumimoji="1" lang="en-US" altLang="zh-CN" sz="1200" dirty="0">
-                  <a:latin typeface="JingDongLangZhengTi" panose="02000500000000000000" pitchFamily="2" charset="-122"/>
-                  <a:ea typeface="JingDongLangZhengTi" panose="02000500000000000000" pitchFamily="2" charset="-122"/>
+                  <a:latin typeface="JingDongLangZhengTi Regular" panose="02000500000000000000" pitchFamily="2" charset="-122"/>
+                  <a:ea typeface="JingDongLangZhengTi Regular" panose="02000500000000000000" pitchFamily="2" charset="-122"/>
                 </a:rPr>
                 <a:t>[ESA]</a:t>
               </a:r>
               <a:endParaRPr kumimoji="1" lang="zh-CN" altLang="en-US" sz="1200" dirty="0">
-                <a:latin typeface="JingDongLangZhengTi" panose="02000500000000000000" pitchFamily="2" charset="-122"/>
-                <a:ea typeface="JingDongLangZhengTi" panose="02000500000000000000" pitchFamily="2" charset="-122"/>
+                <a:latin typeface="JingDongLangZhengTi Regular" panose="02000500000000000000" pitchFamily="2" charset="-122"/>
+                <a:ea typeface="JingDongLangZhengTi Regular" panose="02000500000000000000" pitchFamily="2" charset="-122"/>
               </a:endParaRPr>
             </a:p>
           </p:txBody>
@@ -4955,7 +4955,7 @@
           </p:nvSpPr>
           <p:spPr>
             <a:xfrm>
-              <a:off x="4788950" y="370001"/>
+              <a:off x="4788950" y="370006"/>
               <a:ext cx="2467830" cy="589208"/>
             </a:xfrm>
             <a:prstGeom prst="rect">
@@ -4990,21 +4990,21 @@
               <a:pPr algn="ctr"/>
               <a:r>
                 <a:rPr kumimoji="1" lang="zh-CN" altLang="en-US" sz="1600" dirty="0">
-                  <a:latin typeface="JingDongLangZhengTi" panose="02000500000000000000" pitchFamily="2" charset="-122"/>
-                  <a:ea typeface="JingDongLangZhengTi" panose="02000500000000000000" pitchFamily="2" charset="-122"/>
+                  <a:latin typeface="JingDongLangZhengTi Regular" panose="02000500000000000000" pitchFamily="2" charset="-122"/>
+                  <a:ea typeface="JingDongLangZhengTi Regular" panose="02000500000000000000" pitchFamily="2" charset="-122"/>
                 </a:rPr>
                 <a:t>进攻实力</a:t>
               </a:r>
               <a:r>
                 <a:rPr kumimoji="1" lang="en-US" altLang="zh-CN" sz="1600" dirty="0">
-                  <a:latin typeface="JingDongLangZhengTi" panose="02000500000000000000" pitchFamily="2" charset="-122"/>
-                  <a:ea typeface="JingDongLangZhengTi" panose="02000500000000000000" pitchFamily="2" charset="-122"/>
+                  <a:latin typeface="JingDongLangZhengTi Regular" panose="02000500000000000000" pitchFamily="2" charset="-122"/>
+                  <a:ea typeface="JingDongLangZhengTi Regular" panose="02000500000000000000" pitchFamily="2" charset="-122"/>
                 </a:rPr>
                 <a:t>[OS]</a:t>
               </a:r>
               <a:endParaRPr kumimoji="1" lang="zh-CN" altLang="en-US" sz="1600" dirty="0">
-                <a:latin typeface="JingDongLangZhengTi" panose="02000500000000000000" pitchFamily="2" charset="-122"/>
-                <a:ea typeface="JingDongLangZhengTi" panose="02000500000000000000" pitchFamily="2" charset="-122"/>
+                <a:latin typeface="JingDongLangZhengTi Regular" panose="02000500000000000000" pitchFamily="2" charset="-122"/>
+                <a:ea typeface="JingDongLangZhengTi Regular" panose="02000500000000000000" pitchFamily="2" charset="-122"/>
               </a:endParaRPr>
             </a:p>
           </p:txBody>
@@ -5023,7 +5023,7 @@
           </p:nvSpPr>
           <p:spPr>
             <a:xfrm>
-              <a:off x="4788950" y="1512028"/>
+              <a:off x="4788950" y="1718500"/>
               <a:ext cx="2467830" cy="589208"/>
             </a:xfrm>
             <a:prstGeom prst="rect">
@@ -5058,21 +5058,21 @@
               <a:pPr algn="ctr"/>
               <a:r>
                 <a:rPr kumimoji="1" lang="zh-CN" altLang="en-US" sz="1600" dirty="0">
-                  <a:latin typeface="JingDongLangZhengTi" panose="02000500000000000000" pitchFamily="2" charset="-122"/>
-                  <a:ea typeface="JingDongLangZhengTi" panose="02000500000000000000" pitchFamily="2" charset="-122"/>
+                  <a:latin typeface="JingDongLangZhengTi Regular" panose="02000500000000000000" pitchFamily="2" charset="-122"/>
+                  <a:ea typeface="JingDongLangZhengTi Regular" panose="02000500000000000000" pitchFamily="2" charset="-122"/>
                 </a:rPr>
                 <a:t>防守实力</a:t>
               </a:r>
               <a:r>
                 <a:rPr kumimoji="1" lang="en-US" altLang="zh-CN" sz="1600" dirty="0">
-                  <a:latin typeface="JingDongLangZhengTi" panose="02000500000000000000" pitchFamily="2" charset="-122"/>
-                  <a:ea typeface="JingDongLangZhengTi" panose="02000500000000000000" pitchFamily="2" charset="-122"/>
+                  <a:latin typeface="JingDongLangZhengTi Regular" panose="02000500000000000000" pitchFamily="2" charset="-122"/>
+                  <a:ea typeface="JingDongLangZhengTi Regular" panose="02000500000000000000" pitchFamily="2" charset="-122"/>
                 </a:rPr>
                 <a:t>[DS]</a:t>
               </a:r>
               <a:endParaRPr kumimoji="1" lang="zh-CN" altLang="en-US" sz="1600" dirty="0">
-                <a:latin typeface="JingDongLangZhengTi" panose="02000500000000000000" pitchFamily="2" charset="-122"/>
-                <a:ea typeface="JingDongLangZhengTi" panose="02000500000000000000" pitchFamily="2" charset="-122"/>
+                <a:latin typeface="JingDongLangZhengTi Regular" panose="02000500000000000000" pitchFamily="2" charset="-122"/>
+                <a:ea typeface="JingDongLangZhengTi Regular" panose="02000500000000000000" pitchFamily="2" charset="-122"/>
               </a:endParaRPr>
             </a:p>
           </p:txBody>
@@ -5091,7 +5091,7 @@
           </p:nvSpPr>
           <p:spPr>
             <a:xfrm>
-              <a:off x="4788950" y="2654055"/>
+              <a:off x="4788950" y="3027674"/>
               <a:ext cx="2467830" cy="589208"/>
             </a:xfrm>
             <a:prstGeom prst="rect">
@@ -5126,21 +5126,21 @@
               <a:pPr algn="ctr"/>
               <a:r>
                 <a:rPr kumimoji="1" lang="zh-CN" altLang="en-US" sz="1600" dirty="0">
-                  <a:latin typeface="JingDongLangZhengTi" panose="02000500000000000000" pitchFamily="2" charset="-122"/>
-                  <a:ea typeface="JingDongLangZhengTi" panose="02000500000000000000" pitchFamily="2" charset="-122"/>
+                  <a:latin typeface="JingDongLangZhengTi Regular" panose="02000500000000000000" pitchFamily="2" charset="-122"/>
+                  <a:ea typeface="JingDongLangZhengTi Regular" panose="02000500000000000000" pitchFamily="2" charset="-122"/>
                 </a:rPr>
                 <a:t>漏洞风险</a:t>
               </a:r>
               <a:r>
                 <a:rPr kumimoji="1" lang="en-US" altLang="zh-CN" sz="1600" dirty="0">
-                  <a:latin typeface="JingDongLangZhengTi" panose="02000500000000000000" pitchFamily="2" charset="-122"/>
-                  <a:ea typeface="JingDongLangZhengTi" panose="02000500000000000000" pitchFamily="2" charset="-122"/>
+                  <a:latin typeface="JingDongLangZhengTi Regular" panose="02000500000000000000" pitchFamily="2" charset="-122"/>
+                  <a:ea typeface="JingDongLangZhengTi Regular" panose="02000500000000000000" pitchFamily="2" charset="-122"/>
                 </a:rPr>
                 <a:t>[VR]</a:t>
               </a:r>
               <a:endParaRPr kumimoji="1" lang="zh-CN" altLang="en-US" sz="1600" dirty="0">
-                <a:latin typeface="JingDongLangZhengTi" panose="02000500000000000000" pitchFamily="2" charset="-122"/>
-                <a:ea typeface="JingDongLangZhengTi" panose="02000500000000000000" pitchFamily="2" charset="-122"/>
+                <a:latin typeface="JingDongLangZhengTi Regular" panose="02000500000000000000" pitchFamily="2" charset="-122"/>
+                <a:ea typeface="JingDongLangZhengTi Regular" panose="02000500000000000000" pitchFamily="2" charset="-122"/>
               </a:endParaRPr>
             </a:p>
           </p:txBody>
@@ -5159,7 +5159,7 @@
           </p:nvSpPr>
           <p:spPr>
             <a:xfrm>
-              <a:off x="4788950" y="3654564"/>
+              <a:off x="4788950" y="4264159"/>
               <a:ext cx="2467830" cy="589208"/>
             </a:xfrm>
             <a:prstGeom prst="rect">
@@ -5192,21 +5192,21 @@
               <a:pPr algn="ctr"/>
               <a:r>
                 <a:rPr kumimoji="1" lang="zh-CN" altLang="en-US" sz="1600" dirty="0">
-                  <a:latin typeface="JingDongLangZhengTi" panose="02000500000000000000" pitchFamily="2" charset="-122"/>
-                  <a:ea typeface="JingDongLangZhengTi" panose="02000500000000000000" pitchFamily="2" charset="-122"/>
+                  <a:latin typeface="JingDongLangZhengTi Regular" panose="02000500000000000000" pitchFamily="2" charset="-122"/>
+                  <a:ea typeface="JingDongLangZhengTi Regular" panose="02000500000000000000" pitchFamily="2" charset="-122"/>
                 </a:rPr>
                 <a:t>技术影响</a:t>
               </a:r>
               <a:r>
                 <a:rPr kumimoji="1" lang="en-US" altLang="zh-CN" sz="1600" dirty="0">
-                  <a:latin typeface="JingDongLangZhengTi" panose="02000500000000000000" pitchFamily="2" charset="-122"/>
-                  <a:ea typeface="JingDongLangZhengTi" panose="02000500000000000000" pitchFamily="2" charset="-122"/>
+                  <a:latin typeface="JingDongLangZhengTi Regular" panose="02000500000000000000" pitchFamily="2" charset="-122"/>
+                  <a:ea typeface="JingDongLangZhengTi Regular" panose="02000500000000000000" pitchFamily="2" charset="-122"/>
                 </a:rPr>
                 <a:t>[TI]</a:t>
               </a:r>
               <a:endParaRPr kumimoji="1" lang="zh-CN" altLang="en-US" sz="1600" dirty="0">
-                <a:latin typeface="JingDongLangZhengTi" panose="02000500000000000000" pitchFamily="2" charset="-122"/>
-                <a:ea typeface="JingDongLangZhengTi" panose="02000500000000000000" pitchFamily="2" charset="-122"/>
+                <a:latin typeface="JingDongLangZhengTi Regular" panose="02000500000000000000" pitchFamily="2" charset="-122"/>
+                <a:ea typeface="JingDongLangZhengTi Regular" panose="02000500000000000000" pitchFamily="2" charset="-122"/>
               </a:endParaRPr>
             </a:p>
           </p:txBody>
@@ -5225,7 +5225,7 @@
           </p:nvSpPr>
           <p:spPr>
             <a:xfrm>
-              <a:off x="4788950" y="4785705"/>
+              <a:off x="4788950" y="5434628"/>
               <a:ext cx="2467830" cy="589208"/>
             </a:xfrm>
             <a:prstGeom prst="rect">
@@ -5258,21 +5258,21 @@
               <a:pPr algn="ctr"/>
               <a:r>
                 <a:rPr kumimoji="1" lang="zh-CN" altLang="en-US" sz="1600" dirty="0">
-                  <a:latin typeface="JingDongLangZhengTi" panose="02000500000000000000" pitchFamily="2" charset="-122"/>
-                  <a:ea typeface="JingDongLangZhengTi" panose="02000500000000000000" pitchFamily="2" charset="-122"/>
+                  <a:latin typeface="JingDongLangZhengTi Regular" panose="02000500000000000000" pitchFamily="2" charset="-122"/>
+                  <a:ea typeface="JingDongLangZhengTi Regular" panose="02000500000000000000" pitchFamily="2" charset="-122"/>
                 </a:rPr>
                 <a:t>企业影响</a:t>
               </a:r>
               <a:r>
                 <a:rPr kumimoji="1" lang="en-US" altLang="zh-CN" sz="1600" dirty="0">
-                  <a:latin typeface="JingDongLangZhengTi" panose="02000500000000000000" pitchFamily="2" charset="-122"/>
-                  <a:ea typeface="JingDongLangZhengTi" panose="02000500000000000000" pitchFamily="2" charset="-122"/>
+                  <a:latin typeface="JingDongLangZhengTi Regular" panose="02000500000000000000" pitchFamily="2" charset="-122"/>
+                  <a:ea typeface="JingDongLangZhengTi Regular" panose="02000500000000000000" pitchFamily="2" charset="-122"/>
                 </a:rPr>
                 <a:t>[EI]</a:t>
               </a:r>
               <a:endParaRPr kumimoji="1" lang="zh-CN" altLang="en-US" sz="1600" dirty="0">
-                <a:latin typeface="JingDongLangZhengTi" panose="02000500000000000000" pitchFamily="2" charset="-122"/>
-                <a:ea typeface="JingDongLangZhengTi" panose="02000500000000000000" pitchFamily="2" charset="-122"/>
+                <a:latin typeface="JingDongLangZhengTi Regular" panose="02000500000000000000" pitchFamily="2" charset="-122"/>
+                <a:ea typeface="JingDongLangZhengTi Regular" panose="02000500000000000000" pitchFamily="2" charset="-122"/>
               </a:endParaRPr>
             </a:p>
           </p:txBody>
@@ -5291,7 +5291,7 @@
           </p:nvSpPr>
           <p:spPr>
             <a:xfrm>
-              <a:off x="4788950" y="5604172"/>
+              <a:off x="4788950" y="6213767"/>
               <a:ext cx="2467830" cy="589208"/>
             </a:xfrm>
             <a:prstGeom prst="rect">
@@ -5326,21 +5326,21 @@
               <a:pPr algn="ctr"/>
               <a:r>
                 <a:rPr kumimoji="1" lang="zh-CN" altLang="en-US" sz="1600" dirty="0">
-                  <a:latin typeface="JingDongLangZhengTi" panose="02000500000000000000" pitchFamily="2" charset="-122"/>
-                  <a:ea typeface="JingDongLangZhengTi" panose="02000500000000000000" pitchFamily="2" charset="-122"/>
+                  <a:latin typeface="JingDongLangZhengTi Regular" panose="02000500000000000000" pitchFamily="2" charset="-122"/>
+                  <a:ea typeface="JingDongLangZhengTi Regular" panose="02000500000000000000" pitchFamily="2" charset="-122"/>
                 </a:rPr>
                 <a:t>业务实力</a:t>
               </a:r>
               <a:r>
                 <a:rPr kumimoji="1" lang="en-US" altLang="zh-CN" sz="1600" dirty="0">
-                  <a:latin typeface="JingDongLangZhengTi" panose="02000500000000000000" pitchFamily="2" charset="-122"/>
-                  <a:ea typeface="JingDongLangZhengTi" panose="02000500000000000000" pitchFamily="2" charset="-122"/>
+                  <a:latin typeface="JingDongLangZhengTi Regular" panose="02000500000000000000" pitchFamily="2" charset="-122"/>
+                  <a:ea typeface="JingDongLangZhengTi Regular" panose="02000500000000000000" pitchFamily="2" charset="-122"/>
                 </a:rPr>
                 <a:t>[BS]</a:t>
               </a:r>
               <a:endParaRPr kumimoji="1" lang="zh-CN" altLang="en-US" sz="1600" dirty="0">
-                <a:latin typeface="JingDongLangZhengTi" panose="02000500000000000000" pitchFamily="2" charset="-122"/>
-                <a:ea typeface="JingDongLangZhengTi" panose="02000500000000000000" pitchFamily="2" charset="-122"/>
+                <a:latin typeface="JingDongLangZhengTi Regular" panose="02000500000000000000" pitchFamily="2" charset="-122"/>
+                <a:ea typeface="JingDongLangZhengTi Regular" panose="02000500000000000000" pitchFamily="2" charset="-122"/>
               </a:endParaRPr>
             </a:p>
           </p:txBody>
@@ -5359,7 +5359,7 @@
           </p:nvSpPr>
           <p:spPr>
             <a:xfrm>
-              <a:off x="9150905" y="664837"/>
+              <a:off x="9150905" y="458361"/>
               <a:ext cx="2829056" cy="804971"/>
             </a:xfrm>
             <a:prstGeom prst="rect">
@@ -5394,21 +5394,21 @@
               <a:pPr algn="ctr"/>
               <a:r>
                 <a:rPr kumimoji="1" lang="zh-CN" altLang="en-US" sz="2000" dirty="0">
-                  <a:latin typeface="JingDongLangZhengTi" panose="02000500000000000000" pitchFamily="2" charset="-122"/>
-                  <a:ea typeface="JingDongLangZhengTi" panose="02000500000000000000" pitchFamily="2" charset="-122"/>
+                  <a:latin typeface="JingDongLangZhengTi Regular" panose="02000500000000000000" pitchFamily="2" charset="-122"/>
+                  <a:ea typeface="JingDongLangZhengTi Regular" panose="02000500000000000000" pitchFamily="2" charset="-122"/>
                 </a:rPr>
                 <a:t>进攻能量</a:t>
               </a:r>
               <a:r>
                 <a:rPr kumimoji="1" lang="en-US" altLang="zh-CN" sz="2000" dirty="0">
-                  <a:latin typeface="JingDongLangZhengTi" panose="02000500000000000000" pitchFamily="2" charset="-122"/>
-                  <a:ea typeface="JingDongLangZhengTi" panose="02000500000000000000" pitchFamily="2" charset="-122"/>
+                  <a:latin typeface="JingDongLangZhengTi Regular" panose="02000500000000000000" pitchFamily="2" charset="-122"/>
+                  <a:ea typeface="JingDongLangZhengTi Regular" panose="02000500000000000000" pitchFamily="2" charset="-122"/>
                 </a:rPr>
                 <a:t>[OE]</a:t>
               </a:r>
               <a:endParaRPr kumimoji="1" lang="zh-CN" altLang="en-US" sz="2000" dirty="0">
-                <a:latin typeface="JingDongLangZhengTi" panose="02000500000000000000" pitchFamily="2" charset="-122"/>
-                <a:ea typeface="JingDongLangZhengTi" panose="02000500000000000000" pitchFamily="2" charset="-122"/>
+                <a:latin typeface="JingDongLangZhengTi Regular" panose="02000500000000000000" pitchFamily="2" charset="-122"/>
+                <a:ea typeface="JingDongLangZhengTi Regular" panose="02000500000000000000" pitchFamily="2" charset="-122"/>
               </a:endParaRPr>
             </a:p>
           </p:txBody>
@@ -5427,7 +5427,7 @@
           </p:nvSpPr>
           <p:spPr>
             <a:xfrm>
-              <a:off x="9150905" y="2167462"/>
+              <a:off x="9150905" y="2373934"/>
               <a:ext cx="2829056" cy="804971"/>
             </a:xfrm>
             <a:prstGeom prst="rect">
@@ -5462,21 +5462,21 @@
               <a:pPr algn="ctr"/>
               <a:r>
                 <a:rPr kumimoji="1" lang="zh-CN" altLang="en-US" sz="2000" dirty="0">
-                  <a:latin typeface="JingDongLangZhengTi" panose="02000500000000000000" pitchFamily="2" charset="-122"/>
-                  <a:ea typeface="JingDongLangZhengTi" panose="02000500000000000000" pitchFamily="2" charset="-122"/>
+                  <a:latin typeface="JingDongLangZhengTi Regular" panose="02000500000000000000" pitchFamily="2" charset="-122"/>
+                  <a:ea typeface="JingDongLangZhengTi Regular" panose="02000500000000000000" pitchFamily="2" charset="-122"/>
                 </a:rPr>
                 <a:t>防守能量</a:t>
               </a:r>
               <a:r>
                 <a:rPr kumimoji="1" lang="en-US" altLang="zh-CN" sz="2000" dirty="0">
-                  <a:latin typeface="JingDongLangZhengTi" panose="02000500000000000000" pitchFamily="2" charset="-122"/>
-                  <a:ea typeface="JingDongLangZhengTi" panose="02000500000000000000" pitchFamily="2" charset="-122"/>
+                  <a:latin typeface="JingDongLangZhengTi Regular" panose="02000500000000000000" pitchFamily="2" charset="-122"/>
+                  <a:ea typeface="JingDongLangZhengTi Regular" panose="02000500000000000000" pitchFamily="2" charset="-122"/>
                 </a:rPr>
                 <a:t>[DE]</a:t>
               </a:r>
               <a:endParaRPr kumimoji="1" lang="zh-CN" altLang="en-US" sz="2000" dirty="0">
-                <a:latin typeface="JingDongLangZhengTi" panose="02000500000000000000" pitchFamily="2" charset="-122"/>
-                <a:ea typeface="JingDongLangZhengTi" panose="02000500000000000000" pitchFamily="2" charset="-122"/>
+                <a:latin typeface="JingDongLangZhengTi Regular" panose="02000500000000000000" pitchFamily="2" charset="-122"/>
+                <a:ea typeface="JingDongLangZhengTi Regular" panose="02000500000000000000" pitchFamily="2" charset="-122"/>
               </a:endParaRPr>
             </a:p>
           </p:txBody>
@@ -5495,7 +5495,7 @@
           </p:nvSpPr>
           <p:spPr>
             <a:xfrm>
-              <a:off x="9150905" y="3861277"/>
+              <a:off x="9150905" y="4470872"/>
               <a:ext cx="2829056" cy="804971"/>
             </a:xfrm>
             <a:prstGeom prst="rect">
@@ -5530,21 +5530,21 @@
               <a:pPr algn="ctr"/>
               <a:r>
                 <a:rPr kumimoji="1" lang="zh-CN" altLang="en-US" sz="2000" dirty="0">
-                  <a:latin typeface="JingDongLangZhengTi" panose="02000500000000000000" pitchFamily="2" charset="-122"/>
-                  <a:ea typeface="JingDongLangZhengTi" panose="02000500000000000000" pitchFamily="2" charset="-122"/>
+                  <a:latin typeface="JingDongLangZhengTi Regular" panose="02000500000000000000" pitchFamily="2" charset="-122"/>
+                  <a:ea typeface="JingDongLangZhengTi Regular" panose="02000500000000000000" pitchFamily="2" charset="-122"/>
                 </a:rPr>
                 <a:t>业务风险</a:t>
               </a:r>
               <a:r>
                 <a:rPr kumimoji="1" lang="en-US" altLang="zh-CN" sz="2000" dirty="0">
-                  <a:latin typeface="JingDongLangZhengTi" panose="02000500000000000000" pitchFamily="2" charset="-122"/>
-                  <a:ea typeface="JingDongLangZhengTi" panose="02000500000000000000" pitchFamily="2" charset="-122"/>
+                  <a:latin typeface="JingDongLangZhengTi Regular" panose="02000500000000000000" pitchFamily="2" charset="-122"/>
+                  <a:ea typeface="JingDongLangZhengTi Regular" panose="02000500000000000000" pitchFamily="2" charset="-122"/>
                 </a:rPr>
                 <a:t>[BR]</a:t>
               </a:r>
               <a:endParaRPr kumimoji="1" lang="zh-CN" altLang="en-US" sz="2000" dirty="0">
-                <a:latin typeface="JingDongLangZhengTi" panose="02000500000000000000" pitchFamily="2" charset="-122"/>
-                <a:ea typeface="JingDongLangZhengTi" panose="02000500000000000000" pitchFamily="2" charset="-122"/>
+                <a:latin typeface="JingDongLangZhengTi Regular" panose="02000500000000000000" pitchFamily="2" charset="-122"/>
+                <a:ea typeface="JingDongLangZhengTi Regular" panose="02000500000000000000" pitchFamily="2" charset="-122"/>
               </a:endParaRPr>
             </a:p>
           </p:txBody>
@@ -5563,7 +5563,7 @@
           </p:nvSpPr>
           <p:spPr>
             <a:xfrm>
-              <a:off x="9150905" y="5413577"/>
+              <a:off x="9150905" y="5954347"/>
               <a:ext cx="2829056" cy="804971"/>
             </a:xfrm>
             <a:prstGeom prst="rect">
@@ -5596,21 +5596,21 @@
               <a:pPr algn="ctr"/>
               <a:r>
                 <a:rPr kumimoji="1" lang="zh-CN" altLang="en-US" sz="2000" dirty="0">
-                  <a:latin typeface="JingDongLangZhengTi" panose="02000500000000000000" pitchFamily="2" charset="-122"/>
-                  <a:ea typeface="JingDongLangZhengTi" panose="02000500000000000000" pitchFamily="2" charset="-122"/>
+                  <a:latin typeface="JingDongLangZhengTi Regular" panose="02000500000000000000" pitchFamily="2" charset="-122"/>
+                  <a:ea typeface="JingDongLangZhengTi Regular" panose="02000500000000000000" pitchFamily="2" charset="-122"/>
                 </a:rPr>
                 <a:t>企业风险</a:t>
               </a:r>
               <a:r>
                 <a:rPr kumimoji="1" lang="en-US" altLang="zh-CN" sz="2000" dirty="0">
-                  <a:latin typeface="JingDongLangZhengTi" panose="02000500000000000000" pitchFamily="2" charset="-122"/>
-                  <a:ea typeface="JingDongLangZhengTi" panose="02000500000000000000" pitchFamily="2" charset="-122"/>
+                  <a:latin typeface="JingDongLangZhengTi Regular" panose="02000500000000000000" pitchFamily="2" charset="-122"/>
+                  <a:ea typeface="JingDongLangZhengTi Regular" panose="02000500000000000000" pitchFamily="2" charset="-122"/>
                 </a:rPr>
                 <a:t>[ER]</a:t>
               </a:r>
               <a:endParaRPr kumimoji="1" lang="zh-CN" altLang="en-US" sz="2000" dirty="0">
-                <a:latin typeface="JingDongLangZhengTi" panose="02000500000000000000" pitchFamily="2" charset="-122"/>
-                <a:ea typeface="JingDongLangZhengTi" panose="02000500000000000000" pitchFamily="2" charset="-122"/>
+                <a:latin typeface="JingDongLangZhengTi Regular" panose="02000500000000000000" pitchFamily="2" charset="-122"/>
+                <a:ea typeface="JingDongLangZhengTi Regular" panose="02000500000000000000" pitchFamily="2" charset="-122"/>
               </a:endParaRPr>
             </a:p>
           </p:txBody>
@@ -5626,13 +5626,15 @@
             </p:cNvPr>
             <p:cNvCxnSpPr>
               <a:cxnSpLocks/>
+              <a:stCxn id="30" idx="3"/>
+              <a:endCxn id="36" idx="1"/>
             </p:cNvCxnSpPr>
             <p:nvPr/>
           </p:nvCxnSpPr>
           <p:spPr>
             <a:xfrm>
-              <a:off x="7256780" y="645278"/>
-              <a:ext cx="1894120" cy="411860"/>
+              <a:off x="7256780" y="664610"/>
+              <a:ext cx="1894125" cy="196237"/>
             </a:xfrm>
             <a:prstGeom prst="bentConnector3">
               <a:avLst>
@@ -5677,13 +5679,14 @@
             </p:cNvPr>
             <p:cNvCxnSpPr>
               <a:cxnSpLocks/>
+              <a:endCxn id="36" idx="1"/>
             </p:cNvCxnSpPr>
             <p:nvPr/>
           </p:nvCxnSpPr>
           <p:spPr>
             <a:xfrm flipV="1">
-              <a:off x="7256780" y="1052029"/>
-              <a:ext cx="1894120" cy="615532"/>
+              <a:off x="7256780" y="860847"/>
+              <a:ext cx="1894125" cy="993987"/>
             </a:xfrm>
             <a:prstGeom prst="bentConnector3">
               <a:avLst>
@@ -5733,8 +5736,8 @@
           </p:nvCxnSpPr>
           <p:spPr>
             <a:xfrm flipV="1">
-              <a:off x="7256780" y="1067323"/>
-              <a:ext cx="1894125" cy="3961001"/>
+              <a:off x="7256780" y="851019"/>
+              <a:ext cx="1894125" cy="4691405"/>
             </a:xfrm>
             <a:prstGeom prst="bentConnector3">
               <a:avLst>
@@ -5784,7 +5787,7 @@
           </p:nvCxnSpPr>
           <p:spPr>
             <a:xfrm>
-              <a:off x="7256786" y="1799577"/>
+              <a:off x="7256786" y="2006049"/>
               <a:ext cx="1894119" cy="757492"/>
             </a:xfrm>
             <a:prstGeom prst="bentConnector3">
@@ -5835,12 +5838,12 @@
           </p:nvCxnSpPr>
           <p:spPr>
             <a:xfrm flipV="1">
-              <a:off x="7256788" y="2557069"/>
-              <a:ext cx="1894117" cy="210421"/>
+              <a:off x="7256780" y="2763541"/>
+              <a:ext cx="1894125" cy="402459"/>
             </a:xfrm>
             <a:prstGeom prst="bentConnector3">
               <a:avLst>
-                <a:gd name="adj1" fmla="val 37761"/>
+                <a:gd name="adj1" fmla="val 37542"/>
               </a:avLst>
             </a:prstGeom>
             <a:ln w="127000" cap="flat" cmpd="sng">
@@ -5881,17 +5884,19 @@
             </p:cNvPr>
             <p:cNvCxnSpPr>
               <a:cxnSpLocks/>
+              <a:stCxn id="34" idx="3"/>
+              <a:endCxn id="37" idx="1"/>
             </p:cNvCxnSpPr>
             <p:nvPr/>
           </p:nvCxnSpPr>
           <p:spPr>
             <a:xfrm flipV="1">
-              <a:off x="7256788" y="2557069"/>
-              <a:ext cx="1894117" cy="2342071"/>
+              <a:off x="7256780" y="2776420"/>
+              <a:ext cx="1894125" cy="2952812"/>
             </a:xfrm>
             <a:prstGeom prst="bentConnector3">
               <a:avLst>
-                <a:gd name="adj1" fmla="val 37761"/>
+                <a:gd name="adj1" fmla="val 38061"/>
               </a:avLst>
             </a:prstGeom>
             <a:ln w="127000" cap="flat" cmpd="sng">
@@ -5932,17 +5937,18 @@
             </p:cNvPr>
             <p:cNvCxnSpPr>
               <a:cxnSpLocks/>
+              <a:stCxn id="33" idx="3"/>
             </p:cNvCxnSpPr>
             <p:nvPr/>
           </p:nvCxnSpPr>
           <p:spPr>
             <a:xfrm>
-              <a:off x="7256788" y="4035393"/>
-              <a:ext cx="1894117" cy="228372"/>
+              <a:off x="7256780" y="4558763"/>
+              <a:ext cx="1894125" cy="314597"/>
             </a:xfrm>
             <a:prstGeom prst="bentConnector3">
               <a:avLst>
-                <a:gd name="adj1" fmla="val 50000"/>
+                <a:gd name="adj1" fmla="val 71802"/>
               </a:avLst>
             </a:prstGeom>
             <a:ln w="127000" cap="flat" cmpd="sng">
@@ -5988,12 +5994,12 @@
           </p:nvCxnSpPr>
           <p:spPr>
             <a:xfrm flipV="1">
-              <a:off x="7256788" y="4261772"/>
-              <a:ext cx="1894117" cy="902769"/>
+              <a:off x="7235773" y="4871367"/>
+              <a:ext cx="1915132" cy="1074637"/>
             </a:xfrm>
             <a:prstGeom prst="bentConnector3">
               <a:avLst>
-                <a:gd name="adj1" fmla="val 70398"/>
+                <a:gd name="adj1" fmla="val 71563"/>
               </a:avLst>
             </a:prstGeom>
             <a:ln w="127000" cap="flat" cmpd="sng">
@@ -6040,12 +6046,12 @@
           </p:nvCxnSpPr>
           <p:spPr>
             <a:xfrm flipV="1">
-              <a:off x="7256780" y="4263766"/>
+              <a:off x="7256780" y="4873361"/>
               <a:ext cx="1894125" cy="1635010"/>
             </a:xfrm>
             <a:prstGeom prst="bentConnector3">
               <a:avLst>
-                <a:gd name="adj1" fmla="val 70796"/>
+                <a:gd name="adj1" fmla="val 71834"/>
               </a:avLst>
             </a:prstGeom>
             <a:ln w="127000" cap="flat" cmpd="sng">
@@ -6091,12 +6097,12 @@
           </p:nvCxnSpPr>
           <p:spPr>
             <a:xfrm>
-              <a:off x="7256788" y="2027626"/>
-              <a:ext cx="1894117" cy="3810209"/>
+              <a:off x="7256780" y="2160586"/>
+              <a:ext cx="1894125" cy="4235575"/>
             </a:xfrm>
             <a:prstGeom prst="bentConnector3">
               <a:avLst>
-                <a:gd name="adj1" fmla="val 59519"/>
+                <a:gd name="adj1" fmla="val 24565"/>
               </a:avLst>
             </a:prstGeom>
             <a:ln w="127000" cap="flat" cmpd="sng">
@@ -6140,12 +6146,12 @@
           </p:nvCxnSpPr>
           <p:spPr>
             <a:xfrm>
-              <a:off x="7256788" y="3169653"/>
-              <a:ext cx="1894117" cy="2668182"/>
+              <a:off x="7256780" y="3469760"/>
+              <a:ext cx="1894125" cy="2926401"/>
             </a:xfrm>
             <a:prstGeom prst="bentConnector3">
               <a:avLst>
-                <a:gd name="adj1" fmla="val 59519"/>
+                <a:gd name="adj1" fmla="val 24565"/>
               </a:avLst>
             </a:prstGeom>
             <a:ln w="127000" cap="flat" cmpd="sng">
@@ -6189,12 +6195,12 @@
           </p:nvCxnSpPr>
           <p:spPr>
             <a:xfrm>
-              <a:off x="7256788" y="5301303"/>
-              <a:ext cx="1894117" cy="536532"/>
+              <a:off x="7256780" y="5837386"/>
+              <a:ext cx="1894125" cy="558775"/>
             </a:xfrm>
             <a:prstGeom prst="bentConnector3">
               <a:avLst>
-                <a:gd name="adj1" fmla="val 59519"/>
+                <a:gd name="adj1" fmla="val 24564"/>
               </a:avLst>
             </a:prstGeom>
             <a:ln w="127000" cap="flat" cmpd="sng">
@@ -6222,6 +6228,156 @@
             </a:fontRef>
           </p:style>
         </p:cxnSp>
+        <p:sp>
+          <p:nvSpPr>
+            <p:cNvPr id="3" name="矩形 2">
+              <a:extLst>
+                <a:ext uri="{FF2B5EF4-FFF2-40B4-BE49-F238E27FC236}">
+                  <a16:creationId xmlns:a16="http://schemas.microsoft.com/office/drawing/2014/main" id="{F6EFE676-EDD2-6A6A-427D-7580420E3E2C}"/>
+                </a:ext>
+              </a:extLst>
+            </p:cNvPr>
+            <p:cNvSpPr/>
+            <p:nvPr/>
+          </p:nvSpPr>
+          <p:spPr>
+            <a:xfrm>
+              <a:off x="245457" y="1000919"/>
+              <a:ext cx="2906487" cy="272143"/>
+            </a:xfrm>
+            <a:prstGeom prst="rect">
+              <a:avLst/>
+            </a:prstGeom>
+            <a:solidFill>
+              <a:schemeClr val="accent2">
+                <a:lumMod val="75000"/>
+              </a:schemeClr>
+            </a:solidFill>
+          </p:spPr>
+          <p:style>
+            <a:lnRef idx="2">
+              <a:schemeClr val="accent1">
+                <a:shade val="50000"/>
+              </a:schemeClr>
+            </a:lnRef>
+            <a:fillRef idx="1">
+              <a:schemeClr val="accent1"/>
+            </a:fillRef>
+            <a:effectRef idx="0">
+              <a:schemeClr val="accent1"/>
+            </a:effectRef>
+            <a:fontRef idx="minor">
+              <a:schemeClr val="lt1"/>
+            </a:fontRef>
+          </p:style>
+          <p:txBody>
+            <a:bodyPr rtlCol="0" anchor="ctr"/>
+            <a:lstStyle/>
+            <a:p>
+              <a:pPr algn="ctr"/>
+              <a:r>
+                <a:rPr kumimoji="1" lang="zh-CN" altLang="en-US" sz="1200" dirty="0">
+                  <a:latin typeface="JingDongLangZhengTi Regular" panose="02000500000000000000" pitchFamily="2" charset="-122"/>
+                  <a:ea typeface="JingDongLangZhengTi Regular" panose="02000500000000000000" pitchFamily="2" charset="-122"/>
+                </a:rPr>
+                <a:t>对抗溯源能力</a:t>
+              </a:r>
+              <a:r>
+                <a:rPr kumimoji="1" lang="en-US" altLang="zh-CN" sz="1200" dirty="0">
+                  <a:latin typeface="JingDongLangZhengTi Regular" panose="02000500000000000000" pitchFamily="2" charset="-122"/>
+                  <a:ea typeface="JingDongLangZhengTi Regular" panose="02000500000000000000" pitchFamily="2" charset="-122"/>
+                </a:rPr>
+                <a:t>[</a:t>
+              </a:r>
+              <a:r>
+                <a:rPr kumimoji="1" lang="en" altLang="zh-CN" sz="1200" dirty="0">
+                  <a:latin typeface="JingDongLangZhengTi Regular" panose="02000500000000000000" pitchFamily="2" charset="-122"/>
+                  <a:ea typeface="JingDongLangZhengTi Regular" panose="02000500000000000000" pitchFamily="2" charset="-122"/>
+                </a:rPr>
+                <a:t>AL]</a:t>
+              </a:r>
+              <a:endParaRPr kumimoji="1" lang="zh-CN" altLang="en-US" sz="1200" dirty="0">
+                <a:latin typeface="JingDongLangZhengTi Regular" panose="02000500000000000000" pitchFamily="2" charset="-122"/>
+                <a:ea typeface="JingDongLangZhengTi Regular" panose="02000500000000000000" pitchFamily="2" charset="-122"/>
+              </a:endParaRPr>
+            </a:p>
+          </p:txBody>
+        </p:sp>
+        <p:sp>
+          <p:nvSpPr>
+            <p:cNvPr id="41" name="矩形 40">
+              <a:extLst>
+                <a:ext uri="{FF2B5EF4-FFF2-40B4-BE49-F238E27FC236}">
+                  <a16:creationId xmlns:a16="http://schemas.microsoft.com/office/drawing/2014/main" id="{567CFFA3-0F40-4961-DABF-AD7B70000E10}"/>
+                </a:ext>
+              </a:extLst>
+            </p:cNvPr>
+            <p:cNvSpPr/>
+            <p:nvPr/>
+          </p:nvSpPr>
+          <p:spPr>
+            <a:xfrm>
+              <a:off x="245456" y="3661694"/>
+              <a:ext cx="2906487" cy="272143"/>
+            </a:xfrm>
+            <a:prstGeom prst="rect">
+              <a:avLst/>
+            </a:prstGeom>
+            <a:solidFill>
+              <a:schemeClr val="accent4">
+                <a:lumMod val="75000"/>
+              </a:schemeClr>
+            </a:solidFill>
+          </p:spPr>
+          <p:style>
+            <a:lnRef idx="2">
+              <a:schemeClr val="accent1">
+                <a:shade val="50000"/>
+              </a:schemeClr>
+            </a:lnRef>
+            <a:fillRef idx="1">
+              <a:schemeClr val="accent1"/>
+            </a:fillRef>
+            <a:effectRef idx="0">
+              <a:schemeClr val="accent1"/>
+            </a:effectRef>
+            <a:fontRef idx="minor">
+              <a:schemeClr val="lt1"/>
+            </a:fontRef>
+          </p:style>
+          <p:txBody>
+            <a:bodyPr rtlCol="0" anchor="ctr"/>
+            <a:lstStyle/>
+            <a:p>
+              <a:pPr algn="ctr"/>
+              <a:r>
+                <a:rPr kumimoji="1" lang="zh-CN" altLang="en-US" sz="1200" dirty="0">
+                  <a:latin typeface="JingDongLangZhengTi Regular" panose="02000500000000000000" pitchFamily="2" charset="-122"/>
+                  <a:ea typeface="JingDongLangZhengTi Regular" panose="02000500000000000000" pitchFamily="2" charset="-122"/>
+                </a:rPr>
+                <a:t>漏洞暴露窗口</a:t>
+              </a:r>
+              <a:r>
+                <a:rPr kumimoji="1" lang="en-US" altLang="zh-CN" sz="1200" dirty="0">
+                  <a:latin typeface="JingDongLangZhengTi Regular" panose="02000500000000000000" pitchFamily="2" charset="-122"/>
+                  <a:ea typeface="JingDongLangZhengTi Regular" panose="02000500000000000000" pitchFamily="2" charset="-122"/>
+                </a:rPr>
+                <a:t>[</a:t>
+              </a:r>
+              <a:r>
+                <a:rPr kumimoji="1" lang="en" altLang="zh-CN" sz="1200" dirty="0">
+                  <a:latin typeface="JingDongLangZhengTi Regular" panose="02000500000000000000" pitchFamily="2" charset="-122"/>
+                  <a:ea typeface="JingDongLangZhengTi Regular" panose="02000500000000000000" pitchFamily="2" charset="-122"/>
+                </a:rPr>
+                <a:t>VDW]</a:t>
+              </a:r>
+              <a:endParaRPr kumimoji="1" lang="zh-CN" altLang="en-US" sz="1200" dirty="0">
+                <a:latin typeface="JingDongLangZhengTi Regular" panose="02000500000000000000" pitchFamily="2" charset="-122"/>
+                <a:ea typeface="JingDongLangZhengTi Regular" panose="02000500000000000000" pitchFamily="2" charset="-122"/>
+              </a:endParaRPr>
+            </a:p>
+          </p:txBody>
+        </p:sp>
       </p:grpSp>
     </p:spTree>
     <p:extLst>
